--- a/powerpoint/01 Variables_Operators_Logic_Math.pptx
+++ b/powerpoint/01 Variables_Operators_Logic_Math.pptx
@@ -474,7 +474,7 @@
           <a:p>
             <a:fld id="{9819AC5B-5C28-4682-8A2A-3D2C4E3BE131}" type="datetimeFigureOut">
               <a:rPr lang="en-US" smtClean="0"/>
-              <a:t>6/7/2018</a:t>
+              <a:t>6/8/2018</a:t>
             </a:fld>
             <a:endParaRPr lang="en-US"/>
           </a:p>
@@ -682,7 +682,7 @@
           <a:p>
             <a:fld id="{9819AC5B-5C28-4682-8A2A-3D2C4E3BE131}" type="datetimeFigureOut">
               <a:rPr lang="en-US" smtClean="0"/>
-              <a:t>6/7/2018</a:t>
+              <a:t>6/8/2018</a:t>
             </a:fld>
             <a:endParaRPr lang="en-US"/>
           </a:p>
@@ -1136,7 +1136,7 @@
           <a:p>
             <a:fld id="{9819AC5B-5C28-4682-8A2A-3D2C4E3BE131}" type="datetimeFigureOut">
               <a:rPr lang="en-US" smtClean="0"/>
-              <a:t>6/7/2018</a:t>
+              <a:t>6/8/2018</a:t>
             </a:fld>
             <a:endParaRPr lang="en-US"/>
           </a:p>
@@ -1401,7 +1401,7 @@
           <a:p>
             <a:fld id="{9819AC5B-5C28-4682-8A2A-3D2C4E3BE131}" type="datetimeFigureOut">
               <a:rPr lang="en-US" smtClean="0"/>
-              <a:t>6/7/2018</a:t>
+              <a:t>6/8/2018</a:t>
             </a:fld>
             <a:endParaRPr lang="en-US"/>
           </a:p>
@@ -1813,7 +1813,7 @@
           <a:p>
             <a:fld id="{9819AC5B-5C28-4682-8A2A-3D2C4E3BE131}" type="datetimeFigureOut">
               <a:rPr lang="en-US" smtClean="0"/>
-              <a:t>6/7/2018</a:t>
+              <a:t>6/8/2018</a:t>
             </a:fld>
             <a:endParaRPr lang="en-US"/>
           </a:p>
@@ -1954,7 +1954,7 @@
           <a:p>
             <a:fld id="{9819AC5B-5C28-4682-8A2A-3D2C4E3BE131}" type="datetimeFigureOut">
               <a:rPr lang="en-US" smtClean="0"/>
-              <a:t>6/7/2018</a:t>
+              <a:t>6/8/2018</a:t>
             </a:fld>
             <a:endParaRPr lang="en-US"/>
           </a:p>
@@ -2067,7 +2067,7 @@
           <a:p>
             <a:fld id="{9819AC5B-5C28-4682-8A2A-3D2C4E3BE131}" type="datetimeFigureOut">
               <a:rPr lang="en-US" smtClean="0"/>
-              <a:t>6/7/2018</a:t>
+              <a:t>6/8/2018</a:t>
             </a:fld>
             <a:endParaRPr lang="en-US"/>
           </a:p>
@@ -2378,7 +2378,7 @@
           <a:p>
             <a:fld id="{9819AC5B-5C28-4682-8A2A-3D2C4E3BE131}" type="datetimeFigureOut">
               <a:rPr lang="en-US" smtClean="0"/>
-              <a:t>6/7/2018</a:t>
+              <a:t>6/8/2018</a:t>
             </a:fld>
             <a:endParaRPr lang="en-US"/>
           </a:p>
@@ -2666,7 +2666,7 @@
           <a:p>
             <a:fld id="{9819AC5B-5C28-4682-8A2A-3D2C4E3BE131}" type="datetimeFigureOut">
               <a:rPr lang="en-US" smtClean="0"/>
-              <a:t>6/7/2018</a:t>
+              <a:t>6/8/2018</a:t>
             </a:fld>
             <a:endParaRPr lang="en-US"/>
           </a:p>
@@ -2907,7 +2907,7 @@
           <a:p>
             <a:fld id="{9819AC5B-5C28-4682-8A2A-3D2C4E3BE131}" type="datetimeFigureOut">
               <a:rPr lang="en-US" smtClean="0"/>
-              <a:t>6/7/2018</a:t>
+              <a:t>6/8/2018</a:t>
             </a:fld>
             <a:endParaRPr lang="en-US"/>
           </a:p>
@@ -3494,7 +3494,12 @@
             <p:ph idx="1"/>
           </p:nvPr>
         </p:nvSpPr>
-        <p:spPr/>
+        <p:spPr>
+          <a:xfrm>
+            <a:off x="838200" y="1825625"/>
+            <a:ext cx="10515600" cy="3727887"/>
+          </a:xfrm>
+        </p:spPr>
         <p:txBody>
           <a:bodyPr>
             <a:normAutofit lnSpcReduction="10000"/>
@@ -3509,181 +3514,255 @@
             </a:r>
           </a:p>
           <a:p>
-            <a:pPr lvl="1">
-              <a:buNone/>
-            </a:pPr>
-            <a:r>
-              <a:rPr lang="en-US" altLang="en-US" dirty="0">
-                <a:latin typeface="Courier New" panose="02070309020205020404" pitchFamily="49" charset="0"/>
-                <a:ea typeface="ＭＳ Ｐゴシック" panose="020B0600070205080204" pitchFamily="34" charset="-128"/>
-              </a:rPr>
-              <a:t> bob  </a:t>
-            </a:r>
-            <a:r>
-              <a:rPr lang="en-US" altLang="en-US" dirty="0" err="1">
-                <a:latin typeface="Courier New" panose="02070309020205020404" pitchFamily="49" charset="0"/>
+            <a:pPr marL="0" lvl="1" indent="0">
+              <a:lnSpc>
+                <a:spcPct val="70000"/>
+              </a:lnSpc>
+              <a:spcBef>
+                <a:spcPts val="1000"/>
+              </a:spcBef>
+              <a:buNone/>
+            </a:pPr>
+            <a:r>
+              <a:rPr lang="en-US" altLang="en-US" sz="1200" dirty="0">
+                <a:solidFill>
+                  <a:schemeClr val="accent2"/>
+                </a:solidFill>
+                <a:latin typeface="Lucida Sans Typewriter" panose="020B0509030504030204" pitchFamily="49" charset="0"/>
+                <a:ea typeface="ＭＳ Ｐゴシック" panose="020B0600070205080204" pitchFamily="34" charset="-128"/>
+              </a:rPr>
+              <a:t> 	bob  </a:t>
+            </a:r>
+            <a:r>
+              <a:rPr lang="en-US" altLang="en-US" sz="1200" dirty="0" err="1">
+                <a:solidFill>
+                  <a:schemeClr val="accent2"/>
+                </a:solidFill>
+                <a:latin typeface="Lucida Sans Typewriter" panose="020B0509030504030204" pitchFamily="49" charset="0"/>
                 <a:ea typeface="ＭＳ Ｐゴシック" panose="020B0600070205080204" pitchFamily="34" charset="-128"/>
               </a:rPr>
               <a:t>Bob</a:t>
             </a:r>
             <a:r>
-              <a:rPr lang="en-US" altLang="en-US" dirty="0">
-                <a:latin typeface="Courier New" panose="02070309020205020404" pitchFamily="49" charset="0"/>
+              <a:rPr lang="en-US" altLang="en-US" sz="1200" dirty="0">
+                <a:solidFill>
+                  <a:schemeClr val="accent2"/>
+                </a:solidFill>
+                <a:latin typeface="Lucida Sans Typewriter" panose="020B0509030504030204" pitchFamily="49" charset="0"/>
                 <a:ea typeface="ＭＳ Ｐゴシック" panose="020B0600070205080204" pitchFamily="34" charset="-128"/>
               </a:rPr>
               <a:t>  _bob  _2_bob_  bob_2  </a:t>
             </a:r>
             <a:r>
-              <a:rPr lang="en-US" altLang="en-US" dirty="0" err="1">
-                <a:latin typeface="Courier New" panose="02070309020205020404" pitchFamily="49" charset="0"/>
+              <a:rPr lang="en-US" altLang="en-US" sz="1200" dirty="0" err="1">
+                <a:solidFill>
+                  <a:schemeClr val="accent2"/>
+                </a:solidFill>
+                <a:latin typeface="Lucida Sans Typewriter" panose="020B0509030504030204" pitchFamily="49" charset="0"/>
                 <a:ea typeface="ＭＳ Ｐゴシック" panose="020B0600070205080204" pitchFamily="34" charset="-128"/>
               </a:rPr>
               <a:t>BoB</a:t>
             </a:r>
-            <a:endParaRPr lang="en-US" altLang="en-US" dirty="0">
-              <a:latin typeface="Courier New" panose="02070309020205020404" pitchFamily="49" charset="0"/>
-              <a:ea typeface="ＭＳ Ｐゴシック" panose="020B0600070205080204" pitchFamily="34" charset="-128"/>
-            </a:endParaRPr>
-          </a:p>
-          <a:p>
-            <a:r>
-              <a:rPr lang="en-US" altLang="en-US" dirty="0">
-                <a:ea typeface="ＭＳ Ｐゴシック" panose="020B0600070205080204" pitchFamily="34" charset="-128"/>
-              </a:rPr>
-              <a:t>There are some reserved words:</a:t>
-            </a:r>
-          </a:p>
-          <a:p>
-            <a:pPr lvl="1">
-              <a:buNone/>
-            </a:pPr>
-            <a:r>
-              <a:rPr lang="en-US" altLang="en-US" dirty="0">
-                <a:solidFill>
-                  <a:srgbClr val="2D2DB9"/>
-                </a:solidFill>
-                <a:latin typeface="Courier New" panose="02070309020205020404" pitchFamily="49" charset="0"/>
-                <a:ea typeface="ＭＳ Ｐゴシック" panose="020B0600070205080204" pitchFamily="34" charset="-128"/>
-              </a:rPr>
-              <a:t>False      class      finally    is         return</a:t>
-            </a:r>
-          </a:p>
-          <a:p>
-            <a:pPr lvl="1">
-              <a:buNone/>
-            </a:pPr>
-            <a:r>
-              <a:rPr lang="en-US" altLang="en-US" dirty="0">
-                <a:solidFill>
-                  <a:srgbClr val="2D2DB9"/>
-                </a:solidFill>
-                <a:latin typeface="Courier New" panose="02070309020205020404" pitchFamily="49" charset="0"/>
-                <a:ea typeface="ＭＳ Ｐゴシック" panose="020B0600070205080204" pitchFamily="34" charset="-128"/>
-              </a:rPr>
-              <a:t>None       continue   for        lambda     try</a:t>
-            </a:r>
-          </a:p>
-          <a:p>
-            <a:pPr lvl="1">
-              <a:buNone/>
-            </a:pPr>
-            <a:r>
-              <a:rPr lang="en-US" altLang="en-US" dirty="0">
-                <a:solidFill>
-                  <a:srgbClr val="2D2DB9"/>
-                </a:solidFill>
-                <a:latin typeface="Courier New" panose="02070309020205020404" pitchFamily="49" charset="0"/>
-                <a:ea typeface="ＭＳ Ｐゴシック" panose="020B0600070205080204" pitchFamily="34" charset="-128"/>
-              </a:rPr>
-              <a:t>True       def        from       nonlocal   while</a:t>
-            </a:r>
-          </a:p>
-          <a:p>
-            <a:pPr lvl="1">
-              <a:buNone/>
-            </a:pPr>
-            <a:r>
-              <a:rPr lang="en-US" altLang="en-US" dirty="0">
-                <a:solidFill>
-                  <a:srgbClr val="2D2DB9"/>
-                </a:solidFill>
-                <a:latin typeface="Courier New" panose="02070309020205020404" pitchFamily="49" charset="0"/>
-                <a:ea typeface="ＭＳ Ｐゴシック" panose="020B0600070205080204" pitchFamily="34" charset="-128"/>
-              </a:rPr>
-              <a:t>and        del        global     not        with</a:t>
-            </a:r>
-          </a:p>
-          <a:p>
-            <a:pPr lvl="1">
-              <a:buNone/>
-            </a:pPr>
-            <a:r>
-              <a:rPr lang="en-US" altLang="en-US" dirty="0">
-                <a:solidFill>
-                  <a:srgbClr val="2D2DB9"/>
-                </a:solidFill>
-                <a:latin typeface="Courier New" panose="02070309020205020404" pitchFamily="49" charset="0"/>
-                <a:ea typeface="ＭＳ Ｐゴシック" panose="020B0600070205080204" pitchFamily="34" charset="-128"/>
-              </a:rPr>
-              <a:t>as         </a:t>
-            </a:r>
-            <a:r>
-              <a:rPr lang="en-US" altLang="en-US" dirty="0" err="1">
-                <a:solidFill>
-                  <a:srgbClr val="2D2DB9"/>
-                </a:solidFill>
-                <a:latin typeface="Courier New" panose="02070309020205020404" pitchFamily="49" charset="0"/>
-                <a:ea typeface="ＭＳ Ｐゴシック" panose="020B0600070205080204" pitchFamily="34" charset="-128"/>
-              </a:rPr>
-              <a:t>elif</a:t>
-            </a:r>
-            <a:r>
-              <a:rPr lang="en-US" altLang="en-US" dirty="0">
-                <a:solidFill>
-                  <a:srgbClr val="2D2DB9"/>
-                </a:solidFill>
-                <a:latin typeface="Courier New" panose="02070309020205020404" pitchFamily="49" charset="0"/>
-                <a:ea typeface="ＭＳ Ｐゴシック" panose="020B0600070205080204" pitchFamily="34" charset="-128"/>
-              </a:rPr>
-              <a:t>       if         or         yield</a:t>
-            </a:r>
-          </a:p>
-          <a:p>
-            <a:pPr lvl="1">
-              <a:buNone/>
-            </a:pPr>
-            <a:r>
-              <a:rPr lang="en-US" altLang="en-US" dirty="0">
-                <a:solidFill>
-                  <a:srgbClr val="2D2DB9"/>
-                </a:solidFill>
-                <a:latin typeface="Courier New" panose="02070309020205020404" pitchFamily="49" charset="0"/>
-                <a:ea typeface="ＭＳ Ｐゴシック" panose="020B0600070205080204" pitchFamily="34" charset="-128"/>
-              </a:rPr>
-              <a:t>assert     else       import     pass</a:t>
-            </a:r>
-          </a:p>
-          <a:p>
-            <a:pPr lvl="1">
-              <a:buNone/>
-            </a:pPr>
-            <a:r>
-              <a:rPr lang="en-US" altLang="en-US" dirty="0">
-                <a:solidFill>
-                  <a:srgbClr val="2D2DB9"/>
-                </a:solidFill>
-                <a:latin typeface="Courier New" panose="02070309020205020404" pitchFamily="49" charset="0"/>
-                <a:ea typeface="ＭＳ Ｐゴシック" panose="020B0600070205080204" pitchFamily="34" charset="-128"/>
-              </a:rPr>
-              <a:t>break      except     in         raise</a:t>
-            </a:r>
-            <a:endParaRPr lang="en-US" altLang="en-US" sz="2600" dirty="0">
+            <a:endParaRPr lang="en-US" altLang="en-US" sz="1200" dirty="0">
               <a:solidFill>
                 <a:schemeClr val="accent2"/>
               </a:solidFill>
               <a:latin typeface="Lucida Sans Typewriter" panose="020B0509030504030204" pitchFamily="49" charset="0"/>
               <a:ea typeface="ＭＳ Ｐゴシック" panose="020B0600070205080204" pitchFamily="34" charset="-128"/>
             </a:endParaRPr>
+          </a:p>
+          <a:p>
+            <a:pPr marL="0" lvl="1" indent="0">
+              <a:lnSpc>
+                <a:spcPct val="70000"/>
+              </a:lnSpc>
+              <a:spcBef>
+                <a:spcPts val="1000"/>
+              </a:spcBef>
+              <a:buNone/>
+            </a:pPr>
+            <a:endParaRPr lang="en-US" altLang="en-US" sz="1200" dirty="0">
+              <a:solidFill>
+                <a:schemeClr val="accent2"/>
+              </a:solidFill>
+              <a:latin typeface="Lucida Sans Typewriter" panose="020B0509030504030204" pitchFamily="49" charset="0"/>
+              <a:ea typeface="ＭＳ Ｐゴシック" panose="020B0600070205080204" pitchFamily="34" charset="-128"/>
+            </a:endParaRPr>
+          </a:p>
+          <a:p>
+            <a:r>
+              <a:rPr lang="en-US" altLang="en-US" dirty="0">
+                <a:ea typeface="ＭＳ Ｐゴシック" panose="020B0600070205080204" pitchFamily="34" charset="-128"/>
+              </a:rPr>
+              <a:t>These are Python’s reserved words:</a:t>
+            </a:r>
+          </a:p>
+          <a:p>
+            <a:pPr marL="0" lvl="1" indent="0">
+              <a:lnSpc>
+                <a:spcPct val="80000"/>
+              </a:lnSpc>
+              <a:spcBef>
+                <a:spcPts val="1000"/>
+              </a:spcBef>
+              <a:buNone/>
+            </a:pPr>
+            <a:r>
+              <a:rPr lang="en-US" altLang="en-US" sz="1200" dirty="0">
+                <a:solidFill>
+                  <a:schemeClr val="accent2"/>
+                </a:solidFill>
+                <a:latin typeface="Lucida Sans Typewriter" panose="020B0509030504030204" pitchFamily="49" charset="0"/>
+                <a:ea typeface="ＭＳ Ｐゴシック" panose="020B0600070205080204" pitchFamily="34" charset="-128"/>
+              </a:rPr>
+              <a:t>False      class      finally    is         return</a:t>
+            </a:r>
+          </a:p>
+          <a:p>
+            <a:pPr marL="0" lvl="1" indent="0">
+              <a:lnSpc>
+                <a:spcPct val="80000"/>
+              </a:lnSpc>
+              <a:spcBef>
+                <a:spcPts val="1000"/>
+              </a:spcBef>
+              <a:buNone/>
+            </a:pPr>
+            <a:r>
+              <a:rPr lang="en-US" altLang="en-US" sz="1200" dirty="0">
+                <a:solidFill>
+                  <a:schemeClr val="accent2"/>
+                </a:solidFill>
+                <a:latin typeface="Lucida Sans Typewriter" panose="020B0509030504030204" pitchFamily="49" charset="0"/>
+                <a:ea typeface="ＭＳ Ｐゴシック" panose="020B0600070205080204" pitchFamily="34" charset="-128"/>
+              </a:rPr>
+              <a:t>None       continue   for        lambda     try</a:t>
+            </a:r>
+          </a:p>
+          <a:p>
+            <a:pPr marL="0" lvl="1" indent="0">
+              <a:lnSpc>
+                <a:spcPct val="80000"/>
+              </a:lnSpc>
+              <a:spcBef>
+                <a:spcPts val="1000"/>
+              </a:spcBef>
+              <a:buNone/>
+            </a:pPr>
+            <a:r>
+              <a:rPr lang="en-US" altLang="en-US" sz="1200" dirty="0">
+                <a:solidFill>
+                  <a:schemeClr val="accent2"/>
+                </a:solidFill>
+                <a:latin typeface="Lucida Sans Typewriter" panose="020B0509030504030204" pitchFamily="49" charset="0"/>
+                <a:ea typeface="ＭＳ Ｐゴシック" panose="020B0600070205080204" pitchFamily="34" charset="-128"/>
+              </a:rPr>
+              <a:t>True       def        from       nonlocal   while</a:t>
+            </a:r>
+          </a:p>
+          <a:p>
+            <a:pPr marL="0" lvl="1" indent="0">
+              <a:lnSpc>
+                <a:spcPct val="80000"/>
+              </a:lnSpc>
+              <a:spcBef>
+                <a:spcPts val="1000"/>
+              </a:spcBef>
+              <a:buNone/>
+            </a:pPr>
+            <a:r>
+              <a:rPr lang="en-US" altLang="en-US" sz="1200" dirty="0">
+                <a:solidFill>
+                  <a:schemeClr val="accent2"/>
+                </a:solidFill>
+                <a:latin typeface="Lucida Sans Typewriter" panose="020B0509030504030204" pitchFamily="49" charset="0"/>
+                <a:ea typeface="ＭＳ Ｐゴシック" panose="020B0600070205080204" pitchFamily="34" charset="-128"/>
+              </a:rPr>
+              <a:t>and        del        global     not        with</a:t>
+            </a:r>
+          </a:p>
+          <a:p>
+            <a:pPr marL="0" lvl="1" indent="0">
+              <a:lnSpc>
+                <a:spcPct val="80000"/>
+              </a:lnSpc>
+              <a:spcBef>
+                <a:spcPts val="1000"/>
+              </a:spcBef>
+              <a:buNone/>
+            </a:pPr>
+            <a:r>
+              <a:rPr lang="en-US" altLang="en-US" sz="1200" dirty="0">
+                <a:solidFill>
+                  <a:schemeClr val="accent2"/>
+                </a:solidFill>
+                <a:latin typeface="Lucida Sans Typewriter" panose="020B0509030504030204" pitchFamily="49" charset="0"/>
+                <a:ea typeface="ＭＳ Ｐゴシック" panose="020B0600070205080204" pitchFamily="34" charset="-128"/>
+              </a:rPr>
+              <a:t>as         </a:t>
+            </a:r>
+            <a:r>
+              <a:rPr lang="en-US" altLang="en-US" sz="1200" dirty="0" err="1">
+                <a:solidFill>
+                  <a:schemeClr val="accent2"/>
+                </a:solidFill>
+                <a:latin typeface="Lucida Sans Typewriter" panose="020B0509030504030204" pitchFamily="49" charset="0"/>
+                <a:ea typeface="ＭＳ Ｐゴシック" panose="020B0600070205080204" pitchFamily="34" charset="-128"/>
+              </a:rPr>
+              <a:t>elif</a:t>
+            </a:r>
+            <a:r>
+              <a:rPr lang="en-US" altLang="en-US" sz="1200" dirty="0">
+                <a:solidFill>
+                  <a:schemeClr val="accent2"/>
+                </a:solidFill>
+                <a:latin typeface="Lucida Sans Typewriter" panose="020B0509030504030204" pitchFamily="49" charset="0"/>
+                <a:ea typeface="ＭＳ Ｐゴシック" panose="020B0600070205080204" pitchFamily="34" charset="-128"/>
+              </a:rPr>
+              <a:t>       if         or         yield</a:t>
+            </a:r>
+          </a:p>
+          <a:p>
+            <a:pPr marL="0" lvl="1" indent="0">
+              <a:lnSpc>
+                <a:spcPct val="80000"/>
+              </a:lnSpc>
+              <a:spcBef>
+                <a:spcPts val="1000"/>
+              </a:spcBef>
+              <a:buNone/>
+            </a:pPr>
+            <a:r>
+              <a:rPr lang="en-US" altLang="en-US" sz="1200" dirty="0">
+                <a:solidFill>
+                  <a:schemeClr val="accent2"/>
+                </a:solidFill>
+                <a:latin typeface="Lucida Sans Typewriter" panose="020B0509030504030204" pitchFamily="49" charset="0"/>
+                <a:ea typeface="ＭＳ Ｐゴシック" panose="020B0600070205080204" pitchFamily="34" charset="-128"/>
+              </a:rPr>
+              <a:t>assert     else       import     pass</a:t>
+            </a:r>
+          </a:p>
+          <a:p>
+            <a:pPr marL="0" lvl="1" indent="0">
+              <a:lnSpc>
+                <a:spcPct val="80000"/>
+              </a:lnSpc>
+              <a:spcBef>
+                <a:spcPts val="1000"/>
+              </a:spcBef>
+              <a:buNone/>
+            </a:pPr>
+            <a:r>
+              <a:rPr lang="en-US" altLang="en-US" sz="1200" dirty="0">
+                <a:solidFill>
+                  <a:schemeClr val="accent2"/>
+                </a:solidFill>
+                <a:latin typeface="Lucida Sans Typewriter" panose="020B0509030504030204" pitchFamily="49" charset="0"/>
+                <a:ea typeface="ＭＳ Ｐゴシック" panose="020B0600070205080204" pitchFamily="34" charset="-128"/>
+              </a:rPr>
+              <a:t>break      except     in         raise</a:t>
+            </a:r>
           </a:p>
         </p:txBody>
       </p:sp>
@@ -3798,16 +3877,30 @@
               <a:t> </a:t>
             </a:r>
             <a:r>
-              <a:rPr lang="en-US" altLang="en-US" sz="2400" dirty="0" err="1">
+              <a:rPr lang="en-US" altLang="en-US" sz="1200" dirty="0" err="1">
+                <a:solidFill>
+                  <a:schemeClr val="accent2"/>
+                </a:solidFill>
+                <a:latin typeface="Lucida Sans Typewriter" panose="020B0509030504030204" pitchFamily="49" charset="0"/>
                 <a:ea typeface="ＭＳ Ｐゴシック" panose="020B0600070205080204" pitchFamily="34" charset="-128"/>
               </a:rPr>
               <a:t>snake_case</a:t>
             </a:r>
             <a:r>
+              <a:rPr lang="en-US" altLang="en-US" sz="1200" dirty="0">
+                <a:solidFill>
+                  <a:schemeClr val="accent2"/>
+                </a:solidFill>
+                <a:latin typeface="Lucida Sans Typewriter" panose="020B0509030504030204" pitchFamily="49" charset="0"/>
+                <a:ea typeface="ＭＳ Ｐゴシック" panose="020B0600070205080204" pitchFamily="34" charset="-128"/>
+              </a:rPr>
+              <a:t> </a:t>
+            </a:r>
+            <a:r>
               <a:rPr lang="en-US" altLang="en-US" sz="2400" dirty="0">
                 <a:ea typeface="ＭＳ Ｐゴシック" panose="020B0600070205080204" pitchFamily="34" charset="-128"/>
               </a:rPr>
-              <a:t> for functions, methods and, attributes</a:t>
+              <a:t>for functions, methods and, attributes</a:t>
             </a:r>
           </a:p>
           <a:p>
@@ -3819,16 +3912,46 @@
               <a:t> </a:t>
             </a:r>
             <a:r>
-              <a:rPr lang="en-US" altLang="en-US" sz="2400" dirty="0" err="1">
+              <a:rPr lang="en-US" altLang="en-US" sz="1200" dirty="0" err="1">
+                <a:solidFill>
+                  <a:schemeClr val="accent2"/>
+                </a:solidFill>
+                <a:latin typeface="Lucida Sans Typewriter" panose="020B0509030504030204" pitchFamily="49" charset="0"/>
                 <a:ea typeface="ＭＳ Ｐゴシック" panose="020B0600070205080204" pitchFamily="34" charset="-128"/>
               </a:rPr>
               <a:t>snake_case</a:t>
             </a:r>
             <a:r>
+              <a:rPr lang="en-US" altLang="en-US" sz="1200" dirty="0">
+                <a:solidFill>
+                  <a:schemeClr val="accent2"/>
+                </a:solidFill>
+                <a:latin typeface="Lucida Sans Typewriter" panose="020B0509030504030204" pitchFamily="49" charset="0"/>
+                <a:ea typeface="ＭＳ Ｐゴシック" panose="020B0600070205080204" pitchFamily="34" charset="-128"/>
+              </a:rPr>
+              <a:t> </a:t>
+            </a:r>
+            <a:r>
               <a:rPr lang="en-US" altLang="en-US" sz="2400" dirty="0">
                 <a:ea typeface="ＭＳ Ｐゴシック" panose="020B0600070205080204" pitchFamily="34" charset="-128"/>
               </a:rPr>
-              <a:t> or ALL_CAPS for constants</a:t>
+              <a:t>or</a:t>
+            </a:r>
+            <a:r>
+              <a:rPr lang="en-US" altLang="en-US" sz="1200" dirty="0">
+                <a:solidFill>
+                  <a:schemeClr val="accent2"/>
+                </a:solidFill>
+                <a:latin typeface="Lucida Sans Typewriter" panose="020B0509030504030204" pitchFamily="49" charset="0"/>
+                <a:ea typeface="ＭＳ Ｐゴシック" panose="020B0600070205080204" pitchFamily="34" charset="-128"/>
+              </a:rPr>
+              <a:t> ALL_CAPS </a:t>
+            </a:r>
+            <a:r>
+              <a:rPr lang="en-US" altLang="en-US" sz="2400" dirty="0">
+                <a:ea typeface="ＭＳ Ｐゴシック" panose="020B0600070205080204" pitchFamily="34" charset="-128"/>
+              </a:rPr>
+              <a:t>for constants</a:t>
             </a:r>
           </a:p>
           <a:p>
@@ -3840,7 +3963,11 @@
               <a:t> </a:t>
             </a:r>
             <a:r>
-              <a:rPr lang="en-US" altLang="en-US" sz="2400" dirty="0" err="1">
+              <a:rPr lang="en-US" altLang="en-US" sz="1200" dirty="0" err="1">
+                <a:solidFill>
+                  <a:schemeClr val="accent2"/>
+                </a:solidFill>
+                <a:latin typeface="Lucida Sans Typewriter" panose="020B0509030504030204" pitchFamily="49" charset="0"/>
                 <a:ea typeface="ＭＳ Ｐゴシック" panose="020B0600070205080204" pitchFamily="34" charset="-128"/>
               </a:rPr>
               <a:t>StudlyCaps</a:t>
@@ -3858,7 +3985,23 @@
               <a:rPr lang="en-US" altLang="en-US" sz="2400" dirty="0">
                 <a:ea typeface="ＭＳ Ｐゴシック" panose="020B0600070205080204" pitchFamily="34" charset="-128"/>
               </a:rPr>
-              <a:t> camelCase only to conform to pre-existing conventions</a:t>
+              <a:t> </a:t>
+            </a:r>
+            <a:r>
+              <a:rPr lang="en-US" altLang="en-US" sz="1200" dirty="0">
+                <a:solidFill>
+                  <a:schemeClr val="accent2"/>
+                </a:solidFill>
+                <a:latin typeface="Lucida Sans Typewriter" panose="020B0509030504030204" pitchFamily="49" charset="0"/>
+                <a:ea typeface="ＭＳ Ｐゴシック" panose="020B0600070205080204" pitchFamily="34" charset="-128"/>
+              </a:rPr>
+              <a:t>camelCase</a:t>
+            </a:r>
+            <a:r>
+              <a:rPr lang="en-US" altLang="en-US" sz="2400" dirty="0">
+                <a:ea typeface="ＭＳ Ｐゴシック" panose="020B0600070205080204" pitchFamily="34" charset="-128"/>
+              </a:rPr>
+              <a:t> only to conform to pre-existing conventions</a:t>
             </a:r>
           </a:p>
           <a:p>
@@ -3867,7 +4010,49 @@
               <a:rPr lang="en-US" altLang="en-US" sz="2400" dirty="0">
                 <a:ea typeface="ＭＳ Ｐゴシック" panose="020B0600070205080204" pitchFamily="34" charset="-128"/>
               </a:rPr>
-              <a:t> Attributes: interface, _internal, __private</a:t>
+              <a:t> Attributes: </a:t>
+            </a:r>
+            <a:r>
+              <a:rPr lang="en-US" altLang="en-US" sz="1200" dirty="0">
+                <a:solidFill>
+                  <a:schemeClr val="accent2"/>
+                </a:solidFill>
+                <a:latin typeface="Lucida Sans Typewriter" panose="020B0509030504030204" pitchFamily="49" charset="0"/>
+                <a:ea typeface="ＭＳ Ｐゴシック" panose="020B0600070205080204" pitchFamily="34" charset="-128"/>
+              </a:rPr>
+              <a:t>interface</a:t>
+            </a:r>
+            <a:r>
+              <a:rPr lang="en-US" altLang="en-US" sz="2400" dirty="0">
+                <a:ea typeface="ＭＳ Ｐゴシック" panose="020B0600070205080204" pitchFamily="34" charset="-128"/>
+              </a:rPr>
+              <a:t>, </a:t>
+            </a:r>
+            <a:r>
+              <a:rPr lang="en-US" altLang="en-US" sz="1200" dirty="0">
+                <a:solidFill>
+                  <a:schemeClr val="accent2"/>
+                </a:solidFill>
+                <a:latin typeface="Lucida Sans Typewriter" panose="020B0509030504030204" pitchFamily="49" charset="0"/>
+                <a:ea typeface="ＭＳ Ｐゴシック" panose="020B0600070205080204" pitchFamily="34" charset="-128"/>
+              </a:rPr>
+              <a:t>_internal</a:t>
+            </a:r>
+            <a:r>
+              <a:rPr lang="en-US" altLang="en-US" sz="2400" dirty="0">
+                <a:ea typeface="ＭＳ Ｐゴシック" panose="020B0600070205080204" pitchFamily="34" charset="-128"/>
+              </a:rPr>
+              <a:t>, </a:t>
+            </a:r>
+            <a:r>
+              <a:rPr lang="en-US" altLang="en-US" sz="1200" dirty="0">
+                <a:solidFill>
+                  <a:schemeClr val="accent2"/>
+                </a:solidFill>
+                <a:latin typeface="Lucida Sans Typewriter" panose="020B0509030504030204" pitchFamily="49" charset="0"/>
+                <a:ea typeface="ＭＳ Ｐゴシック" panose="020B0600070205080204" pitchFamily="34" charset="-128"/>
+              </a:rPr>
+              <a:t>__private</a:t>
             </a:r>
           </a:p>
         </p:txBody>
@@ -3959,153 +4144,164 @@
         </p:spPr>
         <p:txBody>
           <a:bodyPr>
-            <a:normAutofit fontScale="62500" lnSpcReduction="20000"/>
+            <a:normAutofit fontScale="77500" lnSpcReduction="20000"/>
           </a:bodyPr>
           <a:lstStyle/>
           <a:p>
             <a:pPr marL="0" indent="0">
-              <a:buFont typeface="Symbol" panose="05050102010706020507" pitchFamily="18" charset="2"/>
-              <a:buNone/>
-            </a:pPr>
-            <a:r>
-              <a:rPr lang="en-US" altLang="en-US" sz="2400" dirty="0">
-                <a:latin typeface="Courier New" panose="02070309020205020404" pitchFamily="49" charset="0"/>
-                <a:ea typeface="ＭＳ Ｐゴシック" panose="020B0600070205080204" pitchFamily="34" charset="-128"/>
-                <a:cs typeface="Courier New" panose="02070309020205020404" pitchFamily="49" charset="0"/>
+              <a:buNone/>
+            </a:pPr>
+            <a:r>
+              <a:rPr lang="en-US" altLang="en-US" sz="1900" dirty="0">
+                <a:solidFill>
+                  <a:schemeClr val="accent2"/>
+                </a:solidFill>
+                <a:latin typeface="Lucida Sans Typewriter" panose="020B0509030504030204" pitchFamily="49" charset="0"/>
+                <a:ea typeface="ＭＳ Ｐゴシック" panose="020B0600070205080204" pitchFamily="34" charset="-128"/>
               </a:rPr>
               <a:t>a = 10           # 10</a:t>
             </a:r>
           </a:p>
           <a:p>
             <a:pPr marL="0" indent="0">
-              <a:buFont typeface="Symbol" panose="05050102010706020507" pitchFamily="18" charset="2"/>
-              <a:buNone/>
-            </a:pPr>
-            <a:r>
-              <a:rPr lang="en-US" altLang="en-US" sz="2400" dirty="0">
-                <a:latin typeface="Courier New" panose="02070309020205020404" pitchFamily="49" charset="0"/>
-                <a:ea typeface="ＭＳ Ｐゴシック" panose="020B0600070205080204" pitchFamily="34" charset="-128"/>
-                <a:cs typeface="Courier New" panose="02070309020205020404" pitchFamily="49" charset="0"/>
+              <a:buNone/>
+            </a:pPr>
+            <a:r>
+              <a:rPr lang="en-US" altLang="en-US" sz="1900" dirty="0">
+                <a:solidFill>
+                  <a:schemeClr val="accent2"/>
+                </a:solidFill>
+                <a:latin typeface="Lucida Sans Typewriter" panose="020B0509030504030204" pitchFamily="49" charset="0"/>
+                <a:ea typeface="ＭＳ Ｐゴシック" panose="020B0600070205080204" pitchFamily="34" charset="-128"/>
               </a:rPr>
               <a:t>a += 1           # 11</a:t>
             </a:r>
           </a:p>
           <a:p>
             <a:pPr marL="0" indent="0">
-              <a:buFont typeface="Symbol" panose="05050102010706020507" pitchFamily="18" charset="2"/>
-              <a:buNone/>
-            </a:pPr>
-            <a:r>
-              <a:rPr lang="en-US" altLang="en-US" sz="2400" dirty="0">
-                <a:latin typeface="Courier New" panose="02070309020205020404" pitchFamily="49" charset="0"/>
-                <a:ea typeface="ＭＳ Ｐゴシック" panose="020B0600070205080204" pitchFamily="34" charset="-128"/>
-                <a:cs typeface="Courier New" panose="02070309020205020404" pitchFamily="49" charset="0"/>
+              <a:buNone/>
+            </a:pPr>
+            <a:r>
+              <a:rPr lang="en-US" altLang="en-US" sz="1900" dirty="0">
+                <a:solidFill>
+                  <a:schemeClr val="accent2"/>
+                </a:solidFill>
+                <a:latin typeface="Lucida Sans Typewriter" panose="020B0509030504030204" pitchFamily="49" charset="0"/>
+                <a:ea typeface="ＭＳ Ｐゴシック" panose="020B0600070205080204" pitchFamily="34" charset="-128"/>
               </a:rPr>
               <a:t>a -= 1           # 10</a:t>
             </a:r>
           </a:p>
           <a:p>
             <a:pPr marL="0" indent="0">
-              <a:buFont typeface="Symbol" panose="05050102010706020507" pitchFamily="18" charset="2"/>
-              <a:buNone/>
-            </a:pPr>
-            <a:endParaRPr lang="en-US" altLang="en-US" sz="2400" dirty="0">
-              <a:latin typeface="Courier New" panose="02070309020205020404" pitchFamily="49" charset="0"/>
+              <a:buNone/>
+            </a:pPr>
+            <a:endParaRPr lang="en-US" altLang="en-US" sz="1900" dirty="0">
+              <a:solidFill>
+                <a:schemeClr val="accent2"/>
+              </a:solidFill>
+              <a:latin typeface="Lucida Sans Typewriter" panose="020B0509030504030204" pitchFamily="49" charset="0"/>
               <a:ea typeface="ＭＳ Ｐゴシック" panose="020B0600070205080204" pitchFamily="34" charset="-128"/>
-              <a:cs typeface="Courier New" panose="02070309020205020404" pitchFamily="49" charset="0"/>
             </a:endParaRPr>
           </a:p>
           <a:p>
             <a:pPr marL="0" indent="0">
-              <a:buFont typeface="Symbol" panose="05050102010706020507" pitchFamily="18" charset="2"/>
-              <a:buNone/>
-            </a:pPr>
-            <a:r>
-              <a:rPr lang="en-US" altLang="en-US" sz="2400" dirty="0">
-                <a:latin typeface="Courier New" panose="02070309020205020404" pitchFamily="49" charset="0"/>
-                <a:ea typeface="ＭＳ Ｐゴシック" panose="020B0600070205080204" pitchFamily="34" charset="-128"/>
-                <a:cs typeface="Courier New" panose="02070309020205020404" pitchFamily="49" charset="0"/>
+              <a:buNone/>
+            </a:pPr>
+            <a:r>
+              <a:rPr lang="en-US" altLang="en-US" sz="1900" dirty="0">
+                <a:solidFill>
+                  <a:schemeClr val="accent2"/>
+                </a:solidFill>
+                <a:latin typeface="Lucida Sans Typewriter" panose="020B0509030504030204" pitchFamily="49" charset="0"/>
+                <a:ea typeface="ＭＳ Ｐゴシック" panose="020B0600070205080204" pitchFamily="34" charset="-128"/>
               </a:rPr>
               <a:t>b = a + 1        # 11</a:t>
             </a:r>
           </a:p>
           <a:p>
             <a:pPr marL="0" indent="0">
-              <a:buFont typeface="Symbol" panose="05050102010706020507" pitchFamily="18" charset="2"/>
-              <a:buNone/>
-            </a:pPr>
-            <a:r>
-              <a:rPr lang="en-US" altLang="en-US" sz="2400" dirty="0">
-                <a:latin typeface="Courier New" panose="02070309020205020404" pitchFamily="49" charset="0"/>
-                <a:ea typeface="ＭＳ Ｐゴシック" panose="020B0600070205080204" pitchFamily="34" charset="-128"/>
-                <a:cs typeface="Courier New" panose="02070309020205020404" pitchFamily="49" charset="0"/>
+              <a:buNone/>
+            </a:pPr>
+            <a:r>
+              <a:rPr lang="en-US" altLang="en-US" sz="1900" dirty="0">
+                <a:solidFill>
+                  <a:schemeClr val="accent2"/>
+                </a:solidFill>
+                <a:latin typeface="Lucida Sans Typewriter" panose="020B0509030504030204" pitchFamily="49" charset="0"/>
+                <a:ea typeface="ＭＳ Ｐゴシック" panose="020B0600070205080204" pitchFamily="34" charset="-128"/>
               </a:rPr>
               <a:t>c = a -1         # 9</a:t>
             </a:r>
           </a:p>
           <a:p>
             <a:pPr marL="0" indent="0">
-              <a:buFont typeface="Symbol" panose="05050102010706020507" pitchFamily="18" charset="2"/>
-              <a:buNone/>
-            </a:pPr>
-            <a:endParaRPr lang="en-US" altLang="en-US" sz="2400" dirty="0">
-              <a:latin typeface="Courier New" panose="02070309020205020404" pitchFamily="49" charset="0"/>
+              <a:buNone/>
+            </a:pPr>
+            <a:endParaRPr lang="en-US" altLang="en-US" sz="1900" dirty="0">
+              <a:solidFill>
+                <a:schemeClr val="accent2"/>
+              </a:solidFill>
+              <a:latin typeface="Lucida Sans Typewriter" panose="020B0509030504030204" pitchFamily="49" charset="0"/>
               <a:ea typeface="ＭＳ Ｐゴシック" panose="020B0600070205080204" pitchFamily="34" charset="-128"/>
-              <a:cs typeface="Courier New" panose="02070309020205020404" pitchFamily="49" charset="0"/>
             </a:endParaRPr>
           </a:p>
           <a:p>
             <a:pPr marL="0" indent="0">
-              <a:buFont typeface="Symbol" panose="05050102010706020507" pitchFamily="18" charset="2"/>
-              <a:buNone/>
-            </a:pPr>
-            <a:r>
-              <a:rPr lang="en-US" altLang="en-US" sz="2400" dirty="0">
-                <a:latin typeface="Courier New" panose="02070309020205020404" pitchFamily="49" charset="0"/>
-                <a:ea typeface="ＭＳ Ｐゴシック" panose="020B0600070205080204" pitchFamily="34" charset="-128"/>
-                <a:cs typeface="Courier New" panose="02070309020205020404" pitchFamily="49" charset="0"/>
+              <a:buNone/>
+            </a:pPr>
+            <a:r>
+              <a:rPr lang="en-US" altLang="en-US" sz="1900" dirty="0">
+                <a:solidFill>
+                  <a:schemeClr val="accent2"/>
+                </a:solidFill>
+                <a:latin typeface="Lucida Sans Typewriter" panose="020B0509030504030204" pitchFamily="49" charset="0"/>
+                <a:ea typeface="ＭＳ Ｐゴシック" panose="020B0600070205080204" pitchFamily="34" charset="-128"/>
               </a:rPr>
               <a:t>d = a * 2        # 20</a:t>
             </a:r>
           </a:p>
           <a:p>
             <a:pPr marL="0" indent="0">
-              <a:buFont typeface="Symbol" panose="05050102010706020507" pitchFamily="18" charset="2"/>
-              <a:buNone/>
-            </a:pPr>
-            <a:r>
-              <a:rPr lang="en-US" altLang="en-US" sz="2400" dirty="0">
-                <a:latin typeface="Courier New" panose="02070309020205020404" pitchFamily="49" charset="0"/>
-                <a:ea typeface="ＭＳ Ｐゴシック" panose="020B0600070205080204" pitchFamily="34" charset="-128"/>
-                <a:cs typeface="Courier New" panose="02070309020205020404" pitchFamily="49" charset="0"/>
+              <a:buNone/>
+            </a:pPr>
+            <a:r>
+              <a:rPr lang="en-US" altLang="en-US" sz="1900" dirty="0">
+                <a:solidFill>
+                  <a:schemeClr val="accent2"/>
+                </a:solidFill>
+                <a:latin typeface="Lucida Sans Typewriter" panose="020B0509030504030204" pitchFamily="49" charset="0"/>
+                <a:ea typeface="ＭＳ Ｐゴシック" panose="020B0600070205080204" pitchFamily="34" charset="-128"/>
               </a:rPr>
               <a:t>e = a / 2        # 5</a:t>
             </a:r>
           </a:p>
           <a:p>
             <a:pPr marL="0" indent="0">
-              <a:buFont typeface="Symbol" panose="05050102010706020507" pitchFamily="18" charset="2"/>
-              <a:buNone/>
-            </a:pPr>
-            <a:r>
-              <a:rPr lang="en-US" altLang="en-US" sz="2400" dirty="0">
-                <a:latin typeface="Courier New" panose="02070309020205020404" pitchFamily="49" charset="0"/>
-                <a:ea typeface="ＭＳ Ｐゴシック" panose="020B0600070205080204" pitchFamily="34" charset="-128"/>
-                <a:cs typeface="Courier New" panose="02070309020205020404" pitchFamily="49" charset="0"/>
+              <a:buNone/>
+            </a:pPr>
+            <a:r>
+              <a:rPr lang="en-US" altLang="en-US" sz="1900" dirty="0">
+                <a:solidFill>
+                  <a:schemeClr val="accent2"/>
+                </a:solidFill>
+                <a:latin typeface="Lucida Sans Typewriter" panose="020B0509030504030204" pitchFamily="49" charset="0"/>
+                <a:ea typeface="ＭＳ Ｐゴシック" panose="020B0600070205080204" pitchFamily="34" charset="-128"/>
               </a:rPr>
               <a:t>f = a % 3        # 1</a:t>
             </a:r>
           </a:p>
           <a:p>
             <a:pPr marL="0" indent="0">
-              <a:buFont typeface="Symbol" panose="05050102010706020507" pitchFamily="18" charset="2"/>
-              <a:buNone/>
-            </a:pPr>
-            <a:r>
-              <a:rPr lang="en-US" altLang="en-US" sz="2400" dirty="0">
-                <a:latin typeface="Courier New" panose="02070309020205020404" pitchFamily="49" charset="0"/>
-                <a:ea typeface="ＭＳ Ｐゴシック" panose="020B0600070205080204" pitchFamily="34" charset="-128"/>
-                <a:cs typeface="Courier New" panose="02070309020205020404" pitchFamily="49" charset="0"/>
+              <a:buNone/>
+            </a:pPr>
+            <a:r>
+              <a:rPr lang="en-US" altLang="en-US" sz="1900" dirty="0">
+                <a:solidFill>
+                  <a:schemeClr val="accent2"/>
+                </a:solidFill>
+                <a:latin typeface="Lucida Sans Typewriter" panose="020B0509030504030204" pitchFamily="49" charset="0"/>
+                <a:ea typeface="ＭＳ Ｐゴシック" panose="020B0600070205080204" pitchFamily="34" charset="-128"/>
               </a:rPr>
               <a:t>g = a ** 2       # 100</a:t>
             </a:r>
@@ -4208,49 +4404,86 @@
         </p:spPr>
         <p:txBody>
           <a:bodyPr>
-            <a:normAutofit fontScale="70000" lnSpcReduction="20000"/>
+            <a:normAutofit fontScale="25000" lnSpcReduction="20000"/>
           </a:bodyPr>
           <a:lstStyle/>
           <a:p>
             <a:pPr marL="0" indent="0">
-              <a:buFont typeface="Symbol" panose="05050102010706020507" pitchFamily="18" charset="2"/>
-              <a:buNone/>
-            </a:pPr>
-            <a:r>
-              <a:rPr lang="en-US" altLang="en-US" sz="2400" dirty="0">
+              <a:lnSpc>
+                <a:spcPct val="130000"/>
+              </a:lnSpc>
+              <a:buNone/>
+            </a:pPr>
+            <a:r>
+              <a:rPr lang="en-US" altLang="en-US" sz="5500" dirty="0">
+                <a:solidFill>
+                  <a:schemeClr val="accent2"/>
+                </a:solidFill>
+                <a:latin typeface="Lucida Sans Typewriter" panose="020B0509030504030204" pitchFamily="49" charset="0"/>
+                <a:ea typeface="ＭＳ Ｐゴシック" panose="020B0600070205080204" pitchFamily="34" charset="-128"/>
+              </a:rPr>
+              <a:t>** </a:t>
+            </a:r>
+            <a:r>
+              <a:rPr lang="en-US" altLang="en-US" sz="5500" dirty="0">
                 <a:latin typeface="Courier New" panose="02070309020205020404" pitchFamily="49" charset="0"/>
                 <a:ea typeface="ＭＳ Ｐゴシック" panose="020B0600070205080204" pitchFamily="34" charset="-128"/>
                 <a:cs typeface="Courier New" panose="02070309020205020404" pitchFamily="49" charset="0"/>
               </a:rPr>
-              <a:t>**        (highest precedence)</a:t>
-            </a:r>
-          </a:p>
-          <a:p>
-            <a:pPr marL="0" indent="0">
-              <a:buFont typeface="Symbol" panose="05050102010706020507" pitchFamily="18" charset="2"/>
-              <a:buNone/>
-            </a:pPr>
-            <a:r>
-              <a:rPr lang="en-US" altLang="en-US" sz="2400" dirty="0">
+              <a:t>       </a:t>
+            </a:r>
+            <a:r>
+              <a:rPr lang="en-US" altLang="en-US" sz="5500" dirty="0">
+                <a:ea typeface="ＭＳ Ｐゴシック" panose="020B0600070205080204" pitchFamily="34" charset="-128"/>
+              </a:rPr>
+              <a:t>(highest precedence)</a:t>
+            </a:r>
+          </a:p>
+          <a:p>
+            <a:pPr marL="0" indent="0">
+              <a:buNone/>
+            </a:pPr>
+            <a:r>
+              <a:rPr lang="en-US" altLang="en-US" sz="5500" dirty="0">
+                <a:solidFill>
+                  <a:schemeClr val="accent2"/>
+                </a:solidFill>
+                <a:latin typeface="Lucida Sans Typewriter" panose="020B0509030504030204" pitchFamily="49" charset="0"/>
+                <a:ea typeface="ＭＳ Ｐゴシック" panose="020B0600070205080204" pitchFamily="34" charset="-128"/>
+              </a:rPr>
+              <a:t>*,/,//,%</a:t>
+            </a:r>
+          </a:p>
+          <a:p>
+            <a:pPr marL="0" indent="0">
+              <a:lnSpc>
+                <a:spcPct val="130000"/>
+              </a:lnSpc>
+              <a:buNone/>
+            </a:pPr>
+            <a:r>
+              <a:rPr lang="en-US" altLang="en-US" sz="5500" dirty="0">
+                <a:solidFill>
+                  <a:schemeClr val="accent2"/>
+                </a:solidFill>
+                <a:latin typeface="Lucida Sans Typewriter" panose="020B0509030504030204" pitchFamily="49" charset="0"/>
+                <a:ea typeface="ＭＳ Ｐゴシック" panose="020B0600070205080204" pitchFamily="34" charset="-128"/>
+              </a:rPr>
+              <a:t>+,- </a:t>
+            </a:r>
+            <a:r>
+              <a:rPr lang="en-US" altLang="en-US" sz="5500" dirty="0">
                 <a:latin typeface="Courier New" panose="02070309020205020404" pitchFamily="49" charset="0"/>
                 <a:ea typeface="ＭＳ Ｐゴシック" panose="020B0600070205080204" pitchFamily="34" charset="-128"/>
                 <a:cs typeface="Courier New" panose="02070309020205020404" pitchFamily="49" charset="0"/>
               </a:rPr>
-              <a:t>*,/,//,%</a:t>
-            </a:r>
-          </a:p>
-          <a:p>
-            <a:pPr marL="0" indent="0">
-              <a:buFont typeface="Symbol" panose="05050102010706020507" pitchFamily="18" charset="2"/>
-              <a:buNone/>
-            </a:pPr>
-            <a:r>
-              <a:rPr lang="en-US" altLang="en-US" sz="2400" dirty="0">
-                <a:latin typeface="Courier New" panose="02070309020205020404" pitchFamily="49" charset="0"/>
-                <a:ea typeface="ＭＳ Ｐゴシック" panose="020B0600070205080204" pitchFamily="34" charset="-128"/>
-                <a:cs typeface="Courier New" panose="02070309020205020404" pitchFamily="49" charset="0"/>
-              </a:rPr>
-              <a:t>+,-       (lowest precedence)</a:t>
+              <a:t>      </a:t>
+            </a:r>
+            <a:r>
+              <a:rPr lang="en-US" altLang="en-US" sz="5500" dirty="0">
+                <a:ea typeface="ＭＳ Ｐゴシック" panose="020B0600070205080204" pitchFamily="34" charset="-128"/>
+              </a:rPr>
+              <a:t>(lowest precedence)</a:t>
             </a:r>
           </a:p>
           <a:p>
@@ -4264,11 +4497,13 @@
           </a:p>
           <a:p>
             <a:pPr marL="0" indent="0">
-              <a:buFont typeface="Symbol" panose="05050102010706020507" pitchFamily="18" charset="2"/>
-              <a:buNone/>
-            </a:pPr>
-            <a:r>
-              <a:rPr lang="en-US" altLang="en-US" sz="2400" dirty="0">
+              <a:lnSpc>
+                <a:spcPct val="130000"/>
+              </a:lnSpc>
+              <a:buNone/>
+            </a:pPr>
+            <a:r>
+              <a:rPr lang="en-US" altLang="en-US" sz="5500" dirty="0">
                 <a:ea typeface="ＭＳ Ｐゴシック" panose="020B0600070205080204" pitchFamily="34" charset="-128"/>
               </a:rPr>
               <a:t>Operators of equal precedence are evaluated left to right, with the exception of exponentiation (**), evaluated right to left</a:t>
@@ -4285,11 +4520,13 @@
           </a:p>
           <a:p>
             <a:pPr marL="0" indent="0">
-              <a:buFont typeface="Symbol" panose="05050102010706020507" pitchFamily="18" charset="2"/>
-              <a:buNone/>
-            </a:pPr>
-            <a:r>
-              <a:rPr lang="en-US" altLang="en-US" sz="2400" dirty="0">
+              <a:lnSpc>
+                <a:spcPct val="130000"/>
+              </a:lnSpc>
+              <a:buNone/>
+            </a:pPr>
+            <a:r>
+              <a:rPr lang="en-US" altLang="en-US" sz="5500" dirty="0">
                 <a:ea typeface="ＭＳ Ｐゴシック" panose="020B0600070205080204" pitchFamily="34" charset="-128"/>
               </a:rPr>
               <a:t>Consider these:</a:t>
@@ -4297,11 +4534,14 @@
           </a:p>
           <a:p>
             <a:pPr marL="0" indent="0">
-              <a:buFont typeface="Symbol" panose="05050102010706020507" pitchFamily="18" charset="2"/>
-              <a:buNone/>
-            </a:pPr>
-            <a:r>
-              <a:rPr lang="en-US" altLang="en-US" sz="2400" dirty="0">
+              <a:buNone/>
+            </a:pPr>
+            <a:r>
+              <a:rPr lang="en-US" altLang="en-US" sz="7200" dirty="0">
+                <a:solidFill>
+                  <a:schemeClr val="accent2"/>
+                </a:solidFill>
+                <a:latin typeface="Lucida Sans Typewriter" panose="020B0509030504030204" pitchFamily="49" charset="0"/>
                 <a:ea typeface="ＭＳ Ｐゴシック" panose="020B0600070205080204" pitchFamily="34" charset="-128"/>
               </a:rPr>
               <a:t>&gt;&gt;&gt; 6 / 2 / 4</a:t>
@@ -4309,11 +4549,14 @@
           </a:p>
           <a:p>
             <a:pPr marL="0" indent="0">
-              <a:buFont typeface="Symbol" panose="05050102010706020507" pitchFamily="18" charset="2"/>
-              <a:buNone/>
-            </a:pPr>
-            <a:r>
-              <a:rPr lang="en-US" altLang="en-US" sz="2400" dirty="0">
+              <a:buNone/>
+            </a:pPr>
+            <a:r>
+              <a:rPr lang="en-US" altLang="en-US" sz="7200" dirty="0">
+                <a:solidFill>
+                  <a:schemeClr val="accent2"/>
+                </a:solidFill>
+                <a:latin typeface="Lucida Sans Typewriter" panose="020B0509030504030204" pitchFamily="49" charset="0"/>
                 <a:ea typeface="ＭＳ Ｐゴシック" panose="020B0600070205080204" pitchFamily="34" charset="-128"/>
               </a:rPr>
               <a:t>&gt;&gt;&gt; 6 / (2 / 4)</a:t>
@@ -4321,11 +4564,14 @@
           </a:p>
           <a:p>
             <a:pPr marL="0" indent="0">
-              <a:buFont typeface="Symbol" panose="05050102010706020507" pitchFamily="18" charset="2"/>
-              <a:buNone/>
-            </a:pPr>
-            <a:r>
-              <a:rPr lang="en-US" altLang="en-US" sz="2400" dirty="0">
+              <a:buNone/>
+            </a:pPr>
+            <a:r>
+              <a:rPr lang="en-US" altLang="en-US" sz="7200" dirty="0">
+                <a:solidFill>
+                  <a:schemeClr val="accent2"/>
+                </a:solidFill>
+                <a:latin typeface="Lucida Sans Typewriter" panose="020B0509030504030204" pitchFamily="49" charset="0"/>
                 <a:ea typeface="ＭＳ Ｐゴシック" panose="020B0600070205080204" pitchFamily="34" charset="-128"/>
               </a:rPr>
               <a:t>&gt;&gt;&gt; 2**2**3</a:t>
@@ -4342,14 +4588,16 @@
           </a:p>
           <a:p>
             <a:pPr marL="0" indent="0">
-              <a:buFont typeface="Symbol" panose="05050102010706020507" pitchFamily="18" charset="2"/>
-              <a:buNone/>
-            </a:pPr>
-            <a:r>
-              <a:rPr lang="en-US" altLang="en-US" sz="2400" dirty="0">
-                <a:ea typeface="ＭＳ Ｐゴシック" panose="020B0600070205080204" pitchFamily="34" charset="-128"/>
-              </a:rPr>
-              <a:t>Write an expression to convert a given temperature in Fahrenheit to Celsius, and vice versa.</a:t>
+              <a:lnSpc>
+                <a:spcPct val="130000"/>
+              </a:lnSpc>
+              <a:buNone/>
+            </a:pPr>
+            <a:r>
+              <a:rPr lang="en-US" altLang="en-US" sz="5500" dirty="0">
+                <a:ea typeface="ＭＳ Ｐゴシック" panose="020B0600070205080204" pitchFamily="34" charset="-128"/>
+              </a:rPr>
+              <a:t>Exercise: Write an expression to convert a given temperature in Fahrenheit to Celsius, and vice versa.</a:t>
             </a:r>
           </a:p>
         </p:txBody>
@@ -4436,7 +4684,7 @@
         <p:spPr>
           <a:xfrm>
             <a:off x="838200" y="2043739"/>
-            <a:ext cx="10515600" cy="2813487"/>
+            <a:ext cx="10515600" cy="2033311"/>
           </a:xfrm>
         </p:spPr>
         <p:txBody>
@@ -4446,45 +4694,42 @@
           <a:lstStyle/>
           <a:p>
             <a:pPr marL="0" indent="0">
-              <a:buFont typeface="Symbol" panose="05050102010706020507" pitchFamily="18" charset="2"/>
-              <a:buNone/>
-            </a:pPr>
-            <a:r>
-              <a:rPr lang="en-US" altLang="en-US" sz="2400" dirty="0">
-                <a:latin typeface="Courier New" panose="02070309020205020404" pitchFamily="49" charset="0"/>
-                <a:ea typeface="ＭＳ Ｐゴシック" panose="020B0600070205080204" pitchFamily="34" charset="-128"/>
-                <a:cs typeface="Courier New" panose="02070309020205020404" pitchFamily="49" charset="0"/>
+              <a:lnSpc>
+                <a:spcPct val="110000"/>
+              </a:lnSpc>
+              <a:buNone/>
+            </a:pPr>
+            <a:r>
+              <a:rPr lang="en-US" altLang="en-US" sz="2300" dirty="0">
+                <a:ea typeface="ＭＳ Ｐゴシック" panose="020B0600070205080204" pitchFamily="34" charset="-128"/>
               </a:rPr>
               <a:t>Parenthesize Expressions to make life easier for you and everyone reading your code!</a:t>
             </a:r>
           </a:p>
           <a:p>
             <a:pPr marL="0" indent="0">
-              <a:buFont typeface="Symbol" panose="05050102010706020507" pitchFamily="18" charset="2"/>
-              <a:buNone/>
-            </a:pPr>
-            <a:endParaRPr lang="en-US" altLang="en-US" sz="2400" dirty="0">
-              <a:latin typeface="Courier New" panose="02070309020205020404" pitchFamily="49" charset="0"/>
-              <a:ea typeface="ＭＳ Ｐゴシック" panose="020B0600070205080204" pitchFamily="34" charset="-128"/>
-              <a:cs typeface="Courier New" panose="02070309020205020404" pitchFamily="49" charset="0"/>
-            </a:endParaRPr>
-          </a:p>
-          <a:p>
-            <a:pPr marL="0" indent="0">
-              <a:buFont typeface="Symbol" panose="05050102010706020507" pitchFamily="18" charset="2"/>
-              <a:buNone/>
-            </a:pPr>
-            <a:r>
-              <a:rPr lang="en-US" altLang="en-US" sz="2400" dirty="0">
-                <a:latin typeface="Courier New" panose="02070309020205020404" pitchFamily="49" charset="0"/>
-                <a:ea typeface="ＭＳ Ｐゴシック" panose="020B0600070205080204" pitchFamily="34" charset="-128"/>
-                <a:cs typeface="Courier New" panose="02070309020205020404" pitchFamily="49" charset="0"/>
-              </a:rPr>
-              <a:t>“Explicit is better than implicit.” – The Zen of Python, by Tim Peters</a:t>
-            </a:r>
-            <a:endParaRPr lang="en-US" altLang="en-US" sz="2400" dirty="0">
+              <a:lnSpc>
+                <a:spcPct val="110000"/>
+              </a:lnSpc>
+              <a:buNone/>
+            </a:pPr>
+            <a:endParaRPr lang="en-US" altLang="en-US" sz="2300" dirty="0">
               <a:ea typeface="ＭＳ Ｐゴシック" panose="020B0600070205080204" pitchFamily="34" charset="-128"/>
             </a:endParaRPr>
+          </a:p>
+          <a:p>
+            <a:pPr marL="0" indent="0">
+              <a:lnSpc>
+                <a:spcPct val="110000"/>
+              </a:lnSpc>
+              <a:buNone/>
+            </a:pPr>
+            <a:r>
+              <a:rPr lang="en-US" altLang="en-US" sz="2300" dirty="0">
+                <a:ea typeface="ＭＳ Ｐゴシック" panose="020B0600070205080204" pitchFamily="34" charset="-128"/>
+              </a:rPr>
+              <a:t>“Explicit is better than implicit.” – The Zen of Python, by Tim Peters</a:t>
+            </a:r>
           </a:p>
         </p:txBody>
       </p:sp>
@@ -4580,113 +4825,116 @@
           <a:lstStyle/>
           <a:p>
             <a:pPr marL="0" indent="0">
-              <a:buFont typeface="Symbol" panose="05050102010706020507" pitchFamily="18" charset="2"/>
-              <a:buNone/>
-            </a:pPr>
-            <a:r>
-              <a:rPr lang="en-US" altLang="en-US" sz="2400" dirty="0">
-                <a:latin typeface="Courier New" panose="02070309020205020404" pitchFamily="49" charset="0"/>
-                <a:ea typeface="ＭＳ Ｐゴシック" panose="020B0600070205080204" pitchFamily="34" charset="-128"/>
-                <a:cs typeface="Courier New" panose="02070309020205020404" pitchFamily="49" charset="0"/>
+              <a:buNone/>
+            </a:pPr>
+            <a:r>
+              <a:rPr lang="en-US" altLang="en-US" sz="4800" dirty="0">
+                <a:solidFill>
+                  <a:schemeClr val="accent2"/>
+                </a:solidFill>
+                <a:latin typeface="Lucida Sans Typewriter" panose="020B0509030504030204" pitchFamily="49" charset="0"/>
+                <a:ea typeface="ＭＳ Ｐゴシック" panose="020B0600070205080204" pitchFamily="34" charset="-128"/>
               </a:rPr>
               <a:t>&gt;&gt;&gt; print(‘Hello World’)</a:t>
             </a:r>
           </a:p>
           <a:p>
             <a:pPr marL="0" indent="0">
-              <a:buFont typeface="Symbol" panose="05050102010706020507" pitchFamily="18" charset="2"/>
-              <a:buNone/>
-            </a:pPr>
-            <a:r>
-              <a:rPr lang="en-US" altLang="en-US" sz="2400" dirty="0">
-                <a:latin typeface="Courier New" panose="02070309020205020404" pitchFamily="49" charset="0"/>
-                <a:ea typeface="ＭＳ Ｐゴシック" panose="020B0600070205080204" pitchFamily="34" charset="-128"/>
-                <a:cs typeface="Courier New" panose="02070309020205020404" pitchFamily="49" charset="0"/>
+              <a:buNone/>
+            </a:pPr>
+            <a:r>
+              <a:rPr lang="en-US" altLang="en-US" sz="4800" dirty="0">
+                <a:solidFill>
+                  <a:schemeClr val="accent2"/>
+                </a:solidFill>
+                <a:latin typeface="Lucida Sans Typewriter" panose="020B0509030504030204" pitchFamily="49" charset="0"/>
+                <a:ea typeface="ＭＳ Ｐゴシック" panose="020B0600070205080204" pitchFamily="34" charset="-128"/>
               </a:rPr>
               <a:t>Hello World</a:t>
             </a:r>
-          </a:p>
-          <a:p>
-            <a:pPr marL="0" indent="0">
-              <a:buFont typeface="Symbol" panose="05050102010706020507" pitchFamily="18" charset="2"/>
-              <a:buNone/>
-            </a:pPr>
-            <a:endParaRPr lang="en-US" altLang="en-US" sz="2400" dirty="0">
-              <a:latin typeface="Courier New" panose="02070309020205020404" pitchFamily="49" charset="0"/>
+            <a:endParaRPr lang="en-US" altLang="en-US" sz="4800" dirty="0">
+              <a:latin typeface="Lucida Sans Typewriter" panose="020B0509030504030204" pitchFamily="49" charset="0"/>
               <a:ea typeface="ＭＳ Ｐゴシック" panose="020B0600070205080204" pitchFamily="34" charset="-128"/>
-              <a:cs typeface="Courier New" panose="02070309020205020404" pitchFamily="49" charset="0"/>
             </a:endParaRPr>
           </a:p>
           <a:p>
             <a:pPr marL="0" indent="0">
-              <a:buFont typeface="Symbol" panose="05050102010706020507" pitchFamily="18" charset="2"/>
-              <a:buNone/>
-            </a:pPr>
-            <a:r>
-              <a:rPr lang="en-US" altLang="en-US" sz="2400" dirty="0">
-                <a:latin typeface="Courier New" panose="02070309020205020404" pitchFamily="49" charset="0"/>
-                <a:ea typeface="ＭＳ Ｐゴシック" panose="020B0600070205080204" pitchFamily="34" charset="-128"/>
-                <a:cs typeface="Courier New" panose="02070309020205020404" pitchFamily="49" charset="0"/>
+              <a:lnSpc>
+                <a:spcPct val="130000"/>
+              </a:lnSpc>
+              <a:buNone/>
+            </a:pPr>
+            <a:r>
+              <a:rPr lang="en-US" altLang="en-US" sz="9200" dirty="0">
+                <a:ea typeface="ＭＳ Ｐゴシック" panose="020B0600070205080204" pitchFamily="34" charset="-128"/>
               </a:rPr>
               <a:t>‘print’ is not in the list of reserved words. What gives?</a:t>
             </a:r>
           </a:p>
           <a:p>
             <a:pPr marL="0" indent="0">
-              <a:buFont typeface="Symbol" panose="05050102010706020507" pitchFamily="18" charset="2"/>
-              <a:buNone/>
-            </a:pPr>
-            <a:endParaRPr lang="en-US" altLang="en-US" sz="2400" dirty="0">
-              <a:latin typeface="Courier New" panose="02070309020205020404" pitchFamily="49" charset="0"/>
-              <a:ea typeface="ＭＳ Ｐゴシック" panose="020B0600070205080204" pitchFamily="34" charset="-128"/>
-              <a:cs typeface="Courier New" panose="02070309020205020404" pitchFamily="49" charset="0"/>
-            </a:endParaRPr>
-          </a:p>
-          <a:p>
-            <a:pPr marL="0" indent="0">
-              <a:buFont typeface="Symbol" panose="05050102010706020507" pitchFamily="18" charset="2"/>
-              <a:buNone/>
-            </a:pPr>
-            <a:r>
-              <a:rPr lang="en-US" altLang="en-US" sz="2400" dirty="0">
-                <a:latin typeface="Courier New" panose="02070309020205020404" pitchFamily="49" charset="0"/>
-                <a:ea typeface="ＭＳ Ｐゴシック" panose="020B0600070205080204" pitchFamily="34" charset="-128"/>
-                <a:cs typeface="Courier New" panose="02070309020205020404" pitchFamily="49" charset="0"/>
+              <a:lnSpc>
+                <a:spcPct val="130000"/>
+              </a:lnSpc>
+              <a:buNone/>
+            </a:pPr>
+            <a:r>
+              <a:rPr lang="en-US" altLang="en-US" sz="9200" dirty="0">
+                <a:ea typeface="ＭＳ Ｐゴシック" panose="020B0600070205080204" pitchFamily="34" charset="-128"/>
               </a:rPr>
               <a:t>Python has some “built-in” functions:</a:t>
             </a:r>
           </a:p>
           <a:p>
             <a:pPr marL="0" indent="0">
-              <a:buFont typeface="Symbol" panose="05050102010706020507" pitchFamily="18" charset="2"/>
-              <a:buNone/>
-            </a:pPr>
-            <a:r>
-              <a:rPr lang="en-US" altLang="en-US" sz="2400" dirty="0">
+              <a:buNone/>
+            </a:pPr>
+            <a:r>
+              <a:rPr lang="en-US" altLang="en-US" sz="4800" dirty="0">
+                <a:solidFill>
+                  <a:schemeClr val="accent2"/>
+                </a:solidFill>
+                <a:latin typeface="Lucida Sans Typewriter" panose="020B0509030504030204" pitchFamily="49" charset="0"/>
                 <a:ea typeface="ＭＳ Ｐゴシック" panose="020B0600070205080204" pitchFamily="34" charset="-128"/>
               </a:rPr>
               <a:t>abs()	</a:t>
             </a:r>
             <a:r>
-              <a:rPr lang="en-US" altLang="en-US" sz="2400" dirty="0" err="1">
+              <a:rPr lang="en-US" altLang="en-US" sz="4800" dirty="0" err="1">
+                <a:solidFill>
+                  <a:schemeClr val="accent2"/>
+                </a:solidFill>
+                <a:latin typeface="Lucida Sans Typewriter" panose="020B0509030504030204" pitchFamily="49" charset="0"/>
                 <a:ea typeface="ＭＳ Ｐゴシック" panose="020B0600070205080204" pitchFamily="34" charset="-128"/>
               </a:rPr>
               <a:t>dict</a:t>
             </a:r>
             <a:r>
-              <a:rPr lang="en-US" altLang="en-US" sz="2400" dirty="0">
+              <a:rPr lang="en-US" altLang="en-US" sz="4800" dirty="0">
+                <a:solidFill>
+                  <a:schemeClr val="accent2"/>
+                </a:solidFill>
+                <a:latin typeface="Lucida Sans Typewriter" panose="020B0509030504030204" pitchFamily="49" charset="0"/>
                 <a:ea typeface="ＭＳ Ｐゴシック" panose="020B0600070205080204" pitchFamily="34" charset="-128"/>
               </a:rPr>
               <a:t>()	help()	min()	</a:t>
             </a:r>
             <a:r>
-              <a:rPr lang="en-US" altLang="en-US" sz="2400" dirty="0" err="1">
+              <a:rPr lang="en-US" altLang="en-US" sz="4800" dirty="0" err="1">
+                <a:solidFill>
+                  <a:schemeClr val="accent2"/>
+                </a:solidFill>
+                <a:latin typeface="Lucida Sans Typewriter" panose="020B0509030504030204" pitchFamily="49" charset="0"/>
                 <a:ea typeface="ＭＳ Ｐゴシック" panose="020B0600070205080204" pitchFamily="34" charset="-128"/>
               </a:rPr>
               <a:t>setattr</a:t>
             </a:r>
             <a:r>
-              <a:rPr lang="en-US" altLang="en-US" sz="2400" dirty="0">
+              <a:rPr lang="en-US" altLang="en-US" sz="4800" dirty="0">
+                <a:solidFill>
+                  <a:schemeClr val="accent2"/>
+                </a:solidFill>
+                <a:latin typeface="Lucida Sans Typewriter" panose="020B0509030504030204" pitchFamily="49" charset="0"/>
                 <a:ea typeface="ＭＳ Ｐゴシック" panose="020B0600070205080204" pitchFamily="34" charset="-128"/>
               </a:rPr>
               <a:t>()</a:t>
@@ -4694,23 +4942,34 @@
           </a:p>
           <a:p>
             <a:pPr marL="0" indent="0">
-              <a:buFont typeface="Symbol" panose="05050102010706020507" pitchFamily="18" charset="2"/>
-              <a:buNone/>
-            </a:pPr>
-            <a:r>
-              <a:rPr lang="en-US" altLang="en-US" sz="2400" dirty="0">
+              <a:buNone/>
+            </a:pPr>
+            <a:r>
+              <a:rPr lang="en-US" altLang="en-US" sz="4800" dirty="0">
+                <a:solidFill>
+                  <a:schemeClr val="accent2"/>
+                </a:solidFill>
+                <a:latin typeface="Lucida Sans Typewriter" panose="020B0509030504030204" pitchFamily="49" charset="0"/>
                 <a:ea typeface="ＭＳ Ｐゴシック" panose="020B0600070205080204" pitchFamily="34" charset="-128"/>
               </a:rPr>
               <a:t>all()	</a:t>
             </a:r>
             <a:r>
-              <a:rPr lang="en-US" altLang="en-US" sz="2400" dirty="0" err="1">
+              <a:rPr lang="en-US" altLang="en-US" sz="4800" dirty="0" err="1">
+                <a:solidFill>
+                  <a:schemeClr val="accent2"/>
+                </a:solidFill>
+                <a:latin typeface="Lucida Sans Typewriter" panose="020B0509030504030204" pitchFamily="49" charset="0"/>
                 <a:ea typeface="ＭＳ Ｐゴシック" panose="020B0600070205080204" pitchFamily="34" charset="-128"/>
               </a:rPr>
               <a:t>dir</a:t>
             </a:r>
             <a:r>
-              <a:rPr lang="en-US" altLang="en-US" sz="2400" dirty="0">
+              <a:rPr lang="en-US" altLang="en-US" sz="4800" dirty="0">
+                <a:solidFill>
+                  <a:schemeClr val="accent2"/>
+                </a:solidFill>
+                <a:latin typeface="Lucida Sans Typewriter" panose="020B0509030504030204" pitchFamily="49" charset="0"/>
                 <a:ea typeface="ＭＳ Ｐゴシック" panose="020B0600070205080204" pitchFamily="34" charset="-128"/>
               </a:rPr>
               <a:t>()	hex()	next()	slice()</a:t>
@@ -4718,23 +4977,34 @@
           </a:p>
           <a:p>
             <a:pPr marL="0" indent="0">
-              <a:buFont typeface="Symbol" panose="05050102010706020507" pitchFamily="18" charset="2"/>
-              <a:buNone/>
-            </a:pPr>
-            <a:r>
-              <a:rPr lang="en-US" altLang="en-US" sz="2400" dirty="0">
+              <a:buNone/>
+            </a:pPr>
+            <a:r>
+              <a:rPr lang="en-US" altLang="en-US" sz="4800" dirty="0">
+                <a:solidFill>
+                  <a:schemeClr val="accent2"/>
+                </a:solidFill>
+                <a:latin typeface="Lucida Sans Typewriter" panose="020B0509030504030204" pitchFamily="49" charset="0"/>
                 <a:ea typeface="ＭＳ Ｐゴシック" panose="020B0600070205080204" pitchFamily="34" charset="-128"/>
               </a:rPr>
               <a:t>any()	</a:t>
             </a:r>
             <a:r>
-              <a:rPr lang="en-US" altLang="en-US" sz="2400" dirty="0" err="1">
+              <a:rPr lang="en-US" altLang="en-US" sz="4800" dirty="0" err="1">
+                <a:solidFill>
+                  <a:schemeClr val="accent2"/>
+                </a:solidFill>
+                <a:latin typeface="Lucida Sans Typewriter" panose="020B0509030504030204" pitchFamily="49" charset="0"/>
                 <a:ea typeface="ＭＳ Ｐゴシック" panose="020B0600070205080204" pitchFamily="34" charset="-128"/>
               </a:rPr>
               <a:t>divmod</a:t>
             </a:r>
             <a:r>
-              <a:rPr lang="en-US" altLang="en-US" sz="2400" dirty="0">
+              <a:rPr lang="en-US" altLang="en-US" sz="4800" dirty="0">
+                <a:solidFill>
+                  <a:schemeClr val="accent2"/>
+                </a:solidFill>
+                <a:latin typeface="Lucida Sans Typewriter" panose="020B0509030504030204" pitchFamily="49" charset="0"/>
                 <a:ea typeface="ＭＳ Ｐゴシック" panose="020B0600070205080204" pitchFamily="34" charset="-128"/>
               </a:rPr>
               <a:t>()	id()	object()	sorted()</a:t>
@@ -4742,23 +5012,34 @@
           </a:p>
           <a:p>
             <a:pPr marL="0" indent="0">
-              <a:buFont typeface="Symbol" panose="05050102010706020507" pitchFamily="18" charset="2"/>
-              <a:buNone/>
-            </a:pPr>
-            <a:r>
-              <a:rPr lang="en-US" altLang="en-US" sz="2400" dirty="0">
+              <a:buNone/>
+            </a:pPr>
+            <a:r>
+              <a:rPr lang="en-US" altLang="en-US" sz="4800" dirty="0">
+                <a:solidFill>
+                  <a:schemeClr val="accent2"/>
+                </a:solidFill>
+                <a:latin typeface="Lucida Sans Typewriter" panose="020B0509030504030204" pitchFamily="49" charset="0"/>
                 <a:ea typeface="ＭＳ Ｐゴシック" panose="020B0600070205080204" pitchFamily="34" charset="-128"/>
               </a:rPr>
               <a:t>ascii()	enumerate()	input()	oct()	</a:t>
             </a:r>
             <a:r>
-              <a:rPr lang="en-US" altLang="en-US" sz="2400" dirty="0" err="1">
+              <a:rPr lang="en-US" altLang="en-US" sz="4800" dirty="0" err="1">
+                <a:solidFill>
+                  <a:schemeClr val="accent2"/>
+                </a:solidFill>
+                <a:latin typeface="Lucida Sans Typewriter" panose="020B0509030504030204" pitchFamily="49" charset="0"/>
                 <a:ea typeface="ＭＳ Ｐゴシック" panose="020B0600070205080204" pitchFamily="34" charset="-128"/>
               </a:rPr>
               <a:t>staticmethod</a:t>
             </a:r>
             <a:r>
-              <a:rPr lang="en-US" altLang="en-US" sz="2400" dirty="0">
+              <a:rPr lang="en-US" altLang="en-US" sz="4800" dirty="0">
+                <a:solidFill>
+                  <a:schemeClr val="accent2"/>
+                </a:solidFill>
+                <a:latin typeface="Lucida Sans Typewriter" panose="020B0509030504030204" pitchFamily="49" charset="0"/>
                 <a:ea typeface="ＭＳ Ｐゴシック" panose="020B0600070205080204" pitchFamily="34" charset="-128"/>
               </a:rPr>
               <a:t>()</a:t>
@@ -4766,11 +5047,14 @@
           </a:p>
           <a:p>
             <a:pPr marL="0" indent="0">
-              <a:buFont typeface="Symbol" panose="05050102010706020507" pitchFamily="18" charset="2"/>
-              <a:buNone/>
-            </a:pPr>
-            <a:r>
-              <a:rPr lang="en-US" altLang="en-US" sz="2400" dirty="0">
+              <a:buNone/>
+            </a:pPr>
+            <a:r>
+              <a:rPr lang="en-US" altLang="en-US" sz="4800" dirty="0">
+                <a:solidFill>
+                  <a:schemeClr val="accent2"/>
+                </a:solidFill>
+                <a:latin typeface="Lucida Sans Typewriter" panose="020B0509030504030204" pitchFamily="49" charset="0"/>
                 <a:ea typeface="ＭＳ Ｐゴシック" panose="020B0600070205080204" pitchFamily="34" charset="-128"/>
               </a:rPr>
               <a:t>bin()	eval()	int()	open()	str()</a:t>
@@ -4778,35 +5062,54 @@
           </a:p>
           <a:p>
             <a:pPr marL="0" indent="0">
-              <a:buFont typeface="Symbol" panose="05050102010706020507" pitchFamily="18" charset="2"/>
-              <a:buNone/>
-            </a:pPr>
-            <a:r>
-              <a:rPr lang="en-US" altLang="en-US" sz="2400" dirty="0">
+              <a:buNone/>
+            </a:pPr>
+            <a:r>
+              <a:rPr lang="en-US" altLang="en-US" sz="4800" dirty="0">
+                <a:solidFill>
+                  <a:schemeClr val="accent2"/>
+                </a:solidFill>
+                <a:latin typeface="Lucida Sans Typewriter" panose="020B0509030504030204" pitchFamily="49" charset="0"/>
                 <a:ea typeface="ＭＳ Ｐゴシック" panose="020B0600070205080204" pitchFamily="34" charset="-128"/>
               </a:rPr>
               <a:t>bool()	exec()	</a:t>
             </a:r>
             <a:r>
-              <a:rPr lang="en-US" altLang="en-US" sz="2400" dirty="0" err="1">
+              <a:rPr lang="en-US" altLang="en-US" sz="4800" dirty="0" err="1">
+                <a:solidFill>
+                  <a:schemeClr val="accent2"/>
+                </a:solidFill>
+                <a:latin typeface="Lucida Sans Typewriter" panose="020B0509030504030204" pitchFamily="49" charset="0"/>
                 <a:ea typeface="ＭＳ Ｐゴシック" panose="020B0600070205080204" pitchFamily="34" charset="-128"/>
               </a:rPr>
               <a:t>isinstance</a:t>
             </a:r>
             <a:r>
-              <a:rPr lang="en-US" altLang="en-US" sz="2400" dirty="0">
+              <a:rPr lang="en-US" altLang="en-US" sz="4800" dirty="0">
+                <a:solidFill>
+                  <a:schemeClr val="accent2"/>
+                </a:solidFill>
+                <a:latin typeface="Lucida Sans Typewriter" panose="020B0509030504030204" pitchFamily="49" charset="0"/>
                 <a:ea typeface="ＭＳ Ｐゴシック" panose="020B0600070205080204" pitchFamily="34" charset="-128"/>
               </a:rPr>
               <a:t>()	</a:t>
             </a:r>
             <a:r>
-              <a:rPr lang="en-US" altLang="en-US" sz="2400" dirty="0" err="1">
+              <a:rPr lang="en-US" altLang="en-US" sz="4800" dirty="0" err="1">
+                <a:solidFill>
+                  <a:schemeClr val="accent2"/>
+                </a:solidFill>
+                <a:latin typeface="Lucida Sans Typewriter" panose="020B0509030504030204" pitchFamily="49" charset="0"/>
                 <a:ea typeface="ＭＳ Ｐゴシック" panose="020B0600070205080204" pitchFamily="34" charset="-128"/>
               </a:rPr>
               <a:t>ord</a:t>
             </a:r>
             <a:r>
-              <a:rPr lang="en-US" altLang="en-US" sz="2400" dirty="0">
+              <a:rPr lang="en-US" altLang="en-US" sz="4800" dirty="0">
+                <a:solidFill>
+                  <a:schemeClr val="accent2"/>
+                </a:solidFill>
+                <a:latin typeface="Lucida Sans Typewriter" panose="020B0509030504030204" pitchFamily="49" charset="0"/>
                 <a:ea typeface="ＭＳ Ｐゴシック" panose="020B0600070205080204" pitchFamily="34" charset="-128"/>
               </a:rPr>
               <a:t>()	sum()</a:t>
@@ -4814,29 +5117,44 @@
           </a:p>
           <a:p>
             <a:pPr marL="0" indent="0">
-              <a:buFont typeface="Symbol" panose="05050102010706020507" pitchFamily="18" charset="2"/>
-              <a:buNone/>
-            </a:pPr>
-            <a:r>
-              <a:rPr lang="en-US" altLang="en-US" sz="2400" dirty="0" err="1">
+              <a:buNone/>
+            </a:pPr>
+            <a:r>
+              <a:rPr lang="en-US" altLang="en-US" sz="4800" dirty="0" err="1">
+                <a:solidFill>
+                  <a:schemeClr val="accent2"/>
+                </a:solidFill>
+                <a:latin typeface="Lucida Sans Typewriter" panose="020B0509030504030204" pitchFamily="49" charset="0"/>
                 <a:ea typeface="ＭＳ Ｐゴシック" panose="020B0600070205080204" pitchFamily="34" charset="-128"/>
               </a:rPr>
               <a:t>bytearray</a:t>
             </a:r>
             <a:r>
-              <a:rPr lang="en-US" altLang="en-US" sz="2400" dirty="0">
+              <a:rPr lang="en-US" altLang="en-US" sz="4800" dirty="0">
+                <a:solidFill>
+                  <a:schemeClr val="accent2"/>
+                </a:solidFill>
+                <a:latin typeface="Lucida Sans Typewriter" panose="020B0509030504030204" pitchFamily="49" charset="0"/>
                 <a:ea typeface="ＭＳ Ｐゴシック" panose="020B0600070205080204" pitchFamily="34" charset="-128"/>
               </a:rPr>
               <a:t>()	filter()	</a:t>
             </a:r>
             <a:r>
-              <a:rPr lang="en-US" altLang="en-US" sz="2400" dirty="0" err="1">
+              <a:rPr lang="en-US" altLang="en-US" sz="4800" dirty="0" err="1">
+                <a:solidFill>
+                  <a:schemeClr val="accent2"/>
+                </a:solidFill>
+                <a:latin typeface="Lucida Sans Typewriter" panose="020B0509030504030204" pitchFamily="49" charset="0"/>
                 <a:ea typeface="ＭＳ Ｐゴシック" panose="020B0600070205080204" pitchFamily="34" charset="-128"/>
               </a:rPr>
               <a:t>issubclass</a:t>
             </a:r>
             <a:r>
-              <a:rPr lang="en-US" altLang="en-US" sz="2400" dirty="0">
+              <a:rPr lang="en-US" altLang="en-US" sz="4800" dirty="0">
+                <a:solidFill>
+                  <a:schemeClr val="accent2"/>
+                </a:solidFill>
+                <a:latin typeface="Lucida Sans Typewriter" panose="020B0509030504030204" pitchFamily="49" charset="0"/>
                 <a:ea typeface="ＭＳ Ｐゴシック" panose="020B0600070205080204" pitchFamily="34" charset="-128"/>
               </a:rPr>
               <a:t>()	pow()	super()</a:t>
@@ -4844,218 +5162,51 @@
           </a:p>
           <a:p>
             <a:pPr marL="0" indent="0">
-              <a:buFont typeface="Symbol" panose="05050102010706020507" pitchFamily="18" charset="2"/>
-              <a:buNone/>
-            </a:pPr>
-            <a:r>
-              <a:rPr lang="en-US" altLang="en-US" sz="2400" dirty="0">
+              <a:buNone/>
+            </a:pPr>
+            <a:r>
+              <a:rPr lang="en-US" altLang="en-US" sz="4800" dirty="0">
+                <a:solidFill>
+                  <a:schemeClr val="accent2"/>
+                </a:solidFill>
+                <a:latin typeface="Lucida Sans Typewriter" panose="020B0509030504030204" pitchFamily="49" charset="0"/>
                 <a:ea typeface="ＭＳ Ｐゴシック" panose="020B0600070205080204" pitchFamily="34" charset="-128"/>
               </a:rPr>
               <a:t>bytes()	float()	</a:t>
             </a:r>
             <a:r>
-              <a:rPr lang="en-US" altLang="en-US" sz="2400" dirty="0" err="1">
+              <a:rPr lang="en-US" altLang="en-US" sz="4800" dirty="0" err="1">
+                <a:solidFill>
+                  <a:schemeClr val="accent2"/>
+                </a:solidFill>
+                <a:latin typeface="Lucida Sans Typewriter" panose="020B0509030504030204" pitchFamily="49" charset="0"/>
                 <a:ea typeface="ＭＳ Ｐゴシック" panose="020B0600070205080204" pitchFamily="34" charset="-128"/>
               </a:rPr>
               <a:t>iter</a:t>
             </a:r>
             <a:r>
-              <a:rPr lang="en-US" altLang="en-US" sz="2400" dirty="0">
+              <a:rPr lang="en-US" altLang="en-US" sz="4800" dirty="0">
+                <a:solidFill>
+                  <a:schemeClr val="accent2"/>
+                </a:solidFill>
+                <a:latin typeface="Lucida Sans Typewriter" panose="020B0509030504030204" pitchFamily="49" charset="0"/>
                 <a:ea typeface="ＭＳ Ｐゴシック" panose="020B0600070205080204" pitchFamily="34" charset="-128"/>
               </a:rPr>
               <a:t>()	print()	tuple()</a:t>
             </a:r>
-          </a:p>
-          <a:p>
-            <a:pPr marL="0" indent="0">
-              <a:buFont typeface="Symbol" panose="05050102010706020507" pitchFamily="18" charset="2"/>
-              <a:buNone/>
-            </a:pPr>
-            <a:r>
-              <a:rPr lang="en-US" altLang="en-US" sz="2400" dirty="0">
-                <a:ea typeface="ＭＳ Ｐゴシック" panose="020B0600070205080204" pitchFamily="34" charset="-128"/>
-              </a:rPr>
-              <a:t>callable()	format()	</a:t>
-            </a:r>
-            <a:r>
-              <a:rPr lang="en-US" altLang="en-US" sz="2400" dirty="0" err="1">
-                <a:ea typeface="ＭＳ Ｐゴシック" panose="020B0600070205080204" pitchFamily="34" charset="-128"/>
-              </a:rPr>
-              <a:t>len</a:t>
-            </a:r>
-            <a:r>
-              <a:rPr lang="en-US" altLang="en-US" sz="2400" dirty="0">
-                <a:ea typeface="ＭＳ Ｐゴシック" panose="020B0600070205080204" pitchFamily="34" charset="-128"/>
-              </a:rPr>
-              <a:t>()	property()	type()</a:t>
-            </a:r>
-          </a:p>
-          <a:p>
-            <a:pPr marL="0" indent="0">
-              <a:buFont typeface="Symbol" panose="05050102010706020507" pitchFamily="18" charset="2"/>
-              <a:buNone/>
-            </a:pPr>
-            <a:r>
-              <a:rPr lang="en-US" altLang="en-US" sz="2400" dirty="0" err="1">
-                <a:ea typeface="ＭＳ Ｐゴシック" panose="020B0600070205080204" pitchFamily="34" charset="-128"/>
-              </a:rPr>
-              <a:t>chr</a:t>
-            </a:r>
-            <a:r>
-              <a:rPr lang="en-US" altLang="en-US" sz="2400" dirty="0">
-                <a:ea typeface="ＭＳ Ｐゴシック" panose="020B0600070205080204" pitchFamily="34" charset="-128"/>
-              </a:rPr>
-              <a:t>()	</a:t>
-            </a:r>
-            <a:r>
-              <a:rPr lang="en-US" altLang="en-US" sz="2400" dirty="0" err="1">
-                <a:ea typeface="ＭＳ Ｐゴシック" panose="020B0600070205080204" pitchFamily="34" charset="-128"/>
-              </a:rPr>
-              <a:t>frozenset</a:t>
-            </a:r>
-            <a:r>
-              <a:rPr lang="en-US" altLang="en-US" sz="2400" dirty="0">
-                <a:ea typeface="ＭＳ Ｐゴシック" panose="020B0600070205080204" pitchFamily="34" charset="-128"/>
-              </a:rPr>
-              <a:t>()	list()	range()	vars()</a:t>
-            </a:r>
-          </a:p>
-          <a:p>
-            <a:pPr marL="0" indent="0">
-              <a:buFont typeface="Symbol" panose="05050102010706020507" pitchFamily="18" charset="2"/>
-              <a:buNone/>
-            </a:pPr>
-            <a:r>
-              <a:rPr lang="en-US" altLang="en-US" sz="2400" dirty="0" err="1">
-                <a:ea typeface="ＭＳ Ｐゴシック" panose="020B0600070205080204" pitchFamily="34" charset="-128"/>
-              </a:rPr>
-              <a:t>classmethod</a:t>
-            </a:r>
-            <a:r>
-              <a:rPr lang="en-US" altLang="en-US" sz="2400" dirty="0">
-                <a:ea typeface="ＭＳ Ｐゴシック" panose="020B0600070205080204" pitchFamily="34" charset="-128"/>
-              </a:rPr>
-              <a:t>()	</a:t>
-            </a:r>
-            <a:r>
-              <a:rPr lang="en-US" altLang="en-US" sz="2400" dirty="0" err="1">
-                <a:ea typeface="ＭＳ Ｐゴシック" panose="020B0600070205080204" pitchFamily="34" charset="-128"/>
-              </a:rPr>
-              <a:t>getattr</a:t>
-            </a:r>
-            <a:r>
-              <a:rPr lang="en-US" altLang="en-US" sz="2400" dirty="0">
-                <a:ea typeface="ＭＳ Ｐゴシック" panose="020B0600070205080204" pitchFamily="34" charset="-128"/>
-              </a:rPr>
-              <a:t>()	locals()	</a:t>
-            </a:r>
-            <a:r>
-              <a:rPr lang="en-US" altLang="en-US" sz="2400" dirty="0" err="1">
-                <a:ea typeface="ＭＳ Ｐゴシック" panose="020B0600070205080204" pitchFamily="34" charset="-128"/>
-              </a:rPr>
-              <a:t>repr</a:t>
-            </a:r>
-            <a:r>
-              <a:rPr lang="en-US" altLang="en-US" sz="2400" dirty="0">
-                <a:ea typeface="ＭＳ Ｐゴシック" panose="020B0600070205080204" pitchFamily="34" charset="-128"/>
-              </a:rPr>
-              <a:t>()	zip()</a:t>
-            </a:r>
-          </a:p>
-          <a:p>
-            <a:pPr marL="0" indent="0">
-              <a:buFont typeface="Symbol" panose="05050102010706020507" pitchFamily="18" charset="2"/>
-              <a:buNone/>
-            </a:pPr>
-            <a:r>
-              <a:rPr lang="en-US" altLang="en-US" sz="2400" dirty="0">
-                <a:ea typeface="ＭＳ Ｐゴシック" panose="020B0600070205080204" pitchFamily="34" charset="-128"/>
-              </a:rPr>
-              <a:t>compile()	</a:t>
-            </a:r>
-            <a:r>
-              <a:rPr lang="en-US" altLang="en-US" sz="2400" dirty="0" err="1">
-                <a:ea typeface="ＭＳ Ｐゴシック" panose="020B0600070205080204" pitchFamily="34" charset="-128"/>
-              </a:rPr>
-              <a:t>globals</a:t>
-            </a:r>
-            <a:r>
-              <a:rPr lang="en-US" altLang="en-US" sz="2400" dirty="0">
-                <a:ea typeface="ＭＳ Ｐゴシック" panose="020B0600070205080204" pitchFamily="34" charset="-128"/>
-              </a:rPr>
-              <a:t>()	map()	reversed()	__import__()</a:t>
-            </a:r>
-          </a:p>
-          <a:p>
-            <a:pPr marL="0" indent="0">
-              <a:buFont typeface="Symbol" panose="05050102010706020507" pitchFamily="18" charset="2"/>
-              <a:buNone/>
-            </a:pPr>
-            <a:r>
-              <a:rPr lang="en-US" altLang="en-US" sz="2400" dirty="0">
-                <a:ea typeface="ＭＳ Ｐゴシック" panose="020B0600070205080204" pitchFamily="34" charset="-128"/>
-              </a:rPr>
-              <a:t>complex()	</a:t>
-            </a:r>
-            <a:r>
-              <a:rPr lang="en-US" altLang="en-US" sz="2400" dirty="0" err="1">
-                <a:ea typeface="ＭＳ Ｐゴシック" panose="020B0600070205080204" pitchFamily="34" charset="-128"/>
-              </a:rPr>
-              <a:t>hasattr</a:t>
-            </a:r>
-            <a:r>
-              <a:rPr lang="en-US" altLang="en-US" sz="2400" dirty="0">
-                <a:ea typeface="ＭＳ Ｐゴシック" panose="020B0600070205080204" pitchFamily="34" charset="-128"/>
-              </a:rPr>
-              <a:t>()	max()	round()	 </a:t>
-            </a:r>
-          </a:p>
-          <a:p>
-            <a:pPr marL="0" indent="0">
-              <a:buFont typeface="Symbol" panose="05050102010706020507" pitchFamily="18" charset="2"/>
-              <a:buNone/>
-            </a:pPr>
-            <a:r>
-              <a:rPr lang="en-US" altLang="en-US" sz="2400" dirty="0" err="1">
-                <a:ea typeface="ＭＳ Ｐゴシック" panose="020B0600070205080204" pitchFamily="34" charset="-128"/>
-              </a:rPr>
-              <a:t>delattr</a:t>
-            </a:r>
-            <a:r>
-              <a:rPr lang="en-US" altLang="en-US" sz="2400" dirty="0">
-                <a:ea typeface="ＭＳ Ｐゴシック" panose="020B0600070205080204" pitchFamily="34" charset="-128"/>
-              </a:rPr>
-              <a:t>()	hash()	</a:t>
-            </a:r>
-            <a:r>
-              <a:rPr lang="en-US" altLang="en-US" sz="2400" dirty="0" err="1">
-                <a:ea typeface="ＭＳ Ｐゴシック" panose="020B0600070205080204" pitchFamily="34" charset="-128"/>
-              </a:rPr>
-              <a:t>memoryview</a:t>
-            </a:r>
-            <a:r>
-              <a:rPr lang="en-US" altLang="en-US" sz="2400" dirty="0">
-                <a:ea typeface="ＭＳ Ｐゴシック" panose="020B0600070205080204" pitchFamily="34" charset="-128"/>
-              </a:rPr>
-              <a:t>()	set()</a:t>
-            </a:r>
-          </a:p>
-          <a:p>
-            <a:pPr marL="0" indent="0">
-              <a:buFont typeface="Symbol" panose="05050102010706020507" pitchFamily="18" charset="2"/>
-              <a:buNone/>
-            </a:pPr>
             <a:endParaRPr lang="en-US" altLang="en-US" sz="2400" dirty="0">
               <a:ea typeface="ＭＳ Ｐゴシック" panose="020B0600070205080204" pitchFamily="34" charset="-128"/>
             </a:endParaRPr>
           </a:p>
           <a:p>
             <a:pPr marL="0" indent="0">
-              <a:buFont typeface="Symbol" panose="05050102010706020507" pitchFamily="18" charset="2"/>
-              <a:buNone/>
-            </a:pPr>
-            <a:r>
-              <a:rPr lang="en-US" altLang="en-US" sz="2400" dirty="0">
+              <a:lnSpc>
+                <a:spcPct val="130000"/>
+              </a:lnSpc>
+              <a:buNone/>
+            </a:pPr>
+            <a:r>
+              <a:rPr lang="en-US" altLang="en-US" sz="9200" dirty="0">
                 <a:ea typeface="ＭＳ Ｐゴシック" panose="020B0600070205080204" pitchFamily="34" charset="-128"/>
               </a:rPr>
               <a:t>As opposed to keywords, we can overwrite these (But really shouldn’t!)</a:t>
@@ -5150,73 +5301,59 @@
         </p:spPr>
         <p:txBody>
           <a:bodyPr>
-            <a:normAutofit fontScale="92500" lnSpcReduction="10000"/>
+            <a:noAutofit/>
           </a:bodyPr>
           <a:lstStyle/>
           <a:p>
             <a:pPr marL="0" indent="0">
-              <a:buFont typeface="Symbol" panose="05050102010706020507" pitchFamily="18" charset="2"/>
-              <a:buNone/>
-            </a:pPr>
-            <a:r>
-              <a:rPr lang="en-US" altLang="en-US" sz="2400" dirty="0">
-                <a:latin typeface="Courier New" panose="02070309020205020404" pitchFamily="49" charset="0"/>
-                <a:ea typeface="ＭＳ Ｐゴシック" panose="020B0600070205080204" pitchFamily="34" charset="-128"/>
-                <a:cs typeface="Courier New" panose="02070309020205020404" pitchFamily="49" charset="0"/>
+              <a:lnSpc>
+                <a:spcPct val="120000"/>
+              </a:lnSpc>
+              <a:buNone/>
+            </a:pPr>
+            <a:r>
+              <a:rPr lang="en-US" altLang="en-US" sz="2300" dirty="0">
+                <a:ea typeface="ＭＳ Ｐゴシック" panose="020B0600070205080204" pitchFamily="34" charset="-128"/>
               </a:rPr>
               <a:t>The built-in functions only get us so far.</a:t>
             </a:r>
           </a:p>
           <a:p>
             <a:pPr marL="0" indent="0">
-              <a:buFont typeface="Symbol" panose="05050102010706020507" pitchFamily="18" charset="2"/>
-              <a:buNone/>
-            </a:pPr>
-            <a:endParaRPr lang="en-US" altLang="en-US" sz="2400" dirty="0">
-              <a:latin typeface="Courier New" panose="02070309020205020404" pitchFamily="49" charset="0"/>
-              <a:ea typeface="ＭＳ Ｐゴシック" panose="020B0600070205080204" pitchFamily="34" charset="-128"/>
-              <a:cs typeface="Courier New" panose="02070309020205020404" pitchFamily="49" charset="0"/>
-            </a:endParaRPr>
-          </a:p>
-          <a:p>
-            <a:pPr marL="0" indent="0">
-              <a:buFont typeface="Symbol" panose="05050102010706020507" pitchFamily="18" charset="2"/>
-              <a:buNone/>
-            </a:pPr>
-            <a:r>
-              <a:rPr lang="en-US" altLang="en-US" sz="2400" dirty="0">
-                <a:latin typeface="Courier New" panose="02070309020205020404" pitchFamily="49" charset="0"/>
-                <a:ea typeface="ＭＳ Ｐゴシック" panose="020B0600070205080204" pitchFamily="34" charset="-128"/>
-                <a:cs typeface="Courier New" panose="02070309020205020404" pitchFamily="49" charset="0"/>
+              <a:lnSpc>
+                <a:spcPct val="120000"/>
+              </a:lnSpc>
+              <a:buNone/>
+            </a:pPr>
+            <a:r>
+              <a:rPr lang="en-US" altLang="en-US" sz="2300" dirty="0">
+                <a:ea typeface="ＭＳ Ｐゴシック" panose="020B0600070205080204" pitchFamily="34" charset="-128"/>
+              </a:rPr>
+              <a:t>Exercise 1.1</a:t>
+            </a:r>
+          </a:p>
+          <a:p>
+            <a:pPr marL="0" indent="0">
+              <a:lnSpc>
+                <a:spcPct val="120000"/>
+              </a:lnSpc>
+              <a:buNone/>
+            </a:pPr>
+            <a:r>
+              <a:rPr lang="en-US" altLang="en-US" sz="2300" dirty="0">
+                <a:ea typeface="ＭＳ Ｐゴシック" panose="020B0600070205080204" pitchFamily="34" charset="-128"/>
               </a:rPr>
               <a:t>Calculate the area of a triangle given the length of its 3 sides.</a:t>
             </a:r>
           </a:p>
           <a:p>
             <a:pPr marL="0" indent="0">
-              <a:buFont typeface="Symbol" panose="05050102010706020507" pitchFamily="18" charset="2"/>
-              <a:buNone/>
-            </a:pPr>
-            <a:endParaRPr lang="en-US" altLang="en-US" sz="2400" dirty="0">
-              <a:latin typeface="Courier New" panose="02070309020205020404" pitchFamily="49" charset="0"/>
-              <a:ea typeface="ＭＳ Ｐゴシック" panose="020B0600070205080204" pitchFamily="34" charset="-128"/>
-              <a:cs typeface="Courier New" panose="02070309020205020404" pitchFamily="49" charset="0"/>
-            </a:endParaRPr>
-          </a:p>
-          <a:p>
-            <a:pPr marL="0" indent="0">
-              <a:buFont typeface="Symbol" panose="05050102010706020507" pitchFamily="18" charset="2"/>
-              <a:buNone/>
-            </a:pPr>
-            <a:r>
-              <a:rPr lang="en-US" altLang="en-US" sz="2400" dirty="0">
-                <a:latin typeface="Courier New" panose="02070309020205020404" pitchFamily="49" charset="0"/>
-                <a:ea typeface="ＭＳ Ｐゴシック" panose="020B0600070205080204" pitchFamily="34" charset="-128"/>
-                <a:cs typeface="Courier New" panose="02070309020205020404" pitchFamily="49" charset="0"/>
-              </a:rPr>
-              <a:t>Exercise 1.1</a:t>
-            </a:r>
-            <a:endParaRPr lang="en-US" altLang="en-US" sz="2400" dirty="0">
+              <a:lnSpc>
+                <a:spcPct val="120000"/>
+              </a:lnSpc>
+              <a:buNone/>
+            </a:pPr>
+            <a:endParaRPr lang="en-US" altLang="en-US" sz="2300" dirty="0">
               <a:ea typeface="ＭＳ Ｐゴシック" panose="020B0600070205080204" pitchFamily="34" charset="-128"/>
             </a:endParaRPr>
           </a:p>
@@ -5314,14 +5451,14 @@
           <a:lstStyle/>
           <a:p>
             <a:pPr marL="0" indent="0">
-              <a:buFont typeface="Symbol" panose="05050102010706020507" pitchFamily="18" charset="2"/>
-              <a:buNone/>
-            </a:pPr>
-            <a:r>
-              <a:rPr lang="en-US" altLang="en-US" sz="2400" dirty="0">
-                <a:latin typeface="Courier New" panose="02070309020205020404" pitchFamily="49" charset="0"/>
-                <a:ea typeface="ＭＳ Ｐゴシック" panose="020B0600070205080204" pitchFamily="34" charset="-128"/>
-                <a:cs typeface="Courier New" panose="02070309020205020404" pitchFamily="49" charset="0"/>
+              <a:lnSpc>
+                <a:spcPct val="130000"/>
+              </a:lnSpc>
+              <a:buNone/>
+            </a:pPr>
+            <a:r>
+              <a:rPr lang="en-US" altLang="en-US" sz="2700" dirty="0">
+                <a:ea typeface="ＭＳ Ｐゴシック" panose="020B0600070205080204" pitchFamily="34" charset="-128"/>
               </a:rPr>
               <a:t>Modules can be renamed on import. You may see this kind of code a lot:</a:t>
             </a:r>
@@ -5339,71 +5476,96 @@
           </a:p>
           <a:p>
             <a:pPr marL="0" indent="0">
+              <a:buNone/>
+            </a:pPr>
+            <a:r>
+              <a:rPr lang="en-US" altLang="en-US" sz="1400" dirty="0">
+                <a:solidFill>
+                  <a:schemeClr val="accent2"/>
+                </a:solidFill>
+                <a:latin typeface="Lucida Sans Typewriter" panose="020B0509030504030204" pitchFamily="49" charset="0"/>
+                <a:ea typeface="ＭＳ Ｐゴシック" panose="020B0600070205080204" pitchFamily="34" charset="-128"/>
+              </a:rPr>
+              <a:t>import </a:t>
+            </a:r>
+            <a:r>
+              <a:rPr lang="en-US" altLang="en-US" sz="1400" dirty="0" err="1">
+                <a:solidFill>
+                  <a:schemeClr val="accent2"/>
+                </a:solidFill>
+                <a:latin typeface="Lucida Sans Typewriter" panose="020B0509030504030204" pitchFamily="49" charset="0"/>
+                <a:ea typeface="ＭＳ Ｐゴシック" panose="020B0600070205080204" pitchFamily="34" charset="-128"/>
+              </a:rPr>
+              <a:t>numpy</a:t>
+            </a:r>
+            <a:r>
+              <a:rPr lang="en-US" altLang="en-US" sz="1400" dirty="0">
+                <a:solidFill>
+                  <a:schemeClr val="accent2"/>
+                </a:solidFill>
+                <a:latin typeface="Lucida Sans Typewriter" panose="020B0509030504030204" pitchFamily="49" charset="0"/>
+                <a:ea typeface="ＭＳ Ｐゴシック" panose="020B0600070205080204" pitchFamily="34" charset="-128"/>
+              </a:rPr>
+              <a:t> as np</a:t>
+            </a:r>
+          </a:p>
+          <a:p>
+            <a:pPr marL="0" indent="0">
+              <a:buNone/>
+            </a:pPr>
+            <a:r>
+              <a:rPr lang="en-US" altLang="en-US" sz="1400" dirty="0">
+                <a:solidFill>
+                  <a:schemeClr val="accent2"/>
+                </a:solidFill>
+                <a:latin typeface="Lucida Sans Typewriter" panose="020B0509030504030204" pitchFamily="49" charset="0"/>
+                <a:ea typeface="ＭＳ Ｐゴシック" panose="020B0600070205080204" pitchFamily="34" charset="-128"/>
+              </a:rPr>
+              <a:t>import </a:t>
+            </a:r>
+            <a:r>
+              <a:rPr lang="en-US" altLang="en-US" sz="1400" dirty="0" err="1">
+                <a:solidFill>
+                  <a:schemeClr val="accent2"/>
+                </a:solidFill>
+                <a:latin typeface="Lucida Sans Typewriter" panose="020B0509030504030204" pitchFamily="49" charset="0"/>
+                <a:ea typeface="ＭＳ Ｐゴシック" panose="020B0600070205080204" pitchFamily="34" charset="-128"/>
+              </a:rPr>
+              <a:t>tensorflow</a:t>
+            </a:r>
+            <a:r>
+              <a:rPr lang="en-US" altLang="en-US" sz="1400" dirty="0">
+                <a:solidFill>
+                  <a:schemeClr val="accent2"/>
+                </a:solidFill>
+                <a:latin typeface="Lucida Sans Typewriter" panose="020B0509030504030204" pitchFamily="49" charset="0"/>
+                <a:ea typeface="ＭＳ Ｐゴシック" panose="020B0600070205080204" pitchFamily="34" charset="-128"/>
+              </a:rPr>
+              <a:t> as </a:t>
+            </a:r>
+            <a:r>
+              <a:rPr lang="en-US" altLang="en-US" sz="1400" dirty="0" err="1">
+                <a:solidFill>
+                  <a:schemeClr val="accent2"/>
+                </a:solidFill>
+                <a:latin typeface="Lucida Sans Typewriter" panose="020B0509030504030204" pitchFamily="49" charset="0"/>
+                <a:ea typeface="ＭＳ Ｐゴシック" panose="020B0600070205080204" pitchFamily="34" charset="-128"/>
+              </a:rPr>
+              <a:t>tf</a:t>
+            </a:r>
+            <a:endParaRPr lang="en-US" altLang="en-US" sz="1400" dirty="0">
+              <a:solidFill>
+                <a:schemeClr val="accent2"/>
+              </a:solidFill>
+              <a:latin typeface="Lucida Sans Typewriter" panose="020B0509030504030204" pitchFamily="49" charset="0"/>
+              <a:ea typeface="ＭＳ Ｐゴシック" panose="020B0600070205080204" pitchFamily="34" charset="-128"/>
+            </a:endParaRPr>
+          </a:p>
+          <a:p>
+            <a:pPr marL="0" indent="0">
               <a:buFont typeface="Symbol" panose="05050102010706020507" pitchFamily="18" charset="2"/>
               <a:buNone/>
             </a:pPr>
-            <a:r>
-              <a:rPr lang="en-US" altLang="en-US" sz="2400" dirty="0">
-                <a:latin typeface="Courier New" panose="02070309020205020404" pitchFamily="49" charset="0"/>
-                <a:ea typeface="ＭＳ Ｐゴシック" panose="020B0600070205080204" pitchFamily="34" charset="-128"/>
-                <a:cs typeface="Courier New" panose="02070309020205020404" pitchFamily="49" charset="0"/>
-              </a:rPr>
-              <a:t>import </a:t>
-            </a:r>
-            <a:r>
-              <a:rPr lang="en-US" altLang="en-US" sz="2400" dirty="0" err="1">
-                <a:latin typeface="Courier New" panose="02070309020205020404" pitchFamily="49" charset="0"/>
-                <a:ea typeface="ＭＳ Ｐゴシック" panose="020B0600070205080204" pitchFamily="34" charset="-128"/>
-                <a:cs typeface="Courier New" panose="02070309020205020404" pitchFamily="49" charset="0"/>
-              </a:rPr>
-              <a:t>numpy</a:t>
-            </a:r>
-            <a:r>
-              <a:rPr lang="en-US" altLang="en-US" sz="2400" dirty="0">
-                <a:latin typeface="Courier New" panose="02070309020205020404" pitchFamily="49" charset="0"/>
-                <a:ea typeface="ＭＳ Ｐゴシック" panose="020B0600070205080204" pitchFamily="34" charset="-128"/>
-                <a:cs typeface="Courier New" panose="02070309020205020404" pitchFamily="49" charset="0"/>
-              </a:rPr>
-              <a:t> as np</a:t>
-            </a:r>
-          </a:p>
-          <a:p>
-            <a:pPr marL="0" indent="0">
-              <a:buFont typeface="Symbol" panose="05050102010706020507" pitchFamily="18" charset="2"/>
-              <a:buNone/>
-            </a:pPr>
-            <a:r>
-              <a:rPr lang="en-US" altLang="en-US" sz="2400" dirty="0">
-                <a:latin typeface="Courier New" panose="02070309020205020404" pitchFamily="49" charset="0"/>
-                <a:ea typeface="ＭＳ Ｐゴシック" panose="020B0600070205080204" pitchFamily="34" charset="-128"/>
-                <a:cs typeface="Courier New" panose="02070309020205020404" pitchFamily="49" charset="0"/>
-              </a:rPr>
-              <a:t>import </a:t>
-            </a:r>
-            <a:r>
-              <a:rPr lang="en-US" altLang="en-US" sz="2400" dirty="0" err="1">
-                <a:latin typeface="Courier New" panose="02070309020205020404" pitchFamily="49" charset="0"/>
-                <a:ea typeface="ＭＳ Ｐゴシック" panose="020B0600070205080204" pitchFamily="34" charset="-128"/>
-                <a:cs typeface="Courier New" panose="02070309020205020404" pitchFamily="49" charset="0"/>
-              </a:rPr>
-              <a:t>tensorflow</a:t>
-            </a:r>
-            <a:r>
-              <a:rPr lang="en-US" altLang="en-US" sz="2400" dirty="0">
-                <a:latin typeface="Courier New" panose="02070309020205020404" pitchFamily="49" charset="0"/>
-                <a:ea typeface="ＭＳ Ｐゴシック" panose="020B0600070205080204" pitchFamily="34" charset="-128"/>
-                <a:cs typeface="Courier New" panose="02070309020205020404" pitchFamily="49" charset="0"/>
-              </a:rPr>
-              <a:t> as </a:t>
-            </a:r>
-            <a:r>
-              <a:rPr lang="en-US" altLang="en-US" sz="2400" dirty="0" err="1">
-                <a:latin typeface="Courier New" panose="02070309020205020404" pitchFamily="49" charset="0"/>
-                <a:ea typeface="ＭＳ Ｐゴシック" panose="020B0600070205080204" pitchFamily="34" charset="-128"/>
-                <a:cs typeface="Courier New" panose="02070309020205020404" pitchFamily="49" charset="0"/>
-              </a:rPr>
-              <a:t>tf</a:t>
-            </a:r>
             <a:endParaRPr lang="en-US" altLang="en-US" sz="2400" dirty="0">
               <a:latin typeface="Courier New" panose="02070309020205020404" pitchFamily="49" charset="0"/>
               <a:ea typeface="ＭＳ Ｐゴシック" panose="020B0600070205080204" pitchFamily="34" charset="-128"/>
@@ -5412,6 +5574,34 @@
           </a:p>
           <a:p>
             <a:pPr marL="0" indent="0">
+              <a:lnSpc>
+                <a:spcPct val="130000"/>
+              </a:lnSpc>
+              <a:buNone/>
+            </a:pPr>
+            <a:r>
+              <a:rPr lang="en-US" altLang="en-US" sz="2500" dirty="0">
+                <a:ea typeface="ＭＳ Ｐゴシック" panose="020B0600070205080204" pitchFamily="34" charset="-128"/>
+              </a:rPr>
+              <a:t>Why bother?</a:t>
+            </a:r>
+          </a:p>
+          <a:p>
+            <a:pPr marL="0" indent="0">
+              <a:lnSpc>
+                <a:spcPct val="130000"/>
+              </a:lnSpc>
+              <a:buNone/>
+            </a:pPr>
+            <a:r>
+              <a:rPr lang="en-US" altLang="en-US" sz="2500" dirty="0">
+                <a:ea typeface="ＭＳ Ｐゴシック" panose="020B0600070205080204" pitchFamily="34" charset="-128"/>
+              </a:rPr>
+              <a:t>“Practicality beats purity.” – The Zen of Python</a:t>
+            </a:r>
+          </a:p>
+          <a:p>
+            <a:pPr marL="0" indent="0">
               <a:buFont typeface="Symbol" panose="05050102010706020507" pitchFamily="18" charset="2"/>
               <a:buNone/>
             </a:pPr>
@@ -5423,61 +5613,18 @@
           </a:p>
           <a:p>
             <a:pPr marL="0" indent="0">
-              <a:buFont typeface="Symbol" panose="05050102010706020507" pitchFamily="18" charset="2"/>
-              <a:buNone/>
-            </a:pPr>
-            <a:r>
-              <a:rPr lang="en-US" altLang="en-US" sz="2400" dirty="0">
-                <a:latin typeface="Courier New" panose="02070309020205020404" pitchFamily="49" charset="0"/>
-                <a:ea typeface="ＭＳ Ｐゴシック" panose="020B0600070205080204" pitchFamily="34" charset="-128"/>
-                <a:cs typeface="Courier New" panose="02070309020205020404" pitchFamily="49" charset="0"/>
-              </a:rPr>
-              <a:t>Why bother?</a:t>
-            </a:r>
-          </a:p>
-          <a:p>
-            <a:pPr marL="0" indent="0">
-              <a:buFont typeface="Symbol" panose="05050102010706020507" pitchFamily="18" charset="2"/>
-              <a:buNone/>
-            </a:pPr>
-            <a:r>
-              <a:rPr lang="en-US" altLang="en-US" sz="2400" dirty="0">
-                <a:latin typeface="Courier New" panose="02070309020205020404" pitchFamily="49" charset="0"/>
-                <a:ea typeface="ＭＳ Ｐゴシック" panose="020B0600070205080204" pitchFamily="34" charset="-128"/>
-                <a:cs typeface="Courier New" panose="02070309020205020404" pitchFamily="49" charset="0"/>
-              </a:rPr>
-              <a:t>“Practicality beats purity.” – The Zen of Python</a:t>
-            </a:r>
-          </a:p>
-          <a:p>
-            <a:pPr marL="0" indent="0">
-              <a:buFont typeface="Symbol" panose="05050102010706020507" pitchFamily="18" charset="2"/>
-              <a:buNone/>
-            </a:pPr>
-            <a:endParaRPr lang="en-US" altLang="en-US" sz="2400">
-              <a:latin typeface="Courier New" panose="02070309020205020404" pitchFamily="49" charset="0"/>
-              <a:ea typeface="ＭＳ Ｐゴシック" panose="020B0600070205080204" pitchFamily="34" charset="-128"/>
-              <a:cs typeface="Courier New" panose="02070309020205020404" pitchFamily="49" charset="0"/>
-            </a:endParaRPr>
-          </a:p>
-          <a:p>
-            <a:pPr marL="0" indent="0">
-              <a:buFont typeface="Symbol" panose="05050102010706020507" pitchFamily="18" charset="2"/>
-              <a:buNone/>
-            </a:pPr>
-            <a:r>
-              <a:rPr lang="en-US" altLang="en-US" sz="2400">
-                <a:latin typeface="Courier New" panose="02070309020205020404" pitchFamily="49" charset="0"/>
-                <a:ea typeface="ＭＳ Ｐゴシック" panose="020B0600070205080204" pitchFamily="34" charset="-128"/>
-                <a:cs typeface="Courier New" panose="02070309020205020404" pitchFamily="49" charset="0"/>
+              <a:buNone/>
+            </a:pPr>
+            <a:r>
+              <a:rPr lang="en-US" altLang="en-US" sz="1400" dirty="0">
+                <a:solidFill>
+                  <a:schemeClr val="accent2"/>
+                </a:solidFill>
+                <a:latin typeface="Lucida Sans Typewriter" panose="020B0509030504030204" pitchFamily="49" charset="0"/>
+                <a:ea typeface="ＭＳ Ｐゴシック" panose="020B0600070205080204" pitchFamily="34" charset="-128"/>
               </a:rPr>
               <a:t>import this</a:t>
             </a:r>
-            <a:endParaRPr lang="en-US" altLang="en-US" sz="2400" dirty="0">
-              <a:latin typeface="Courier New" panose="02070309020205020404" pitchFamily="49" charset="0"/>
-              <a:ea typeface="ＭＳ Ｐゴシック" panose="020B0600070205080204" pitchFamily="34" charset="-128"/>
-              <a:cs typeface="Courier New" panose="02070309020205020404" pitchFamily="49" charset="0"/>
-            </a:endParaRPr>
           </a:p>
         </p:txBody>
       </p:sp>
@@ -5563,26 +5710,95 @@
         <p:spPr>
           <a:xfrm>
             <a:off x="838200" y="2043739"/>
-            <a:ext cx="10515600" cy="3300048"/>
+            <a:ext cx="10515600" cy="4533230"/>
           </a:xfrm>
         </p:spPr>
         <p:txBody>
           <a:bodyPr>
-            <a:normAutofit fontScale="32500" lnSpcReduction="20000"/>
+            <a:normAutofit fontScale="25000" lnSpcReduction="20000"/>
           </a:bodyPr>
           <a:lstStyle/>
           <a:p>
             <a:pPr marL="0" indent="0">
-              <a:buFont typeface="Symbol" panose="05050102010706020507" pitchFamily="18" charset="2"/>
-              <a:buNone/>
-            </a:pPr>
-            <a:r>
-              <a:rPr lang="en-US" altLang="en-US" sz="2400" dirty="0">
-                <a:latin typeface="Courier New" panose="02070309020205020404" pitchFamily="49" charset="0"/>
-                <a:ea typeface="ＭＳ Ｐゴシック" panose="020B0600070205080204" pitchFamily="34" charset="-128"/>
-                <a:cs typeface="Courier New" panose="02070309020205020404" pitchFamily="49" charset="0"/>
+              <a:lnSpc>
+                <a:spcPct val="130000"/>
+              </a:lnSpc>
+              <a:buNone/>
+            </a:pPr>
+            <a:r>
+              <a:rPr lang="en-US" altLang="en-US" sz="9200" dirty="0">
+                <a:ea typeface="ＭＳ Ｐゴシック" panose="020B0600070205080204" pitchFamily="34" charset="-128"/>
               </a:rPr>
               <a:t>Modules give us functions as well as useful constants.</a:t>
+            </a:r>
+          </a:p>
+          <a:p>
+            <a:pPr marL="0" indent="0">
+              <a:lnSpc>
+                <a:spcPct val="130000"/>
+              </a:lnSpc>
+              <a:buNone/>
+            </a:pPr>
+            <a:r>
+              <a:rPr lang="en-US" altLang="en-US" sz="9200" dirty="0">
+                <a:ea typeface="ＭＳ Ｐゴシック" panose="020B0600070205080204" pitchFamily="34" charset="-128"/>
+              </a:rPr>
+              <a:t>Exercise 1.2: Find the area of a circle given its radius.</a:t>
+            </a:r>
+          </a:p>
+          <a:p>
+            <a:pPr marL="0" indent="0">
+              <a:lnSpc>
+                <a:spcPct val="130000"/>
+              </a:lnSpc>
+              <a:buNone/>
+            </a:pPr>
+            <a:endParaRPr lang="en-US" altLang="en-US" sz="9200" dirty="0">
+              <a:ea typeface="ＭＳ Ｐゴシック" panose="020B0600070205080204" pitchFamily="34" charset="-128"/>
+            </a:endParaRPr>
+          </a:p>
+          <a:p>
+            <a:pPr marL="0" indent="0">
+              <a:lnSpc>
+                <a:spcPct val="130000"/>
+              </a:lnSpc>
+              <a:buNone/>
+            </a:pPr>
+            <a:r>
+              <a:rPr lang="en-US" altLang="en-US" sz="9200" dirty="0">
+                <a:ea typeface="ＭＳ Ｐゴシック" panose="020B0600070205080204" pitchFamily="34" charset="-128"/>
+              </a:rPr>
+              <a:t>We can import the entire module, or only what we know we’re going to use.</a:t>
+            </a:r>
+          </a:p>
+          <a:p>
+            <a:pPr marL="0" indent="0">
+              <a:buNone/>
+            </a:pPr>
+            <a:r>
+              <a:rPr lang="en-US" altLang="en-US" sz="4800" dirty="0">
+                <a:solidFill>
+                  <a:schemeClr val="accent2"/>
+                </a:solidFill>
+                <a:latin typeface="Lucida Sans Typewriter" panose="020B0509030504030204" pitchFamily="49" charset="0"/>
+                <a:ea typeface="ＭＳ Ｐゴシック" panose="020B0600070205080204" pitchFamily="34" charset="-128"/>
+              </a:rPr>
+              <a:t>import math</a:t>
+            </a:r>
+          </a:p>
+          <a:p>
+            <a:pPr marL="0" indent="0">
+              <a:buNone/>
+            </a:pPr>
+            <a:r>
+              <a:rPr lang="en-US" altLang="en-US" sz="4800" dirty="0">
+                <a:solidFill>
+                  <a:schemeClr val="accent2"/>
+                </a:solidFill>
+                <a:latin typeface="Lucida Sans Typewriter" panose="020B0509030504030204" pitchFamily="49" charset="0"/>
+                <a:ea typeface="ＭＳ Ｐゴシック" panose="020B0600070205080204" pitchFamily="34" charset="-128"/>
+              </a:rPr>
+              <a:t>from math import sqrt</a:t>
             </a:r>
           </a:p>
           <a:p>
@@ -5598,172 +5814,45 @@
           </a:p>
           <a:p>
             <a:pPr marL="0" indent="0">
-              <a:buFont typeface="Symbol" panose="05050102010706020507" pitchFamily="18" charset="2"/>
-              <a:buNone/>
-            </a:pPr>
-            <a:r>
-              <a:rPr lang="en-US" altLang="en-US" sz="2400" dirty="0">
-                <a:latin typeface="Courier New" panose="02070309020205020404" pitchFamily="49" charset="0"/>
-                <a:ea typeface="ＭＳ Ｐゴシック" panose="020B0600070205080204" pitchFamily="34" charset="-128"/>
-                <a:cs typeface="Courier New" panose="02070309020205020404" pitchFamily="49" charset="0"/>
-              </a:rPr>
-              <a:t>Find the area of a circle given its radius.</a:t>
-            </a:r>
-          </a:p>
-          <a:p>
-            <a:pPr marL="0" indent="0">
-              <a:buFont typeface="Symbol" panose="05050102010706020507" pitchFamily="18" charset="2"/>
-              <a:buNone/>
-            </a:pPr>
-            <a:endParaRPr lang="en-US" altLang="en-US" sz="2400" dirty="0">
-              <a:latin typeface="Courier New" panose="02070309020205020404" pitchFamily="49" charset="0"/>
-              <a:ea typeface="ＭＳ Ｐゴシック" panose="020B0600070205080204" pitchFamily="34" charset="-128"/>
-              <a:cs typeface="Courier New" panose="02070309020205020404" pitchFamily="49" charset="0"/>
-            </a:endParaRPr>
-          </a:p>
-          <a:p>
-            <a:pPr marL="0" indent="0">
-              <a:buFont typeface="Symbol" panose="05050102010706020507" pitchFamily="18" charset="2"/>
-              <a:buNone/>
-            </a:pPr>
-            <a:r>
-              <a:rPr lang="en-US" altLang="en-US" sz="2400" dirty="0">
-                <a:latin typeface="Courier New" panose="02070309020205020404" pitchFamily="49" charset="0"/>
-                <a:ea typeface="ＭＳ Ｐゴシック" panose="020B0600070205080204" pitchFamily="34" charset="-128"/>
-                <a:cs typeface="Courier New" panose="02070309020205020404" pitchFamily="49" charset="0"/>
-              </a:rPr>
-              <a:t>Exercise 1.2</a:t>
-            </a:r>
-          </a:p>
-          <a:p>
-            <a:pPr marL="0" indent="0">
-              <a:buFont typeface="Symbol" panose="05050102010706020507" pitchFamily="18" charset="2"/>
-              <a:buNone/>
-            </a:pPr>
-            <a:endParaRPr lang="en-US" altLang="en-US" sz="2400" dirty="0">
-              <a:latin typeface="Courier New" panose="02070309020205020404" pitchFamily="49" charset="0"/>
-              <a:ea typeface="ＭＳ Ｐゴシック" panose="020B0600070205080204" pitchFamily="34" charset="-128"/>
-              <a:cs typeface="Courier New" panose="02070309020205020404" pitchFamily="49" charset="0"/>
-            </a:endParaRPr>
-          </a:p>
-          <a:p>
-            <a:pPr marL="0" indent="0">
-              <a:buFont typeface="Symbol" panose="05050102010706020507" pitchFamily="18" charset="2"/>
-              <a:buNone/>
-            </a:pPr>
-            <a:r>
-              <a:rPr lang="en-US" altLang="en-US" sz="2400" dirty="0">
-                <a:latin typeface="Courier New" panose="02070309020205020404" pitchFamily="49" charset="0"/>
-                <a:ea typeface="ＭＳ Ｐゴシック" panose="020B0600070205080204" pitchFamily="34" charset="-128"/>
-                <a:cs typeface="Courier New" panose="02070309020205020404" pitchFamily="49" charset="0"/>
-              </a:rPr>
-              <a:t>We can import the entire module, or only what we know we’re going to use.</a:t>
-            </a:r>
-          </a:p>
-          <a:p>
-            <a:pPr marL="0" indent="0">
-              <a:buFont typeface="Symbol" panose="05050102010706020507" pitchFamily="18" charset="2"/>
-              <a:buNone/>
-            </a:pPr>
-            <a:r>
-              <a:rPr lang="en-US" altLang="en-US" sz="2400" dirty="0">
-                <a:latin typeface="Courier New" panose="02070309020205020404" pitchFamily="49" charset="0"/>
-                <a:ea typeface="ＭＳ Ｐゴシック" panose="020B0600070205080204" pitchFamily="34" charset="-128"/>
-                <a:cs typeface="Courier New" panose="02070309020205020404" pitchFamily="49" charset="0"/>
-              </a:rPr>
-              <a:t>import math</a:t>
-            </a:r>
-          </a:p>
-          <a:p>
-            <a:pPr marL="0" indent="0">
-              <a:buFont typeface="Symbol" panose="05050102010706020507" pitchFamily="18" charset="2"/>
-              <a:buNone/>
-            </a:pPr>
-            <a:r>
-              <a:rPr lang="en-US" altLang="en-US" sz="2400" dirty="0">
-                <a:latin typeface="Courier New" panose="02070309020205020404" pitchFamily="49" charset="0"/>
-                <a:ea typeface="ＭＳ Ｐゴシック" panose="020B0600070205080204" pitchFamily="34" charset="-128"/>
-                <a:cs typeface="Courier New" panose="02070309020205020404" pitchFamily="49" charset="0"/>
-              </a:rPr>
-              <a:t>from math import sqrt</a:t>
-            </a:r>
-          </a:p>
-          <a:p>
-            <a:pPr marL="0" indent="0">
-              <a:buFont typeface="Symbol" panose="05050102010706020507" pitchFamily="18" charset="2"/>
-              <a:buNone/>
-            </a:pPr>
-            <a:endParaRPr lang="en-US" altLang="en-US" sz="2400" dirty="0">
-              <a:latin typeface="Courier New" panose="02070309020205020404" pitchFamily="49" charset="0"/>
-              <a:ea typeface="ＭＳ Ｐゴシック" panose="020B0600070205080204" pitchFamily="34" charset="-128"/>
-              <a:cs typeface="Courier New" panose="02070309020205020404" pitchFamily="49" charset="0"/>
-            </a:endParaRPr>
-          </a:p>
-          <a:p>
-            <a:pPr marL="0" indent="0">
-              <a:buFont typeface="Symbol" panose="05050102010706020507" pitchFamily="18" charset="2"/>
-              <a:buNone/>
-            </a:pPr>
-            <a:r>
-              <a:rPr lang="en-US" altLang="en-US" sz="2400" dirty="0">
-                <a:latin typeface="Courier New" panose="02070309020205020404" pitchFamily="49" charset="0"/>
-                <a:ea typeface="ＭＳ Ｐゴシック" panose="020B0600070205080204" pitchFamily="34" charset="-128"/>
-                <a:cs typeface="Courier New" panose="02070309020205020404" pitchFamily="49" charset="0"/>
+              <a:lnSpc>
+                <a:spcPct val="130000"/>
+              </a:lnSpc>
+              <a:buNone/>
+            </a:pPr>
+            <a:r>
+              <a:rPr lang="en-US" altLang="en-US" sz="9200" dirty="0">
+                <a:ea typeface="ＭＳ Ｐゴシック" panose="020B0600070205080204" pitchFamily="34" charset="-128"/>
               </a:rPr>
               <a:t>We can import everything inside the module</a:t>
             </a:r>
           </a:p>
           <a:p>
             <a:pPr marL="0" indent="0">
-              <a:buFont typeface="Symbol" panose="05050102010706020507" pitchFamily="18" charset="2"/>
-              <a:buNone/>
-            </a:pPr>
-            <a:r>
-              <a:rPr lang="en-US" altLang="en-US" sz="2400" dirty="0">
-                <a:latin typeface="Courier New" panose="02070309020205020404" pitchFamily="49" charset="0"/>
-                <a:ea typeface="ＭＳ Ｐゴシック" panose="020B0600070205080204" pitchFamily="34" charset="-128"/>
-                <a:cs typeface="Courier New" panose="02070309020205020404" pitchFamily="49" charset="0"/>
+              <a:buNone/>
+            </a:pPr>
+            <a:r>
+              <a:rPr lang="en-US" altLang="en-US" sz="4800" dirty="0">
+                <a:solidFill>
+                  <a:schemeClr val="accent2"/>
+                </a:solidFill>
+                <a:latin typeface="Lucida Sans Typewriter" panose="020B0509030504030204" pitchFamily="49" charset="0"/>
+                <a:ea typeface="ＭＳ Ｐゴシック" panose="020B0600070205080204" pitchFamily="34" charset="-128"/>
               </a:rPr>
               <a:t>From math import *</a:t>
             </a:r>
           </a:p>
           <a:p>
             <a:pPr marL="0" indent="0">
-              <a:buFont typeface="Symbol" panose="05050102010706020507" pitchFamily="18" charset="2"/>
-              <a:buNone/>
-            </a:pPr>
-            <a:r>
-              <a:rPr lang="en-US" altLang="en-US" sz="2400" dirty="0">
-                <a:latin typeface="Courier New" panose="02070309020205020404" pitchFamily="49" charset="0"/>
-                <a:ea typeface="ＭＳ Ｐゴシック" panose="020B0600070205080204" pitchFamily="34" charset="-128"/>
-                <a:cs typeface="Courier New" panose="02070309020205020404" pitchFamily="49" charset="0"/>
-              </a:rPr>
-              <a:t>But really shouldn’t!</a:t>
-            </a:r>
-          </a:p>
-          <a:p>
-            <a:pPr marL="0" indent="0">
-              <a:buFont typeface="Symbol" panose="05050102010706020507" pitchFamily="18" charset="2"/>
-              <a:buNone/>
-            </a:pPr>
-            <a:endParaRPr lang="en-US" altLang="en-US" sz="2400" dirty="0">
-              <a:latin typeface="Courier New" panose="02070309020205020404" pitchFamily="49" charset="0"/>
-              <a:ea typeface="ＭＳ Ｐゴシック" panose="020B0600070205080204" pitchFamily="34" charset="-128"/>
-              <a:cs typeface="Courier New" panose="02070309020205020404" pitchFamily="49" charset="0"/>
-            </a:endParaRPr>
-          </a:p>
-          <a:p>
-            <a:pPr marL="0" indent="0">
-              <a:buFont typeface="Symbol" panose="05050102010706020507" pitchFamily="18" charset="2"/>
-              <a:buNone/>
-            </a:pPr>
-            <a:r>
-              <a:rPr lang="en-US" altLang="en-US" sz="2400" dirty="0">
-                <a:latin typeface="Courier New" panose="02070309020205020404" pitchFamily="49" charset="0"/>
-                <a:ea typeface="ＭＳ Ｐゴシック" panose="020B0600070205080204" pitchFamily="34" charset="-128"/>
-                <a:cs typeface="Courier New" panose="02070309020205020404" pitchFamily="49" charset="0"/>
-              </a:rPr>
-              <a:t>Exercise 1.3</a:t>
+              <a:lnSpc>
+                <a:spcPct val="130000"/>
+              </a:lnSpc>
+              <a:buNone/>
+            </a:pPr>
+            <a:r>
+              <a:rPr lang="en-US" altLang="en-US" sz="9200" dirty="0">
+                <a:ea typeface="ＭＳ Ｐゴシック" panose="020B0600070205080204" pitchFamily="34" charset="-128"/>
+              </a:rPr>
+              <a:t>Exercise 1.3: Importing everything from a module</a:t>
             </a:r>
           </a:p>
         </p:txBody>
@@ -5860,16 +5949,85 @@
           <a:lstStyle/>
           <a:p>
             <a:pPr marL="0" indent="0">
+              <a:lnSpc>
+                <a:spcPct val="70000"/>
+              </a:lnSpc>
+              <a:buNone/>
+            </a:pPr>
+            <a:r>
+              <a:rPr lang="en-US" altLang="en-US" sz="1300" dirty="0">
+                <a:solidFill>
+                  <a:schemeClr val="accent2"/>
+                </a:solidFill>
+                <a:latin typeface="Lucida Sans Typewriter" panose="020B0509030504030204" pitchFamily="49" charset="0"/>
+                <a:ea typeface="ＭＳ Ｐゴシック" panose="020B0600070205080204" pitchFamily="34" charset="-128"/>
+              </a:rPr>
+              <a:t>==, !=, &lt;&gt;, &gt;, &lt;, &gt;=, &lt;=</a:t>
+            </a:r>
+          </a:p>
+          <a:p>
+            <a:pPr marL="0" indent="0">
               <a:buFont typeface="Symbol" panose="05050102010706020507" pitchFamily="18" charset="2"/>
               <a:buNone/>
             </a:pPr>
-            <a:r>
-              <a:rPr lang="en-US" altLang="en-US" sz="2400" dirty="0">
-                <a:latin typeface="Courier New" panose="02070309020205020404" pitchFamily="49" charset="0"/>
-                <a:ea typeface="ＭＳ Ｐゴシック" panose="020B0600070205080204" pitchFamily="34" charset="-128"/>
-                <a:cs typeface="Courier New" panose="02070309020205020404" pitchFamily="49" charset="0"/>
-              </a:rPr>
-              <a:t>==, !=, &lt;&gt;, &gt;, &lt;, &gt;=, &lt;=</a:t>
+            <a:endParaRPr lang="en-US" altLang="en-US" sz="1300" dirty="0">
+              <a:latin typeface="Lucida Sans Typewriter" panose="020B0509030504030204" pitchFamily="49" charset="0"/>
+              <a:ea typeface="ＭＳ Ｐゴシック" panose="020B0600070205080204" pitchFamily="34" charset="-128"/>
+              <a:cs typeface="Courier New" panose="02070309020205020404" pitchFamily="49" charset="0"/>
+            </a:endParaRPr>
+          </a:p>
+          <a:p>
+            <a:pPr marL="0" indent="0">
+              <a:lnSpc>
+                <a:spcPct val="70000"/>
+              </a:lnSpc>
+              <a:buNone/>
+            </a:pPr>
+            <a:r>
+              <a:rPr lang="en-US" altLang="en-US" sz="1300" dirty="0">
+                <a:solidFill>
+                  <a:schemeClr val="accent2"/>
+                </a:solidFill>
+                <a:latin typeface="Lucida Sans Typewriter" panose="020B0509030504030204" pitchFamily="49" charset="0"/>
+                <a:ea typeface="ＭＳ Ｐゴシック" panose="020B0600070205080204" pitchFamily="34" charset="-128"/>
+              </a:rPr>
+              <a:t>&gt;&gt;&gt; x = 10</a:t>
+            </a:r>
+          </a:p>
+          <a:p>
+            <a:pPr marL="0" indent="0">
+              <a:lnSpc>
+                <a:spcPct val="70000"/>
+              </a:lnSpc>
+              <a:buNone/>
+            </a:pPr>
+            <a:r>
+              <a:rPr lang="en-US" altLang="en-US" sz="1300" dirty="0">
+                <a:solidFill>
+                  <a:schemeClr val="accent2"/>
+                </a:solidFill>
+                <a:latin typeface="Lucida Sans Typewriter" panose="020B0509030504030204" pitchFamily="49" charset="0"/>
+                <a:ea typeface="ＭＳ Ｐゴシック" panose="020B0600070205080204" pitchFamily="34" charset="-128"/>
+              </a:rPr>
+              <a:t>&gt;&gt;&gt; x &gt; 5</a:t>
+            </a:r>
+          </a:p>
+          <a:p>
+            <a:pPr marL="0" indent="0">
+              <a:lnSpc>
+                <a:spcPct val="70000"/>
+              </a:lnSpc>
+              <a:buNone/>
+            </a:pPr>
+            <a:r>
+              <a:rPr lang="en-US" altLang="en-US" sz="1300" dirty="0">
+                <a:solidFill>
+                  <a:schemeClr val="accent2"/>
+                </a:solidFill>
+                <a:latin typeface="Lucida Sans Typewriter" panose="020B0509030504030204" pitchFamily="49" charset="0"/>
+                <a:ea typeface="ＭＳ Ｐゴシック" panose="020B0600070205080204" pitchFamily="34" charset="-128"/>
+              </a:rPr>
+              <a:t>True</a:t>
             </a:r>
           </a:p>
           <a:p>
@@ -5885,83 +6043,26 @@
           </a:p>
           <a:p>
             <a:pPr marL="0" indent="0">
-              <a:buFont typeface="Symbol" panose="05050102010706020507" pitchFamily="18" charset="2"/>
-              <a:buNone/>
-            </a:pPr>
-            <a:r>
-              <a:rPr lang="en-US" altLang="en-US" sz="2400" dirty="0">
-                <a:latin typeface="Courier New" panose="02070309020205020404" pitchFamily="49" charset="0"/>
-                <a:ea typeface="ＭＳ Ｐゴシック" panose="020B0600070205080204" pitchFamily="34" charset="-128"/>
-                <a:cs typeface="Courier New" panose="02070309020205020404" pitchFamily="49" charset="0"/>
-              </a:rPr>
-              <a:t>&gt;&gt;&gt; x = 10</a:t>
-            </a:r>
-          </a:p>
-          <a:p>
-            <a:pPr marL="0" indent="0">
-              <a:buFont typeface="Symbol" panose="05050102010706020507" pitchFamily="18" charset="2"/>
-              <a:buNone/>
-            </a:pPr>
-            <a:r>
-              <a:rPr lang="en-US" altLang="en-US" sz="2400" dirty="0">
-                <a:latin typeface="Courier New" panose="02070309020205020404" pitchFamily="49" charset="0"/>
-                <a:ea typeface="ＭＳ Ｐゴシック" panose="020B0600070205080204" pitchFamily="34" charset="-128"/>
-                <a:cs typeface="Courier New" panose="02070309020205020404" pitchFamily="49" charset="0"/>
-              </a:rPr>
-              <a:t>&gt;&gt;&gt; x&gt;5</a:t>
-            </a:r>
-          </a:p>
-          <a:p>
-            <a:pPr marL="0" indent="0">
-              <a:buFont typeface="Symbol" panose="05050102010706020507" pitchFamily="18" charset="2"/>
-              <a:buNone/>
-            </a:pPr>
-            <a:r>
-              <a:rPr lang="en-US" altLang="en-US" sz="2400" dirty="0">
-                <a:latin typeface="Courier New" panose="02070309020205020404" pitchFamily="49" charset="0"/>
-                <a:ea typeface="ＭＳ Ｐゴシック" panose="020B0600070205080204" pitchFamily="34" charset="-128"/>
-                <a:cs typeface="Courier New" panose="02070309020205020404" pitchFamily="49" charset="0"/>
-              </a:rPr>
-              <a:t>True</a:t>
-            </a:r>
-          </a:p>
-          <a:p>
-            <a:pPr marL="0" indent="0">
-              <a:buFont typeface="Symbol" panose="05050102010706020507" pitchFamily="18" charset="2"/>
-              <a:buNone/>
-            </a:pPr>
-            <a:endParaRPr lang="en-US" altLang="en-US" sz="2400" dirty="0">
-              <a:latin typeface="Courier New" panose="02070309020205020404" pitchFamily="49" charset="0"/>
-              <a:ea typeface="ＭＳ Ｐゴシック" panose="020B0600070205080204" pitchFamily="34" charset="-128"/>
-              <a:cs typeface="Courier New" panose="02070309020205020404" pitchFamily="49" charset="0"/>
-            </a:endParaRPr>
-          </a:p>
-          <a:p>
-            <a:pPr marL="0" indent="0">
-              <a:buFont typeface="Symbol" panose="05050102010706020507" pitchFamily="18" charset="2"/>
-              <a:buNone/>
-            </a:pPr>
-            <a:r>
-              <a:rPr lang="en-US" altLang="en-US" sz="2400" dirty="0">
-                <a:latin typeface="Courier New" panose="02070309020205020404" pitchFamily="49" charset="0"/>
-                <a:ea typeface="ＭＳ Ｐゴシック" panose="020B0600070205080204" pitchFamily="34" charset="-128"/>
-                <a:cs typeface="Courier New" panose="02070309020205020404" pitchFamily="49" charset="0"/>
+              <a:lnSpc>
+                <a:spcPct val="110000"/>
+              </a:lnSpc>
+              <a:buNone/>
+            </a:pPr>
+            <a:r>
+              <a:rPr lang="en-US" altLang="en-US" sz="2300" dirty="0">
+                <a:ea typeface="ＭＳ Ｐゴシック" panose="020B0600070205080204" pitchFamily="34" charset="-128"/>
               </a:rPr>
               <a:t>What did we get back from this expression? A </a:t>
             </a:r>
             <a:r>
-              <a:rPr lang="en-US" altLang="en-US" sz="2400" dirty="0" err="1">
-                <a:latin typeface="Courier New" panose="02070309020205020404" pitchFamily="49" charset="0"/>
-                <a:ea typeface="ＭＳ Ｐゴシック" panose="020B0600070205080204" pitchFamily="34" charset="-128"/>
-                <a:cs typeface="Courier New" panose="02070309020205020404" pitchFamily="49" charset="0"/>
+              <a:rPr lang="en-US" altLang="en-US" sz="2300" dirty="0" err="1">
+                <a:ea typeface="ＭＳ Ｐゴシック" panose="020B0600070205080204" pitchFamily="34" charset="-128"/>
               </a:rPr>
               <a:t>boolean</a:t>
             </a:r>
             <a:r>
-              <a:rPr lang="en-US" altLang="en-US" sz="2400" dirty="0">
-                <a:latin typeface="Courier New" panose="02070309020205020404" pitchFamily="49" charset="0"/>
-                <a:ea typeface="ＭＳ Ｐゴシック" panose="020B0600070205080204" pitchFamily="34" charset="-128"/>
-                <a:cs typeface="Courier New" panose="02070309020205020404" pitchFamily="49" charset="0"/>
+              <a:rPr lang="en-US" altLang="en-US" sz="2300" dirty="0">
+                <a:ea typeface="ＭＳ Ｐゴシック" panose="020B0600070205080204" pitchFamily="34" charset="-128"/>
               </a:rPr>
               <a:t>!</a:t>
             </a:r>
@@ -6149,38 +6250,46 @@
         <p:spPr>
           <a:xfrm>
             <a:off x="838200" y="2043739"/>
-            <a:ext cx="10515600" cy="4063446"/>
+            <a:ext cx="10515600" cy="3467828"/>
           </a:xfrm>
         </p:spPr>
         <p:txBody>
           <a:bodyPr>
-            <a:normAutofit fontScale="92500" lnSpcReduction="10000"/>
+            <a:normAutofit/>
           </a:bodyPr>
           <a:lstStyle/>
           <a:p>
             <a:pPr marL="0" indent="0">
-              <a:buFont typeface="Symbol" panose="05050102010706020507" pitchFamily="18" charset="2"/>
-              <a:buNone/>
-            </a:pPr>
-            <a:r>
-              <a:rPr lang="en-US" altLang="en-US" sz="2400" dirty="0">
-                <a:latin typeface="Courier New" panose="02070309020205020404" pitchFamily="49" charset="0"/>
-                <a:ea typeface="ＭＳ Ｐゴシック" panose="020B0600070205080204" pitchFamily="34" charset="-128"/>
-                <a:cs typeface="Courier New" panose="02070309020205020404" pitchFamily="49" charset="0"/>
+              <a:lnSpc>
+                <a:spcPct val="80000"/>
+              </a:lnSpc>
+              <a:buNone/>
+            </a:pPr>
+            <a:r>
+              <a:rPr lang="en-US" altLang="en-US" sz="1300" dirty="0">
+                <a:solidFill>
+                  <a:schemeClr val="accent2"/>
+                </a:solidFill>
+                <a:latin typeface="Lucida Sans Typewriter" panose="020B0509030504030204" pitchFamily="49" charset="0"/>
+                <a:ea typeface="ＭＳ Ｐゴシック" panose="020B0600070205080204" pitchFamily="34" charset="-128"/>
               </a:rPr>
               <a:t>&gt;&gt;&gt; x = True</a:t>
             </a:r>
           </a:p>
           <a:p>
             <a:pPr marL="0" indent="0">
-              <a:buFont typeface="Symbol" panose="05050102010706020507" pitchFamily="18" charset="2"/>
-              <a:buNone/>
-            </a:pPr>
-            <a:r>
-              <a:rPr lang="en-US" altLang="en-US" sz="2400" dirty="0">
-                <a:latin typeface="Courier New" panose="02070309020205020404" pitchFamily="49" charset="0"/>
-                <a:ea typeface="ＭＳ Ｐゴシック" panose="020B0600070205080204" pitchFamily="34" charset="-128"/>
-                <a:cs typeface="Courier New" panose="02070309020205020404" pitchFamily="49" charset="0"/>
+              <a:lnSpc>
+                <a:spcPct val="80000"/>
+              </a:lnSpc>
+              <a:buNone/>
+            </a:pPr>
+            <a:r>
+              <a:rPr lang="en-US" altLang="en-US" sz="1300" dirty="0">
+                <a:solidFill>
+                  <a:schemeClr val="accent2"/>
+                </a:solidFill>
+                <a:latin typeface="Lucida Sans Typewriter" panose="020B0509030504030204" pitchFamily="49" charset="0"/>
+                <a:ea typeface="ＭＳ Ｐゴシック" panose="020B0600070205080204" pitchFamily="34" charset="-128"/>
               </a:rPr>
               <a:t>&gt;&gt;&gt; y = False</a:t>
             </a:r>
@@ -6198,114 +6307,134 @@
           </a:p>
           <a:p>
             <a:pPr marL="0" indent="0">
-              <a:buFont typeface="Symbol" panose="05050102010706020507" pitchFamily="18" charset="2"/>
-              <a:buNone/>
-            </a:pPr>
-            <a:r>
-              <a:rPr lang="en-US" altLang="en-US" sz="2400" dirty="0">
-                <a:latin typeface="Courier New" panose="02070309020205020404" pitchFamily="49" charset="0"/>
-                <a:ea typeface="ＭＳ Ｐゴシック" panose="020B0600070205080204" pitchFamily="34" charset="-128"/>
-                <a:cs typeface="Courier New" panose="02070309020205020404" pitchFamily="49" charset="0"/>
+              <a:lnSpc>
+                <a:spcPct val="110000"/>
+              </a:lnSpc>
+              <a:buNone/>
+            </a:pPr>
+            <a:r>
+              <a:rPr lang="en-US" altLang="en-US" sz="2300" dirty="0">
+                <a:ea typeface="ＭＳ Ｐゴシック" panose="020B0600070205080204" pitchFamily="34" charset="-128"/>
               </a:rPr>
               <a:t>Logic Operators not, and, or can be used with </a:t>
             </a:r>
             <a:r>
-              <a:rPr lang="en-US" altLang="en-US" sz="2400" dirty="0" err="1">
-                <a:latin typeface="Courier New" panose="02070309020205020404" pitchFamily="49" charset="0"/>
-                <a:ea typeface="ＭＳ Ｐゴシック" panose="020B0600070205080204" pitchFamily="34" charset="-128"/>
-                <a:cs typeface="Courier New" panose="02070309020205020404" pitchFamily="49" charset="0"/>
+              <a:rPr lang="en-US" altLang="en-US" sz="2300" dirty="0" err="1">
+                <a:ea typeface="ＭＳ Ｐゴシック" panose="020B0600070205080204" pitchFamily="34" charset="-128"/>
               </a:rPr>
               <a:t>booleans</a:t>
             </a:r>
             <a:r>
-              <a:rPr lang="en-US" altLang="en-US" sz="2400" dirty="0">
-                <a:latin typeface="Courier New" panose="02070309020205020404" pitchFamily="49" charset="0"/>
-                <a:ea typeface="ＭＳ Ｐゴシック" panose="020B0600070205080204" pitchFamily="34" charset="-128"/>
-                <a:cs typeface="Courier New" panose="02070309020205020404" pitchFamily="49" charset="0"/>
+              <a:rPr lang="en-US" altLang="en-US" sz="2300" dirty="0">
+                <a:ea typeface="ＭＳ Ｐゴシック" panose="020B0600070205080204" pitchFamily="34" charset="-128"/>
               </a:rPr>
               <a:t>.</a:t>
             </a:r>
           </a:p>
           <a:p>
             <a:pPr marL="0" indent="0">
-              <a:buFont typeface="Symbol" panose="05050102010706020507" pitchFamily="18" charset="2"/>
-              <a:buNone/>
-            </a:pPr>
-            <a:r>
-              <a:rPr lang="en-US" altLang="en-US" sz="2400" dirty="0">
-                <a:latin typeface="Courier New" panose="02070309020205020404" pitchFamily="49" charset="0"/>
-                <a:ea typeface="ＭＳ Ｐゴシック" panose="020B0600070205080204" pitchFamily="34" charset="-128"/>
-                <a:cs typeface="Courier New" panose="02070309020205020404" pitchFamily="49" charset="0"/>
+              <a:lnSpc>
+                <a:spcPct val="80000"/>
+              </a:lnSpc>
+              <a:buNone/>
+            </a:pPr>
+            <a:r>
+              <a:rPr lang="en-US" altLang="en-US" sz="1300" dirty="0">
+                <a:solidFill>
+                  <a:schemeClr val="accent2"/>
+                </a:solidFill>
+                <a:latin typeface="Lucida Sans Typewriter" panose="020B0509030504030204" pitchFamily="49" charset="0"/>
+                <a:ea typeface="ＭＳ Ｐゴシック" panose="020B0600070205080204" pitchFamily="34" charset="-128"/>
               </a:rPr>
               <a:t>&gt;&gt;&gt; not x</a:t>
             </a:r>
           </a:p>
           <a:p>
             <a:pPr marL="0" indent="0">
-              <a:buFont typeface="Symbol" panose="05050102010706020507" pitchFamily="18" charset="2"/>
-              <a:buNone/>
-            </a:pPr>
-            <a:r>
-              <a:rPr lang="en-US" altLang="en-US" sz="2400" dirty="0">
-                <a:latin typeface="Courier New" panose="02070309020205020404" pitchFamily="49" charset="0"/>
-                <a:ea typeface="ＭＳ Ｐゴシック" panose="020B0600070205080204" pitchFamily="34" charset="-128"/>
-                <a:cs typeface="Courier New" panose="02070309020205020404" pitchFamily="49" charset="0"/>
+              <a:lnSpc>
+                <a:spcPct val="80000"/>
+              </a:lnSpc>
+              <a:buNone/>
+            </a:pPr>
+            <a:r>
+              <a:rPr lang="en-US" altLang="en-US" sz="1300" dirty="0">
+                <a:solidFill>
+                  <a:schemeClr val="accent2"/>
+                </a:solidFill>
+                <a:latin typeface="Lucida Sans Typewriter" panose="020B0509030504030204" pitchFamily="49" charset="0"/>
+                <a:ea typeface="ＭＳ Ｐゴシック" panose="020B0600070205080204" pitchFamily="34" charset="-128"/>
               </a:rPr>
               <a:t>False</a:t>
             </a:r>
           </a:p>
           <a:p>
             <a:pPr marL="0" indent="0">
-              <a:buFont typeface="Symbol" panose="05050102010706020507" pitchFamily="18" charset="2"/>
-              <a:buNone/>
-            </a:pPr>
-            <a:r>
-              <a:rPr lang="en-US" altLang="en-US" sz="2400" dirty="0">
-                <a:latin typeface="Courier New" panose="02070309020205020404" pitchFamily="49" charset="0"/>
-                <a:ea typeface="ＭＳ Ｐゴシック" panose="020B0600070205080204" pitchFamily="34" charset="-128"/>
-                <a:cs typeface="Courier New" panose="02070309020205020404" pitchFamily="49" charset="0"/>
+              <a:lnSpc>
+                <a:spcPct val="80000"/>
+              </a:lnSpc>
+              <a:buNone/>
+            </a:pPr>
+            <a:r>
+              <a:rPr lang="en-US" altLang="en-US" sz="1300" dirty="0">
+                <a:solidFill>
+                  <a:schemeClr val="accent2"/>
+                </a:solidFill>
+                <a:latin typeface="Lucida Sans Typewriter" panose="020B0509030504030204" pitchFamily="49" charset="0"/>
+                <a:ea typeface="ＭＳ Ｐゴシック" panose="020B0600070205080204" pitchFamily="34" charset="-128"/>
               </a:rPr>
               <a:t>&gt;&gt;&gt; x and y</a:t>
             </a:r>
           </a:p>
           <a:p>
             <a:pPr marL="0" indent="0">
-              <a:buFont typeface="Symbol" panose="05050102010706020507" pitchFamily="18" charset="2"/>
-              <a:buNone/>
-            </a:pPr>
-            <a:r>
-              <a:rPr lang="en-US" altLang="en-US" sz="2400" dirty="0">
-                <a:latin typeface="Courier New" panose="02070309020205020404" pitchFamily="49" charset="0"/>
-                <a:ea typeface="ＭＳ Ｐゴシック" panose="020B0600070205080204" pitchFamily="34" charset="-128"/>
-                <a:cs typeface="Courier New" panose="02070309020205020404" pitchFamily="49" charset="0"/>
+              <a:lnSpc>
+                <a:spcPct val="80000"/>
+              </a:lnSpc>
+              <a:buNone/>
+            </a:pPr>
+            <a:r>
+              <a:rPr lang="en-US" altLang="en-US" sz="1300" dirty="0">
+                <a:solidFill>
+                  <a:schemeClr val="accent2"/>
+                </a:solidFill>
+                <a:latin typeface="Lucida Sans Typewriter" panose="020B0509030504030204" pitchFamily="49" charset="0"/>
+                <a:ea typeface="ＭＳ Ｐゴシック" panose="020B0600070205080204" pitchFamily="34" charset="-128"/>
               </a:rPr>
               <a:t>False</a:t>
             </a:r>
           </a:p>
           <a:p>
             <a:pPr marL="0" indent="0">
-              <a:buFont typeface="Symbol" panose="05050102010706020507" pitchFamily="18" charset="2"/>
-              <a:buNone/>
-            </a:pPr>
-            <a:r>
-              <a:rPr lang="en-US" altLang="en-US" sz="2400" dirty="0">
-                <a:latin typeface="Courier New" panose="02070309020205020404" pitchFamily="49" charset="0"/>
-                <a:ea typeface="ＭＳ Ｐゴシック" panose="020B0600070205080204" pitchFamily="34" charset="-128"/>
-                <a:cs typeface="Courier New" panose="02070309020205020404" pitchFamily="49" charset="0"/>
+              <a:lnSpc>
+                <a:spcPct val="80000"/>
+              </a:lnSpc>
+              <a:buNone/>
+            </a:pPr>
+            <a:r>
+              <a:rPr lang="en-US" altLang="en-US" sz="1300" dirty="0">
+                <a:solidFill>
+                  <a:schemeClr val="accent2"/>
+                </a:solidFill>
+                <a:latin typeface="Lucida Sans Typewriter" panose="020B0509030504030204" pitchFamily="49" charset="0"/>
+                <a:ea typeface="ＭＳ Ｐゴシック" panose="020B0600070205080204" pitchFamily="34" charset="-128"/>
               </a:rPr>
               <a:t>&gt;&gt;&gt; x or y</a:t>
             </a:r>
           </a:p>
           <a:p>
             <a:pPr marL="0" indent="0">
-              <a:buFont typeface="Symbol" panose="05050102010706020507" pitchFamily="18" charset="2"/>
-              <a:buNone/>
-            </a:pPr>
-            <a:r>
-              <a:rPr lang="en-US" altLang="en-US" sz="2400" dirty="0">
-                <a:latin typeface="Courier New" panose="02070309020205020404" pitchFamily="49" charset="0"/>
-                <a:ea typeface="ＭＳ Ｐゴシック" panose="020B0600070205080204" pitchFamily="34" charset="-128"/>
-                <a:cs typeface="Courier New" panose="02070309020205020404" pitchFamily="49" charset="0"/>
+              <a:lnSpc>
+                <a:spcPct val="80000"/>
+              </a:lnSpc>
+              <a:buNone/>
+            </a:pPr>
+            <a:r>
+              <a:rPr lang="en-US" altLang="en-US" sz="1300" dirty="0">
+                <a:solidFill>
+                  <a:schemeClr val="accent2"/>
+                </a:solidFill>
+                <a:latin typeface="Lucida Sans Typewriter" panose="020B0509030504030204" pitchFamily="49" charset="0"/>
+                <a:ea typeface="ＭＳ Ｐゴシック" panose="020B0600070205080204" pitchFamily="34" charset="-128"/>
               </a:rPr>
               <a:t>True</a:t>
             </a:r>
@@ -6393,50 +6522,40 @@
         </p:nvSpPr>
         <p:spPr>
           <a:xfrm>
-            <a:off x="838200" y="2043739"/>
+            <a:off x="838200" y="1690688"/>
             <a:ext cx="10515600" cy="4063446"/>
           </a:xfrm>
         </p:spPr>
         <p:txBody>
           <a:bodyPr>
-            <a:normAutofit fontScale="40000" lnSpcReduction="20000"/>
+            <a:normAutofit fontScale="25000" lnSpcReduction="20000"/>
           </a:bodyPr>
           <a:lstStyle/>
           <a:p>
             <a:pPr marL="0" indent="0">
-              <a:buFont typeface="Symbol" panose="05050102010706020507" pitchFamily="18" charset="2"/>
-              <a:buNone/>
-            </a:pPr>
-            <a:r>
-              <a:rPr lang="en-US" altLang="en-US" sz="2400" dirty="0">
-                <a:latin typeface="Courier New" panose="02070309020205020404" pitchFamily="49" charset="0"/>
-                <a:ea typeface="ＭＳ Ｐゴシック" panose="020B0600070205080204" pitchFamily="34" charset="-128"/>
-                <a:cs typeface="Courier New" panose="02070309020205020404" pitchFamily="49" charset="0"/>
+              <a:lnSpc>
+                <a:spcPct val="130000"/>
+              </a:lnSpc>
+              <a:buNone/>
+            </a:pPr>
+            <a:r>
+              <a:rPr lang="en-US" altLang="en-US" sz="9200" dirty="0">
+                <a:ea typeface="ＭＳ Ｐゴシック" panose="020B0600070205080204" pitchFamily="34" charset="-128"/>
               </a:rPr>
               <a:t>Any expression can be cast as a </a:t>
             </a:r>
             <a:r>
-              <a:rPr lang="en-US" altLang="en-US" sz="2400" dirty="0" err="1">
-                <a:latin typeface="Courier New" panose="02070309020205020404" pitchFamily="49" charset="0"/>
-                <a:ea typeface="ＭＳ Ｐゴシック" panose="020B0600070205080204" pitchFamily="34" charset="-128"/>
-                <a:cs typeface="Courier New" panose="02070309020205020404" pitchFamily="49" charset="0"/>
+              <a:rPr lang="en-US" altLang="en-US" sz="9200" dirty="0" err="1">
+                <a:ea typeface="ＭＳ Ｐゴシック" panose="020B0600070205080204" pitchFamily="34" charset="-128"/>
               </a:rPr>
               <a:t>boolean</a:t>
             </a:r>
             <a:r>
-              <a:rPr lang="en-US" altLang="en-US" sz="2400" dirty="0">
-                <a:latin typeface="Courier New" panose="02070309020205020404" pitchFamily="49" charset="0"/>
-                <a:ea typeface="ＭＳ Ｐゴシック" panose="020B0600070205080204" pitchFamily="34" charset="-128"/>
-                <a:cs typeface="Courier New" panose="02070309020205020404" pitchFamily="49" charset="0"/>
+              <a:rPr lang="en-US" altLang="en-US" sz="9200" dirty="0">
+                <a:ea typeface="ＭＳ Ｐゴシック" panose="020B0600070205080204" pitchFamily="34" charset="-128"/>
               </a:rPr>
               <a:t>.</a:t>
             </a:r>
-          </a:p>
-          <a:p>
-            <a:pPr marL="0" indent="0">
-              <a:buFont typeface="Symbol" panose="05050102010706020507" pitchFamily="18" charset="2"/>
-              <a:buNone/>
-            </a:pPr>
             <a:endParaRPr lang="en-US" altLang="en-US" sz="2400" dirty="0">
               <a:latin typeface="Courier New" panose="02070309020205020404" pitchFamily="49" charset="0"/>
               <a:ea typeface="ＭＳ Ｐゴシック" panose="020B0600070205080204" pitchFamily="34" charset="-128"/>
@@ -6445,98 +6564,105 @@
           </a:p>
           <a:p>
             <a:pPr marL="0" indent="0">
-              <a:buFont typeface="Symbol" panose="05050102010706020507" pitchFamily="18" charset="2"/>
-              <a:buNone/>
-            </a:pPr>
-            <a:r>
-              <a:rPr lang="en-US" altLang="en-US" sz="2400" dirty="0">
-                <a:latin typeface="Courier New" panose="02070309020205020404" pitchFamily="49" charset="0"/>
-                <a:ea typeface="ＭＳ Ｐゴシック" panose="020B0600070205080204" pitchFamily="34" charset="-128"/>
-                <a:cs typeface="Courier New" panose="02070309020205020404" pitchFamily="49" charset="0"/>
+              <a:buNone/>
+            </a:pPr>
+            <a:r>
+              <a:rPr lang="en-US" altLang="en-US" sz="5200" dirty="0">
+                <a:solidFill>
+                  <a:schemeClr val="accent2"/>
+                </a:solidFill>
+                <a:latin typeface="Lucida Sans Typewriter" panose="020B0509030504030204" pitchFamily="49" charset="0"/>
+                <a:ea typeface="ＭＳ Ｐゴシック" panose="020B0600070205080204" pitchFamily="34" charset="-128"/>
               </a:rPr>
               <a:t>&gt;&gt;&gt; x = 42</a:t>
             </a:r>
           </a:p>
           <a:p>
             <a:pPr marL="0" indent="0">
-              <a:buFont typeface="Symbol" panose="05050102010706020507" pitchFamily="18" charset="2"/>
-              <a:buNone/>
-            </a:pPr>
-            <a:r>
-              <a:rPr lang="en-US" altLang="en-US" sz="2400" dirty="0">
-                <a:latin typeface="Courier New" panose="02070309020205020404" pitchFamily="49" charset="0"/>
-                <a:ea typeface="ＭＳ Ｐゴシック" panose="020B0600070205080204" pitchFamily="34" charset="-128"/>
-                <a:cs typeface="Courier New" panose="02070309020205020404" pitchFamily="49" charset="0"/>
+              <a:buNone/>
+            </a:pPr>
+            <a:r>
+              <a:rPr lang="en-US" altLang="en-US" sz="5200" dirty="0">
+                <a:solidFill>
+                  <a:schemeClr val="accent2"/>
+                </a:solidFill>
+                <a:latin typeface="Lucida Sans Typewriter" panose="020B0509030504030204" pitchFamily="49" charset="0"/>
+                <a:ea typeface="ＭＳ Ｐゴシック" panose="020B0600070205080204" pitchFamily="34" charset="-128"/>
               </a:rPr>
               <a:t>&gt;&gt;&gt; bool(x)</a:t>
             </a:r>
           </a:p>
           <a:p>
             <a:pPr marL="0" indent="0">
-              <a:buFont typeface="Symbol" panose="05050102010706020507" pitchFamily="18" charset="2"/>
-              <a:buNone/>
-            </a:pPr>
-            <a:r>
-              <a:rPr lang="en-US" altLang="en-US" sz="2400" dirty="0">
-                <a:latin typeface="Courier New" panose="02070309020205020404" pitchFamily="49" charset="0"/>
-                <a:ea typeface="ＭＳ Ｐゴシック" panose="020B0600070205080204" pitchFamily="34" charset="-128"/>
-                <a:cs typeface="Courier New" panose="02070309020205020404" pitchFamily="49" charset="0"/>
+              <a:buNone/>
+            </a:pPr>
+            <a:r>
+              <a:rPr lang="en-US" altLang="en-US" sz="5200" dirty="0">
+                <a:solidFill>
+                  <a:schemeClr val="accent2"/>
+                </a:solidFill>
+                <a:latin typeface="Lucida Sans Typewriter" panose="020B0509030504030204" pitchFamily="49" charset="0"/>
+                <a:ea typeface="ＭＳ Ｐゴシック" panose="020B0600070205080204" pitchFamily="34" charset="-128"/>
               </a:rPr>
               <a:t>True</a:t>
             </a:r>
           </a:p>
           <a:p>
             <a:pPr marL="0" indent="0">
-              <a:buFont typeface="Symbol" panose="05050102010706020507" pitchFamily="18" charset="2"/>
-              <a:buNone/>
-            </a:pPr>
-            <a:r>
-              <a:rPr lang="en-US" altLang="en-US" sz="2400" dirty="0">
-                <a:latin typeface="Courier New" panose="02070309020205020404" pitchFamily="49" charset="0"/>
-                <a:ea typeface="ＭＳ Ｐゴシック" panose="020B0600070205080204" pitchFamily="34" charset="-128"/>
-                <a:cs typeface="Courier New" panose="02070309020205020404" pitchFamily="49" charset="0"/>
+              <a:buNone/>
+            </a:pPr>
+            <a:r>
+              <a:rPr lang="en-US" altLang="en-US" sz="5200" dirty="0">
+                <a:solidFill>
+                  <a:schemeClr val="accent2"/>
+                </a:solidFill>
+                <a:latin typeface="Lucida Sans Typewriter" panose="020B0509030504030204" pitchFamily="49" charset="0"/>
+                <a:ea typeface="ＭＳ Ｐゴシック" panose="020B0600070205080204" pitchFamily="34" charset="-128"/>
               </a:rPr>
               <a:t>&gt;&gt; bool(0)</a:t>
             </a:r>
           </a:p>
           <a:p>
             <a:pPr marL="0" indent="0">
-              <a:buFont typeface="Symbol" panose="05050102010706020507" pitchFamily="18" charset="2"/>
-              <a:buNone/>
-            </a:pPr>
-            <a:r>
-              <a:rPr lang="en-US" altLang="en-US" sz="2400" dirty="0">
-                <a:latin typeface="Courier New" panose="02070309020205020404" pitchFamily="49" charset="0"/>
-                <a:ea typeface="ＭＳ Ｐゴシック" panose="020B0600070205080204" pitchFamily="34" charset="-128"/>
-                <a:cs typeface="Courier New" panose="02070309020205020404" pitchFamily="49" charset="0"/>
+              <a:buNone/>
+            </a:pPr>
+            <a:r>
+              <a:rPr lang="en-US" altLang="en-US" sz="5200" dirty="0">
+                <a:solidFill>
+                  <a:schemeClr val="accent2"/>
+                </a:solidFill>
+                <a:latin typeface="Lucida Sans Typewriter" panose="020B0509030504030204" pitchFamily="49" charset="0"/>
+                <a:ea typeface="ＭＳ Ｐゴシック" panose="020B0600070205080204" pitchFamily="34" charset="-128"/>
               </a:rPr>
               <a:t>False</a:t>
             </a:r>
           </a:p>
           <a:p>
             <a:pPr marL="0" indent="0">
-              <a:buFont typeface="Symbol" panose="05050102010706020507" pitchFamily="18" charset="2"/>
-              <a:buNone/>
-            </a:pPr>
-            <a:r>
-              <a:rPr lang="en-US" altLang="en-US" sz="2400" dirty="0">
-                <a:latin typeface="Courier New" panose="02070309020205020404" pitchFamily="49" charset="0"/>
-                <a:ea typeface="ＭＳ Ｐゴシック" panose="020B0600070205080204" pitchFamily="34" charset="-128"/>
-                <a:cs typeface="Courier New" panose="02070309020205020404" pitchFamily="49" charset="0"/>
+              <a:buNone/>
+            </a:pPr>
+            <a:r>
+              <a:rPr lang="en-US" altLang="en-US" sz="5200" dirty="0">
+                <a:solidFill>
+                  <a:schemeClr val="accent2"/>
+                </a:solidFill>
+                <a:latin typeface="Lucida Sans Typewriter" panose="020B0509030504030204" pitchFamily="49" charset="0"/>
+                <a:ea typeface="ＭＳ Ｐゴシック" panose="020B0600070205080204" pitchFamily="34" charset="-128"/>
               </a:rPr>
               <a:t>&gt;&gt;&gt; bool(‘’)</a:t>
             </a:r>
           </a:p>
           <a:p>
             <a:pPr marL="0" indent="0">
-              <a:buFont typeface="Symbol" panose="05050102010706020507" pitchFamily="18" charset="2"/>
-              <a:buNone/>
-            </a:pPr>
-            <a:r>
-              <a:rPr lang="en-US" altLang="en-US" sz="2400" dirty="0">
-                <a:latin typeface="Courier New" panose="02070309020205020404" pitchFamily="49" charset="0"/>
-                <a:ea typeface="ＭＳ Ｐゴシック" panose="020B0600070205080204" pitchFamily="34" charset="-128"/>
-                <a:cs typeface="Courier New" panose="02070309020205020404" pitchFamily="49" charset="0"/>
+              <a:buNone/>
+            </a:pPr>
+            <a:r>
+              <a:rPr lang="en-US" altLang="en-US" sz="5200" dirty="0">
+                <a:solidFill>
+                  <a:schemeClr val="accent2"/>
+                </a:solidFill>
+                <a:latin typeface="Lucida Sans Typewriter" panose="020B0509030504030204" pitchFamily="49" charset="0"/>
+                <a:ea typeface="ＭＳ Ｐゴシック" panose="020B0600070205080204" pitchFamily="34" charset="-128"/>
               </a:rPr>
               <a:t>False</a:t>
             </a:r>
@@ -6554,23 +6680,17 @@
           </a:p>
           <a:p>
             <a:pPr marL="0" indent="0">
-              <a:buFont typeface="Symbol" panose="05050102010706020507" pitchFamily="18" charset="2"/>
-              <a:buNone/>
-            </a:pPr>
-            <a:r>
-              <a:rPr lang="en-US" altLang="en-US" sz="2400" dirty="0">
-                <a:latin typeface="Courier New" panose="02070309020205020404" pitchFamily="49" charset="0"/>
-                <a:ea typeface="ＭＳ Ｐゴシック" panose="020B0600070205080204" pitchFamily="34" charset="-128"/>
-                <a:cs typeface="Courier New" panose="02070309020205020404" pitchFamily="49" charset="0"/>
+              <a:lnSpc>
+                <a:spcPct val="130000"/>
+              </a:lnSpc>
+              <a:buNone/>
+            </a:pPr>
+            <a:r>
+              <a:rPr lang="en-US" altLang="en-US" sz="9200" dirty="0">
+                <a:ea typeface="ＭＳ Ｐゴシック" panose="020B0600070205080204" pitchFamily="34" charset="-128"/>
               </a:rPr>
               <a:t>Python will try to convert an object to ‘bool’ if it needs to.</a:t>
             </a:r>
-          </a:p>
-          <a:p>
-            <a:pPr marL="0" indent="0">
-              <a:buFont typeface="Symbol" panose="05050102010706020507" pitchFamily="18" charset="2"/>
-              <a:buNone/>
-            </a:pPr>
             <a:endParaRPr lang="en-US" altLang="en-US" sz="2400" dirty="0">
               <a:latin typeface="Courier New" panose="02070309020205020404" pitchFamily="49" charset="0"/>
               <a:ea typeface="ＭＳ Ｐゴシック" panose="020B0600070205080204" pitchFamily="34" charset="-128"/>
@@ -6579,28 +6699,30 @@
           </a:p>
           <a:p>
             <a:pPr marL="0" indent="0">
-              <a:buFont typeface="Symbol" panose="05050102010706020507" pitchFamily="18" charset="2"/>
-              <a:buNone/>
-            </a:pPr>
-            <a:r>
-              <a:rPr lang="en-US" altLang="en-US" sz="2400" dirty="0">
-                <a:latin typeface="Courier New" panose="02070309020205020404" pitchFamily="49" charset="0"/>
-                <a:ea typeface="ＭＳ Ｐゴシック" panose="020B0600070205080204" pitchFamily="34" charset="-128"/>
-                <a:cs typeface="Courier New" panose="02070309020205020404" pitchFamily="49" charset="0"/>
+              <a:buNone/>
+            </a:pPr>
+            <a:r>
+              <a:rPr lang="en-US" altLang="en-US" sz="5200" dirty="0">
+                <a:solidFill>
+                  <a:schemeClr val="accent2"/>
+                </a:solidFill>
+                <a:latin typeface="Lucida Sans Typewriter" panose="020B0509030504030204" pitchFamily="49" charset="0"/>
+                <a:ea typeface="ＭＳ Ｐゴシック" panose="020B0600070205080204" pitchFamily="34" charset="-128"/>
               </a:rPr>
               <a:t>&gt;&gt;&gt; x or False</a:t>
             </a:r>
           </a:p>
           <a:p>
             <a:pPr marL="0" indent="0">
-              <a:buFont typeface="Symbol" panose="05050102010706020507" pitchFamily="18" charset="2"/>
-              <a:buNone/>
-            </a:pPr>
-            <a:r>
-              <a:rPr lang="en-US" altLang="en-US" sz="2400" dirty="0">
-                <a:latin typeface="Courier New" panose="02070309020205020404" pitchFamily="49" charset="0"/>
-                <a:ea typeface="ＭＳ Ｐゴシック" panose="020B0600070205080204" pitchFamily="34" charset="-128"/>
-                <a:cs typeface="Courier New" panose="02070309020205020404" pitchFamily="49" charset="0"/>
+              <a:buNone/>
+            </a:pPr>
+            <a:r>
+              <a:rPr lang="en-US" altLang="en-US" sz="5200" dirty="0">
+                <a:solidFill>
+                  <a:schemeClr val="accent2"/>
+                </a:solidFill>
+                <a:latin typeface="Lucida Sans Typewriter" panose="020B0509030504030204" pitchFamily="49" charset="0"/>
+                <a:ea typeface="ＭＳ Ｐゴシック" panose="020B0600070205080204" pitchFamily="34" charset="-128"/>
               </a:rPr>
               <a:t>42</a:t>
             </a:r>
@@ -6618,28 +6740,29 @@
           </a:p>
           <a:p>
             <a:pPr marL="0" indent="0">
-              <a:buFont typeface="Symbol" panose="05050102010706020507" pitchFamily="18" charset="2"/>
-              <a:buNone/>
-            </a:pPr>
-            <a:r>
-              <a:rPr lang="en-US" altLang="en-US" sz="2400" dirty="0">
-                <a:latin typeface="Courier New" panose="02070309020205020404" pitchFamily="49" charset="0"/>
-                <a:ea typeface="ＭＳ Ｐゴシック" panose="020B0600070205080204" pitchFamily="34" charset="-128"/>
-                <a:cs typeface="Courier New" panose="02070309020205020404" pitchFamily="49" charset="0"/>
+              <a:lnSpc>
+                <a:spcPct val="130000"/>
+              </a:lnSpc>
+              <a:buNone/>
+            </a:pPr>
+            <a:r>
+              <a:rPr lang="en-US" altLang="en-US" sz="9200" dirty="0">
+                <a:ea typeface="ＭＳ Ｐゴシック" panose="020B0600070205080204" pitchFamily="34" charset="-128"/>
               </a:rPr>
               <a:t>Short-Circuited Expressions – What’s happening here?</a:t>
             </a:r>
           </a:p>
           <a:p>
             <a:pPr marL="0" indent="0">
-              <a:buFont typeface="Symbol" panose="05050102010706020507" pitchFamily="18" charset="2"/>
-              <a:buNone/>
-            </a:pPr>
-            <a:r>
-              <a:rPr lang="en-US" altLang="en-US" sz="2400" dirty="0">
-                <a:latin typeface="Courier New" panose="02070309020205020404" pitchFamily="49" charset="0"/>
-                <a:ea typeface="ＭＳ Ｐゴシック" panose="020B0600070205080204" pitchFamily="34" charset="-128"/>
-                <a:cs typeface="Courier New" panose="02070309020205020404" pitchFamily="49" charset="0"/>
+              <a:buNone/>
+            </a:pPr>
+            <a:r>
+              <a:rPr lang="en-US" altLang="en-US" sz="5200" dirty="0">
+                <a:solidFill>
+                  <a:schemeClr val="accent2"/>
+                </a:solidFill>
+                <a:latin typeface="Lucida Sans Typewriter" panose="020B0509030504030204" pitchFamily="49" charset="0"/>
+                <a:ea typeface="ＭＳ Ｐゴシック" panose="020B0600070205080204" pitchFamily="34" charset="-128"/>
               </a:rPr>
               <a:t>&gt;&gt; y = 0 or 42 or 1/0</a:t>
             </a:r>
@@ -6756,42 +6879,49 @@
           <a:lstStyle/>
           <a:p>
             <a:pPr marL="0" indent="0">
-              <a:buFont typeface="Symbol" panose="05050102010706020507" pitchFamily="18" charset="2"/>
-              <a:buNone/>
-            </a:pPr>
-            <a:r>
-              <a:rPr lang="en-US" altLang="en-US" sz="2400" dirty="0">
-                <a:latin typeface="Courier New" panose="02070309020205020404" pitchFamily="49" charset="0"/>
-                <a:ea typeface="ＭＳ Ｐゴシック" panose="020B0600070205080204" pitchFamily="34" charset="-128"/>
-                <a:cs typeface="Courier New" panose="02070309020205020404" pitchFamily="49" charset="0"/>
+              <a:lnSpc>
+                <a:spcPct val="130000"/>
+              </a:lnSpc>
+              <a:buNone/>
+            </a:pPr>
+            <a:r>
+              <a:rPr lang="en-US" altLang="en-US" sz="2700" dirty="0">
+                <a:ea typeface="ＭＳ Ｐゴシック" panose="020B0600070205080204" pitchFamily="34" charset="-128"/>
               </a:rPr>
               <a:t>Used to represent absence of a value.</a:t>
             </a:r>
           </a:p>
           <a:p>
             <a:pPr marL="0" indent="0">
-              <a:buFont typeface="Symbol" panose="05050102010706020507" pitchFamily="18" charset="2"/>
-              <a:buNone/>
-            </a:pPr>
-            <a:r>
-              <a:rPr lang="en-US" altLang="en-US" sz="2400" dirty="0">
-                <a:latin typeface="Courier New" panose="02070309020205020404" pitchFamily="49" charset="0"/>
-                <a:ea typeface="ＭＳ Ｐゴシック" panose="020B0600070205080204" pitchFamily="34" charset="-128"/>
-                <a:cs typeface="Courier New" panose="02070309020205020404" pitchFamily="49" charset="0"/>
-              </a:rPr>
-              <a:t>None is guaranteed to be never equal to anything else.</a:t>
-            </a:r>
-          </a:p>
-          <a:p>
-            <a:pPr marL="0" indent="0">
-              <a:buFont typeface="Symbol" panose="05050102010706020507" pitchFamily="18" charset="2"/>
-              <a:buNone/>
-            </a:pPr>
-            <a:r>
-              <a:rPr lang="en-US" altLang="en-US" sz="2400" dirty="0">
-                <a:latin typeface="Courier New" panose="02070309020205020404" pitchFamily="49" charset="0"/>
-                <a:ea typeface="ＭＳ Ｐゴシック" panose="020B0600070205080204" pitchFamily="34" charset="-128"/>
-                <a:cs typeface="Courier New" panose="02070309020205020404" pitchFamily="49" charset="0"/>
+              <a:lnSpc>
+                <a:spcPct val="130000"/>
+              </a:lnSpc>
+              <a:buNone/>
+            </a:pPr>
+            <a:r>
+              <a:rPr lang="en-US" altLang="en-US" sz="2700" dirty="0">
+                <a:latin typeface="Lucida Sans Typewriter" panose="020B0509030504030204" pitchFamily="49" charset="0"/>
+                <a:ea typeface="ＭＳ Ｐゴシック" panose="020B0600070205080204" pitchFamily="34" charset="-128"/>
+              </a:rPr>
+              <a:t>None</a:t>
+            </a:r>
+            <a:r>
+              <a:rPr lang="en-US" altLang="en-US" sz="2700" dirty="0">
+                <a:ea typeface="ＭＳ Ｐゴシック" panose="020B0600070205080204" pitchFamily="34" charset="-128"/>
+              </a:rPr>
+              <a:t> is guaranteed to be never equal to anything else.</a:t>
+            </a:r>
+          </a:p>
+          <a:p>
+            <a:pPr marL="0" indent="0">
+              <a:lnSpc>
+                <a:spcPct val="130000"/>
+              </a:lnSpc>
+              <a:buNone/>
+            </a:pPr>
+            <a:r>
+              <a:rPr lang="en-US" altLang="en-US" sz="2700" dirty="0">
+                <a:ea typeface="ＭＳ Ｐゴシック" panose="020B0600070205080204" pitchFamily="34" charset="-128"/>
               </a:rPr>
               <a:t>Useful to avoid arbitrary default values (0, 99, -1 etc.)</a:t>
             </a:r>
@@ -6809,126 +6939,135 @@
           </a:p>
           <a:p>
             <a:pPr marL="0" indent="0">
-              <a:buFont typeface="Symbol" panose="05050102010706020507" pitchFamily="18" charset="2"/>
-              <a:buNone/>
-            </a:pPr>
-            <a:r>
-              <a:rPr lang="en-US" altLang="en-US" sz="2400" dirty="0">
-                <a:latin typeface="Courier New" panose="02070309020205020404" pitchFamily="49" charset="0"/>
-                <a:ea typeface="ＭＳ Ｐゴシック" panose="020B0600070205080204" pitchFamily="34" charset="-128"/>
-                <a:cs typeface="Courier New" panose="02070309020205020404" pitchFamily="49" charset="0"/>
+              <a:buNone/>
+            </a:pPr>
+            <a:r>
+              <a:rPr lang="en-US" altLang="en-US" sz="1900" dirty="0">
+                <a:solidFill>
+                  <a:schemeClr val="accent2"/>
+                </a:solidFill>
+                <a:latin typeface="Lucida Sans Typewriter" panose="020B0509030504030204" pitchFamily="49" charset="0"/>
+                <a:ea typeface="ＭＳ Ｐゴシック" panose="020B0600070205080204" pitchFamily="34" charset="-128"/>
               </a:rPr>
               <a:t>&gt;&gt;&gt; x = 42</a:t>
             </a:r>
           </a:p>
           <a:p>
             <a:pPr marL="0" indent="0">
-              <a:buFont typeface="Symbol" panose="05050102010706020507" pitchFamily="18" charset="2"/>
-              <a:buNone/>
-            </a:pPr>
-            <a:r>
-              <a:rPr lang="en-US" altLang="en-US" sz="2400" dirty="0">
-                <a:latin typeface="Courier New" panose="02070309020205020404" pitchFamily="49" charset="0"/>
-                <a:ea typeface="ＭＳ Ｐゴシック" panose="020B0600070205080204" pitchFamily="34" charset="-128"/>
-                <a:cs typeface="Courier New" panose="02070309020205020404" pitchFamily="49" charset="0"/>
+              <a:buNone/>
+            </a:pPr>
+            <a:r>
+              <a:rPr lang="en-US" altLang="en-US" sz="1900" dirty="0">
+                <a:solidFill>
+                  <a:schemeClr val="accent2"/>
+                </a:solidFill>
+                <a:latin typeface="Lucida Sans Typewriter" panose="020B0509030504030204" pitchFamily="49" charset="0"/>
+                <a:ea typeface="ＭＳ Ｐゴシック" panose="020B0600070205080204" pitchFamily="34" charset="-128"/>
               </a:rPr>
               <a:t>&gt;&gt;&gt; x is None</a:t>
             </a:r>
           </a:p>
           <a:p>
             <a:pPr marL="0" indent="0">
-              <a:buFont typeface="Symbol" panose="05050102010706020507" pitchFamily="18" charset="2"/>
-              <a:buNone/>
-            </a:pPr>
-            <a:r>
-              <a:rPr lang="en-US" altLang="en-US" sz="2400" dirty="0">
-                <a:latin typeface="Courier New" panose="02070309020205020404" pitchFamily="49" charset="0"/>
-                <a:ea typeface="ＭＳ Ｐゴシック" panose="020B0600070205080204" pitchFamily="34" charset="-128"/>
-                <a:cs typeface="Courier New" panose="02070309020205020404" pitchFamily="49" charset="0"/>
+              <a:buNone/>
+            </a:pPr>
+            <a:r>
+              <a:rPr lang="en-US" altLang="en-US" sz="1900" dirty="0">
+                <a:solidFill>
+                  <a:schemeClr val="accent2"/>
+                </a:solidFill>
+                <a:latin typeface="Lucida Sans Typewriter" panose="020B0509030504030204" pitchFamily="49" charset="0"/>
+                <a:ea typeface="ＭＳ Ｐゴシック" panose="020B0600070205080204" pitchFamily="34" charset="-128"/>
               </a:rPr>
               <a:t>False</a:t>
             </a:r>
           </a:p>
           <a:p>
             <a:pPr marL="0" indent="0">
-              <a:buFont typeface="Symbol" panose="05050102010706020507" pitchFamily="18" charset="2"/>
-              <a:buNone/>
-            </a:pPr>
-            <a:r>
-              <a:rPr lang="en-US" altLang="en-US" sz="2400" dirty="0">
-                <a:latin typeface="Courier New" panose="02070309020205020404" pitchFamily="49" charset="0"/>
-                <a:ea typeface="ＭＳ Ｐゴシック" panose="020B0600070205080204" pitchFamily="34" charset="-128"/>
-                <a:cs typeface="Courier New" panose="02070309020205020404" pitchFamily="49" charset="0"/>
+              <a:buNone/>
+            </a:pPr>
+            <a:r>
+              <a:rPr lang="en-US" altLang="en-US" sz="1900" dirty="0">
+                <a:solidFill>
+                  <a:schemeClr val="accent2"/>
+                </a:solidFill>
+                <a:latin typeface="Lucida Sans Typewriter" panose="020B0509030504030204" pitchFamily="49" charset="0"/>
+                <a:ea typeface="ＭＳ Ｐゴシック" panose="020B0600070205080204" pitchFamily="34" charset="-128"/>
               </a:rPr>
               <a:t>&gt;&gt;&gt; y = None</a:t>
             </a:r>
           </a:p>
           <a:p>
             <a:pPr marL="0" indent="0">
-              <a:buFont typeface="Symbol" panose="05050102010706020507" pitchFamily="18" charset="2"/>
-              <a:buNone/>
-            </a:pPr>
-            <a:r>
-              <a:rPr lang="en-US" altLang="en-US" sz="2400" dirty="0">
-                <a:latin typeface="Courier New" panose="02070309020205020404" pitchFamily="49" charset="0"/>
-                <a:ea typeface="ＭＳ Ｐゴシック" panose="020B0600070205080204" pitchFamily="34" charset="-128"/>
-                <a:cs typeface="Courier New" panose="02070309020205020404" pitchFamily="49" charset="0"/>
+              <a:buNone/>
+            </a:pPr>
+            <a:r>
+              <a:rPr lang="en-US" altLang="en-US" sz="1900" dirty="0">
+                <a:solidFill>
+                  <a:schemeClr val="accent2"/>
+                </a:solidFill>
+                <a:latin typeface="Lucida Sans Typewriter" panose="020B0509030504030204" pitchFamily="49" charset="0"/>
+                <a:ea typeface="ＭＳ Ｐゴシック" panose="020B0600070205080204" pitchFamily="34" charset="-128"/>
               </a:rPr>
               <a:t>&gt;&gt;&gt; y is None</a:t>
             </a:r>
           </a:p>
           <a:p>
             <a:pPr marL="0" indent="0">
-              <a:buFont typeface="Symbol" panose="05050102010706020507" pitchFamily="18" charset="2"/>
-              <a:buNone/>
-            </a:pPr>
-            <a:r>
-              <a:rPr lang="en-US" altLang="en-US" sz="2400" dirty="0">
-                <a:latin typeface="Courier New" panose="02070309020205020404" pitchFamily="49" charset="0"/>
-                <a:ea typeface="ＭＳ Ｐゴシック" panose="020B0600070205080204" pitchFamily="34" charset="-128"/>
-                <a:cs typeface="Courier New" panose="02070309020205020404" pitchFamily="49" charset="0"/>
+              <a:buNone/>
+            </a:pPr>
+            <a:r>
+              <a:rPr lang="en-US" altLang="en-US" sz="1900" dirty="0">
+                <a:solidFill>
+                  <a:schemeClr val="accent2"/>
+                </a:solidFill>
+                <a:latin typeface="Lucida Sans Typewriter" panose="020B0509030504030204" pitchFamily="49" charset="0"/>
+                <a:ea typeface="ＭＳ Ｐゴシック" panose="020B0600070205080204" pitchFamily="34" charset="-128"/>
               </a:rPr>
               <a:t>True</a:t>
             </a:r>
           </a:p>
           <a:p>
             <a:pPr marL="0" indent="0">
-              <a:buFont typeface="Symbol" panose="05050102010706020507" pitchFamily="18" charset="2"/>
-              <a:buNone/>
-            </a:pPr>
-            <a:r>
-              <a:rPr lang="en-US" altLang="en-US" sz="2400" dirty="0">
-                <a:latin typeface="Courier New" panose="02070309020205020404" pitchFamily="49" charset="0"/>
-                <a:ea typeface="ＭＳ Ｐゴシック" panose="020B0600070205080204" pitchFamily="34" charset="-128"/>
-                <a:cs typeface="Courier New" panose="02070309020205020404" pitchFamily="49" charset="0"/>
+              <a:buNone/>
+            </a:pPr>
+            <a:r>
+              <a:rPr lang="en-US" altLang="en-US" sz="1900" dirty="0">
+                <a:solidFill>
+                  <a:schemeClr val="accent2"/>
+                </a:solidFill>
+                <a:latin typeface="Lucida Sans Typewriter" panose="020B0509030504030204" pitchFamily="49" charset="0"/>
+                <a:ea typeface="ＭＳ Ｐゴシック" panose="020B0600070205080204" pitchFamily="34" charset="-128"/>
               </a:rPr>
               <a:t>&gt;&gt;&gt; x = y</a:t>
             </a:r>
           </a:p>
           <a:p>
             <a:pPr marL="0" indent="0">
-              <a:buFont typeface="Symbol" panose="05050102010706020507" pitchFamily="18" charset="2"/>
-              <a:buNone/>
-            </a:pPr>
-            <a:r>
-              <a:rPr lang="en-US" altLang="en-US" sz="2400" dirty="0">
-                <a:latin typeface="Courier New" panose="02070309020205020404" pitchFamily="49" charset="0"/>
-                <a:ea typeface="ＭＳ Ｐゴシック" panose="020B0600070205080204" pitchFamily="34" charset="-128"/>
-                <a:cs typeface="Courier New" panose="02070309020205020404" pitchFamily="49" charset="0"/>
+              <a:buNone/>
+            </a:pPr>
+            <a:r>
+              <a:rPr lang="en-US" altLang="en-US" sz="1900" dirty="0">
+                <a:solidFill>
+                  <a:schemeClr val="accent2"/>
+                </a:solidFill>
+                <a:latin typeface="Lucida Sans Typewriter" panose="020B0509030504030204" pitchFamily="49" charset="0"/>
+                <a:ea typeface="ＭＳ Ｐゴシック" panose="020B0600070205080204" pitchFamily="34" charset="-128"/>
               </a:rPr>
               <a:t>&gt;&gt;&gt; x is y</a:t>
             </a:r>
           </a:p>
           <a:p>
             <a:pPr marL="0" indent="0">
-              <a:buFont typeface="Symbol" panose="05050102010706020507" pitchFamily="18" charset="2"/>
-              <a:buNone/>
-            </a:pPr>
-            <a:r>
-              <a:rPr lang="en-US" altLang="en-US" sz="2400" dirty="0">
-                <a:latin typeface="Courier New" panose="02070309020205020404" pitchFamily="49" charset="0"/>
-                <a:ea typeface="ＭＳ Ｐゴシック" panose="020B0600070205080204" pitchFamily="34" charset="-128"/>
-                <a:cs typeface="Courier New" panose="02070309020205020404" pitchFamily="49" charset="0"/>
+              <a:buNone/>
+            </a:pPr>
+            <a:r>
+              <a:rPr lang="en-US" altLang="en-US" sz="1900" dirty="0">
+                <a:solidFill>
+                  <a:schemeClr val="accent2"/>
+                </a:solidFill>
+                <a:latin typeface="Lucida Sans Typewriter" panose="020B0509030504030204" pitchFamily="49" charset="0"/>
+                <a:ea typeface="ＭＳ Ｐゴシック" panose="020B0600070205080204" pitchFamily="34" charset="-128"/>
               </a:rPr>
               <a:t>True</a:t>
             </a:r>
@@ -7031,80 +7170,66 @@
         </p:nvSpPr>
         <p:spPr>
           <a:xfrm>
-            <a:off x="838200" y="2043739"/>
+            <a:off x="835404" y="1690688"/>
             <a:ext cx="10515600" cy="4063446"/>
           </a:xfrm>
         </p:spPr>
         <p:txBody>
           <a:bodyPr>
-            <a:normAutofit fontScale="47500" lnSpcReduction="20000"/>
+            <a:normAutofit fontScale="25000" lnSpcReduction="20000"/>
           </a:bodyPr>
           <a:lstStyle/>
           <a:p>
             <a:pPr marL="0" indent="0">
-              <a:buFont typeface="Symbol" panose="05050102010706020507" pitchFamily="18" charset="2"/>
-              <a:buNone/>
-            </a:pPr>
-            <a:r>
-              <a:rPr lang="en-US" altLang="en-US" sz="2400" dirty="0">
-                <a:latin typeface="Courier New" panose="02070309020205020404" pitchFamily="49" charset="0"/>
-                <a:ea typeface="ＭＳ Ｐゴシック" panose="020B0600070205080204" pitchFamily="34" charset="-128"/>
-                <a:cs typeface="Courier New" panose="02070309020205020404" pitchFamily="49" charset="0"/>
+              <a:lnSpc>
+                <a:spcPct val="130000"/>
+              </a:lnSpc>
+              <a:buNone/>
+            </a:pPr>
+            <a:r>
+              <a:rPr lang="en-US" altLang="en-US" sz="9200" dirty="0">
+                <a:ea typeface="ＭＳ Ｐゴシック" panose="020B0600070205080204" pitchFamily="34" charset="-128"/>
               </a:rPr>
               <a:t>Integers and </a:t>
             </a:r>
             <a:r>
-              <a:rPr lang="en-US" altLang="en-US" sz="2400" dirty="0" err="1">
-                <a:latin typeface="Courier New" panose="02070309020205020404" pitchFamily="49" charset="0"/>
-                <a:ea typeface="ＭＳ Ｐゴシック" panose="020B0600070205080204" pitchFamily="34" charset="-128"/>
-                <a:cs typeface="Courier New" panose="02070309020205020404" pitchFamily="49" charset="0"/>
+              <a:rPr lang="en-US" altLang="en-US" sz="9200" dirty="0" err="1">
+                <a:ea typeface="ＭＳ Ｐゴシック" panose="020B0600070205080204" pitchFamily="34" charset="-128"/>
               </a:rPr>
               <a:t>booleans</a:t>
             </a:r>
             <a:r>
-              <a:rPr lang="en-US" altLang="en-US" sz="2400" dirty="0">
-                <a:latin typeface="Courier New" panose="02070309020205020404" pitchFamily="49" charset="0"/>
-                <a:ea typeface="ＭＳ Ｐゴシック" panose="020B0600070205080204" pitchFamily="34" charset="-128"/>
-                <a:cs typeface="Courier New" panose="02070309020205020404" pitchFamily="49" charset="0"/>
+              <a:rPr lang="en-US" altLang="en-US" sz="9200" dirty="0">
+                <a:ea typeface="ＭＳ Ｐゴシック" panose="020B0600070205080204" pitchFamily="34" charset="-128"/>
               </a:rPr>
               <a:t> are </a:t>
             </a:r>
             <a:r>
-              <a:rPr lang="en-US" altLang="en-US" sz="2400" b="1" dirty="0">
-                <a:latin typeface="Courier New" panose="02070309020205020404" pitchFamily="49" charset="0"/>
-                <a:ea typeface="ＭＳ Ｐゴシック" panose="020B0600070205080204" pitchFamily="34" charset="-128"/>
-                <a:cs typeface="Courier New" panose="02070309020205020404" pitchFamily="49" charset="0"/>
+              <a:rPr lang="en-US" altLang="en-US" sz="9200" i="1" dirty="0">
+                <a:ea typeface="ＭＳ Ｐゴシック" panose="020B0600070205080204" pitchFamily="34" charset="-128"/>
               </a:rPr>
               <a:t>immutable</a:t>
             </a:r>
             <a:r>
-              <a:rPr lang="en-US" altLang="en-US" sz="2400" dirty="0">
-                <a:latin typeface="Courier New" panose="02070309020205020404" pitchFamily="49" charset="0"/>
-                <a:ea typeface="ＭＳ Ｐゴシック" panose="020B0600070205080204" pitchFamily="34" charset="-128"/>
-                <a:cs typeface="Courier New" panose="02070309020205020404" pitchFamily="49" charset="0"/>
+              <a:rPr lang="en-US" altLang="en-US" sz="9200" dirty="0">
+                <a:ea typeface="ＭＳ Ｐゴシック" panose="020B0600070205080204" pitchFamily="34" charset="-128"/>
               </a:rPr>
               <a:t>.</a:t>
             </a:r>
           </a:p>
           <a:p>
             <a:pPr marL="0" indent="0">
-              <a:buFont typeface="Symbol" panose="05050102010706020507" pitchFamily="18" charset="2"/>
-              <a:buNone/>
-            </a:pPr>
-            <a:r>
-              <a:rPr lang="en-US" altLang="en-US" sz="2400" dirty="0">
-                <a:latin typeface="Courier New" panose="02070309020205020404" pitchFamily="49" charset="0"/>
-                <a:ea typeface="ＭＳ Ｐゴシック" panose="020B0600070205080204" pitchFamily="34" charset="-128"/>
-                <a:cs typeface="Courier New" panose="02070309020205020404" pitchFamily="49" charset="0"/>
-              </a:rPr>
-              <a:t>Immutable objects never change after they are created, though a variable name may be reassigned to refer to a different object from the one it was originally assigned to.</a:t>
-            </a:r>
-          </a:p>
-          <a:p>
-            <a:pPr marL="0" indent="0">
-              <a:buFont typeface="Symbol" panose="05050102010706020507" pitchFamily="18" charset="2"/>
-              <a:buNone/>
-            </a:pPr>
+              <a:lnSpc>
+                <a:spcPct val="130000"/>
+              </a:lnSpc>
+              <a:buNone/>
+            </a:pPr>
+            <a:r>
+              <a:rPr lang="en-US" altLang="en-US" sz="9200" dirty="0">
+                <a:ea typeface="ＭＳ Ｐゴシック" panose="020B0600070205080204" pitchFamily="34" charset="-128"/>
+              </a:rPr>
+              <a:t>Immutable objects never change after they are created.</a:t>
+            </a:r>
             <a:endParaRPr lang="en-US" altLang="en-US" sz="2400" dirty="0">
               <a:latin typeface="Courier New" panose="02070309020205020404" pitchFamily="49" charset="0"/>
               <a:ea typeface="ＭＳ Ｐゴシック" panose="020B0600070205080204" pitchFamily="34" charset="-128"/>
@@ -7113,70 +7238,75 @@
           </a:p>
           <a:p>
             <a:pPr marL="0" indent="0">
-              <a:buFont typeface="Symbol" panose="05050102010706020507" pitchFamily="18" charset="2"/>
-              <a:buNone/>
-            </a:pPr>
-            <a:r>
-              <a:rPr lang="en-US" altLang="en-US" sz="2400" dirty="0">
-                <a:latin typeface="Courier New" panose="02070309020205020404" pitchFamily="49" charset="0"/>
-                <a:ea typeface="ＭＳ Ｐゴシック" panose="020B0600070205080204" pitchFamily="34" charset="-128"/>
-                <a:cs typeface="Courier New" panose="02070309020205020404" pitchFamily="49" charset="0"/>
+              <a:buNone/>
+            </a:pPr>
+            <a:r>
+              <a:rPr lang="en-US" altLang="en-US" sz="5200" dirty="0">
+                <a:solidFill>
+                  <a:schemeClr val="accent2"/>
+                </a:solidFill>
+                <a:latin typeface="Lucida Sans Typewriter" panose="020B0509030504030204" pitchFamily="49" charset="0"/>
+                <a:ea typeface="ＭＳ Ｐゴシック" panose="020B0600070205080204" pitchFamily="34" charset="-128"/>
               </a:rPr>
               <a:t>&gt;&gt;&gt; a = 8</a:t>
             </a:r>
           </a:p>
           <a:p>
             <a:pPr marL="0" indent="0">
-              <a:buFont typeface="Symbol" panose="05050102010706020507" pitchFamily="18" charset="2"/>
-              <a:buNone/>
-            </a:pPr>
-            <a:r>
-              <a:rPr lang="en-US" altLang="en-US" sz="2400" dirty="0">
-                <a:latin typeface="Courier New" panose="02070309020205020404" pitchFamily="49" charset="0"/>
-                <a:ea typeface="ＭＳ Ｐゴシック" panose="020B0600070205080204" pitchFamily="34" charset="-128"/>
-                <a:cs typeface="Courier New" panose="02070309020205020404" pitchFamily="49" charset="0"/>
+              <a:buNone/>
+            </a:pPr>
+            <a:r>
+              <a:rPr lang="en-US" altLang="en-US" sz="5200" dirty="0">
+                <a:solidFill>
+                  <a:schemeClr val="accent2"/>
+                </a:solidFill>
+                <a:latin typeface="Lucida Sans Typewriter" panose="020B0509030504030204" pitchFamily="49" charset="0"/>
+                <a:ea typeface="ＭＳ Ｐゴシック" panose="020B0600070205080204" pitchFamily="34" charset="-128"/>
               </a:rPr>
               <a:t>&gt;&gt;&gt; b = a</a:t>
             </a:r>
           </a:p>
           <a:p>
             <a:pPr marL="0" indent="0">
-              <a:buFont typeface="Symbol" panose="05050102010706020507" pitchFamily="18" charset="2"/>
-              <a:buNone/>
-            </a:pPr>
-            <a:r>
-              <a:rPr lang="en-US" altLang="en-US" sz="2400" dirty="0">
-                <a:latin typeface="Courier New" panose="02070309020205020404" pitchFamily="49" charset="0"/>
-                <a:ea typeface="ＭＳ Ｐゴシック" panose="020B0600070205080204" pitchFamily="34" charset="-128"/>
-                <a:cs typeface="Courier New" panose="02070309020205020404" pitchFamily="49" charset="0"/>
+              <a:buNone/>
+            </a:pPr>
+            <a:r>
+              <a:rPr lang="en-US" altLang="en-US" sz="5200" dirty="0">
+                <a:solidFill>
+                  <a:schemeClr val="accent2"/>
+                </a:solidFill>
+                <a:latin typeface="Lucida Sans Typewriter" panose="020B0509030504030204" pitchFamily="49" charset="0"/>
+                <a:ea typeface="ＭＳ Ｐゴシック" panose="020B0600070205080204" pitchFamily="34" charset="-128"/>
               </a:rPr>
               <a:t>&gt;&gt;&gt; id(a)</a:t>
             </a:r>
           </a:p>
           <a:p>
             <a:pPr marL="0" indent="0">
-              <a:buFont typeface="Symbol" panose="05050102010706020507" pitchFamily="18" charset="2"/>
-              <a:buNone/>
-            </a:pPr>
-            <a:r>
-              <a:rPr lang="en-US" altLang="en-US" sz="2400" dirty="0">
-                <a:latin typeface="Courier New" panose="02070309020205020404" pitchFamily="49" charset="0"/>
-                <a:ea typeface="ＭＳ Ｐゴシック" panose="020B0600070205080204" pitchFamily="34" charset="-128"/>
-                <a:cs typeface="Courier New" panose="02070309020205020404" pitchFamily="49" charset="0"/>
+              <a:buNone/>
+            </a:pPr>
+            <a:r>
+              <a:rPr lang="en-US" altLang="en-US" sz="5200" dirty="0">
+                <a:solidFill>
+                  <a:schemeClr val="accent2"/>
+                </a:solidFill>
+                <a:latin typeface="Lucida Sans Typewriter" panose="020B0509030504030204" pitchFamily="49" charset="0"/>
+                <a:ea typeface="ＭＳ Ｐゴシック" panose="020B0600070205080204" pitchFamily="34" charset="-128"/>
               </a:rPr>
               <a:t>4297273504</a:t>
             </a:r>
           </a:p>
           <a:p>
             <a:pPr marL="0" indent="0">
-              <a:buFont typeface="Symbol" panose="05050102010706020507" pitchFamily="18" charset="2"/>
-              <a:buNone/>
-            </a:pPr>
-            <a:r>
-              <a:rPr lang="en-US" altLang="en-US" sz="2400" dirty="0">
-                <a:latin typeface="Courier New" panose="02070309020205020404" pitchFamily="49" charset="0"/>
-                <a:ea typeface="ＭＳ Ｐゴシック" panose="020B0600070205080204" pitchFamily="34" charset="-128"/>
-                <a:cs typeface="Courier New" panose="02070309020205020404" pitchFamily="49" charset="0"/>
+              <a:buNone/>
+            </a:pPr>
+            <a:r>
+              <a:rPr lang="en-US" altLang="en-US" sz="5200" dirty="0">
+                <a:solidFill>
+                  <a:schemeClr val="accent2"/>
+                </a:solidFill>
+                <a:latin typeface="Lucida Sans Typewriter" panose="020B0509030504030204" pitchFamily="49" charset="0"/>
+                <a:ea typeface="ＭＳ Ｐゴシック" panose="020B0600070205080204" pitchFamily="34" charset="-128"/>
               </a:rPr>
               <a:t>&gt;&gt;&gt; id(b)</a:t>
             </a:r>
@@ -7186,66 +7316,72 @@
               <a:buNone/>
             </a:pPr>
             <a:r>
-              <a:rPr lang="en-US" altLang="en-US" sz="2400" dirty="0">
-                <a:latin typeface="Courier New" panose="02070309020205020404" pitchFamily="49" charset="0"/>
-                <a:ea typeface="ＭＳ Ｐゴシック" panose="020B0600070205080204" pitchFamily="34" charset="-128"/>
-                <a:cs typeface="Courier New" panose="02070309020205020404" pitchFamily="49" charset="0"/>
+              <a:rPr lang="en-US" altLang="en-US" sz="5200" dirty="0">
+                <a:solidFill>
+                  <a:schemeClr val="accent2"/>
+                </a:solidFill>
+                <a:latin typeface="Lucida Sans Typewriter" panose="020B0509030504030204" pitchFamily="49" charset="0"/>
+                <a:ea typeface="ＭＳ Ｐゴシック" panose="020B0600070205080204" pitchFamily="34" charset="-128"/>
               </a:rPr>
               <a:t>4297273504</a:t>
             </a:r>
           </a:p>
           <a:p>
             <a:pPr marL="0" indent="0">
-              <a:buFont typeface="Symbol" panose="05050102010706020507" pitchFamily="18" charset="2"/>
-              <a:buNone/>
-            </a:pPr>
-            <a:r>
-              <a:rPr lang="en-US" altLang="en-US" sz="2400" dirty="0">
-                <a:latin typeface="Courier New" panose="02070309020205020404" pitchFamily="49" charset="0"/>
-                <a:ea typeface="ＭＳ Ｐゴシック" panose="020B0600070205080204" pitchFamily="34" charset="-128"/>
-                <a:cs typeface="Courier New" panose="02070309020205020404" pitchFamily="49" charset="0"/>
+              <a:buNone/>
+            </a:pPr>
+            <a:r>
+              <a:rPr lang="en-US" altLang="en-US" sz="5200" dirty="0">
+                <a:solidFill>
+                  <a:schemeClr val="accent2"/>
+                </a:solidFill>
+                <a:latin typeface="Lucida Sans Typewriter" panose="020B0509030504030204" pitchFamily="49" charset="0"/>
+                <a:ea typeface="ＭＳ Ｐゴシック" panose="020B0600070205080204" pitchFamily="34" charset="-128"/>
               </a:rPr>
               <a:t>&gt;&gt;&gt; a = 3.14</a:t>
             </a:r>
           </a:p>
           <a:p>
             <a:pPr marL="0" indent="0">
-              <a:buFont typeface="Symbol" panose="05050102010706020507" pitchFamily="18" charset="2"/>
-              <a:buNone/>
-            </a:pPr>
-            <a:r>
-              <a:rPr lang="en-US" altLang="en-US" sz="2400" dirty="0">
-                <a:latin typeface="Courier New" panose="02070309020205020404" pitchFamily="49" charset="0"/>
-                <a:ea typeface="ＭＳ Ｐゴシック" panose="020B0600070205080204" pitchFamily="34" charset="-128"/>
-                <a:cs typeface="Courier New" panose="02070309020205020404" pitchFamily="49" charset="0"/>
+              <a:buNone/>
+            </a:pPr>
+            <a:r>
+              <a:rPr lang="en-US" altLang="en-US" sz="5200" dirty="0">
+                <a:solidFill>
+                  <a:schemeClr val="accent2"/>
+                </a:solidFill>
+                <a:latin typeface="Lucida Sans Typewriter" panose="020B0509030504030204" pitchFamily="49" charset="0"/>
+                <a:ea typeface="ＭＳ Ｐゴシック" panose="020B0600070205080204" pitchFamily="34" charset="-128"/>
               </a:rPr>
               <a:t>&gt;&gt;&gt; id(a)</a:t>
             </a:r>
           </a:p>
           <a:p>
             <a:pPr marL="0" indent="0">
-              <a:buFont typeface="Symbol" panose="05050102010706020507" pitchFamily="18" charset="2"/>
-              <a:buNone/>
-            </a:pPr>
-            <a:r>
-              <a:rPr lang="en-US" altLang="en-US" sz="2400" dirty="0">
-                <a:latin typeface="Courier New" panose="02070309020205020404" pitchFamily="49" charset="0"/>
-                <a:ea typeface="ＭＳ Ｐゴシック" panose="020B0600070205080204" pitchFamily="34" charset="-128"/>
-                <a:cs typeface="Courier New" panose="02070309020205020404" pitchFamily="49" charset="0"/>
+              <a:buNone/>
+            </a:pPr>
+            <a:r>
+              <a:rPr lang="en-US" altLang="en-US" sz="5200" dirty="0">
+                <a:solidFill>
+                  <a:schemeClr val="accent2"/>
+                </a:solidFill>
+                <a:latin typeface="Lucida Sans Typewriter" panose="020B0509030504030204" pitchFamily="49" charset="0"/>
+                <a:ea typeface="ＭＳ Ｐゴシック" panose="020B0600070205080204" pitchFamily="34" charset="-128"/>
               </a:rPr>
               <a:t>4297270152</a:t>
             </a:r>
           </a:p>
           <a:p>
             <a:pPr marL="0" indent="0">
-              <a:buFont typeface="Symbol" panose="05050102010706020507" pitchFamily="18" charset="2"/>
-              <a:buNone/>
-            </a:pPr>
-            <a:r>
-              <a:rPr lang="en-US" altLang="en-US" sz="2400" dirty="0">
-                <a:latin typeface="Courier New" panose="02070309020205020404" pitchFamily="49" charset="0"/>
-                <a:ea typeface="ＭＳ Ｐゴシック" panose="020B0600070205080204" pitchFamily="34" charset="-128"/>
-                <a:cs typeface="Courier New" panose="02070309020205020404" pitchFamily="49" charset="0"/>
+              <a:buNone/>
+            </a:pPr>
+            <a:r>
+              <a:rPr lang="en-US" altLang="en-US" sz="5200" dirty="0">
+                <a:solidFill>
+                  <a:schemeClr val="accent2"/>
+                </a:solidFill>
+                <a:latin typeface="Lucida Sans Typewriter" panose="020B0509030504030204" pitchFamily="49" charset="0"/>
+                <a:ea typeface="ＭＳ Ｐゴシック" panose="020B0600070205080204" pitchFamily="34" charset="-128"/>
               </a:rPr>
               <a:t>&gt;&gt;&gt; id(b)</a:t>
             </a:r>
@@ -7255,19 +7391,15 @@
               <a:buNone/>
             </a:pPr>
             <a:r>
-              <a:rPr lang="en-US" altLang="en-US" sz="2400" dirty="0">
-                <a:latin typeface="Courier New" panose="02070309020205020404" pitchFamily="49" charset="0"/>
-                <a:ea typeface="ＭＳ Ｐゴシック" panose="020B0600070205080204" pitchFamily="34" charset="-128"/>
-                <a:cs typeface="Courier New" panose="02070309020205020404" pitchFamily="49" charset="0"/>
+              <a:rPr lang="en-US" altLang="en-US" sz="5200" dirty="0">
+                <a:solidFill>
+                  <a:schemeClr val="accent2"/>
+                </a:solidFill>
+                <a:latin typeface="Lucida Sans Typewriter" panose="020B0509030504030204" pitchFamily="49" charset="0"/>
+                <a:ea typeface="ＭＳ Ｐゴシック" panose="020B0600070205080204" pitchFamily="34" charset="-128"/>
               </a:rPr>
               <a:t>4297273504</a:t>
             </a:r>
-          </a:p>
-          <a:p>
-            <a:pPr marL="0" indent="0">
-              <a:buFont typeface="Symbol" panose="05050102010706020507" pitchFamily="18" charset="2"/>
-              <a:buNone/>
-            </a:pPr>
             <a:endParaRPr lang="en-US" altLang="en-US" sz="2400" dirty="0">
               <a:latin typeface="Courier New" panose="02070309020205020404" pitchFamily="49" charset="0"/>
               <a:ea typeface="ＭＳ Ｐゴシック" panose="020B0600070205080204" pitchFamily="34" charset="-128"/>
@@ -7276,14 +7408,14 @@
           </a:p>
           <a:p>
             <a:pPr marL="0" indent="0">
-              <a:buFont typeface="Symbol" panose="05050102010706020507" pitchFamily="18" charset="2"/>
-              <a:buNone/>
-            </a:pPr>
-            <a:r>
-              <a:rPr lang="en-US" altLang="en-US" sz="2400" dirty="0">
-                <a:latin typeface="Courier New" panose="02070309020205020404" pitchFamily="49" charset="0"/>
-                <a:ea typeface="ＭＳ Ｐゴシック" panose="020B0600070205080204" pitchFamily="34" charset="-128"/>
-                <a:cs typeface="Courier New" panose="02070309020205020404" pitchFamily="49" charset="0"/>
+              <a:lnSpc>
+                <a:spcPct val="130000"/>
+              </a:lnSpc>
+              <a:buNone/>
+            </a:pPr>
+            <a:r>
+              <a:rPr lang="en-US" altLang="en-US" sz="9200" dirty="0">
+                <a:ea typeface="ＭＳ Ｐゴシック" panose="020B0600070205080204" pitchFamily="34" charset="-128"/>
               </a:rPr>
               <a:t>Same situation when we use augmented assignments, a = a + 1</a:t>
             </a:r>
@@ -7387,164 +7519,175 @@
         <p:spPr>
           <a:xfrm>
             <a:off x="838200" y="2043739"/>
-            <a:ext cx="10515600" cy="4063446"/>
+            <a:ext cx="10515600" cy="3585274"/>
           </a:xfrm>
         </p:spPr>
         <p:txBody>
           <a:bodyPr>
-            <a:normAutofit fontScale="92500" lnSpcReduction="20000"/>
+            <a:normAutofit/>
           </a:bodyPr>
           <a:lstStyle/>
           <a:p>
             <a:pPr marL="0" indent="0">
-              <a:buFont typeface="Symbol" panose="05050102010706020507" pitchFamily="18" charset="2"/>
-              <a:buNone/>
-            </a:pPr>
-            <a:r>
-              <a:rPr lang="en-US" altLang="en-US" sz="2400" dirty="0">
-                <a:latin typeface="Courier New" panose="02070309020205020404" pitchFamily="49" charset="0"/>
-                <a:ea typeface="ＭＳ Ｐゴシック" panose="020B0600070205080204" pitchFamily="34" charset="-128"/>
-                <a:cs typeface="Courier New" panose="02070309020205020404" pitchFamily="49" charset="0"/>
+              <a:buNone/>
+            </a:pPr>
+            <a:r>
+              <a:rPr lang="en-US" altLang="en-US" sz="1300" dirty="0">
+                <a:solidFill>
+                  <a:schemeClr val="accent2"/>
+                </a:solidFill>
+                <a:latin typeface="Lucida Sans Typewriter" panose="020B0509030504030204" pitchFamily="49" charset="0"/>
+                <a:ea typeface="ＭＳ Ｐゴシック" panose="020B0600070205080204" pitchFamily="34" charset="-128"/>
               </a:rPr>
               <a:t>&gt;&gt;&gt; x = 42</a:t>
             </a:r>
           </a:p>
           <a:p>
             <a:pPr marL="0" indent="0">
-              <a:buFont typeface="Symbol" panose="05050102010706020507" pitchFamily="18" charset="2"/>
-              <a:buNone/>
-            </a:pPr>
-            <a:r>
-              <a:rPr lang="en-US" altLang="en-US" sz="2400" dirty="0">
-                <a:latin typeface="Courier New" panose="02070309020205020404" pitchFamily="49" charset="0"/>
-                <a:ea typeface="ＭＳ Ｐゴシック" panose="020B0600070205080204" pitchFamily="34" charset="-128"/>
-                <a:cs typeface="Courier New" panose="02070309020205020404" pitchFamily="49" charset="0"/>
+              <a:buNone/>
+            </a:pPr>
+            <a:r>
+              <a:rPr lang="en-US" altLang="en-US" sz="1300" dirty="0">
+                <a:solidFill>
+                  <a:schemeClr val="accent2"/>
+                </a:solidFill>
+                <a:latin typeface="Lucida Sans Typewriter" panose="020B0509030504030204" pitchFamily="49" charset="0"/>
+                <a:ea typeface="ＭＳ Ｐゴシック" panose="020B0600070205080204" pitchFamily="34" charset="-128"/>
               </a:rPr>
               <a:t>&gt;&gt;&gt; type(x)</a:t>
             </a:r>
           </a:p>
           <a:p>
             <a:pPr marL="0" indent="0">
-              <a:buFont typeface="Symbol" panose="05050102010706020507" pitchFamily="18" charset="2"/>
-              <a:buNone/>
-            </a:pPr>
-            <a:r>
-              <a:rPr lang="en-US" altLang="en-US" sz="2400" dirty="0">
-                <a:latin typeface="Courier New" panose="02070309020205020404" pitchFamily="49" charset="0"/>
-                <a:ea typeface="ＭＳ Ｐゴシック" panose="020B0600070205080204" pitchFamily="34" charset="-128"/>
-                <a:cs typeface="Courier New" panose="02070309020205020404" pitchFamily="49" charset="0"/>
+              <a:buNone/>
+            </a:pPr>
+            <a:r>
+              <a:rPr lang="en-US" altLang="en-US" sz="1300" dirty="0">
+                <a:solidFill>
+                  <a:schemeClr val="accent2"/>
+                </a:solidFill>
+                <a:latin typeface="Lucida Sans Typewriter" panose="020B0509030504030204" pitchFamily="49" charset="0"/>
+                <a:ea typeface="ＭＳ Ｐゴシック" panose="020B0600070205080204" pitchFamily="34" charset="-128"/>
               </a:rPr>
               <a:t>&lt;class ‘int’&gt;</a:t>
             </a:r>
           </a:p>
           <a:p>
             <a:pPr marL="0" indent="0">
-              <a:buFont typeface="Symbol" panose="05050102010706020507" pitchFamily="18" charset="2"/>
-              <a:buNone/>
-            </a:pPr>
-            <a:r>
-              <a:rPr lang="en-US" altLang="en-US" sz="2400" dirty="0">
-                <a:latin typeface="Courier New" panose="02070309020205020404" pitchFamily="49" charset="0"/>
-                <a:ea typeface="ＭＳ Ｐゴシック" panose="020B0600070205080204" pitchFamily="34" charset="-128"/>
-                <a:cs typeface="Courier New" panose="02070309020205020404" pitchFamily="49" charset="0"/>
+              <a:buNone/>
+            </a:pPr>
+            <a:r>
+              <a:rPr lang="en-US" altLang="en-US" sz="1300" dirty="0">
+                <a:solidFill>
+                  <a:schemeClr val="accent2"/>
+                </a:solidFill>
+                <a:latin typeface="Lucida Sans Typewriter" panose="020B0509030504030204" pitchFamily="49" charset="0"/>
+                <a:ea typeface="ＭＳ Ｐゴシック" panose="020B0600070205080204" pitchFamily="34" charset="-128"/>
               </a:rPr>
               <a:t>&gt;&gt;&gt; y = 42.0</a:t>
             </a:r>
           </a:p>
           <a:p>
             <a:pPr marL="0" indent="0">
-              <a:buFont typeface="Symbol" panose="05050102010706020507" pitchFamily="18" charset="2"/>
-              <a:buNone/>
-            </a:pPr>
-            <a:r>
-              <a:rPr lang="en-US" altLang="en-US" sz="2400" dirty="0">
-                <a:latin typeface="Courier New" panose="02070309020205020404" pitchFamily="49" charset="0"/>
-                <a:ea typeface="ＭＳ Ｐゴシック" panose="020B0600070205080204" pitchFamily="34" charset="-128"/>
-                <a:cs typeface="Courier New" panose="02070309020205020404" pitchFamily="49" charset="0"/>
+              <a:buNone/>
+            </a:pPr>
+            <a:r>
+              <a:rPr lang="en-US" altLang="en-US" sz="1300" dirty="0">
+                <a:solidFill>
+                  <a:schemeClr val="accent2"/>
+                </a:solidFill>
+                <a:latin typeface="Lucida Sans Typewriter" panose="020B0509030504030204" pitchFamily="49" charset="0"/>
+                <a:ea typeface="ＭＳ Ｐゴシック" panose="020B0600070205080204" pitchFamily="34" charset="-128"/>
               </a:rPr>
               <a:t>&gt;&gt;&gt; type(y)</a:t>
             </a:r>
           </a:p>
           <a:p>
             <a:pPr marL="0" indent="0">
-              <a:buFont typeface="Symbol" panose="05050102010706020507" pitchFamily="18" charset="2"/>
-              <a:buNone/>
-            </a:pPr>
-            <a:r>
-              <a:rPr lang="en-US" altLang="en-US" sz="2400" dirty="0">
-                <a:latin typeface="Courier New" panose="02070309020205020404" pitchFamily="49" charset="0"/>
-                <a:ea typeface="ＭＳ Ｐゴシック" panose="020B0600070205080204" pitchFamily="34" charset="-128"/>
-                <a:cs typeface="Courier New" panose="02070309020205020404" pitchFamily="49" charset="0"/>
+              <a:buNone/>
+            </a:pPr>
+            <a:r>
+              <a:rPr lang="en-US" altLang="en-US" sz="1300" dirty="0">
+                <a:solidFill>
+                  <a:schemeClr val="accent2"/>
+                </a:solidFill>
+                <a:latin typeface="Lucida Sans Typewriter" panose="020B0509030504030204" pitchFamily="49" charset="0"/>
+                <a:ea typeface="ＭＳ Ｐゴシック" panose="020B0600070205080204" pitchFamily="34" charset="-128"/>
               </a:rPr>
               <a:t>&lt;class ‘float’&gt;</a:t>
             </a:r>
           </a:p>
           <a:p>
             <a:pPr marL="0" indent="0">
-              <a:buFont typeface="Symbol" panose="05050102010706020507" pitchFamily="18" charset="2"/>
-              <a:buNone/>
-            </a:pPr>
-            <a:r>
-              <a:rPr lang="en-US" altLang="en-US" sz="2400" dirty="0">
-                <a:latin typeface="Courier New" panose="02070309020205020404" pitchFamily="49" charset="0"/>
-                <a:ea typeface="ＭＳ Ｐゴシック" panose="020B0600070205080204" pitchFamily="34" charset="-128"/>
-                <a:cs typeface="Courier New" panose="02070309020205020404" pitchFamily="49" charset="0"/>
+              <a:buNone/>
+            </a:pPr>
+            <a:r>
+              <a:rPr lang="en-US" altLang="en-US" sz="1300" dirty="0">
+                <a:solidFill>
+                  <a:schemeClr val="accent2"/>
+                </a:solidFill>
+                <a:latin typeface="Lucida Sans Typewriter" panose="020B0509030504030204" pitchFamily="49" charset="0"/>
+                <a:ea typeface="ＭＳ Ｐゴシック" panose="020B0600070205080204" pitchFamily="34" charset="-128"/>
               </a:rPr>
               <a:t>&gt;&gt;&gt; x==y</a:t>
             </a:r>
           </a:p>
           <a:p>
             <a:pPr marL="0" indent="0">
-              <a:buFont typeface="Symbol" panose="05050102010706020507" pitchFamily="18" charset="2"/>
-              <a:buNone/>
-            </a:pPr>
-            <a:r>
-              <a:rPr lang="en-US" altLang="en-US" sz="2400" dirty="0">
-                <a:latin typeface="Courier New" panose="02070309020205020404" pitchFamily="49" charset="0"/>
-                <a:ea typeface="ＭＳ Ｐゴシック" panose="020B0600070205080204" pitchFamily="34" charset="-128"/>
-                <a:cs typeface="Courier New" panose="02070309020205020404" pitchFamily="49" charset="0"/>
+              <a:buNone/>
+            </a:pPr>
+            <a:r>
+              <a:rPr lang="en-US" altLang="en-US" sz="1300" dirty="0">
+                <a:solidFill>
+                  <a:schemeClr val="accent2"/>
+                </a:solidFill>
+                <a:latin typeface="Lucida Sans Typewriter" panose="020B0509030504030204" pitchFamily="49" charset="0"/>
+                <a:ea typeface="ＭＳ Ｐゴシック" panose="020B0600070205080204" pitchFamily="34" charset="-128"/>
               </a:rPr>
               <a:t>True</a:t>
             </a:r>
           </a:p>
           <a:p>
             <a:pPr marL="0" indent="0">
-              <a:buFont typeface="Symbol" panose="05050102010706020507" pitchFamily="18" charset="2"/>
-              <a:buNone/>
-            </a:pPr>
-            <a:r>
-              <a:rPr lang="en-US" altLang="en-US" sz="2400" dirty="0">
-                <a:latin typeface="Courier New" panose="02070309020205020404" pitchFamily="49" charset="0"/>
-                <a:ea typeface="ＭＳ Ｐゴシック" panose="020B0600070205080204" pitchFamily="34" charset="-128"/>
-                <a:cs typeface="Courier New" panose="02070309020205020404" pitchFamily="49" charset="0"/>
+              <a:buNone/>
+            </a:pPr>
+            <a:r>
+              <a:rPr lang="en-US" altLang="en-US" sz="1300" dirty="0">
+                <a:solidFill>
+                  <a:schemeClr val="accent2"/>
+                </a:solidFill>
+                <a:latin typeface="Lucida Sans Typewriter" panose="020B0509030504030204" pitchFamily="49" charset="0"/>
+                <a:ea typeface="ＭＳ Ｐゴシック" panose="020B0600070205080204" pitchFamily="34" charset="-128"/>
               </a:rPr>
               <a:t>&gt;&gt;&gt; greeting = “Hello”</a:t>
             </a:r>
           </a:p>
           <a:p>
             <a:pPr marL="0" indent="0">
-              <a:buFont typeface="Symbol" panose="05050102010706020507" pitchFamily="18" charset="2"/>
-              <a:buNone/>
-            </a:pPr>
-            <a:r>
-              <a:rPr lang="en-US" altLang="en-US" sz="2400" dirty="0">
-                <a:latin typeface="Courier New" panose="02070309020205020404" pitchFamily="49" charset="0"/>
-                <a:ea typeface="ＭＳ Ｐゴシック" panose="020B0600070205080204" pitchFamily="34" charset="-128"/>
-                <a:cs typeface="Courier New" panose="02070309020205020404" pitchFamily="49" charset="0"/>
+              <a:buNone/>
+            </a:pPr>
+            <a:r>
+              <a:rPr lang="en-US" altLang="en-US" sz="1300" dirty="0">
+                <a:solidFill>
+                  <a:schemeClr val="accent2"/>
+                </a:solidFill>
+                <a:latin typeface="Lucida Sans Typewriter" panose="020B0509030504030204" pitchFamily="49" charset="0"/>
+                <a:ea typeface="ＭＳ Ｐゴシック" panose="020B0600070205080204" pitchFamily="34" charset="-128"/>
               </a:rPr>
               <a:t>&gt;&gt;&gt; type(greeting)</a:t>
             </a:r>
           </a:p>
           <a:p>
             <a:pPr marL="0" indent="0">
-              <a:buFont typeface="Symbol" panose="05050102010706020507" pitchFamily="18" charset="2"/>
-              <a:buNone/>
-            </a:pPr>
-            <a:r>
-              <a:rPr lang="en-US" altLang="en-US" sz="2400" dirty="0">
-                <a:latin typeface="Courier New" panose="02070309020205020404" pitchFamily="49" charset="0"/>
-                <a:ea typeface="ＭＳ Ｐゴシック" panose="020B0600070205080204" pitchFamily="34" charset="-128"/>
-                <a:cs typeface="Courier New" panose="02070309020205020404" pitchFamily="49" charset="0"/>
+              <a:buNone/>
+            </a:pPr>
+            <a:r>
+              <a:rPr lang="en-US" altLang="en-US" sz="1300" dirty="0">
+                <a:solidFill>
+                  <a:schemeClr val="accent2"/>
+                </a:solidFill>
+                <a:latin typeface="Lucida Sans Typewriter" panose="020B0509030504030204" pitchFamily="49" charset="0"/>
+                <a:ea typeface="ＭＳ Ｐゴシック" panose="020B0600070205080204" pitchFamily="34" charset="-128"/>
               </a:rPr>
               <a:t>&lt;class ‘str’&gt;</a:t>
             </a:r>
@@ -7653,102 +7796,191 @@
         </p:spPr>
         <p:txBody>
           <a:bodyPr>
-            <a:normAutofit fontScale="92500" lnSpcReduction="20000"/>
+            <a:normAutofit/>
           </a:bodyPr>
           <a:lstStyle/>
           <a:p>
             <a:pPr marL="0" indent="0">
+              <a:buNone/>
+            </a:pPr>
+            <a:r>
+              <a:rPr lang="en-US" altLang="en-US" sz="1300" dirty="0">
+                <a:solidFill>
+                  <a:schemeClr val="accent2"/>
+                </a:solidFill>
+                <a:latin typeface="Lucida Sans Typewriter" panose="020B0509030504030204" pitchFamily="49" charset="0"/>
+                <a:ea typeface="ＭＳ Ｐゴシック" panose="020B0600070205080204" pitchFamily="34" charset="-128"/>
+              </a:rPr>
+              <a:t>&gt;&gt;&gt; x + y</a:t>
+            </a:r>
+          </a:p>
+          <a:p>
+            <a:pPr marL="0" indent="0">
+              <a:buNone/>
+            </a:pPr>
+            <a:r>
+              <a:rPr lang="en-US" altLang="en-US" sz="1300" dirty="0">
+                <a:solidFill>
+                  <a:schemeClr val="accent2"/>
+                </a:solidFill>
+                <a:latin typeface="Lucida Sans Typewriter" panose="020B0509030504030204" pitchFamily="49" charset="0"/>
+                <a:ea typeface="ＭＳ Ｐゴシック" panose="020B0600070205080204" pitchFamily="34" charset="-128"/>
+              </a:rPr>
+              <a:t>&gt;&gt;&gt; 84.0</a:t>
+            </a:r>
+          </a:p>
+          <a:p>
+            <a:pPr marL="0" indent="0">
+              <a:buNone/>
+            </a:pPr>
+            <a:r>
+              <a:rPr lang="en-US" altLang="en-US" sz="1300" dirty="0">
+                <a:solidFill>
+                  <a:schemeClr val="accent2"/>
+                </a:solidFill>
+                <a:latin typeface="Lucida Sans Typewriter" panose="020B0509030504030204" pitchFamily="49" charset="0"/>
+                <a:ea typeface="ＭＳ Ｐゴシック" panose="020B0600070205080204" pitchFamily="34" charset="-128"/>
+              </a:rPr>
+              <a:t>&gt;&gt;&gt; z = 4</a:t>
+            </a:r>
+          </a:p>
+          <a:p>
+            <a:pPr marL="0" indent="0">
+              <a:buNone/>
+            </a:pPr>
+            <a:r>
+              <a:rPr lang="en-US" altLang="en-US" sz="1300" dirty="0">
+                <a:solidFill>
+                  <a:schemeClr val="accent2"/>
+                </a:solidFill>
+                <a:latin typeface="Lucida Sans Typewriter" panose="020B0509030504030204" pitchFamily="49" charset="0"/>
+                <a:ea typeface="ＭＳ Ｐゴシック" panose="020B0600070205080204" pitchFamily="34" charset="-128"/>
+              </a:rPr>
+              <a:t>&gt;&gt;&gt; </a:t>
+            </a:r>
+            <a:r>
+              <a:rPr lang="en-US" altLang="en-US" sz="1300" dirty="0" err="1">
+                <a:solidFill>
+                  <a:schemeClr val="accent2"/>
+                </a:solidFill>
+                <a:latin typeface="Lucida Sans Typewriter" panose="020B0509030504030204" pitchFamily="49" charset="0"/>
+                <a:ea typeface="ＭＳ Ｐゴシック" panose="020B0600070205080204" pitchFamily="34" charset="-128"/>
+              </a:rPr>
+              <a:t>x_over_z</a:t>
+            </a:r>
+            <a:r>
+              <a:rPr lang="en-US" altLang="en-US" sz="1300" dirty="0">
+                <a:solidFill>
+                  <a:schemeClr val="accent2"/>
+                </a:solidFill>
+                <a:latin typeface="Lucida Sans Typewriter" panose="020B0509030504030204" pitchFamily="49" charset="0"/>
+                <a:ea typeface="ＭＳ Ｐゴシック" panose="020B0600070205080204" pitchFamily="34" charset="-128"/>
+              </a:rPr>
+              <a:t> = x / z  # Note that both x and z are int</a:t>
+            </a:r>
+          </a:p>
+          <a:p>
+            <a:pPr marL="0" indent="0">
+              <a:buNone/>
+            </a:pPr>
+            <a:r>
+              <a:rPr lang="en-US" altLang="en-US" sz="1300" dirty="0">
+                <a:solidFill>
+                  <a:schemeClr val="accent2"/>
+                </a:solidFill>
+                <a:latin typeface="Lucida Sans Typewriter" panose="020B0509030504030204" pitchFamily="49" charset="0"/>
+                <a:ea typeface="ＭＳ Ｐゴシック" panose="020B0600070205080204" pitchFamily="34" charset="-128"/>
+              </a:rPr>
+              <a:t>&gt;&gt;&gt; </a:t>
+            </a:r>
+            <a:r>
+              <a:rPr lang="en-US" altLang="en-US" sz="1300" dirty="0" err="1">
+                <a:solidFill>
+                  <a:schemeClr val="accent2"/>
+                </a:solidFill>
+                <a:latin typeface="Lucida Sans Typewriter" panose="020B0509030504030204" pitchFamily="49" charset="0"/>
+                <a:ea typeface="ＭＳ Ｐゴシック" panose="020B0600070205080204" pitchFamily="34" charset="-128"/>
+              </a:rPr>
+              <a:t>x_over_z</a:t>
+            </a:r>
+            <a:endParaRPr lang="en-US" altLang="en-US" sz="1300" dirty="0">
+              <a:solidFill>
+                <a:schemeClr val="accent2"/>
+              </a:solidFill>
+              <a:latin typeface="Lucida Sans Typewriter" panose="020B0509030504030204" pitchFamily="49" charset="0"/>
+              <a:ea typeface="ＭＳ Ｐゴシック" panose="020B0600070205080204" pitchFamily="34" charset="-128"/>
+            </a:endParaRPr>
+          </a:p>
+          <a:p>
+            <a:pPr marL="0" indent="0">
+              <a:buNone/>
+            </a:pPr>
+            <a:r>
+              <a:rPr lang="en-US" altLang="en-US" sz="1300" dirty="0">
+                <a:solidFill>
+                  <a:schemeClr val="accent2"/>
+                </a:solidFill>
+                <a:latin typeface="Lucida Sans Typewriter" panose="020B0509030504030204" pitchFamily="49" charset="0"/>
+                <a:ea typeface="ＭＳ Ｐゴシック" panose="020B0600070205080204" pitchFamily="34" charset="-128"/>
+              </a:rPr>
+              <a:t>10.5</a:t>
+            </a:r>
+          </a:p>
+          <a:p>
+            <a:pPr marL="0" indent="0">
+              <a:buNone/>
+            </a:pPr>
+            <a:r>
+              <a:rPr lang="en-US" altLang="en-US" sz="1300" dirty="0">
+                <a:solidFill>
+                  <a:schemeClr val="accent2"/>
+                </a:solidFill>
+                <a:latin typeface="Lucida Sans Typewriter" panose="020B0509030504030204" pitchFamily="49" charset="0"/>
+                <a:ea typeface="ＭＳ Ｐゴシック" panose="020B0600070205080204" pitchFamily="34" charset="-128"/>
+              </a:rPr>
+              <a:t>&gt;&gt;&gt; type(</a:t>
+            </a:r>
+            <a:r>
+              <a:rPr lang="en-US" altLang="en-US" sz="1300" dirty="0" err="1">
+                <a:solidFill>
+                  <a:schemeClr val="accent2"/>
+                </a:solidFill>
+                <a:latin typeface="Lucida Sans Typewriter" panose="020B0509030504030204" pitchFamily="49" charset="0"/>
+                <a:ea typeface="ＭＳ Ｐゴシック" panose="020B0600070205080204" pitchFamily="34" charset="-128"/>
+              </a:rPr>
+              <a:t>x_over_z</a:t>
+            </a:r>
+            <a:r>
+              <a:rPr lang="en-US" altLang="en-US" sz="1300" dirty="0">
+                <a:solidFill>
+                  <a:schemeClr val="accent2"/>
+                </a:solidFill>
+                <a:latin typeface="Lucida Sans Typewriter" panose="020B0509030504030204" pitchFamily="49" charset="0"/>
+                <a:ea typeface="ＭＳ Ｐゴシック" panose="020B0600070205080204" pitchFamily="34" charset="-128"/>
+              </a:rPr>
+              <a:t>)</a:t>
+            </a:r>
+          </a:p>
+          <a:p>
+            <a:pPr marL="0" indent="0">
+              <a:buNone/>
+            </a:pPr>
+            <a:r>
+              <a:rPr lang="en-US" altLang="en-US" sz="1300" dirty="0">
+                <a:solidFill>
+                  <a:schemeClr val="accent2"/>
+                </a:solidFill>
+                <a:latin typeface="Lucida Sans Typewriter" panose="020B0509030504030204" pitchFamily="49" charset="0"/>
+                <a:ea typeface="ＭＳ Ｐゴシック" panose="020B0600070205080204" pitchFamily="34" charset="-128"/>
+              </a:rPr>
+              <a:t>&lt;class ‘float’&gt;</a:t>
+            </a:r>
+          </a:p>
+          <a:p>
+            <a:pPr marL="0" indent="0">
               <a:buFont typeface="Symbol" panose="05050102010706020507" pitchFamily="18" charset="2"/>
               <a:buNone/>
             </a:pPr>
-            <a:r>
-              <a:rPr lang="en-US" altLang="en-US" sz="2400" dirty="0">
-                <a:latin typeface="Courier New" panose="02070309020205020404" pitchFamily="49" charset="0"/>
-                <a:ea typeface="ＭＳ Ｐゴシック" panose="020B0600070205080204" pitchFamily="34" charset="-128"/>
-                <a:cs typeface="Courier New" panose="02070309020205020404" pitchFamily="49" charset="0"/>
-              </a:rPr>
-              <a:t>&gt;&gt;&gt; x + y</a:t>
-            </a:r>
-          </a:p>
-          <a:p>
-            <a:pPr marL="0" indent="0">
-              <a:buFont typeface="Symbol" panose="05050102010706020507" pitchFamily="18" charset="2"/>
-              <a:buNone/>
-            </a:pPr>
-            <a:r>
-              <a:rPr lang="en-US" altLang="en-US" sz="2400" dirty="0">
-                <a:latin typeface="Courier New" panose="02070309020205020404" pitchFamily="49" charset="0"/>
-                <a:ea typeface="ＭＳ Ｐゴシック" panose="020B0600070205080204" pitchFamily="34" charset="-128"/>
-                <a:cs typeface="Courier New" panose="02070309020205020404" pitchFamily="49" charset="0"/>
-              </a:rPr>
-              <a:t>&gt;&gt;&gt; 84.0</a:t>
-            </a:r>
-          </a:p>
-          <a:p>
-            <a:pPr marL="0" indent="0">
-              <a:buFont typeface="Symbol" panose="05050102010706020507" pitchFamily="18" charset="2"/>
-              <a:buNone/>
-            </a:pPr>
-            <a:r>
-              <a:rPr lang="en-US" altLang="en-US" sz="2400" dirty="0">
-                <a:latin typeface="Courier New" panose="02070309020205020404" pitchFamily="49" charset="0"/>
-                <a:ea typeface="ＭＳ Ｐゴシック" panose="020B0600070205080204" pitchFamily="34" charset="-128"/>
-                <a:cs typeface="Courier New" panose="02070309020205020404" pitchFamily="49" charset="0"/>
-              </a:rPr>
-              <a:t>&gt;&gt;&gt; z = 4</a:t>
-            </a:r>
-          </a:p>
-          <a:p>
-            <a:pPr marL="0" indent="0">
-              <a:buFont typeface="Symbol" panose="05050102010706020507" pitchFamily="18" charset="2"/>
-              <a:buNone/>
-            </a:pPr>
-            <a:r>
-              <a:rPr lang="en-US" altLang="en-US" sz="2400" dirty="0">
-                <a:latin typeface="Courier New" panose="02070309020205020404" pitchFamily="49" charset="0"/>
-                <a:ea typeface="ＭＳ Ｐゴシック" panose="020B0600070205080204" pitchFamily="34" charset="-128"/>
-                <a:cs typeface="Courier New" panose="02070309020205020404" pitchFamily="49" charset="0"/>
-              </a:rPr>
-              <a:t>&gt;&gt;&gt; </a:t>
-            </a:r>
-            <a:r>
-              <a:rPr lang="en-US" altLang="en-US" sz="2400" dirty="0" err="1">
-                <a:latin typeface="Courier New" panose="02070309020205020404" pitchFamily="49" charset="0"/>
-                <a:ea typeface="ＭＳ Ｐゴシック" panose="020B0600070205080204" pitchFamily="34" charset="-128"/>
-                <a:cs typeface="Courier New" panose="02070309020205020404" pitchFamily="49" charset="0"/>
-              </a:rPr>
-              <a:t>x_over_z</a:t>
-            </a:r>
-            <a:r>
-              <a:rPr lang="en-US" altLang="en-US" sz="2400" dirty="0">
-                <a:latin typeface="Courier New" panose="02070309020205020404" pitchFamily="49" charset="0"/>
-                <a:ea typeface="ＭＳ Ｐゴシック" panose="020B0600070205080204" pitchFamily="34" charset="-128"/>
-                <a:cs typeface="Courier New" panose="02070309020205020404" pitchFamily="49" charset="0"/>
-              </a:rPr>
-              <a:t> = x / z  # Note that both x and z are int</a:t>
-            </a:r>
-          </a:p>
-          <a:p>
-            <a:pPr marL="0" indent="0">
-              <a:buFont typeface="Symbol" panose="05050102010706020507" pitchFamily="18" charset="2"/>
-              <a:buNone/>
-            </a:pPr>
-            <a:r>
-              <a:rPr lang="en-US" altLang="en-US" sz="2400" dirty="0">
-                <a:latin typeface="Courier New" panose="02070309020205020404" pitchFamily="49" charset="0"/>
-                <a:ea typeface="ＭＳ Ｐゴシック" panose="020B0600070205080204" pitchFamily="34" charset="-128"/>
-                <a:cs typeface="Courier New" panose="02070309020205020404" pitchFamily="49" charset="0"/>
-              </a:rPr>
-              <a:t>&gt;&gt;&gt; </a:t>
-            </a:r>
-            <a:r>
-              <a:rPr lang="en-US" altLang="en-US" sz="2400" dirty="0" err="1">
-                <a:latin typeface="Courier New" panose="02070309020205020404" pitchFamily="49" charset="0"/>
-                <a:ea typeface="ＭＳ Ｐゴシック" panose="020B0600070205080204" pitchFamily="34" charset="-128"/>
-                <a:cs typeface="Courier New" panose="02070309020205020404" pitchFamily="49" charset="0"/>
-              </a:rPr>
-              <a:t>x_over_z</a:t>
-            </a:r>
             <a:endParaRPr lang="en-US" altLang="en-US" sz="2400" dirty="0">
               <a:latin typeface="Courier New" panose="02070309020205020404" pitchFamily="49" charset="0"/>
               <a:ea typeface="ＭＳ Ｐゴシック" panose="020B0600070205080204" pitchFamily="34" charset="-128"/>
@@ -7757,99 +7989,43 @@
           </a:p>
           <a:p>
             <a:pPr marL="0" indent="0">
-              <a:buFont typeface="Symbol" panose="05050102010706020507" pitchFamily="18" charset="2"/>
-              <a:buNone/>
-            </a:pPr>
-            <a:r>
-              <a:rPr lang="en-US" altLang="en-US" sz="2400" dirty="0">
-                <a:latin typeface="Courier New" panose="02070309020205020404" pitchFamily="49" charset="0"/>
-                <a:ea typeface="ＭＳ Ｐゴシック" panose="020B0600070205080204" pitchFamily="34" charset="-128"/>
-                <a:cs typeface="Courier New" panose="02070309020205020404" pitchFamily="49" charset="0"/>
-              </a:rPr>
-              <a:t>10.5</a:t>
-            </a:r>
-          </a:p>
-          <a:p>
-            <a:pPr marL="0" indent="0">
-              <a:buFont typeface="Symbol" panose="05050102010706020507" pitchFamily="18" charset="2"/>
-              <a:buNone/>
-            </a:pPr>
-            <a:r>
-              <a:rPr lang="en-US" altLang="en-US" sz="2400" dirty="0">
-                <a:latin typeface="Courier New" panose="02070309020205020404" pitchFamily="49" charset="0"/>
-                <a:ea typeface="ＭＳ Ｐゴシック" panose="020B0600070205080204" pitchFamily="34" charset="-128"/>
-                <a:cs typeface="Courier New" panose="02070309020205020404" pitchFamily="49" charset="0"/>
-              </a:rPr>
-              <a:t>&gt;&gt;&gt; type(</a:t>
-            </a:r>
-            <a:r>
-              <a:rPr lang="en-US" altLang="en-US" sz="2400" dirty="0" err="1">
-                <a:latin typeface="Courier New" panose="02070309020205020404" pitchFamily="49" charset="0"/>
-                <a:ea typeface="ＭＳ Ｐゴシック" panose="020B0600070205080204" pitchFamily="34" charset="-128"/>
-                <a:cs typeface="Courier New" panose="02070309020205020404" pitchFamily="49" charset="0"/>
-              </a:rPr>
-              <a:t>x_over_z</a:t>
-            </a:r>
-            <a:r>
-              <a:rPr lang="en-US" altLang="en-US" sz="2400" dirty="0">
-                <a:latin typeface="Courier New" panose="02070309020205020404" pitchFamily="49" charset="0"/>
-                <a:ea typeface="ＭＳ Ｐゴシック" panose="020B0600070205080204" pitchFamily="34" charset="-128"/>
-                <a:cs typeface="Courier New" panose="02070309020205020404" pitchFamily="49" charset="0"/>
-              </a:rPr>
-              <a:t>)</a:t>
-            </a:r>
-          </a:p>
-          <a:p>
-            <a:pPr marL="0" indent="0">
-              <a:buFont typeface="Symbol" panose="05050102010706020507" pitchFamily="18" charset="2"/>
-              <a:buNone/>
-            </a:pPr>
-            <a:r>
-              <a:rPr lang="en-US" altLang="en-US" sz="2400" dirty="0">
-                <a:latin typeface="Courier New" panose="02070309020205020404" pitchFamily="49" charset="0"/>
-                <a:ea typeface="ＭＳ Ｐゴシック" panose="020B0600070205080204" pitchFamily="34" charset="-128"/>
-                <a:cs typeface="Courier New" panose="02070309020205020404" pitchFamily="49" charset="0"/>
-              </a:rPr>
-              <a:t>&lt;class ‘float’&gt;</a:t>
-            </a:r>
-          </a:p>
-          <a:p>
-            <a:pPr marL="0" indent="0">
-              <a:buFont typeface="Symbol" panose="05050102010706020507" pitchFamily="18" charset="2"/>
-              <a:buNone/>
-            </a:pPr>
-            <a:endParaRPr lang="en-US" altLang="en-US" sz="2400" dirty="0">
-              <a:latin typeface="Courier New" panose="02070309020205020404" pitchFamily="49" charset="0"/>
-              <a:ea typeface="ＭＳ Ｐゴシック" panose="020B0600070205080204" pitchFamily="34" charset="-128"/>
-              <a:cs typeface="Courier New" panose="02070309020205020404" pitchFamily="49" charset="0"/>
-            </a:endParaRPr>
-          </a:p>
-          <a:p>
-            <a:pPr marL="0" indent="0">
-              <a:buFont typeface="Symbol" panose="05050102010706020507" pitchFamily="18" charset="2"/>
-              <a:buNone/>
-            </a:pPr>
-            <a:r>
-              <a:rPr lang="en-US" altLang="en-US" sz="2400" dirty="0">
-                <a:latin typeface="Courier New" panose="02070309020205020404" pitchFamily="49" charset="0"/>
-                <a:ea typeface="ＭＳ Ｐゴシック" panose="020B0600070205080204" pitchFamily="34" charset="-128"/>
-                <a:cs typeface="Courier New" panose="02070309020205020404" pitchFamily="49" charset="0"/>
+              <a:lnSpc>
+                <a:spcPct val="110000"/>
+              </a:lnSpc>
+              <a:buNone/>
+            </a:pPr>
+            <a:r>
+              <a:rPr lang="en-US" altLang="en-US" sz="2300" dirty="0">
+                <a:ea typeface="ＭＳ Ｐゴシック" panose="020B0600070205080204" pitchFamily="34" charset="-128"/>
               </a:rPr>
               <a:t>One of the differences between Python 2 and 3.</a:t>
             </a:r>
           </a:p>
           <a:p>
             <a:pPr marL="0" indent="0">
-              <a:buFont typeface="Symbol" panose="05050102010706020507" pitchFamily="18" charset="2"/>
-              <a:buNone/>
-            </a:pPr>
-            <a:r>
-              <a:rPr lang="en-US" altLang="en-US" sz="2400" dirty="0">
-                <a:latin typeface="Courier New" panose="02070309020205020404" pitchFamily="49" charset="0"/>
-                <a:ea typeface="ＭＳ Ｐゴシック" panose="020B0600070205080204" pitchFamily="34" charset="-128"/>
-                <a:cs typeface="Courier New" panose="02070309020205020404" pitchFamily="49" charset="0"/>
-              </a:rPr>
-              <a:t>Use // for integer division</a:t>
+              <a:lnSpc>
+                <a:spcPct val="110000"/>
+              </a:lnSpc>
+              <a:buNone/>
+            </a:pPr>
+            <a:r>
+              <a:rPr lang="en-US" altLang="en-US" sz="2300" dirty="0">
+                <a:ea typeface="ＭＳ Ｐゴシック" panose="020B0600070205080204" pitchFamily="34" charset="-128"/>
+              </a:rPr>
+              <a:t>Use </a:t>
+            </a:r>
+            <a:r>
+              <a:rPr lang="en-US" altLang="en-US" sz="1300" dirty="0">
+                <a:latin typeface="Lucida Sans Typewriter" panose="020B0509030504030204" pitchFamily="49" charset="0"/>
+                <a:ea typeface="ＭＳ Ｐゴシック" panose="020B0600070205080204" pitchFamily="34" charset="-128"/>
+              </a:rPr>
+              <a:t>//</a:t>
+            </a:r>
+            <a:r>
+              <a:rPr lang="en-US" altLang="en-US" sz="2300" dirty="0">
+                <a:ea typeface="ＭＳ Ｐゴシック" panose="020B0600070205080204" pitchFamily="34" charset="-128"/>
+              </a:rPr>
+              <a:t> for integer division</a:t>
             </a:r>
           </a:p>
           <a:p>
@@ -7956,61 +8132,65 @@
         </p:spPr>
         <p:txBody>
           <a:bodyPr>
-            <a:normAutofit fontScale="92500" lnSpcReduction="20000"/>
+            <a:normAutofit/>
           </a:bodyPr>
           <a:lstStyle/>
           <a:p>
             <a:pPr marL="0" indent="0">
-              <a:buFont typeface="Symbol" panose="05050102010706020507" pitchFamily="18" charset="2"/>
-              <a:buNone/>
-            </a:pPr>
-            <a:r>
-              <a:rPr lang="en-US" altLang="en-US" sz="2400" dirty="0">
-                <a:latin typeface="Courier New" panose="02070309020205020404" pitchFamily="49" charset="0"/>
-                <a:ea typeface="ＭＳ Ｐゴシック" panose="020B0600070205080204" pitchFamily="34" charset="-128"/>
-                <a:cs typeface="Courier New" panose="02070309020205020404" pitchFamily="49" charset="0"/>
+              <a:buNone/>
+            </a:pPr>
+            <a:r>
+              <a:rPr lang="en-US" altLang="en-US" sz="1300" dirty="0">
+                <a:solidFill>
+                  <a:schemeClr val="accent2"/>
+                </a:solidFill>
+                <a:latin typeface="Lucida Sans Typewriter" panose="020B0509030504030204" pitchFamily="49" charset="0"/>
+                <a:ea typeface="ＭＳ Ｐゴシック" panose="020B0600070205080204" pitchFamily="34" charset="-128"/>
               </a:rPr>
               <a:t>&gt;&gt;&gt; x = 0.1</a:t>
             </a:r>
           </a:p>
           <a:p>
             <a:pPr marL="0" indent="0">
-              <a:buFont typeface="Symbol" panose="05050102010706020507" pitchFamily="18" charset="2"/>
-              <a:buNone/>
-            </a:pPr>
-            <a:r>
-              <a:rPr lang="en-US" altLang="en-US" sz="2400" dirty="0">
-                <a:latin typeface="Courier New" panose="02070309020205020404" pitchFamily="49" charset="0"/>
-                <a:ea typeface="ＭＳ Ｐゴシック" panose="020B0600070205080204" pitchFamily="34" charset="-128"/>
-                <a:cs typeface="Courier New" panose="02070309020205020404" pitchFamily="49" charset="0"/>
+              <a:buNone/>
+            </a:pPr>
+            <a:r>
+              <a:rPr lang="en-US" altLang="en-US" sz="1300" dirty="0">
+                <a:solidFill>
+                  <a:schemeClr val="accent2"/>
+                </a:solidFill>
+                <a:latin typeface="Lucida Sans Typewriter" panose="020B0509030504030204" pitchFamily="49" charset="0"/>
+                <a:ea typeface="ＭＳ Ｐゴシック" panose="020B0600070205080204" pitchFamily="34" charset="-128"/>
               </a:rPr>
               <a:t>&gt;&gt;&gt; y = 0.2</a:t>
             </a:r>
           </a:p>
           <a:p>
             <a:pPr marL="0" indent="0">
-              <a:buFont typeface="Symbol" panose="05050102010706020507" pitchFamily="18" charset="2"/>
-              <a:buNone/>
-            </a:pPr>
-            <a:r>
-              <a:rPr lang="en-US" altLang="en-US" sz="2400" dirty="0">
-                <a:latin typeface="Courier New" panose="02070309020205020404" pitchFamily="49" charset="0"/>
-                <a:ea typeface="ＭＳ Ｐゴシック" panose="020B0600070205080204" pitchFamily="34" charset="-128"/>
-                <a:cs typeface="Courier New" panose="02070309020205020404" pitchFamily="49" charset="0"/>
+              <a:buNone/>
+            </a:pPr>
+            <a:r>
+              <a:rPr lang="en-US" altLang="en-US" sz="1300" dirty="0">
+                <a:solidFill>
+                  <a:schemeClr val="accent2"/>
+                </a:solidFill>
+                <a:latin typeface="Lucida Sans Typewriter" panose="020B0509030504030204" pitchFamily="49" charset="0"/>
+                <a:ea typeface="ＭＳ Ｐゴシック" panose="020B0600070205080204" pitchFamily="34" charset="-128"/>
               </a:rPr>
               <a:t>&gt;&gt;&gt; x + y</a:t>
             </a:r>
           </a:p>
           <a:p>
             <a:pPr marL="0" indent="0">
-              <a:buFont typeface="Symbol" panose="05050102010706020507" pitchFamily="18" charset="2"/>
-              <a:buNone/>
-            </a:pPr>
-            <a:r>
-              <a:rPr lang="en-US" altLang="en-US" sz="2400" dirty="0">
-                <a:latin typeface="Courier New" panose="02070309020205020404" pitchFamily="49" charset="0"/>
-                <a:ea typeface="ＭＳ Ｐゴシック" panose="020B0600070205080204" pitchFamily="34" charset="-128"/>
-                <a:cs typeface="Courier New" panose="02070309020205020404" pitchFamily="49" charset="0"/>
+              <a:buNone/>
+            </a:pPr>
+            <a:r>
+              <a:rPr lang="en-US" altLang="en-US" sz="1300" dirty="0">
+                <a:solidFill>
+                  <a:schemeClr val="accent2"/>
+                </a:solidFill>
+                <a:latin typeface="Lucida Sans Typewriter" panose="020B0509030504030204" pitchFamily="49" charset="0"/>
+                <a:ea typeface="ＭＳ Ｐゴシック" panose="020B0600070205080204" pitchFamily="34" charset="-128"/>
               </a:rPr>
               <a:t>&gt;&gt;&gt; 0.30000000000000004</a:t>
             </a:r>
@@ -8028,14 +8208,14 @@
           </a:p>
           <a:p>
             <a:pPr marL="0" indent="0">
-              <a:buFont typeface="Symbol" panose="05050102010706020507" pitchFamily="18" charset="2"/>
-              <a:buNone/>
-            </a:pPr>
-            <a:r>
-              <a:rPr lang="en-US" altLang="en-US" sz="2400" dirty="0">
-                <a:latin typeface="Courier New" panose="02070309020205020404" pitchFamily="49" charset="0"/>
-                <a:ea typeface="ＭＳ Ｐゴシック" panose="020B0600070205080204" pitchFamily="34" charset="-128"/>
-                <a:cs typeface="Courier New" panose="02070309020205020404" pitchFamily="49" charset="0"/>
+              <a:lnSpc>
+                <a:spcPct val="110000"/>
+              </a:lnSpc>
+              <a:buNone/>
+            </a:pPr>
+            <a:r>
+              <a:rPr lang="en-US" altLang="en-US" sz="2300" dirty="0">
+                <a:ea typeface="ＭＳ Ｐゴシック" panose="020B0600070205080204" pitchFamily="34" charset="-128"/>
               </a:rPr>
               <a:t>???</a:t>
             </a:r>
@@ -8155,58 +8335,58 @@
         </p:spPr>
         <p:txBody>
           <a:bodyPr>
-            <a:normAutofit fontScale="92500"/>
+            <a:normAutofit fontScale="92500" lnSpcReduction="10000"/>
           </a:bodyPr>
           <a:lstStyle/>
           <a:p>
             <a:pPr marL="0" indent="0">
-              <a:buFont typeface="Symbol" panose="05050102010706020507" pitchFamily="18" charset="2"/>
-              <a:buNone/>
-            </a:pPr>
-            <a:r>
-              <a:rPr lang="en-US" altLang="en-US" sz="2400" dirty="0">
-                <a:latin typeface="Courier New" panose="02070309020205020404" pitchFamily="49" charset="0"/>
-                <a:ea typeface="ＭＳ Ｐゴシック" panose="020B0600070205080204" pitchFamily="34" charset="-128"/>
-                <a:cs typeface="Courier New" panose="02070309020205020404" pitchFamily="49" charset="0"/>
+              <a:lnSpc>
+                <a:spcPct val="110000"/>
+              </a:lnSpc>
+              <a:buNone/>
+            </a:pPr>
+            <a:r>
+              <a:rPr lang="en-US" altLang="en-US" sz="2500" dirty="0">
+                <a:ea typeface="ＭＳ Ｐゴシック" panose="020B0600070205080204" pitchFamily="34" charset="-128"/>
               </a:rPr>
               <a:t>Let’s use what we’ve learned so far to solve a fun problem.</a:t>
             </a:r>
           </a:p>
           <a:p>
             <a:pPr marL="0" indent="0">
-              <a:buFont typeface="Symbol" panose="05050102010706020507" pitchFamily="18" charset="2"/>
-              <a:buNone/>
-            </a:pPr>
-            <a:endParaRPr lang="en-US" altLang="en-US" sz="2400" dirty="0">
-              <a:latin typeface="Courier New" panose="02070309020205020404" pitchFamily="49" charset="0"/>
+              <a:lnSpc>
+                <a:spcPct val="110000"/>
+              </a:lnSpc>
+              <a:buNone/>
+            </a:pPr>
+            <a:endParaRPr lang="en-US" altLang="en-US" sz="2500" dirty="0">
               <a:ea typeface="ＭＳ Ｐゴシック" panose="020B0600070205080204" pitchFamily="34" charset="-128"/>
-              <a:cs typeface="Courier New" panose="02070309020205020404" pitchFamily="49" charset="0"/>
             </a:endParaRPr>
           </a:p>
           <a:p>
             <a:pPr marL="0" indent="0">
-              <a:buFont typeface="Symbol" panose="05050102010706020507" pitchFamily="18" charset="2"/>
-              <a:buNone/>
-            </a:pPr>
-            <a:r>
-              <a:rPr lang="en-US" altLang="en-US" sz="2400" dirty="0">
-                <a:latin typeface="Courier New" panose="02070309020205020404" pitchFamily="49" charset="0"/>
-                <a:ea typeface="ＭＳ Ｐゴシック" panose="020B0600070205080204" pitchFamily="34" charset="-128"/>
-                <a:cs typeface="Courier New" panose="02070309020205020404" pitchFamily="49" charset="0"/>
+              <a:lnSpc>
+                <a:spcPct val="110000"/>
+              </a:lnSpc>
+              <a:buNone/>
+            </a:pPr>
+            <a:r>
+              <a:rPr lang="en-US" altLang="en-US" sz="2500" dirty="0">
+                <a:ea typeface="ＭＳ Ｐゴシック" panose="020B0600070205080204" pitchFamily="34" charset="-128"/>
               </a:rPr>
               <a:t>Exercise 1.4</a:t>
             </a:r>
           </a:p>
           <a:p>
             <a:pPr marL="0" indent="0">
-              <a:buFont typeface="Symbol" panose="05050102010706020507" pitchFamily="18" charset="2"/>
-              <a:buNone/>
-            </a:pPr>
-            <a:r>
-              <a:rPr lang="en-US" altLang="en-US" sz="2400" dirty="0">
-                <a:latin typeface="Courier New" panose="02070309020205020404" pitchFamily="49" charset="0"/>
-                <a:ea typeface="ＭＳ Ｐゴシック" panose="020B0600070205080204" pitchFamily="34" charset="-128"/>
-                <a:cs typeface="Courier New" panose="02070309020205020404" pitchFamily="49" charset="0"/>
+              <a:lnSpc>
+                <a:spcPct val="110000"/>
+              </a:lnSpc>
+              <a:buNone/>
+            </a:pPr>
+            <a:r>
+              <a:rPr lang="en-US" altLang="en-US" sz="2500" dirty="0">
+                <a:ea typeface="ＭＳ Ｐゴシック" panose="020B0600070205080204" pitchFamily="34" charset="-128"/>
               </a:rPr>
               <a:t>How many times must a sheet of paper (thickness, t = 0.1 mm) be folded to reach the moon (distance from Earth, d = 384,400 km)?</a:t>
             </a:r>
@@ -8337,90 +8517,60 @@
         </p:spPr>
         <p:txBody>
           <a:bodyPr>
-            <a:normAutofit fontScale="92500"/>
+            <a:normAutofit/>
           </a:bodyPr>
           <a:lstStyle/>
           <a:p>
             <a:pPr marL="0" indent="0">
-              <a:buFont typeface="Symbol" panose="05050102010706020507" pitchFamily="18" charset="2"/>
-              <a:buNone/>
-            </a:pPr>
-            <a:r>
-              <a:rPr lang="en-US" altLang="en-US" sz="2400" dirty="0">
-                <a:latin typeface="Courier New" panose="02070309020205020404" pitchFamily="49" charset="0"/>
-                <a:ea typeface="ＭＳ Ｐゴシック" panose="020B0600070205080204" pitchFamily="34" charset="-128"/>
-                <a:cs typeface="Courier New" panose="02070309020205020404" pitchFamily="49" charset="0"/>
+              <a:lnSpc>
+                <a:spcPct val="110000"/>
+              </a:lnSpc>
+              <a:buNone/>
+            </a:pPr>
+            <a:r>
+              <a:rPr lang="en-US" altLang="en-US" sz="2500" dirty="0">
+                <a:ea typeface="ＭＳ Ｐゴシック" panose="020B0600070205080204" pitchFamily="34" charset="-128"/>
               </a:rPr>
               <a:t>We’ve used the math module quite a bit so far.</a:t>
             </a:r>
           </a:p>
           <a:p>
             <a:pPr marL="0" indent="0">
-              <a:buFont typeface="Symbol" panose="05050102010706020507" pitchFamily="18" charset="2"/>
-              <a:buNone/>
-            </a:pPr>
-            <a:r>
-              <a:rPr lang="en-US" altLang="en-US" sz="2400" dirty="0">
-                <a:latin typeface="Courier New" panose="02070309020205020404" pitchFamily="49" charset="0"/>
-                <a:ea typeface="ＭＳ Ｐゴシック" panose="020B0600070205080204" pitchFamily="34" charset="-128"/>
-                <a:cs typeface="Courier New" panose="02070309020205020404" pitchFamily="49" charset="0"/>
-              </a:rPr>
-              <a:t>How do we package what </a:t>
-            </a:r>
-            <a:r>
-              <a:rPr lang="en-US" altLang="en-US" sz="2400" b="1" dirty="0">
-                <a:latin typeface="Courier New" panose="02070309020205020404" pitchFamily="49" charset="0"/>
-                <a:ea typeface="ＭＳ Ｐゴシック" panose="020B0600070205080204" pitchFamily="34" charset="-128"/>
-                <a:cs typeface="Courier New" panose="02070309020205020404" pitchFamily="49" charset="0"/>
-              </a:rPr>
-              <a:t>we</a:t>
-            </a:r>
-            <a:r>
-              <a:rPr lang="en-US" altLang="en-US" sz="2400" dirty="0">
-                <a:latin typeface="Courier New" panose="02070309020205020404" pitchFamily="49" charset="0"/>
-                <a:ea typeface="ＭＳ Ｐゴシック" panose="020B0600070205080204" pitchFamily="34" charset="-128"/>
-                <a:cs typeface="Courier New" panose="02070309020205020404" pitchFamily="49" charset="0"/>
-              </a:rPr>
-              <a:t> just wrote so others can use it?</a:t>
-            </a:r>
-          </a:p>
-          <a:p>
-            <a:pPr marL="0" indent="0">
-              <a:buFont typeface="Symbol" panose="05050102010706020507" pitchFamily="18" charset="2"/>
-              <a:buNone/>
-            </a:pPr>
-            <a:endParaRPr lang="en-US" altLang="en-US" sz="2400" dirty="0">
-              <a:latin typeface="Courier New" panose="02070309020205020404" pitchFamily="49" charset="0"/>
+              <a:lnSpc>
+                <a:spcPct val="110000"/>
+              </a:lnSpc>
+              <a:buNone/>
+            </a:pPr>
+            <a:r>
+              <a:rPr lang="en-US" altLang="en-US" sz="2500" dirty="0">
+                <a:ea typeface="ＭＳ Ｐゴシック" panose="020B0600070205080204" pitchFamily="34" charset="-128"/>
+              </a:rPr>
+              <a:t>How do we package what we just wrote so others can use it?</a:t>
+            </a:r>
+          </a:p>
+          <a:p>
+            <a:pPr marL="0" indent="0">
+              <a:lnSpc>
+                <a:spcPct val="110000"/>
+              </a:lnSpc>
+              <a:buNone/>
+            </a:pPr>
+            <a:endParaRPr lang="en-US" altLang="en-US" sz="2500" dirty="0">
               <a:ea typeface="ＭＳ Ｐゴシック" panose="020B0600070205080204" pitchFamily="34" charset="-128"/>
-              <a:cs typeface="Courier New" panose="02070309020205020404" pitchFamily="49" charset="0"/>
             </a:endParaRPr>
           </a:p>
           <a:p>
             <a:pPr marL="0" indent="0">
-              <a:buFont typeface="Symbol" panose="05050102010706020507" pitchFamily="18" charset="2"/>
-              <a:buNone/>
-            </a:pPr>
-            <a:r>
-              <a:rPr lang="en-US" altLang="en-US" sz="2400" dirty="0">
-                <a:latin typeface="Courier New" panose="02070309020205020404" pitchFamily="49" charset="0"/>
-                <a:ea typeface="ＭＳ Ｐゴシック" panose="020B0600070205080204" pitchFamily="34" charset="-128"/>
-                <a:cs typeface="Courier New" panose="02070309020205020404" pitchFamily="49" charset="0"/>
-              </a:rPr>
-              <a:t>A brief aside on functions/modules</a:t>
-            </a:r>
-          </a:p>
-          <a:p>
-            <a:pPr marL="0" indent="0">
-              <a:buFont typeface="Symbol" panose="05050102010706020507" pitchFamily="18" charset="2"/>
-              <a:buNone/>
-            </a:pPr>
-            <a:r>
-              <a:rPr lang="en-US" altLang="en-US" sz="2400" dirty="0">
-                <a:latin typeface="Courier New" panose="02070309020205020404" pitchFamily="49" charset="0"/>
-                <a:ea typeface="ＭＳ Ｐゴシック" panose="020B0600070205080204" pitchFamily="34" charset="-128"/>
-                <a:cs typeface="Courier New" panose="02070309020205020404" pitchFamily="49" charset="0"/>
-              </a:rPr>
-              <a:t>We’ll get into a lot more depth later!</a:t>
+              <a:lnSpc>
+                <a:spcPct val="110000"/>
+              </a:lnSpc>
+              <a:buNone/>
+            </a:pPr>
+            <a:r>
+              <a:rPr lang="en-US" altLang="en-US" sz="2500" dirty="0">
+                <a:ea typeface="ＭＳ Ｐゴシック" panose="020B0600070205080204" pitchFamily="34" charset="-128"/>
+              </a:rPr>
+              <a:t>A brief aside on functions/modules - we’ll get into a lot more depth later!</a:t>
             </a:r>
           </a:p>
           <a:p>
@@ -8528,8 +8678,8 @@
         </p:nvSpPr>
         <p:spPr>
           <a:xfrm>
-            <a:off x="838200" y="2893498"/>
-            <a:ext cx="10515600" cy="3391817"/>
+            <a:off x="838200" y="2893499"/>
+            <a:ext cx="10515600" cy="2576124"/>
           </a:xfrm>
         </p:spPr>
         <p:txBody>
@@ -8539,108 +8689,162 @@
           <a:lstStyle/>
           <a:p>
             <a:pPr marL="0" indent="0">
-              <a:buNone/>
-            </a:pPr>
-            <a:r>
-              <a:rPr lang="en-US" sz="1400" dirty="0">
-                <a:latin typeface="Courier New" panose="02070309020205020404" pitchFamily="49" charset="0"/>
-                <a:cs typeface="Courier New" panose="02070309020205020404" pitchFamily="49" charset="0"/>
+              <a:lnSpc>
+                <a:spcPct val="70000"/>
+              </a:lnSpc>
+              <a:buNone/>
+            </a:pPr>
+            <a:r>
+              <a:rPr lang="en-US" sz="1200" dirty="0">
+                <a:solidFill>
+                  <a:schemeClr val="accent2"/>
+                </a:solidFill>
+                <a:latin typeface="Lucida Sans Typewriter" panose="020B0509030504030204" pitchFamily="49" charset="0"/>
+                <a:ea typeface="ＭＳ Ｐゴシック" panose="020B0600070205080204" pitchFamily="34" charset="-128"/>
               </a:rPr>
               <a:t>C:\Users\Vineet Bansal&gt;python</a:t>
             </a:r>
           </a:p>
           <a:p>
             <a:pPr marL="0" indent="0">
-              <a:buNone/>
-            </a:pPr>
-            <a:r>
-              <a:rPr lang="en-US" sz="1400" dirty="0">
-                <a:latin typeface="Courier New" panose="02070309020205020404" pitchFamily="49" charset="0"/>
-                <a:cs typeface="Courier New" panose="02070309020205020404" pitchFamily="49" charset="0"/>
+              <a:lnSpc>
+                <a:spcPct val="70000"/>
+              </a:lnSpc>
+              <a:buNone/>
+            </a:pPr>
+            <a:r>
+              <a:rPr lang="en-US" sz="1200" dirty="0">
+                <a:solidFill>
+                  <a:schemeClr val="accent2"/>
+                </a:solidFill>
+                <a:latin typeface="Lucida Sans Typewriter" panose="020B0509030504030204" pitchFamily="49" charset="0"/>
+                <a:ea typeface="ＭＳ Ｐゴシック" panose="020B0600070205080204" pitchFamily="34" charset="-128"/>
               </a:rPr>
               <a:t>Python 3.6.3 |Anaconda custom (64-bit)| (default, Oct 15 2017, 03:27:45) [MSC v.1900 64 bit (AMD64)] on win32</a:t>
             </a:r>
           </a:p>
           <a:p>
             <a:pPr marL="0" indent="0">
-              <a:buNone/>
-            </a:pPr>
-            <a:r>
-              <a:rPr lang="en-US" sz="1400" dirty="0">
-                <a:latin typeface="Courier New" panose="02070309020205020404" pitchFamily="49" charset="0"/>
-                <a:cs typeface="Courier New" panose="02070309020205020404" pitchFamily="49" charset="0"/>
+              <a:lnSpc>
+                <a:spcPct val="70000"/>
+              </a:lnSpc>
+              <a:buNone/>
+            </a:pPr>
+            <a:r>
+              <a:rPr lang="en-US" sz="1200" dirty="0">
+                <a:solidFill>
+                  <a:schemeClr val="accent2"/>
+                </a:solidFill>
+                <a:latin typeface="Lucida Sans Typewriter" panose="020B0509030504030204" pitchFamily="49" charset="0"/>
+                <a:ea typeface="ＭＳ Ｐゴシック" panose="020B0600070205080204" pitchFamily="34" charset="-128"/>
               </a:rPr>
               <a:t>Type "help", "copyright", "credits" or "license" for more information.</a:t>
             </a:r>
           </a:p>
           <a:p>
             <a:pPr marL="0" indent="0">
-              <a:buNone/>
-            </a:pPr>
-            <a:r>
-              <a:rPr lang="en-US" sz="1400" dirty="0">
-                <a:latin typeface="Courier New" panose="02070309020205020404" pitchFamily="49" charset="0"/>
-                <a:cs typeface="Courier New" panose="02070309020205020404" pitchFamily="49" charset="0"/>
+              <a:lnSpc>
+                <a:spcPct val="70000"/>
+              </a:lnSpc>
+              <a:buNone/>
+            </a:pPr>
+            <a:r>
+              <a:rPr lang="en-US" sz="1200" dirty="0">
+                <a:solidFill>
+                  <a:schemeClr val="accent2"/>
+                </a:solidFill>
+                <a:latin typeface="Lucida Sans Typewriter" panose="020B0509030504030204" pitchFamily="49" charset="0"/>
+                <a:ea typeface="ＭＳ Ｐゴシック" panose="020B0600070205080204" pitchFamily="34" charset="-128"/>
               </a:rPr>
               <a:t>&gt;&gt;&gt; print('hello world')</a:t>
             </a:r>
           </a:p>
           <a:p>
             <a:pPr marL="0" indent="0">
-              <a:buNone/>
-            </a:pPr>
-            <a:r>
-              <a:rPr lang="en-US" sz="1400" dirty="0">
-                <a:latin typeface="Courier New" panose="02070309020205020404" pitchFamily="49" charset="0"/>
-                <a:cs typeface="Courier New" panose="02070309020205020404" pitchFamily="49" charset="0"/>
+              <a:lnSpc>
+                <a:spcPct val="70000"/>
+              </a:lnSpc>
+              <a:buNone/>
+            </a:pPr>
+            <a:r>
+              <a:rPr lang="en-US" sz="1200" dirty="0">
+                <a:solidFill>
+                  <a:schemeClr val="accent2"/>
+                </a:solidFill>
+                <a:latin typeface="Lucida Sans Typewriter" panose="020B0509030504030204" pitchFamily="49" charset="0"/>
+                <a:ea typeface="ＭＳ Ｐゴシック" panose="020B0600070205080204" pitchFamily="34" charset="-128"/>
               </a:rPr>
               <a:t>hello world</a:t>
             </a:r>
           </a:p>
           <a:p>
             <a:pPr marL="0" indent="0">
-              <a:buNone/>
-            </a:pPr>
-            <a:r>
-              <a:rPr lang="en-US" sz="1400" dirty="0">
-                <a:latin typeface="Courier New" panose="02070309020205020404" pitchFamily="49" charset="0"/>
-                <a:cs typeface="Courier New" panose="02070309020205020404" pitchFamily="49" charset="0"/>
+              <a:lnSpc>
+                <a:spcPct val="70000"/>
+              </a:lnSpc>
+              <a:buNone/>
+            </a:pPr>
+            <a:r>
+              <a:rPr lang="en-US" sz="1200" dirty="0">
+                <a:solidFill>
+                  <a:schemeClr val="accent2"/>
+                </a:solidFill>
+                <a:latin typeface="Lucida Sans Typewriter" panose="020B0509030504030204" pitchFamily="49" charset="0"/>
+                <a:ea typeface="ＭＳ Ｐゴシック" panose="020B0600070205080204" pitchFamily="34" charset="-128"/>
               </a:rPr>
               <a:t>&gt;&gt;&gt; x = 1</a:t>
             </a:r>
           </a:p>
           <a:p>
             <a:pPr marL="0" indent="0">
-              <a:buNone/>
-            </a:pPr>
-            <a:r>
-              <a:rPr lang="en-US" sz="1400" dirty="0">
-                <a:latin typeface="Courier New" panose="02070309020205020404" pitchFamily="49" charset="0"/>
-                <a:cs typeface="Courier New" panose="02070309020205020404" pitchFamily="49" charset="0"/>
+              <a:lnSpc>
+                <a:spcPct val="70000"/>
+              </a:lnSpc>
+              <a:buNone/>
+            </a:pPr>
+            <a:r>
+              <a:rPr lang="en-US" sz="1200" dirty="0">
+                <a:solidFill>
+                  <a:schemeClr val="accent2"/>
+                </a:solidFill>
+                <a:latin typeface="Lucida Sans Typewriter" panose="020B0509030504030204" pitchFamily="49" charset="0"/>
+                <a:ea typeface="ＭＳ Ｐゴシック" panose="020B0600070205080204" pitchFamily="34" charset="-128"/>
               </a:rPr>
               <a:t>&gt;&gt;&gt; x</a:t>
             </a:r>
           </a:p>
           <a:p>
             <a:pPr marL="0" indent="0">
-              <a:buNone/>
-            </a:pPr>
-            <a:r>
-              <a:rPr lang="en-US" sz="1400" dirty="0">
-                <a:latin typeface="Courier New" panose="02070309020205020404" pitchFamily="49" charset="0"/>
-                <a:cs typeface="Courier New" panose="02070309020205020404" pitchFamily="49" charset="0"/>
+              <a:lnSpc>
+                <a:spcPct val="70000"/>
+              </a:lnSpc>
+              <a:buNone/>
+            </a:pPr>
+            <a:r>
+              <a:rPr lang="en-US" sz="1200" dirty="0">
+                <a:solidFill>
+                  <a:schemeClr val="accent2"/>
+                </a:solidFill>
+                <a:latin typeface="Lucida Sans Typewriter" panose="020B0509030504030204" pitchFamily="49" charset="0"/>
+                <a:ea typeface="ＭＳ Ｐゴシック" panose="020B0600070205080204" pitchFamily="34" charset="-128"/>
               </a:rPr>
               <a:t>1</a:t>
             </a:r>
           </a:p>
           <a:p>
             <a:pPr marL="0" indent="0">
-              <a:buNone/>
-            </a:pPr>
-            <a:r>
-              <a:rPr lang="en-US" sz="1400" dirty="0">
-                <a:latin typeface="Courier New" panose="02070309020205020404" pitchFamily="49" charset="0"/>
-                <a:cs typeface="Courier New" panose="02070309020205020404" pitchFamily="49" charset="0"/>
+              <a:lnSpc>
+                <a:spcPct val="70000"/>
+              </a:lnSpc>
+              <a:buNone/>
+            </a:pPr>
+            <a:r>
+              <a:rPr lang="en-US" sz="1200" dirty="0">
+                <a:solidFill>
+                  <a:schemeClr val="accent2"/>
+                </a:solidFill>
+                <a:latin typeface="Lucida Sans Typewriter" panose="020B0509030504030204" pitchFamily="49" charset="0"/>
+                <a:ea typeface="ＭＳ Ｐゴシック" panose="020B0600070205080204" pitchFamily="34" charset="-128"/>
               </a:rPr>
               <a:t>&gt;&gt;&gt; exit()</a:t>
             </a:r>
@@ -8863,12 +9067,16 @@
                 <a:solidFill>
                   <a:schemeClr val="accent2"/>
                 </a:solidFill>
-                <a:ea typeface="ＭＳ Ｐゴシック" panose="020B0600070205080204" pitchFamily="34" charset="-128"/>
+                <a:latin typeface="Courier New" panose="02070309020205020404" pitchFamily="49" charset="0"/>
+                <a:ea typeface="ＭＳ Ｐゴシック" panose="020B0600070205080204" pitchFamily="34" charset="-128"/>
+                <a:cs typeface="Courier New" panose="02070309020205020404" pitchFamily="49" charset="0"/>
               </a:rPr>
               <a:t>==</a:t>
             </a:r>
             <a:endParaRPr lang="en-US" altLang="en-US" dirty="0">
+              <a:latin typeface="Courier New" panose="02070309020205020404" pitchFamily="49" charset="0"/>
               <a:ea typeface="ＭＳ Ｐゴシック" panose="020B0600070205080204" pitchFamily="34" charset="-128"/>
+              <a:cs typeface="Courier New" panose="02070309020205020404" pitchFamily="49" charset="0"/>
             </a:endParaRPr>
           </a:p>
           <a:p>
@@ -8883,15 +9091,25 @@
                 <a:solidFill>
                   <a:schemeClr val="accent2"/>
                 </a:solidFill>
-                <a:ea typeface="ＭＳ Ｐゴシック" panose="020B0600070205080204" pitchFamily="34" charset="-128"/>
+                <a:latin typeface="Courier New" panose="02070309020205020404" pitchFamily="49" charset="0"/>
+                <a:ea typeface="ＭＳ Ｐゴシック" panose="020B0600070205080204" pitchFamily="34" charset="-128"/>
+                <a:cs typeface="Courier New" panose="02070309020205020404" pitchFamily="49" charset="0"/>
               </a:rPr>
               <a:t>+ - * / %</a:t>
             </a:r>
             <a:r>
               <a:rPr lang="en-US" altLang="en-US" dirty="0">
-                <a:ea typeface="ＭＳ Ｐゴシック" panose="020B0600070205080204" pitchFamily="34" charset="-128"/>
-              </a:rPr>
-              <a:t> are as expected</a:t>
+                <a:latin typeface="Courier New" panose="02070309020205020404" pitchFamily="49" charset="0"/>
+                <a:ea typeface="ＭＳ Ｐゴシック" panose="020B0600070205080204" pitchFamily="34" charset="-128"/>
+                <a:cs typeface="Courier New" panose="02070309020205020404" pitchFamily="49" charset="0"/>
+              </a:rPr>
+              <a:t> </a:t>
+            </a:r>
+            <a:r>
+              <a:rPr lang="en-US" altLang="en-US" dirty="0">
+                <a:ea typeface="ＭＳ Ｐゴシック" panose="020B0600070205080204" pitchFamily="34" charset="-128"/>
+              </a:rPr>
+              <a:t>are as expected</a:t>
             </a:r>
           </a:p>
           <a:p>
@@ -9604,31 +9822,28 @@
         </p:spPr>
         <p:txBody>
           <a:bodyPr>
-            <a:normAutofit fontScale="55000" lnSpcReduction="20000"/>
+            <a:normAutofit fontScale="25000" lnSpcReduction="20000"/>
           </a:bodyPr>
           <a:lstStyle/>
           <a:p>
             <a:pPr marL="0" indent="0">
-              <a:buNone/>
-            </a:pPr>
-            <a:r>
-              <a:rPr lang="en-US" altLang="en-US" sz="3200" dirty="0">
+              <a:lnSpc>
+                <a:spcPct val="110000"/>
+              </a:lnSpc>
+              <a:buNone/>
+            </a:pPr>
+            <a:r>
+              <a:rPr lang="en-US" altLang="en-US" sz="7000" dirty="0">
                 <a:ea typeface="ＭＳ Ｐゴシック" panose="020B0600070205080204" pitchFamily="34" charset="-128"/>
               </a:rPr>
               <a:t>Accessing a name before it’s been properly created (by placing it on the left side of an assignment), raises an error  </a:t>
             </a:r>
-            <a:endParaRPr lang="en-US" altLang="en-US" sz="3200" dirty="0">
-              <a:solidFill>
-                <a:srgbClr val="660033"/>
-              </a:solidFill>
-              <a:ea typeface="ＭＳ Ｐゴシック" panose="020B0600070205080204" pitchFamily="34" charset="-128"/>
-            </a:endParaRPr>
-          </a:p>
-          <a:p>
-            <a:pPr marL="0" indent="0">
-              <a:buNone/>
-            </a:pPr>
-            <a:endParaRPr lang="en-US" altLang="en-US" sz="2400" dirty="0">
+          </a:p>
+          <a:p>
+            <a:pPr marL="0" indent="0">
+              <a:buNone/>
+            </a:pPr>
+            <a:endParaRPr lang="en-US" altLang="en-US" sz="4400" dirty="0">
               <a:solidFill>
                 <a:srgbClr val="660033"/>
               </a:solidFill>
@@ -9638,45 +9853,44 @@
           </a:p>
           <a:p>
             <a:pPr marL="0" indent="0">
-              <a:buNone/>
-            </a:pPr>
-            <a:r>
-              <a:rPr lang="en-US" altLang="en-US" sz="2400" dirty="0">
-                <a:solidFill>
-                  <a:srgbClr val="660033"/>
-                </a:solidFill>
-                <a:latin typeface="Courier New" panose="02070309020205020404" pitchFamily="49" charset="0"/>
-                <a:ea typeface="ＭＳ Ｐゴシック" panose="020B0600070205080204" pitchFamily="34" charset="-128"/>
-              </a:rPr>
-              <a:t>&gt;&gt;&gt;</a:t>
-            </a:r>
-            <a:r>
-              <a:rPr lang="en-US" altLang="en-US" sz="2400" dirty="0">
-                <a:latin typeface="Courier New" panose="02070309020205020404" pitchFamily="49" charset="0"/>
-                <a:ea typeface="ＭＳ Ｐゴシック" panose="020B0600070205080204" pitchFamily="34" charset="-128"/>
-              </a:rPr>
-              <a:t> y</a:t>
-            </a:r>
-          </a:p>
-          <a:p>
-            <a:pPr marL="0" indent="0">
-              <a:buNone/>
-            </a:pPr>
-            <a:endParaRPr lang="en-US" altLang="en-US" sz="2400" dirty="0">
+              <a:spcAft>
+                <a:spcPct val="15000"/>
+              </a:spcAft>
+              <a:buNone/>
+            </a:pPr>
+            <a:r>
+              <a:rPr lang="en-US" altLang="en-US" sz="5600" dirty="0">
+                <a:solidFill>
+                  <a:schemeClr val="accent2"/>
+                </a:solidFill>
+                <a:latin typeface="Lucida Sans Typewriter" panose="020B0509030504030204" pitchFamily="49" charset="0"/>
+                <a:ea typeface="ＭＳ Ｐゴシック" panose="020B0600070205080204" pitchFamily="34" charset="-128"/>
+              </a:rPr>
+              <a:t>&gt;&gt;&gt; y</a:t>
+            </a:r>
+          </a:p>
+          <a:p>
+            <a:pPr marL="0" indent="0">
+              <a:buNone/>
+            </a:pPr>
+            <a:endParaRPr lang="en-US" altLang="en-US" sz="4400" dirty="0">
               <a:latin typeface="Courier New" panose="02070309020205020404" pitchFamily="49" charset="0"/>
               <a:ea typeface="ＭＳ Ｐゴシック" panose="020B0600070205080204" pitchFamily="34" charset="-128"/>
             </a:endParaRPr>
           </a:p>
           <a:p>
             <a:pPr marL="0" indent="0">
-              <a:buNone/>
-            </a:pPr>
-            <a:r>
-              <a:rPr lang="en-US" altLang="en-US" sz="2400" dirty="0">
-                <a:solidFill>
-                  <a:srgbClr val="FF3300"/>
-                </a:solidFill>
-                <a:latin typeface="Courier New" panose="02070309020205020404" pitchFamily="49" charset="0"/>
+              <a:spcAft>
+                <a:spcPct val="15000"/>
+              </a:spcAft>
+              <a:buNone/>
+            </a:pPr>
+            <a:r>
+              <a:rPr lang="en-US" altLang="en-US" sz="5600" dirty="0">
+                <a:solidFill>
+                  <a:schemeClr val="accent2"/>
+                </a:solidFill>
+                <a:latin typeface="Lucida Sans Typewriter" panose="020B0509030504030204" pitchFamily="49" charset="0"/>
                 <a:ea typeface="ＭＳ Ｐゴシック" panose="020B0600070205080204" pitchFamily="34" charset="-128"/>
               </a:rPr>
               <a:t>Traceback (most recent call last):</a:t>
@@ -9684,34 +9898,37 @@
           </a:p>
           <a:p>
             <a:pPr marL="0" indent="0">
-              <a:buNone/>
-            </a:pPr>
-            <a:r>
-              <a:rPr lang="en-US" altLang="en-US" sz="2400" dirty="0">
-                <a:solidFill>
-                  <a:srgbClr val="FF3300"/>
-                </a:solidFill>
-                <a:latin typeface="Courier New" panose="02070309020205020404" pitchFamily="49" charset="0"/>
+              <a:spcAft>
+                <a:spcPct val="15000"/>
+              </a:spcAft>
+              <a:buNone/>
+            </a:pPr>
+            <a:r>
+              <a:rPr lang="en-US" altLang="en-US" sz="5600" dirty="0">
+                <a:solidFill>
+                  <a:schemeClr val="accent2"/>
+                </a:solidFill>
+                <a:latin typeface="Lucida Sans Typewriter" panose="020B0509030504030204" pitchFamily="49" charset="0"/>
                 <a:ea typeface="ＭＳ Ｐゴシック" panose="020B0600070205080204" pitchFamily="34" charset="-128"/>
               </a:rPr>
               <a:t>  File "&lt;pyshell#16&gt;", line 1, in -</a:t>
             </a:r>
             <a:r>
-              <a:rPr lang="en-US" altLang="en-US" sz="2400" dirty="0" err="1">
-                <a:solidFill>
-                  <a:srgbClr val="FF3300"/>
-                </a:solidFill>
-                <a:latin typeface="Courier New" panose="02070309020205020404" pitchFamily="49" charset="0"/>
+              <a:rPr lang="en-US" altLang="en-US" sz="5600" dirty="0" err="1">
+                <a:solidFill>
+                  <a:schemeClr val="accent2"/>
+                </a:solidFill>
+                <a:latin typeface="Lucida Sans Typewriter" panose="020B0509030504030204" pitchFamily="49" charset="0"/>
                 <a:ea typeface="ＭＳ Ｐゴシック" panose="020B0600070205080204" pitchFamily="34" charset="-128"/>
               </a:rPr>
               <a:t>toplevel</a:t>
             </a:r>
             <a:r>
-              <a:rPr lang="en-US" altLang="en-US" sz="2400" dirty="0">
-                <a:solidFill>
-                  <a:srgbClr val="FF3300"/>
-                </a:solidFill>
-                <a:latin typeface="Courier New" panose="02070309020205020404" pitchFamily="49" charset="0"/>
+              <a:rPr lang="en-US" altLang="en-US" sz="5600" dirty="0">
+                <a:solidFill>
+                  <a:schemeClr val="accent2"/>
+                </a:solidFill>
+                <a:latin typeface="Lucida Sans Typewriter" panose="020B0509030504030204" pitchFamily="49" charset="0"/>
                 <a:ea typeface="ＭＳ Ｐゴシック" panose="020B0600070205080204" pitchFamily="34" charset="-128"/>
               </a:rPr>
               <a:t>-</a:t>
@@ -9719,14 +9936,17 @@
           </a:p>
           <a:p>
             <a:pPr marL="0" indent="0">
-              <a:buNone/>
-            </a:pPr>
-            <a:r>
-              <a:rPr lang="en-US" altLang="en-US" sz="2400" dirty="0">
-                <a:solidFill>
-                  <a:srgbClr val="FF3300"/>
-                </a:solidFill>
-                <a:latin typeface="Courier New" panose="02070309020205020404" pitchFamily="49" charset="0"/>
+              <a:spcAft>
+                <a:spcPct val="15000"/>
+              </a:spcAft>
+              <a:buNone/>
+            </a:pPr>
+            <a:r>
+              <a:rPr lang="en-US" altLang="en-US" sz="5600" dirty="0">
+                <a:solidFill>
+                  <a:schemeClr val="accent2"/>
+                </a:solidFill>
+                <a:latin typeface="Lucida Sans Typewriter" panose="020B0509030504030204" pitchFamily="49" charset="0"/>
                 <a:ea typeface="ＭＳ Ｐゴシック" panose="020B0600070205080204" pitchFamily="34" charset="-128"/>
               </a:rPr>
               <a:t>    y</a:t>
@@ -9734,24 +9954,27 @@
           </a:p>
           <a:p>
             <a:pPr marL="0" indent="0">
-              <a:buNone/>
-            </a:pPr>
-            <a:r>
-              <a:rPr lang="en-US" altLang="en-US" sz="2400" dirty="0" err="1">
-                <a:solidFill>
-                  <a:srgbClr val="FF3300"/>
-                </a:solidFill>
-                <a:latin typeface="Courier New" panose="02070309020205020404" pitchFamily="49" charset="0"/>
+              <a:spcAft>
+                <a:spcPct val="15000"/>
+              </a:spcAft>
+              <a:buNone/>
+            </a:pPr>
+            <a:r>
+              <a:rPr lang="en-US" altLang="en-US" sz="5600" dirty="0" err="1">
+                <a:solidFill>
+                  <a:schemeClr val="accent2"/>
+                </a:solidFill>
+                <a:latin typeface="Lucida Sans Typewriter" panose="020B0509030504030204" pitchFamily="49" charset="0"/>
                 <a:ea typeface="ＭＳ Ｐゴシック" panose="020B0600070205080204" pitchFamily="34" charset="-128"/>
               </a:rPr>
               <a:t>NameError</a:t>
             </a:r>
             <a:r>
-              <a:rPr lang="en-US" altLang="en-US" sz="2400" dirty="0">
-                <a:solidFill>
-                  <a:srgbClr val="FF3300"/>
-                </a:solidFill>
-                <a:latin typeface="Courier New" panose="02070309020205020404" pitchFamily="49" charset="0"/>
+              <a:rPr lang="en-US" altLang="en-US" sz="5600" dirty="0">
+                <a:solidFill>
+                  <a:schemeClr val="accent2"/>
+                </a:solidFill>
+                <a:latin typeface="Lucida Sans Typewriter" panose="020B0509030504030204" pitchFamily="49" charset="0"/>
                 <a:ea typeface="ＭＳ Ｐゴシック" panose="020B0600070205080204" pitchFamily="34" charset="-128"/>
               </a:rPr>
               <a:t>: name ‘y' is not defined</a:t>
@@ -9759,58 +9982,53 @@
           </a:p>
           <a:p>
             <a:pPr marL="0" indent="0">
-              <a:buNone/>
-            </a:pPr>
-            <a:r>
-              <a:rPr lang="en-US" altLang="en-US" sz="2400" dirty="0">
-                <a:solidFill>
-                  <a:srgbClr val="660033"/>
-                </a:solidFill>
-                <a:latin typeface="Courier New" panose="02070309020205020404" pitchFamily="49" charset="0"/>
-                <a:ea typeface="ＭＳ Ｐゴシック" panose="020B0600070205080204" pitchFamily="34" charset="-128"/>
-              </a:rPr>
-              <a:t>&gt;&gt;&gt;</a:t>
-            </a:r>
-            <a:r>
-              <a:rPr lang="en-US" altLang="en-US" sz="2400" dirty="0">
-                <a:latin typeface="Courier New" panose="02070309020205020404" pitchFamily="49" charset="0"/>
-                <a:ea typeface="ＭＳ Ｐゴシック" panose="020B0600070205080204" pitchFamily="34" charset="-128"/>
-              </a:rPr>
-              <a:t> y = 3</a:t>
-            </a:r>
-          </a:p>
-          <a:p>
-            <a:pPr marL="0" indent="0">
-              <a:buNone/>
-            </a:pPr>
-            <a:r>
-              <a:rPr lang="en-US" altLang="en-US" sz="2400" dirty="0">
-                <a:solidFill>
-                  <a:srgbClr val="660033"/>
-                </a:solidFill>
-                <a:latin typeface="Courier New" panose="02070309020205020404" pitchFamily="49" charset="0"/>
-                <a:ea typeface="ＭＳ Ｐゴシック" panose="020B0600070205080204" pitchFamily="34" charset="-128"/>
-              </a:rPr>
-              <a:t>&gt;&gt;&gt;</a:t>
-            </a:r>
-            <a:r>
-              <a:rPr lang="en-US" altLang="en-US" sz="2400" dirty="0">
-                <a:latin typeface="Courier New" panose="02070309020205020404" pitchFamily="49" charset="0"/>
-                <a:ea typeface="ＭＳ Ｐゴシック" panose="020B0600070205080204" pitchFamily="34" charset="-128"/>
-              </a:rPr>
-              <a:t> y</a:t>
-            </a:r>
-          </a:p>
-          <a:p>
-            <a:pPr marL="0" indent="0">
-              <a:buNone/>
-            </a:pPr>
-            <a:r>
-              <a:rPr lang="en-US" altLang="en-US" sz="2400" dirty="0">
-                <a:solidFill>
-                  <a:schemeClr val="accent2"/>
-                </a:solidFill>
-                <a:latin typeface="Courier New" panose="02070309020205020404" pitchFamily="49" charset="0"/>
+              <a:spcAft>
+                <a:spcPct val="15000"/>
+              </a:spcAft>
+              <a:buNone/>
+            </a:pPr>
+            <a:r>
+              <a:rPr lang="en-US" altLang="en-US" sz="5600" dirty="0">
+                <a:solidFill>
+                  <a:schemeClr val="accent2"/>
+                </a:solidFill>
+                <a:latin typeface="Lucida Sans Typewriter" panose="020B0509030504030204" pitchFamily="49" charset="0"/>
+                <a:ea typeface="ＭＳ Ｐゴシック" panose="020B0600070205080204" pitchFamily="34" charset="-128"/>
+              </a:rPr>
+              <a:t>&gt;&gt;&gt; y = 3</a:t>
+            </a:r>
+          </a:p>
+          <a:p>
+            <a:pPr marL="0" indent="0">
+              <a:spcAft>
+                <a:spcPct val="15000"/>
+              </a:spcAft>
+              <a:buNone/>
+            </a:pPr>
+            <a:r>
+              <a:rPr lang="en-US" altLang="en-US" sz="5600" dirty="0">
+                <a:solidFill>
+                  <a:schemeClr val="accent2"/>
+                </a:solidFill>
+                <a:latin typeface="Lucida Sans Typewriter" panose="020B0509030504030204" pitchFamily="49" charset="0"/>
+                <a:ea typeface="ＭＳ Ｐゴシック" panose="020B0600070205080204" pitchFamily="34" charset="-128"/>
+              </a:rPr>
+              <a:t>&gt;&gt;&gt; y</a:t>
+            </a:r>
+          </a:p>
+          <a:p>
+            <a:pPr marL="0" indent="0">
+              <a:spcAft>
+                <a:spcPct val="15000"/>
+              </a:spcAft>
+              <a:buNone/>
+            </a:pPr>
+            <a:r>
+              <a:rPr lang="en-US" altLang="en-US" sz="5600" dirty="0">
+                <a:solidFill>
+                  <a:schemeClr val="accent2"/>
+                </a:solidFill>
+                <a:latin typeface="Lucida Sans Typewriter" panose="020B0509030504030204" pitchFamily="49" charset="0"/>
                 <a:ea typeface="ＭＳ Ｐゴシック" panose="020B0600070205080204" pitchFamily="34" charset="-128"/>
               </a:rPr>
               <a:t>3</a:t>
@@ -9914,31 +10132,28 @@
         </p:spPr>
         <p:txBody>
           <a:bodyPr>
-            <a:normAutofit fontScale="62500" lnSpcReduction="20000"/>
+            <a:normAutofit fontScale="32500" lnSpcReduction="20000"/>
           </a:bodyPr>
           <a:lstStyle/>
           <a:p>
             <a:pPr marL="0" indent="0">
-              <a:buNone/>
-            </a:pPr>
-            <a:r>
-              <a:rPr lang="en-US" altLang="en-US" sz="3200" dirty="0">
+              <a:lnSpc>
+                <a:spcPct val="110000"/>
+              </a:lnSpc>
+              <a:buNone/>
+            </a:pPr>
+            <a:r>
+              <a:rPr lang="en-US" altLang="en-US" sz="5900" dirty="0">
                 <a:ea typeface="ＭＳ Ｐゴシック" panose="020B0600070205080204" pitchFamily="34" charset="-128"/>
               </a:rPr>
               <a:t>The right side of an expression is evaluated and the name on the left side points to it, so its possible to do:</a:t>
             </a:r>
-            <a:endParaRPr lang="en-US" altLang="en-US" sz="3200" dirty="0">
-              <a:solidFill>
-                <a:srgbClr val="660033"/>
-              </a:solidFill>
-              <a:ea typeface="ＭＳ Ｐゴシック" panose="020B0600070205080204" pitchFamily="34" charset="-128"/>
-            </a:endParaRPr>
-          </a:p>
-          <a:p>
-            <a:pPr marL="0" indent="0">
-              <a:buNone/>
-            </a:pPr>
-            <a:endParaRPr lang="en-US" altLang="en-US" sz="2400" dirty="0">
+          </a:p>
+          <a:p>
+            <a:pPr marL="0" indent="0">
+              <a:buNone/>
+            </a:pPr>
+            <a:endParaRPr lang="en-US" altLang="en-US" sz="3100" dirty="0">
               <a:solidFill>
                 <a:srgbClr val="660033"/>
               </a:solidFill>
@@ -9948,33 +10163,35 @@
           </a:p>
           <a:p>
             <a:pPr marL="0" indent="0">
-              <a:buNone/>
-            </a:pPr>
-            <a:r>
-              <a:rPr lang="en-US" altLang="en-US" sz="2400" dirty="0">
-                <a:solidFill>
-                  <a:srgbClr val="660033"/>
-                </a:solidFill>
-                <a:latin typeface="Courier New" panose="02070309020205020404" pitchFamily="49" charset="0"/>
-                <a:ea typeface="ＭＳ Ｐゴシック" panose="020B0600070205080204" pitchFamily="34" charset="-128"/>
-              </a:rPr>
-              <a:t>&gt;&gt;&gt;</a:t>
-            </a:r>
-            <a:r>
-              <a:rPr lang="en-US" altLang="en-US" sz="2400" dirty="0">
-                <a:latin typeface="Courier New" panose="02070309020205020404" pitchFamily="49" charset="0"/>
-                <a:ea typeface="ＭＳ Ｐゴシック" panose="020B0600070205080204" pitchFamily="34" charset="-128"/>
-              </a:rPr>
-              <a:t> y = 10</a:t>
-            </a:r>
-          </a:p>
-          <a:p>
-            <a:pPr marL="0" indent="0">
-              <a:buNone/>
-            </a:pPr>
-            <a:r>
-              <a:rPr lang="en-US" altLang="en-US" sz="2400" dirty="0">
-                <a:latin typeface="Courier New" panose="02070309020205020404" pitchFamily="49" charset="0"/>
+              <a:spcAft>
+                <a:spcPct val="15000"/>
+              </a:spcAft>
+              <a:buNone/>
+            </a:pPr>
+            <a:r>
+              <a:rPr lang="en-US" altLang="en-US" sz="3400" dirty="0">
+                <a:solidFill>
+                  <a:schemeClr val="accent2"/>
+                </a:solidFill>
+                <a:latin typeface="Lucida Sans Typewriter" panose="020B0509030504030204" pitchFamily="49" charset="0"/>
+                <a:ea typeface="ＭＳ Ｐゴシック" panose="020B0600070205080204" pitchFamily="34" charset="-128"/>
+              </a:rPr>
+              <a:t>&gt;&gt;&gt; y = 10</a:t>
+            </a:r>
+          </a:p>
+          <a:p>
+            <a:pPr marL="0" indent="0">
+              <a:spcAft>
+                <a:spcPct val="15000"/>
+              </a:spcAft>
+              <a:buNone/>
+            </a:pPr>
+            <a:r>
+              <a:rPr lang="en-US" altLang="en-US" sz="3400" dirty="0">
+                <a:solidFill>
+                  <a:schemeClr val="accent2"/>
+                </a:solidFill>
+                <a:latin typeface="Lucida Sans Typewriter" panose="020B0509030504030204" pitchFamily="49" charset="0"/>
                 <a:ea typeface="ＭＳ Ｐゴシック" panose="020B0600070205080204" pitchFamily="34" charset="-128"/>
               </a:rPr>
               <a:t>&gt;&gt;&gt; y = y + 1</a:t>
@@ -9982,11 +10199,17 @@
           </a:p>
           <a:p>
             <a:pPr marL="0" indent="0">
-              <a:buNone/>
-            </a:pPr>
-            <a:r>
-              <a:rPr lang="en-US" altLang="en-US" sz="2400" dirty="0">
-                <a:latin typeface="Courier New" panose="02070309020205020404" pitchFamily="49" charset="0"/>
+              <a:spcAft>
+                <a:spcPct val="15000"/>
+              </a:spcAft>
+              <a:buNone/>
+            </a:pPr>
+            <a:r>
+              <a:rPr lang="en-US" altLang="en-US" sz="3400" dirty="0">
+                <a:solidFill>
+                  <a:schemeClr val="accent2"/>
+                </a:solidFill>
+                <a:latin typeface="Lucida Sans Typewriter" panose="020B0509030504030204" pitchFamily="49" charset="0"/>
                 <a:ea typeface="ＭＳ Ｐゴシック" panose="020B0600070205080204" pitchFamily="34" charset="-128"/>
               </a:rPr>
               <a:t>&gt;&gt;&gt; y</a:t>
@@ -9994,11 +10217,17 @@
           </a:p>
           <a:p>
             <a:pPr marL="0" indent="0">
-              <a:buNone/>
-            </a:pPr>
-            <a:r>
-              <a:rPr lang="en-US" altLang="en-US" sz="2400" dirty="0">
-                <a:latin typeface="Courier New" panose="02070309020205020404" pitchFamily="49" charset="0"/>
+              <a:spcAft>
+                <a:spcPct val="15000"/>
+              </a:spcAft>
+              <a:buNone/>
+            </a:pPr>
+            <a:r>
+              <a:rPr lang="en-US" altLang="en-US" sz="3400" dirty="0">
+                <a:solidFill>
+                  <a:schemeClr val="accent2"/>
+                </a:solidFill>
+                <a:latin typeface="Lucida Sans Typewriter" panose="020B0509030504030204" pitchFamily="49" charset="0"/>
                 <a:ea typeface="ＭＳ Ｐゴシック" panose="020B0600070205080204" pitchFamily="34" charset="-128"/>
               </a:rPr>
               <a:t>11</a:t>
@@ -10006,11 +10235,17 @@
           </a:p>
           <a:p>
             <a:pPr marL="0" indent="0">
-              <a:buNone/>
-            </a:pPr>
-            <a:r>
-              <a:rPr lang="en-US" altLang="en-US" sz="2400" dirty="0">
-                <a:latin typeface="Courier New" panose="02070309020205020404" pitchFamily="49" charset="0"/>
+              <a:spcAft>
+                <a:spcPct val="15000"/>
+              </a:spcAft>
+              <a:buNone/>
+            </a:pPr>
+            <a:r>
+              <a:rPr lang="en-US" altLang="en-US" sz="3400" dirty="0">
+                <a:solidFill>
+                  <a:schemeClr val="accent2"/>
+                </a:solidFill>
+                <a:latin typeface="Lucida Sans Typewriter" panose="020B0509030504030204" pitchFamily="49" charset="0"/>
                 <a:ea typeface="ＭＳ Ｐゴシック" panose="020B0600070205080204" pitchFamily="34" charset="-128"/>
               </a:rPr>
               <a:t>&gt;&gt;&gt; y += 1</a:t>
@@ -10018,11 +10253,17 @@
           </a:p>
           <a:p>
             <a:pPr marL="0" indent="0">
-              <a:buNone/>
-            </a:pPr>
-            <a:r>
-              <a:rPr lang="en-US" altLang="en-US" sz="2400" dirty="0">
-                <a:latin typeface="Courier New" panose="02070309020205020404" pitchFamily="49" charset="0"/>
+              <a:spcAft>
+                <a:spcPct val="15000"/>
+              </a:spcAft>
+              <a:buNone/>
+            </a:pPr>
+            <a:r>
+              <a:rPr lang="en-US" altLang="en-US" sz="3400" dirty="0">
+                <a:solidFill>
+                  <a:schemeClr val="accent2"/>
+                </a:solidFill>
+                <a:latin typeface="Lucida Sans Typewriter" panose="020B0509030504030204" pitchFamily="49" charset="0"/>
                 <a:ea typeface="ＭＳ Ｐゴシック" panose="020B0600070205080204" pitchFamily="34" charset="-128"/>
               </a:rPr>
               <a:t>&gt;&gt;&gt; y</a:t>
@@ -10030,11 +10271,17 @@
           </a:p>
           <a:p>
             <a:pPr marL="0" indent="0">
-              <a:buNone/>
-            </a:pPr>
-            <a:r>
-              <a:rPr lang="en-US" altLang="en-US" sz="2400" dirty="0">
-                <a:latin typeface="Courier New" panose="02070309020205020404" pitchFamily="49" charset="0"/>
+              <a:spcAft>
+                <a:spcPct val="15000"/>
+              </a:spcAft>
+              <a:buNone/>
+            </a:pPr>
+            <a:r>
+              <a:rPr lang="en-US" altLang="en-US" sz="3400" dirty="0">
+                <a:solidFill>
+                  <a:schemeClr val="accent2"/>
+                </a:solidFill>
+                <a:latin typeface="Lucida Sans Typewriter" panose="020B0509030504030204" pitchFamily="49" charset="0"/>
                 <a:ea typeface="ＭＳ Ｐゴシック" panose="020B0600070205080204" pitchFamily="34" charset="-128"/>
               </a:rPr>
               <a:t>12</a:t>
@@ -10051,11 +10298,13 @@
           </a:p>
           <a:p>
             <a:pPr marL="0" indent="0">
-              <a:buNone/>
-            </a:pPr>
-            <a:r>
-              <a:rPr lang="en-US" altLang="en-US" sz="2400" dirty="0">
-                <a:latin typeface="Courier New" panose="02070309020205020404" pitchFamily="49" charset="0"/>
+              <a:lnSpc>
+                <a:spcPct val="110000"/>
+              </a:lnSpc>
+              <a:buNone/>
+            </a:pPr>
+            <a:r>
+              <a:rPr lang="en-US" altLang="en-US" sz="7000" dirty="0">
                 <a:ea typeface="ＭＳ Ｐゴシック" panose="020B0600070205080204" pitchFamily="34" charset="-128"/>
               </a:rPr>
               <a:t>Augmented assignment operators can be used as a shortcut:</a:t>
@@ -10063,11 +10312,17 @@
           </a:p>
           <a:p>
             <a:pPr marL="0" indent="0">
-              <a:buNone/>
-            </a:pPr>
-            <a:r>
-              <a:rPr lang="en-US" altLang="en-US" sz="2400" dirty="0">
-                <a:latin typeface="Courier New" panose="02070309020205020404" pitchFamily="49" charset="0"/>
+              <a:spcAft>
+                <a:spcPct val="15000"/>
+              </a:spcAft>
+              <a:buNone/>
+            </a:pPr>
+            <a:r>
+              <a:rPr lang="en-US" altLang="en-US" sz="3700" dirty="0">
+                <a:solidFill>
+                  <a:schemeClr val="accent2"/>
+                </a:solidFill>
+                <a:latin typeface="Lucida Sans Typewriter" panose="020B0509030504030204" pitchFamily="49" charset="0"/>
                 <a:ea typeface="ＭＳ Ｐゴシック" panose="020B0600070205080204" pitchFamily="34" charset="-128"/>
               </a:rPr>
               <a:t>+=      -=      *=      /=      //=     %=</a:t>
@@ -10075,11 +10330,17 @@
           </a:p>
           <a:p>
             <a:pPr marL="0" indent="0">
-              <a:buNone/>
-            </a:pPr>
-            <a:r>
-              <a:rPr lang="en-US" altLang="en-US" sz="2400" dirty="0">
-                <a:latin typeface="Courier New" panose="02070309020205020404" pitchFamily="49" charset="0"/>
+              <a:spcAft>
+                <a:spcPct val="15000"/>
+              </a:spcAft>
+              <a:buNone/>
+            </a:pPr>
+            <a:r>
+              <a:rPr lang="en-US" altLang="en-US" sz="3700" dirty="0">
+                <a:solidFill>
+                  <a:schemeClr val="accent2"/>
+                </a:solidFill>
+                <a:latin typeface="Lucida Sans Typewriter" panose="020B0509030504030204" pitchFamily="49" charset="0"/>
                 <a:ea typeface="ＭＳ Ｐゴシック" panose="020B0600070205080204" pitchFamily="34" charset="-128"/>
               </a:rPr>
               <a:t>&amp;=      |=      ^=      &gt;&gt;=     &lt;&lt;=     **=</a:t>
@@ -10189,7 +10450,7 @@
         <p:spPr>
           <a:xfrm>
             <a:off x="838200" y="1825625"/>
-            <a:ext cx="5822659" cy="4432562"/>
+            <a:ext cx="4774035" cy="4432562"/>
           </a:xfrm>
         </p:spPr>
         <p:txBody>
@@ -10199,10 +10460,13 @@
           <a:lstStyle/>
           <a:p>
             <a:pPr marL="0" indent="0">
-              <a:buNone/>
-            </a:pPr>
-            <a:r>
-              <a:rPr lang="en-US" altLang="en-US" sz="3200" dirty="0">
+              <a:lnSpc>
+                <a:spcPct val="110000"/>
+              </a:lnSpc>
+              <a:buNone/>
+            </a:pPr>
+            <a:r>
+              <a:rPr lang="en-US" altLang="en-US" sz="3700" dirty="0">
                 <a:ea typeface="ＭＳ Ｐゴシック" panose="020B0600070205080204" pitchFamily="34" charset="-128"/>
               </a:rPr>
               <a:t>Each variable points to a location in memory, accessible by the ‘id’ function</a:t>
@@ -10222,33 +10486,35 @@
           </a:p>
           <a:p>
             <a:pPr marL="0" indent="0">
-              <a:buNone/>
-            </a:pPr>
-            <a:r>
-              <a:rPr lang="en-US" altLang="en-US" sz="3200" dirty="0">
-                <a:solidFill>
-                  <a:srgbClr val="660033"/>
-                </a:solidFill>
-                <a:latin typeface="Courier New" panose="02070309020205020404" pitchFamily="49" charset="0"/>
-                <a:ea typeface="ＭＳ Ｐゴシック" panose="020B0600070205080204" pitchFamily="34" charset="-128"/>
-              </a:rPr>
-              <a:t>&gt;&gt;&gt;</a:t>
-            </a:r>
-            <a:r>
-              <a:rPr lang="en-US" altLang="en-US" sz="3200" dirty="0">
-                <a:latin typeface="Courier New" panose="02070309020205020404" pitchFamily="49" charset="0"/>
-                <a:ea typeface="ＭＳ Ｐゴシック" panose="020B0600070205080204" pitchFamily="34" charset="-128"/>
-              </a:rPr>
-              <a:t> x = 1000</a:t>
-            </a:r>
-          </a:p>
-          <a:p>
-            <a:pPr marL="0" indent="0">
-              <a:buNone/>
-            </a:pPr>
-            <a:r>
-              <a:rPr lang="en-US" altLang="en-US" sz="3200" dirty="0">
-                <a:latin typeface="Courier New" panose="02070309020205020404" pitchFamily="49" charset="0"/>
+              <a:spcAft>
+                <a:spcPct val="15000"/>
+              </a:spcAft>
+              <a:buNone/>
+            </a:pPr>
+            <a:r>
+              <a:rPr lang="en-US" altLang="en-US" sz="2000" dirty="0">
+                <a:solidFill>
+                  <a:schemeClr val="accent2"/>
+                </a:solidFill>
+                <a:latin typeface="Lucida Sans Typewriter" panose="020B0509030504030204" pitchFamily="49" charset="0"/>
+                <a:ea typeface="ＭＳ Ｐゴシック" panose="020B0600070205080204" pitchFamily="34" charset="-128"/>
+              </a:rPr>
+              <a:t>&gt;&gt;&gt; x = 1000</a:t>
+            </a:r>
+          </a:p>
+          <a:p>
+            <a:pPr marL="0" indent="0">
+              <a:spcAft>
+                <a:spcPct val="15000"/>
+              </a:spcAft>
+              <a:buNone/>
+            </a:pPr>
+            <a:r>
+              <a:rPr lang="en-US" altLang="en-US" sz="2000" dirty="0">
+                <a:solidFill>
+                  <a:schemeClr val="accent2"/>
+                </a:solidFill>
+                <a:latin typeface="Lucida Sans Typewriter" panose="020B0509030504030204" pitchFamily="49" charset="0"/>
                 <a:ea typeface="ＭＳ Ｐゴシック" panose="020B0600070205080204" pitchFamily="34" charset="-128"/>
               </a:rPr>
               <a:t>&gt;&gt;&gt; id(x)</a:t>
@@ -10256,11 +10522,17 @@
           </a:p>
           <a:p>
             <a:pPr marL="0" indent="0">
-              <a:buNone/>
-            </a:pPr>
-            <a:r>
-              <a:rPr lang="en-US" altLang="en-US" sz="3200" dirty="0">
-                <a:latin typeface="Courier New" panose="02070309020205020404" pitchFamily="49" charset="0"/>
+              <a:spcAft>
+                <a:spcPct val="15000"/>
+              </a:spcAft>
+              <a:buNone/>
+            </a:pPr>
+            <a:r>
+              <a:rPr lang="en-US" altLang="en-US" sz="2000" dirty="0">
+                <a:solidFill>
+                  <a:schemeClr val="accent2"/>
+                </a:solidFill>
+                <a:latin typeface="Lucida Sans Typewriter" panose="020B0509030504030204" pitchFamily="49" charset="0"/>
                 <a:ea typeface="ＭＳ Ｐゴシック" panose="020B0600070205080204" pitchFamily="34" charset="-128"/>
               </a:rPr>
               <a:t>2072729076848</a:t>
@@ -10268,11 +10540,17 @@
           </a:p>
           <a:p>
             <a:pPr marL="0" indent="0">
-              <a:buNone/>
-            </a:pPr>
-            <a:r>
-              <a:rPr lang="en-US" altLang="en-US" sz="3200" dirty="0">
-                <a:latin typeface="Courier New" panose="02070309020205020404" pitchFamily="49" charset="0"/>
+              <a:spcAft>
+                <a:spcPct val="15000"/>
+              </a:spcAft>
+              <a:buNone/>
+            </a:pPr>
+            <a:r>
+              <a:rPr lang="en-US" altLang="en-US" sz="2000" dirty="0">
+                <a:solidFill>
+                  <a:schemeClr val="accent2"/>
+                </a:solidFill>
+                <a:latin typeface="Lucida Sans Typewriter" panose="020B0509030504030204" pitchFamily="49" charset="0"/>
                 <a:ea typeface="ＭＳ Ｐゴシック" panose="020B0600070205080204" pitchFamily="34" charset="-128"/>
               </a:rPr>
               <a:t>&gt;&gt;&gt; y = 1000</a:t>
@@ -10280,11 +10558,17 @@
           </a:p>
           <a:p>
             <a:pPr marL="0" indent="0">
-              <a:buNone/>
-            </a:pPr>
-            <a:r>
-              <a:rPr lang="en-US" altLang="en-US" sz="3200" dirty="0">
-                <a:latin typeface="Courier New" panose="02070309020205020404" pitchFamily="49" charset="0"/>
+              <a:spcAft>
+                <a:spcPct val="15000"/>
+              </a:spcAft>
+              <a:buNone/>
+            </a:pPr>
+            <a:r>
+              <a:rPr lang="en-US" altLang="en-US" sz="2000" dirty="0">
+                <a:solidFill>
+                  <a:schemeClr val="accent2"/>
+                </a:solidFill>
+                <a:latin typeface="Lucida Sans Typewriter" panose="020B0509030504030204" pitchFamily="49" charset="0"/>
                 <a:ea typeface="ＭＳ Ｐゴシック" panose="020B0600070205080204" pitchFamily="34" charset="-128"/>
               </a:rPr>
               <a:t>&gt;&gt;&gt; id(y)</a:t>
@@ -10292,11 +10576,17 @@
           </a:p>
           <a:p>
             <a:pPr marL="0" indent="0">
-              <a:buNone/>
-            </a:pPr>
-            <a:r>
-              <a:rPr lang="en-US" altLang="en-US" sz="3200" dirty="0">
-                <a:latin typeface="Courier New" panose="02070309020205020404" pitchFamily="49" charset="0"/>
+              <a:spcAft>
+                <a:spcPct val="15000"/>
+              </a:spcAft>
+              <a:buNone/>
+            </a:pPr>
+            <a:r>
+              <a:rPr lang="en-US" altLang="en-US" sz="2000" dirty="0">
+                <a:solidFill>
+                  <a:schemeClr val="accent2"/>
+                </a:solidFill>
+                <a:latin typeface="Lucida Sans Typewriter" panose="020B0509030504030204" pitchFamily="49" charset="0"/>
                 <a:ea typeface="ＭＳ Ｐゴシック" panose="020B0600070205080204" pitchFamily="34" charset="-128"/>
               </a:rPr>
               <a:t>2072729078000</a:t>
@@ -10304,11 +10594,17 @@
           </a:p>
           <a:p>
             <a:pPr marL="0" indent="0">
-              <a:buNone/>
-            </a:pPr>
-            <a:r>
-              <a:rPr lang="en-US" altLang="en-US" sz="3200" dirty="0">
-                <a:latin typeface="Courier New" panose="02070309020205020404" pitchFamily="49" charset="0"/>
+              <a:spcAft>
+                <a:spcPct val="15000"/>
+              </a:spcAft>
+              <a:buNone/>
+            </a:pPr>
+            <a:r>
+              <a:rPr lang="en-US" altLang="en-US" sz="2000" dirty="0">
+                <a:solidFill>
+                  <a:schemeClr val="accent2"/>
+                </a:solidFill>
+                <a:latin typeface="Lucida Sans Typewriter" panose="020B0509030504030204" pitchFamily="49" charset="0"/>
                 <a:ea typeface="ＭＳ Ｐゴシック" panose="020B0600070205080204" pitchFamily="34" charset="-128"/>
               </a:rPr>
               <a:t>&gt;&gt;&gt; x==y</a:t>
@@ -10316,11 +10612,17 @@
           </a:p>
           <a:p>
             <a:pPr marL="0" indent="0">
-              <a:buNone/>
-            </a:pPr>
-            <a:r>
-              <a:rPr lang="en-US" altLang="en-US" sz="3200" dirty="0">
-                <a:latin typeface="Courier New" panose="02070309020205020404" pitchFamily="49" charset="0"/>
+              <a:spcAft>
+                <a:spcPct val="15000"/>
+              </a:spcAft>
+              <a:buNone/>
+            </a:pPr>
+            <a:r>
+              <a:rPr lang="en-US" altLang="en-US" sz="2000" dirty="0">
+                <a:solidFill>
+                  <a:schemeClr val="accent2"/>
+                </a:solidFill>
+                <a:latin typeface="Lucida Sans Typewriter" panose="020B0509030504030204" pitchFamily="49" charset="0"/>
                 <a:ea typeface="ＭＳ Ｐゴシック" panose="020B0600070205080204" pitchFamily="34" charset="-128"/>
               </a:rPr>
               <a:t>True</a:t>
@@ -10328,11 +10630,17 @@
           </a:p>
           <a:p>
             <a:pPr marL="0" indent="0">
-              <a:buNone/>
-            </a:pPr>
-            <a:r>
-              <a:rPr lang="en-US" altLang="en-US" sz="3200" dirty="0">
-                <a:latin typeface="Courier New" panose="02070309020205020404" pitchFamily="49" charset="0"/>
+              <a:spcAft>
+                <a:spcPct val="15000"/>
+              </a:spcAft>
+              <a:buNone/>
+            </a:pPr>
+            <a:r>
+              <a:rPr lang="en-US" altLang="en-US" sz="2000" dirty="0">
+                <a:solidFill>
+                  <a:schemeClr val="accent2"/>
+                </a:solidFill>
+                <a:latin typeface="Lucida Sans Typewriter" panose="020B0509030504030204" pitchFamily="49" charset="0"/>
                 <a:ea typeface="ＭＳ Ｐゴシック" panose="020B0600070205080204" pitchFamily="34" charset="-128"/>
               </a:rPr>
               <a:t>&gt;&gt;&gt; x is y</a:t>
@@ -10340,11 +10648,17 @@
           </a:p>
           <a:p>
             <a:pPr marL="0" indent="0">
-              <a:buNone/>
-            </a:pPr>
-            <a:r>
-              <a:rPr lang="en-US" altLang="en-US" sz="3200" dirty="0">
-                <a:latin typeface="Courier New" panose="02070309020205020404" pitchFamily="49" charset="0"/>
+              <a:spcAft>
+                <a:spcPct val="15000"/>
+              </a:spcAft>
+              <a:buNone/>
+            </a:pPr>
+            <a:r>
+              <a:rPr lang="en-US" altLang="en-US" sz="2000" dirty="0">
+                <a:solidFill>
+                  <a:schemeClr val="accent2"/>
+                </a:solidFill>
+                <a:latin typeface="Lucida Sans Typewriter" panose="020B0509030504030204" pitchFamily="49" charset="0"/>
                 <a:ea typeface="ＭＳ Ｐゴシック" panose="020B0600070205080204" pitchFamily="34" charset="-128"/>
               </a:rPr>
               <a:t>False</a:t>
@@ -10377,7 +10691,7 @@
         </p:spPr>
         <p:txBody>
           <a:bodyPr vert="horz" lIns="91440" tIns="45720" rIns="91440" bIns="45720" rtlCol="0">
-            <a:normAutofit fontScale="85000" lnSpcReduction="20000"/>
+            <a:normAutofit/>
           </a:bodyPr>
           <a:lstStyle>
             <a:lvl1pPr marL="228600" indent="-228600" algn="l" defTabSz="914400" rtl="0" eaLnBrk="1" latinLnBrk="0" hangingPunct="1">
@@ -10545,11 +10859,13 @@
           </a:lstStyle>
           <a:p>
             <a:pPr marL="0" indent="0">
-              <a:buFont typeface="Arial" panose="020B0604020202020204" pitchFamily="34" charset="0"/>
-              <a:buNone/>
-            </a:pPr>
-            <a:r>
-              <a:rPr lang="en-US" altLang="en-US" sz="3200" dirty="0">
+              <a:lnSpc>
+                <a:spcPct val="110000"/>
+              </a:lnSpc>
+              <a:buNone/>
+            </a:pPr>
+            <a:r>
+              <a:rPr lang="en-US" altLang="en-US" sz="2300" dirty="0">
                 <a:ea typeface="ＭＳ Ｐゴシック" panose="020B0600070205080204" pitchFamily="34" charset="-128"/>
               </a:rPr>
               <a:t>Consider this. Why did y not change?</a:t>
@@ -10570,14 +10886,17 @@
           </a:p>
           <a:p>
             <a:pPr marL="0" indent="0">
-              <a:buNone/>
-            </a:pPr>
-            <a:r>
-              <a:rPr lang="en-US" altLang="en-US" sz="3200" dirty="0">
-                <a:solidFill>
-                  <a:srgbClr val="660033"/>
-                </a:solidFill>
-                <a:latin typeface="Courier New" panose="02070309020205020404" pitchFamily="49" charset="0"/>
+              <a:spcAft>
+                <a:spcPct val="15000"/>
+              </a:spcAft>
+              <a:buNone/>
+            </a:pPr>
+            <a:r>
+              <a:rPr lang="en-US" altLang="en-US" sz="1300" dirty="0">
+                <a:solidFill>
+                  <a:schemeClr val="accent2"/>
+                </a:solidFill>
+                <a:latin typeface="Lucida Sans Typewriter" panose="020B0509030504030204" pitchFamily="49" charset="0"/>
                 <a:ea typeface="ＭＳ Ｐゴシック" panose="020B0600070205080204" pitchFamily="34" charset="-128"/>
               </a:rPr>
               <a:t>&gt;&gt;&gt; x = y = 1000</a:t>
@@ -10585,14 +10904,17 @@
           </a:p>
           <a:p>
             <a:pPr marL="0" indent="0">
-              <a:buNone/>
-            </a:pPr>
-            <a:r>
-              <a:rPr lang="en-US" altLang="en-US" sz="3200" dirty="0">
-                <a:solidFill>
-                  <a:srgbClr val="660033"/>
-                </a:solidFill>
-                <a:latin typeface="Courier New" panose="02070309020205020404" pitchFamily="49" charset="0"/>
+              <a:spcAft>
+                <a:spcPct val="15000"/>
+              </a:spcAft>
+              <a:buNone/>
+            </a:pPr>
+            <a:r>
+              <a:rPr lang="en-US" altLang="en-US" sz="1300" dirty="0">
+                <a:solidFill>
+                  <a:schemeClr val="accent2"/>
+                </a:solidFill>
+                <a:latin typeface="Lucida Sans Typewriter" panose="020B0509030504030204" pitchFamily="49" charset="0"/>
                 <a:ea typeface="ＭＳ Ｐゴシック" panose="020B0600070205080204" pitchFamily="34" charset="-128"/>
               </a:rPr>
               <a:t>&gt;&gt;&gt; x is y</a:t>
@@ -10600,14 +10922,17 @@
           </a:p>
           <a:p>
             <a:pPr marL="0" indent="0">
-              <a:buNone/>
-            </a:pPr>
-            <a:r>
-              <a:rPr lang="en-US" altLang="en-US" sz="3200" dirty="0">
-                <a:solidFill>
-                  <a:srgbClr val="660033"/>
-                </a:solidFill>
-                <a:latin typeface="Courier New" panose="02070309020205020404" pitchFamily="49" charset="0"/>
+              <a:spcAft>
+                <a:spcPct val="15000"/>
+              </a:spcAft>
+              <a:buNone/>
+            </a:pPr>
+            <a:r>
+              <a:rPr lang="en-US" altLang="en-US" sz="1300" dirty="0">
+                <a:solidFill>
+                  <a:schemeClr val="accent2"/>
+                </a:solidFill>
+                <a:latin typeface="Lucida Sans Typewriter" panose="020B0509030504030204" pitchFamily="49" charset="0"/>
                 <a:ea typeface="ＭＳ Ｐゴシック" panose="020B0600070205080204" pitchFamily="34" charset="-128"/>
               </a:rPr>
               <a:t>&gt;&gt;&gt; True</a:t>
@@ -10615,14 +10940,17 @@
           </a:p>
           <a:p>
             <a:pPr marL="0" indent="0">
-              <a:buNone/>
-            </a:pPr>
-            <a:r>
-              <a:rPr lang="en-US" altLang="en-US" sz="3200" dirty="0">
-                <a:solidFill>
-                  <a:srgbClr val="660033"/>
-                </a:solidFill>
-                <a:latin typeface="Courier New" panose="02070309020205020404" pitchFamily="49" charset="0"/>
+              <a:spcAft>
+                <a:spcPct val="15000"/>
+              </a:spcAft>
+              <a:buNone/>
+            </a:pPr>
+            <a:r>
+              <a:rPr lang="en-US" altLang="en-US" sz="1300" dirty="0">
+                <a:solidFill>
+                  <a:schemeClr val="accent2"/>
+                </a:solidFill>
+                <a:latin typeface="Lucida Sans Typewriter" panose="020B0509030504030204" pitchFamily="49" charset="0"/>
                 <a:ea typeface="ＭＳ Ｐゴシック" panose="020B0600070205080204" pitchFamily="34" charset="-128"/>
               </a:rPr>
               <a:t>&gt;&gt;&gt; x = 2000</a:t>
@@ -10630,14 +10958,17 @@
           </a:p>
           <a:p>
             <a:pPr marL="0" indent="0">
-              <a:buNone/>
-            </a:pPr>
-            <a:r>
-              <a:rPr lang="en-US" altLang="en-US" sz="3200" dirty="0">
-                <a:solidFill>
-                  <a:srgbClr val="660033"/>
-                </a:solidFill>
-                <a:latin typeface="Courier New" panose="02070309020205020404" pitchFamily="49" charset="0"/>
+              <a:spcAft>
+                <a:spcPct val="15000"/>
+              </a:spcAft>
+              <a:buNone/>
+            </a:pPr>
+            <a:r>
+              <a:rPr lang="en-US" altLang="en-US" sz="1300" dirty="0">
+                <a:solidFill>
+                  <a:schemeClr val="accent2"/>
+                </a:solidFill>
+                <a:latin typeface="Lucida Sans Typewriter" panose="020B0509030504030204" pitchFamily="49" charset="0"/>
                 <a:ea typeface="ＭＳ Ｐゴシック" panose="020B0600070205080204" pitchFamily="34" charset="-128"/>
               </a:rPr>
               <a:t>&gt;&gt;&gt; x</a:t>
@@ -10645,14 +10976,17 @@
           </a:p>
           <a:p>
             <a:pPr marL="0" indent="0">
-              <a:buNone/>
-            </a:pPr>
-            <a:r>
-              <a:rPr lang="en-US" altLang="en-US" sz="3200" dirty="0">
-                <a:solidFill>
-                  <a:srgbClr val="660033"/>
-                </a:solidFill>
-                <a:latin typeface="Courier New" panose="02070309020205020404" pitchFamily="49" charset="0"/>
+              <a:spcAft>
+                <a:spcPct val="15000"/>
+              </a:spcAft>
+              <a:buNone/>
+            </a:pPr>
+            <a:r>
+              <a:rPr lang="en-US" altLang="en-US" sz="1300" dirty="0">
+                <a:solidFill>
+                  <a:schemeClr val="accent2"/>
+                </a:solidFill>
+                <a:latin typeface="Lucida Sans Typewriter" panose="020B0509030504030204" pitchFamily="49" charset="0"/>
                 <a:ea typeface="ＭＳ Ｐゴシック" panose="020B0600070205080204" pitchFamily="34" charset="-128"/>
               </a:rPr>
               <a:t>&gt;&gt;&gt; 2000</a:t>
@@ -10660,14 +10994,17 @@
           </a:p>
           <a:p>
             <a:pPr marL="0" indent="0">
-              <a:buNone/>
-            </a:pPr>
-            <a:r>
-              <a:rPr lang="en-US" altLang="en-US" sz="3200" dirty="0">
-                <a:solidFill>
-                  <a:srgbClr val="660033"/>
-                </a:solidFill>
-                <a:latin typeface="Courier New" panose="02070309020205020404" pitchFamily="49" charset="0"/>
+              <a:spcAft>
+                <a:spcPct val="15000"/>
+              </a:spcAft>
+              <a:buNone/>
+            </a:pPr>
+            <a:r>
+              <a:rPr lang="en-US" altLang="en-US" sz="1300" dirty="0">
+                <a:solidFill>
+                  <a:schemeClr val="accent2"/>
+                </a:solidFill>
+                <a:latin typeface="Lucida Sans Typewriter" panose="020B0509030504030204" pitchFamily="49" charset="0"/>
                 <a:ea typeface="ＭＳ Ｐゴシック" panose="020B0600070205080204" pitchFamily="34" charset="-128"/>
               </a:rPr>
               <a:t>&gt;&gt;&gt; y</a:t>
@@ -10675,14 +11012,17 @@
           </a:p>
           <a:p>
             <a:pPr marL="0" indent="0">
-              <a:buNone/>
-            </a:pPr>
-            <a:r>
-              <a:rPr lang="en-US" altLang="en-US" sz="3200" dirty="0">
-                <a:solidFill>
-                  <a:srgbClr val="660033"/>
-                </a:solidFill>
-                <a:latin typeface="Courier New" panose="02070309020205020404" pitchFamily="49" charset="0"/>
+              <a:spcAft>
+                <a:spcPct val="15000"/>
+              </a:spcAft>
+              <a:buNone/>
+            </a:pPr>
+            <a:r>
+              <a:rPr lang="en-US" altLang="en-US" sz="1300" dirty="0">
+                <a:solidFill>
+                  <a:schemeClr val="accent2"/>
+                </a:solidFill>
+                <a:latin typeface="Lucida Sans Typewriter" panose="020B0509030504030204" pitchFamily="49" charset="0"/>
                 <a:ea typeface="ＭＳ Ｐゴシック" panose="020B0600070205080204" pitchFamily="34" charset="-128"/>
               </a:rPr>
               <a:t>&gt;&gt;&gt; 1000</a:t>

--- a/powerpoint/01 Variables_Operators_Logic_Math.pptx
+++ b/powerpoint/01 Variables_Operators_Logic_Math.pptx
@@ -474,7 +474,7 @@
           <a:p>
             <a:fld id="{9819AC5B-5C28-4682-8A2A-3D2C4E3BE131}" type="datetimeFigureOut">
               <a:rPr lang="en-US" smtClean="0"/>
-              <a:t>6/8/2018</a:t>
+              <a:t>6/11/2018</a:t>
             </a:fld>
             <a:endParaRPr lang="en-US"/>
           </a:p>
@@ -682,7 +682,7 @@
           <a:p>
             <a:fld id="{9819AC5B-5C28-4682-8A2A-3D2C4E3BE131}" type="datetimeFigureOut">
               <a:rPr lang="en-US" smtClean="0"/>
-              <a:t>6/8/2018</a:t>
+              <a:t>6/11/2018</a:t>
             </a:fld>
             <a:endParaRPr lang="en-US"/>
           </a:p>
@@ -1136,7 +1136,7 @@
           <a:p>
             <a:fld id="{9819AC5B-5C28-4682-8A2A-3D2C4E3BE131}" type="datetimeFigureOut">
               <a:rPr lang="en-US" smtClean="0"/>
-              <a:t>6/8/2018</a:t>
+              <a:t>6/11/2018</a:t>
             </a:fld>
             <a:endParaRPr lang="en-US"/>
           </a:p>
@@ -1401,7 +1401,7 @@
           <a:p>
             <a:fld id="{9819AC5B-5C28-4682-8A2A-3D2C4E3BE131}" type="datetimeFigureOut">
               <a:rPr lang="en-US" smtClean="0"/>
-              <a:t>6/8/2018</a:t>
+              <a:t>6/11/2018</a:t>
             </a:fld>
             <a:endParaRPr lang="en-US"/>
           </a:p>
@@ -1813,7 +1813,7 @@
           <a:p>
             <a:fld id="{9819AC5B-5C28-4682-8A2A-3D2C4E3BE131}" type="datetimeFigureOut">
               <a:rPr lang="en-US" smtClean="0"/>
-              <a:t>6/8/2018</a:t>
+              <a:t>6/11/2018</a:t>
             </a:fld>
             <a:endParaRPr lang="en-US"/>
           </a:p>
@@ -1954,7 +1954,7 @@
           <a:p>
             <a:fld id="{9819AC5B-5C28-4682-8A2A-3D2C4E3BE131}" type="datetimeFigureOut">
               <a:rPr lang="en-US" smtClean="0"/>
-              <a:t>6/8/2018</a:t>
+              <a:t>6/11/2018</a:t>
             </a:fld>
             <a:endParaRPr lang="en-US"/>
           </a:p>
@@ -2067,7 +2067,7 @@
           <a:p>
             <a:fld id="{9819AC5B-5C28-4682-8A2A-3D2C4E3BE131}" type="datetimeFigureOut">
               <a:rPr lang="en-US" smtClean="0"/>
-              <a:t>6/8/2018</a:t>
+              <a:t>6/11/2018</a:t>
             </a:fld>
             <a:endParaRPr lang="en-US"/>
           </a:p>
@@ -2378,7 +2378,7 @@
           <a:p>
             <a:fld id="{9819AC5B-5C28-4682-8A2A-3D2C4E3BE131}" type="datetimeFigureOut">
               <a:rPr lang="en-US" smtClean="0"/>
-              <a:t>6/8/2018</a:t>
+              <a:t>6/11/2018</a:t>
             </a:fld>
             <a:endParaRPr lang="en-US"/>
           </a:p>
@@ -2666,7 +2666,7 @@
           <a:p>
             <a:fld id="{9819AC5B-5C28-4682-8A2A-3D2C4E3BE131}" type="datetimeFigureOut">
               <a:rPr lang="en-US" smtClean="0"/>
-              <a:t>6/8/2018</a:t>
+              <a:t>6/11/2018</a:t>
             </a:fld>
             <a:endParaRPr lang="en-US"/>
           </a:p>
@@ -2907,7 +2907,7 @@
           <a:p>
             <a:fld id="{9819AC5B-5C28-4682-8A2A-3D2C4E3BE131}" type="datetimeFigureOut">
               <a:rPr lang="en-US" smtClean="0"/>
-              <a:t>6/8/2018</a:t>
+              <a:t>6/11/2018</a:t>
             </a:fld>
             <a:endParaRPr lang="en-US"/>
           </a:p>
@@ -3531,7 +3531,7 @@
                 <a:latin typeface="Lucida Sans Typewriter" panose="020B0509030504030204" pitchFamily="49" charset="0"/>
                 <a:ea typeface="ＭＳ Ｐゴシック" panose="020B0600070205080204" pitchFamily="34" charset="-128"/>
               </a:rPr>
-              <a:t> 	bob  </a:t>
+              <a:t> 	</a:t>
             </a:r>
             <a:r>
               <a:rPr lang="en-US" altLang="en-US" sz="1200" dirty="0" err="1">
@@ -3541,7 +3541,7 @@
                 <a:latin typeface="Lucida Sans Typewriter" panose="020B0509030504030204" pitchFamily="49" charset="0"/>
                 <a:ea typeface="ＭＳ Ｐゴシック" panose="020B0600070205080204" pitchFamily="34" charset="-128"/>
               </a:rPr>
-              <a:t>Bob</a:t>
+              <a:t>first_name</a:t>
             </a:r>
             <a:r>
               <a:rPr lang="en-US" altLang="en-US" sz="1200" dirty="0">
@@ -3551,7 +3551,7 @@
                 <a:latin typeface="Lucida Sans Typewriter" panose="020B0509030504030204" pitchFamily="49" charset="0"/>
                 <a:ea typeface="ＭＳ Ｐゴシック" panose="020B0600070205080204" pitchFamily="34" charset="-128"/>
               </a:rPr>
-              <a:t>  _bob  _2_bob_  bob_2  </a:t>
+              <a:t> </a:t>
             </a:r>
             <a:r>
               <a:rPr lang="en-US" altLang="en-US" sz="1200" dirty="0" err="1">
@@ -3561,8 +3561,29 @@
                 <a:latin typeface="Lucida Sans Typewriter" panose="020B0509030504030204" pitchFamily="49" charset="0"/>
                 <a:ea typeface="ＭＳ Ｐゴシック" panose="020B0600070205080204" pitchFamily="34" charset="-128"/>
               </a:rPr>
-              <a:t>BoB</a:t>
-            </a:r>
+              <a:t>firstname</a:t>
+            </a:r>
+            <a:r>
+              <a:rPr lang="en-US" altLang="en-US" sz="1200" dirty="0">
+                <a:solidFill>
+                  <a:schemeClr val="accent2"/>
+                </a:solidFill>
+                <a:latin typeface="Lucida Sans Typewriter" panose="020B0509030504030204" pitchFamily="49" charset="0"/>
+                <a:ea typeface="ＭＳ Ｐゴシック" panose="020B0600070205080204" pitchFamily="34" charset="-128"/>
+              </a:rPr>
+              <a:t>  FirstName _FirstName Name_1st</a:t>
+            </a:r>
+          </a:p>
+          <a:p>
+            <a:pPr marL="0" lvl="1" indent="0">
+              <a:lnSpc>
+                <a:spcPct val="70000"/>
+              </a:lnSpc>
+              <a:spcBef>
+                <a:spcPts val="1000"/>
+              </a:spcBef>
+              <a:buNone/>
+            </a:pPr>
             <a:endParaRPr lang="en-US" altLang="en-US" sz="1200" dirty="0">
               <a:solidFill>
                 <a:schemeClr val="accent2"/>
@@ -3572,29 +3593,23 @@
             </a:endParaRPr>
           </a:p>
           <a:p>
-            <a:pPr marL="0" lvl="1" indent="0">
-              <a:lnSpc>
-                <a:spcPct val="70000"/>
-              </a:lnSpc>
-              <a:spcBef>
-                <a:spcPts val="1000"/>
-              </a:spcBef>
-              <a:buNone/>
-            </a:pPr>
-            <a:endParaRPr lang="en-US" altLang="en-US" sz="1200" dirty="0">
-              <a:solidFill>
-                <a:schemeClr val="accent2"/>
-              </a:solidFill>
-              <a:latin typeface="Lucida Sans Typewriter" panose="020B0509030504030204" pitchFamily="49" charset="0"/>
-              <a:ea typeface="ＭＳ Ｐゴシック" panose="020B0600070205080204" pitchFamily="34" charset="-128"/>
-            </a:endParaRPr>
-          </a:p>
-          <a:p>
             <a:r>
               <a:rPr lang="en-US" altLang="en-US" dirty="0">
                 <a:ea typeface="ＭＳ Ｐゴシック" panose="020B0600070205080204" pitchFamily="34" charset="-128"/>
               </a:rPr>
-              <a:t>These are Python’s reserved words:</a:t>
+              <a:t>These are Python’s </a:t>
+            </a:r>
+            <a:r>
+              <a:rPr lang="en-US" altLang="en-US" i="1" dirty="0">
+                <a:ea typeface="ＭＳ Ｐゴシック" panose="020B0600070205080204" pitchFamily="34" charset="-128"/>
+              </a:rPr>
+              <a:t>reserved words</a:t>
+            </a:r>
+            <a:r>
+              <a:rPr lang="en-US" altLang="en-US" dirty="0">
+                <a:ea typeface="ＭＳ Ｐゴシック" panose="020B0600070205080204" pitchFamily="34" charset="-128"/>
+              </a:rPr>
+              <a:t>:</a:t>
             </a:r>
           </a:p>
           <a:p>
@@ -4399,7 +4414,7 @@
         <p:spPr>
           <a:xfrm>
             <a:off x="838200" y="2043738"/>
-            <a:ext cx="10515600" cy="3895667"/>
+            <a:ext cx="10515600" cy="4222838"/>
           </a:xfrm>
         </p:spPr>
         <p:txBody>
@@ -4415,43 +4430,16 @@
               <a:buNone/>
             </a:pPr>
             <a:r>
+              <a:rPr lang="en-US" altLang="en-US" sz="5500" b="1" dirty="0">
+                <a:ea typeface="ＭＳ Ｐゴシック" panose="020B0600070205080204" pitchFamily="34" charset="-128"/>
+              </a:rPr>
+              <a:t>Exercise</a:t>
+            </a:r>
+            <a:r>
               <a:rPr lang="en-US" altLang="en-US" sz="5500" dirty="0">
-                <a:solidFill>
-                  <a:schemeClr val="accent2"/>
-                </a:solidFill>
-                <a:latin typeface="Lucida Sans Typewriter" panose="020B0509030504030204" pitchFamily="49" charset="0"/>
-                <a:ea typeface="ＭＳ Ｐゴシック" panose="020B0600070205080204" pitchFamily="34" charset="-128"/>
-              </a:rPr>
-              <a:t>** </a:t>
-            </a:r>
-            <a:r>
-              <a:rPr lang="en-US" altLang="en-US" sz="5500" dirty="0">
-                <a:latin typeface="Courier New" panose="02070309020205020404" pitchFamily="49" charset="0"/>
-                <a:ea typeface="ＭＳ Ｐゴシック" panose="020B0600070205080204" pitchFamily="34" charset="-128"/>
-                <a:cs typeface="Courier New" panose="02070309020205020404" pitchFamily="49" charset="0"/>
-              </a:rPr>
-              <a:t>       </a:t>
-            </a:r>
-            <a:r>
-              <a:rPr lang="en-US" altLang="en-US" sz="5500" dirty="0">
-                <a:ea typeface="ＭＳ Ｐゴシック" panose="020B0600070205080204" pitchFamily="34" charset="-128"/>
-              </a:rPr>
-              <a:t>(highest precedence)</a:t>
-            </a:r>
-          </a:p>
-          <a:p>
-            <a:pPr marL="0" indent="0">
-              <a:buNone/>
-            </a:pPr>
-            <a:r>
-              <a:rPr lang="en-US" altLang="en-US" sz="5500" dirty="0">
-                <a:solidFill>
-                  <a:schemeClr val="accent2"/>
-                </a:solidFill>
-                <a:latin typeface="Lucida Sans Typewriter" panose="020B0509030504030204" pitchFamily="49" charset="0"/>
-                <a:ea typeface="ＭＳ Ｐゴシック" panose="020B0600070205080204" pitchFamily="34" charset="-128"/>
-              </a:rPr>
-              <a:t>*,/,//,%</a:t>
+                <a:ea typeface="ＭＳ Ｐゴシック" panose="020B0600070205080204" pitchFamily="34" charset="-128"/>
+              </a:rPr>
+              <a:t>: Write an expression to convert a given temperature in Fahrenheit to Celsius, and vice versa.</a:t>
             </a:r>
           </a:p>
           <a:p>
@@ -4461,6 +4449,90 @@
               </a:lnSpc>
               <a:buNone/>
             </a:pPr>
+            <a:endParaRPr lang="en-US" altLang="en-US" sz="5500" dirty="0">
+              <a:ea typeface="ＭＳ Ｐゴシック" panose="020B0600070205080204" pitchFamily="34" charset="-128"/>
+            </a:endParaRPr>
+          </a:p>
+          <a:p>
+            <a:pPr marL="0" indent="0">
+              <a:lnSpc>
+                <a:spcPct val="130000"/>
+              </a:lnSpc>
+              <a:buNone/>
+            </a:pPr>
+            <a:r>
+              <a:rPr lang="en-US" altLang="en-US" sz="5500" dirty="0">
+                <a:ea typeface="ＭＳ Ｐゴシック" panose="020B0600070205080204" pitchFamily="34" charset="-128"/>
+              </a:rPr>
+              <a:t>Operators have a </a:t>
+            </a:r>
+            <a:r>
+              <a:rPr lang="en-US" altLang="en-US" sz="5500" i="1" dirty="0">
+                <a:ea typeface="ＭＳ Ｐゴシック" panose="020B0600070205080204" pitchFamily="34" charset="-128"/>
+              </a:rPr>
+              <a:t>precedence</a:t>
+            </a:r>
+            <a:r>
+              <a:rPr lang="en-US" altLang="en-US" sz="5500" dirty="0">
+                <a:ea typeface="ＭＳ Ｐゴシック" panose="020B0600070205080204" pitchFamily="34" charset="-128"/>
+              </a:rPr>
+              <a:t> order:</a:t>
+            </a:r>
+          </a:p>
+          <a:p>
+            <a:pPr marL="0" indent="0">
+              <a:lnSpc>
+                <a:spcPct val="130000"/>
+              </a:lnSpc>
+              <a:buNone/>
+            </a:pPr>
+            <a:r>
+              <a:rPr lang="en-US" altLang="en-US" sz="5500" dirty="0">
+                <a:solidFill>
+                  <a:schemeClr val="accent2"/>
+                </a:solidFill>
+                <a:latin typeface="Lucida Sans Typewriter" panose="020B0509030504030204" pitchFamily="49" charset="0"/>
+                <a:ea typeface="ＭＳ Ｐゴシック" panose="020B0600070205080204" pitchFamily="34" charset="-128"/>
+              </a:rPr>
+              <a:t>** </a:t>
+            </a:r>
+            <a:r>
+              <a:rPr lang="en-US" altLang="en-US" sz="5500" dirty="0">
+                <a:latin typeface="Courier New" panose="02070309020205020404" pitchFamily="49" charset="0"/>
+                <a:ea typeface="ＭＳ Ｐゴシック" panose="020B0600070205080204" pitchFamily="34" charset="-128"/>
+                <a:cs typeface="Courier New" panose="02070309020205020404" pitchFamily="49" charset="0"/>
+              </a:rPr>
+              <a:t>       </a:t>
+            </a:r>
+            <a:r>
+              <a:rPr lang="en-US" altLang="en-US" sz="5500" dirty="0">
+                <a:ea typeface="ＭＳ Ｐゴシック" panose="020B0600070205080204" pitchFamily="34" charset="-128"/>
+              </a:rPr>
+              <a:t>(highest precedence)</a:t>
+            </a:r>
+          </a:p>
+          <a:p>
+            <a:pPr marL="0" indent="0">
+              <a:buNone/>
+            </a:pPr>
+            <a:r>
+              <a:rPr lang="en-US" altLang="en-US" sz="5500" dirty="0">
+                <a:solidFill>
+                  <a:schemeClr val="accent2"/>
+                </a:solidFill>
+                <a:latin typeface="Lucida Sans Typewriter" panose="020B0509030504030204" pitchFamily="49" charset="0"/>
+                <a:ea typeface="ＭＳ Ｐゴシック" panose="020B0600070205080204" pitchFamily="34" charset="-128"/>
+              </a:rPr>
+              <a:t>*,/,//,%</a:t>
+            </a:r>
+          </a:p>
+          <a:p>
+            <a:pPr marL="0" indent="0">
+              <a:lnSpc>
+                <a:spcPct val="130000"/>
+              </a:lnSpc>
+              <a:buNone/>
+            </a:pPr>
             <a:r>
               <a:rPr lang="en-US" altLang="en-US" sz="5500" dirty="0">
                 <a:solidFill>
@@ -4506,7 +4578,7 @@
               <a:rPr lang="en-US" altLang="en-US" sz="5500" dirty="0">
                 <a:ea typeface="ＭＳ Ｐゴシック" panose="020B0600070205080204" pitchFamily="34" charset="-128"/>
               </a:rPr>
-              <a:t>Operators of equal precedence are evaluated left to right, with the exception of exponentiation (**), evaluated right to left</a:t>
+              <a:t>Operators of equal precedence are evaluated left to right, or are they?</a:t>
             </a:r>
           </a:p>
           <a:p>
@@ -4585,20 +4657,6 @@
             <a:endParaRPr lang="en-US" altLang="en-US" sz="2400" dirty="0">
               <a:ea typeface="ＭＳ Ｐゴシック" panose="020B0600070205080204" pitchFamily="34" charset="-128"/>
             </a:endParaRPr>
-          </a:p>
-          <a:p>
-            <a:pPr marL="0" indent="0">
-              <a:lnSpc>
-                <a:spcPct val="130000"/>
-              </a:lnSpc>
-              <a:buNone/>
-            </a:pPr>
-            <a:r>
-              <a:rPr lang="en-US" altLang="en-US" sz="5500" dirty="0">
-                <a:ea typeface="ＭＳ Ｐゴシック" panose="020B0600070205080204" pitchFamily="34" charset="-128"/>
-              </a:rPr>
-              <a:t>Exercise: Write an expression to convert a given temperature in Fahrenheit to Celsius, and vice versa.</a:t>
-            </a:r>
           </a:p>
         </p:txBody>
       </p:sp>
@@ -4728,7 +4786,7 @@
               <a:rPr lang="en-US" altLang="en-US" sz="2300" dirty="0">
                 <a:ea typeface="ＭＳ Ｐゴシック" panose="020B0600070205080204" pitchFamily="34" charset="-128"/>
               </a:rPr>
-              <a:t>“Explicit is better than implicit.” – The Zen of Python, by Tim Peters</a:t>
+              <a:t>“Explicit is better than implicit.” – The Zen of Python</a:t>
             </a:r>
           </a:p>
         </p:txBody>
@@ -5326,7 +5384,7 @@
               <a:buNone/>
             </a:pPr>
             <a:r>
-              <a:rPr lang="en-US" altLang="en-US" sz="2300" dirty="0">
+              <a:rPr lang="en-US" altLang="en-US" sz="2300" b="1" dirty="0">
                 <a:ea typeface="ＭＳ Ｐゴシック" panose="020B0600070205080204" pitchFamily="34" charset="-128"/>
               </a:rPr>
               <a:t>Exercise 1.1</a:t>
@@ -5446,7 +5504,7 @@
         </p:spPr>
         <p:txBody>
           <a:bodyPr>
-            <a:normAutofit fontScale="85000" lnSpcReduction="20000"/>
+            <a:normAutofit lnSpcReduction="10000"/>
           </a:bodyPr>
           <a:lstStyle/>
           <a:p>
@@ -5610,21 +5668,6 @@
               <a:ea typeface="ＭＳ Ｐゴシック" panose="020B0600070205080204" pitchFamily="34" charset="-128"/>
               <a:cs typeface="Courier New" panose="02070309020205020404" pitchFamily="49" charset="0"/>
             </a:endParaRPr>
-          </a:p>
-          <a:p>
-            <a:pPr marL="0" indent="0">
-              <a:buNone/>
-            </a:pPr>
-            <a:r>
-              <a:rPr lang="en-US" altLang="en-US" sz="1400" dirty="0">
-                <a:solidFill>
-                  <a:schemeClr val="accent2"/>
-                </a:solidFill>
-                <a:latin typeface="Lucida Sans Typewriter" panose="020B0509030504030204" pitchFamily="49" charset="0"/>
-                <a:ea typeface="ＭＳ Ｐゴシック" panose="020B0600070205080204" pitchFamily="34" charset="-128"/>
-              </a:rPr>
-              <a:t>import this</a:t>
-            </a:r>
           </a:p>
         </p:txBody>
       </p:sp>
@@ -5729,7 +5772,31 @@
               <a:rPr lang="en-US" altLang="en-US" sz="9200" dirty="0">
                 <a:ea typeface="ＭＳ Ｐゴシック" panose="020B0600070205080204" pitchFamily="34" charset="-128"/>
               </a:rPr>
-              <a:t>Modules give us functions as well as useful constants.</a:t>
+              <a:t>Modules give us </a:t>
+            </a:r>
+            <a:r>
+              <a:rPr lang="en-US" altLang="en-US" sz="9200" i="1" dirty="0">
+                <a:ea typeface="ＭＳ Ｐゴシック" panose="020B0600070205080204" pitchFamily="34" charset="-128"/>
+              </a:rPr>
+              <a:t>functions</a:t>
+            </a:r>
+            <a:r>
+              <a:rPr lang="en-US" altLang="en-US" sz="9200" dirty="0">
+                <a:ea typeface="ＭＳ Ｐゴシック" panose="020B0600070205080204" pitchFamily="34" charset="-128"/>
+              </a:rPr>
+              <a:t> as well as useful </a:t>
+            </a:r>
+            <a:r>
+              <a:rPr lang="en-US" altLang="en-US" sz="9200" i="1" dirty="0">
+                <a:ea typeface="ＭＳ Ｐゴシック" panose="020B0600070205080204" pitchFamily="34" charset="-128"/>
+              </a:rPr>
+              <a:t>constants</a:t>
+            </a:r>
+            <a:r>
+              <a:rPr lang="en-US" altLang="en-US" sz="9200" dirty="0">
+                <a:ea typeface="ＭＳ Ｐゴシック" panose="020B0600070205080204" pitchFamily="34" charset="-128"/>
+              </a:rPr>
+              <a:t>.</a:t>
             </a:r>
           </a:p>
           <a:p>
@@ -5740,10 +5807,16 @@
               <a:buNone/>
             </a:pPr>
             <a:r>
+              <a:rPr lang="en-US" altLang="en-US" sz="9200" b="1" dirty="0">
+                <a:ea typeface="ＭＳ Ｐゴシック" panose="020B0600070205080204" pitchFamily="34" charset="-128"/>
+              </a:rPr>
+              <a:t>Exercise 1.2</a:t>
+            </a:r>
+            <a:r>
               <a:rPr lang="en-US" altLang="en-US" sz="9200" dirty="0">
                 <a:ea typeface="ＭＳ Ｐゴシック" panose="020B0600070205080204" pitchFamily="34" charset="-128"/>
               </a:rPr>
-              <a:t>Exercise 1.2: Find the area of a circle given its radius.</a:t>
+              <a:t>: Find the area of a circle given its radius.</a:t>
             </a:r>
           </a:p>
           <a:p>
@@ -5823,7 +5896,19 @@
               <a:rPr lang="en-US" altLang="en-US" sz="9200" dirty="0">
                 <a:ea typeface="ＭＳ Ｐゴシック" panose="020B0600070205080204" pitchFamily="34" charset="-128"/>
               </a:rPr>
-              <a:t>We can import everything inside the module</a:t>
+              <a:t>We can import </a:t>
+            </a:r>
+            <a:r>
+              <a:rPr lang="en-US" altLang="en-US" sz="9200" i="1" dirty="0">
+                <a:ea typeface="ＭＳ Ｐゴシック" panose="020B0600070205080204" pitchFamily="34" charset="-128"/>
+              </a:rPr>
+              <a:t>everything</a:t>
+            </a:r>
+            <a:r>
+              <a:rPr lang="en-US" altLang="en-US" sz="9200" dirty="0">
+                <a:ea typeface="ＭＳ Ｐゴシック" panose="020B0600070205080204" pitchFamily="34" charset="-128"/>
+              </a:rPr>
+              <a:t> inside the module</a:t>
             </a:r>
           </a:p>
           <a:p>
@@ -5849,10 +5934,16 @@
               <a:buNone/>
             </a:pPr>
             <a:r>
+              <a:rPr lang="en-US" altLang="en-US" sz="9200" b="1" dirty="0">
+                <a:ea typeface="ＭＳ Ｐゴシック" panose="020B0600070205080204" pitchFamily="34" charset="-128"/>
+              </a:rPr>
+              <a:t>Exercise 1.3: </a:t>
+            </a:r>
+            <a:r>
               <a:rPr lang="en-US" altLang="en-US" sz="9200" dirty="0">
                 <a:ea typeface="ＭＳ Ｐゴシック" panose="020B0600070205080204" pitchFamily="34" charset="-128"/>
               </a:rPr>
-              <a:t>Exercise 1.3: Importing everything from a module</a:t>
+              <a:t>Importing everything from a module</a:t>
             </a:r>
           </a:p>
         </p:txBody>
@@ -6316,7 +6407,43 @@
               <a:rPr lang="en-US" altLang="en-US" sz="2300" dirty="0">
                 <a:ea typeface="ＭＳ Ｐゴシック" panose="020B0600070205080204" pitchFamily="34" charset="-128"/>
               </a:rPr>
-              <a:t>Logic Operators not, and, or can be used with </a:t>
+              <a:t>Logic Operators </a:t>
+            </a:r>
+            <a:r>
+              <a:rPr lang="en-US" altLang="en-US" sz="2300" i="1" dirty="0">
+                <a:ea typeface="ＭＳ Ｐゴシック" panose="020B0600070205080204" pitchFamily="34" charset="-128"/>
+              </a:rPr>
+              <a:t>not</a:t>
+            </a:r>
+            <a:r>
+              <a:rPr lang="en-US" altLang="en-US" sz="2300" dirty="0">
+                <a:ea typeface="ＭＳ Ｐゴシック" panose="020B0600070205080204" pitchFamily="34" charset="-128"/>
+              </a:rPr>
+              <a:t>, </a:t>
+            </a:r>
+            <a:r>
+              <a:rPr lang="en-US" altLang="en-US" sz="2300" i="1" dirty="0">
+                <a:ea typeface="ＭＳ Ｐゴシック" panose="020B0600070205080204" pitchFamily="34" charset="-128"/>
+              </a:rPr>
+              <a:t>and</a:t>
+            </a:r>
+            <a:r>
+              <a:rPr lang="en-US" altLang="en-US" sz="2300" dirty="0">
+                <a:ea typeface="ＭＳ Ｐゴシック" panose="020B0600070205080204" pitchFamily="34" charset="-128"/>
+              </a:rPr>
+              <a:t>, </a:t>
+            </a:r>
+            <a:r>
+              <a:rPr lang="en-US" altLang="en-US" sz="2300" i="1" dirty="0">
+                <a:ea typeface="ＭＳ Ｐゴシック" panose="020B0600070205080204" pitchFamily="34" charset="-128"/>
+              </a:rPr>
+              <a:t>or </a:t>
+            </a:r>
+            <a:r>
+              <a:rPr lang="en-US" altLang="en-US" sz="2300" dirty="0">
+                <a:ea typeface="ＭＳ Ｐゴシック" panose="020B0600070205080204" pitchFamily="34" charset="-128"/>
+              </a:rPr>
+              <a:t>can be used with </a:t>
             </a:r>
             <a:r>
               <a:rPr lang="en-US" altLang="en-US" sz="2300" dirty="0" err="1">
@@ -6888,7 +7015,19 @@
               <a:rPr lang="en-US" altLang="en-US" sz="2700" dirty="0">
                 <a:ea typeface="ＭＳ Ｐゴシック" panose="020B0600070205080204" pitchFamily="34" charset="-128"/>
               </a:rPr>
-              <a:t>Used to represent absence of a value.</a:t>
+              <a:t>Used to represent </a:t>
+            </a:r>
+            <a:r>
+              <a:rPr lang="en-US" altLang="en-US" sz="2700" i="1" dirty="0">
+                <a:ea typeface="ＭＳ Ｐゴシック" panose="020B0600070205080204" pitchFamily="34" charset="-128"/>
+              </a:rPr>
+              <a:t>absence</a:t>
+            </a:r>
+            <a:r>
+              <a:rPr lang="en-US" altLang="en-US" sz="2700" dirty="0">
+                <a:ea typeface="ＭＳ Ｐゴシック" panose="020B0600070205080204" pitchFamily="34" charset="-128"/>
+              </a:rPr>
+              <a:t> of a value.</a:t>
             </a:r>
           </a:p>
           <a:p>
@@ -8371,7 +8510,7 @@
               <a:buNone/>
             </a:pPr>
             <a:r>
-              <a:rPr lang="en-US" altLang="en-US" sz="2500" dirty="0">
+              <a:rPr lang="en-US" altLang="en-US" sz="2500" b="1" dirty="0">
                 <a:ea typeface="ＭＳ Ｐゴシック" panose="020B0600070205080204" pitchFamily="34" charset="-128"/>
               </a:rPr>
               <a:t>Exercise 1.4</a:t>
@@ -9302,7 +9441,7 @@
                 <a:latin typeface="Lucida Sans Typewriter" panose="020B0509030504030204" pitchFamily="49" charset="0"/>
                 <a:ea typeface="ＭＳ Ｐゴシック" panose="020B0600070205080204" pitchFamily="34" charset="-128"/>
               </a:rPr>
-              <a:t>z = 5 / 2  # Answer 2, or 2.5 ?</a:t>
+              <a:t>z = 5 * 2</a:t>
             </a:r>
           </a:p>
           <a:p>
@@ -9327,155 +9466,6 @@
                 <a:ea typeface="ＭＳ Ｐゴシック" panose="020B0600070205080204" pitchFamily="34" charset="-128"/>
               </a:rPr>
               <a:t>x = 3.456</a:t>
-            </a:r>
-          </a:p>
-          <a:p>
-            <a:r>
-              <a:rPr lang="en-US" altLang="en-US" dirty="0">
-                <a:ea typeface="ＭＳ Ｐゴシック" panose="020B0600070205080204" pitchFamily="34" charset="-128"/>
-              </a:rPr>
-              <a:t>Strings</a:t>
-            </a:r>
-          </a:p>
-          <a:p>
-            <a:pPr lvl="1"/>
-            <a:r>
-              <a:rPr lang="en-US" altLang="en-US" sz="2600" dirty="0">
-                <a:ea typeface="ＭＳ Ｐゴシック" panose="020B0600070205080204" pitchFamily="34" charset="-128"/>
-              </a:rPr>
-              <a:t>Can use “” or ‘’ to specify with </a:t>
-            </a:r>
-            <a:r>
-              <a:rPr lang="en-US" altLang="en-US" sz="2600" dirty="0">
-                <a:solidFill>
-                  <a:schemeClr val="accent2"/>
-                </a:solidFill>
-                <a:latin typeface="Lucida Sans Typewriter" panose="020B0509030504030204" pitchFamily="49" charset="0"/>
-                <a:ea typeface="ＭＳ Ｐゴシック" panose="020B0600070205080204" pitchFamily="34" charset="-128"/>
-              </a:rPr>
-              <a:t>“</a:t>
-            </a:r>
-            <a:r>
-              <a:rPr lang="en-US" altLang="en-US" sz="2600" dirty="0" err="1">
-                <a:solidFill>
-                  <a:schemeClr val="accent2"/>
-                </a:solidFill>
-                <a:latin typeface="Lucida Sans Typewriter" panose="020B0509030504030204" pitchFamily="49" charset="0"/>
-                <a:ea typeface="ＭＳ Ｐゴシック" panose="020B0600070205080204" pitchFamily="34" charset="-128"/>
-              </a:rPr>
-              <a:t>abc</a:t>
-            </a:r>
-            <a:r>
-              <a:rPr lang="en-US" altLang="en-US" sz="2600" dirty="0">
-                <a:solidFill>
-                  <a:schemeClr val="accent2"/>
-                </a:solidFill>
-                <a:latin typeface="Lucida Sans Typewriter" panose="020B0509030504030204" pitchFamily="49" charset="0"/>
-                <a:ea typeface="ＭＳ Ｐゴシック" panose="020B0600070205080204" pitchFamily="34" charset="-128"/>
-              </a:rPr>
-              <a:t>” </a:t>
-            </a:r>
-            <a:r>
-              <a:rPr lang="en-US" altLang="en-US" sz="2600" dirty="0">
-                <a:ea typeface="ＭＳ Ｐゴシック" panose="020B0600070205080204" pitchFamily="34" charset="-128"/>
-              </a:rPr>
-              <a:t>== </a:t>
-            </a:r>
-            <a:r>
-              <a:rPr lang="en-US" altLang="en-US" sz="2600" dirty="0">
-                <a:solidFill>
-                  <a:schemeClr val="accent2"/>
-                </a:solidFill>
-                <a:latin typeface="Lucida Sans Typewriter" panose="020B0509030504030204" pitchFamily="49" charset="0"/>
-                <a:ea typeface="ＭＳ Ｐゴシック" panose="020B0600070205080204" pitchFamily="34" charset="-128"/>
-              </a:rPr>
-              <a:t>‘</a:t>
-            </a:r>
-            <a:r>
-              <a:rPr lang="en-US" altLang="en-US" sz="2600" dirty="0" err="1">
-                <a:solidFill>
-                  <a:schemeClr val="accent2"/>
-                </a:solidFill>
-                <a:latin typeface="Lucida Sans Typewriter" panose="020B0509030504030204" pitchFamily="49" charset="0"/>
-                <a:ea typeface="ＭＳ Ｐゴシック" panose="020B0600070205080204" pitchFamily="34" charset="-128"/>
-              </a:rPr>
-              <a:t>abc</a:t>
-            </a:r>
-            <a:r>
-              <a:rPr lang="en-US" altLang="en-US" sz="2600" dirty="0">
-                <a:solidFill>
-                  <a:schemeClr val="accent2"/>
-                </a:solidFill>
-                <a:latin typeface="Lucida Sans Typewriter" panose="020B0509030504030204" pitchFamily="49" charset="0"/>
-                <a:ea typeface="ＭＳ Ｐゴシック" panose="020B0600070205080204" pitchFamily="34" charset="-128"/>
-              </a:rPr>
-              <a:t>’</a:t>
-            </a:r>
-            <a:endParaRPr lang="en-US" altLang="en-US" sz="2600" dirty="0">
-              <a:ea typeface="ＭＳ Ｐゴシック" panose="020B0600070205080204" pitchFamily="34" charset="-128"/>
-            </a:endParaRPr>
-          </a:p>
-          <a:p>
-            <a:pPr lvl="1"/>
-            <a:r>
-              <a:rPr lang="en-US" altLang="en-US" sz="2600" dirty="0">
-                <a:ea typeface="ＭＳ Ｐゴシック" panose="020B0600070205080204" pitchFamily="34" charset="-128"/>
-              </a:rPr>
-              <a:t>Unmatched can occur within the string: </a:t>
-            </a:r>
-            <a:r>
-              <a:rPr lang="en-US" altLang="en-US" sz="2600" dirty="0">
-                <a:solidFill>
-                  <a:schemeClr val="accent2"/>
-                </a:solidFill>
-                <a:latin typeface="Lucida Sans Typewriter" panose="020B0509030504030204" pitchFamily="49" charset="0"/>
-                <a:ea typeface="ＭＳ Ｐゴシック" panose="020B0600070205080204" pitchFamily="34" charset="-128"/>
-              </a:rPr>
-              <a:t>“matt’s”</a:t>
-            </a:r>
-          </a:p>
-          <a:p>
-            <a:pPr lvl="1"/>
-            <a:r>
-              <a:rPr lang="en-US" altLang="en-US" sz="2600" dirty="0">
-                <a:ea typeface="ＭＳ Ｐゴシック" panose="020B0600070205080204" pitchFamily="34" charset="-128"/>
-              </a:rPr>
-              <a:t>Use triple double-quotes for multi-line strings or strings than contain both ‘ and “ inside of them:  </a:t>
-            </a:r>
-            <a:br>
-              <a:rPr lang="en-US" altLang="en-US" sz="2600" dirty="0">
-                <a:ea typeface="ＭＳ Ｐゴシック" panose="020B0600070205080204" pitchFamily="34" charset="-128"/>
-              </a:rPr>
-            </a:br>
-            <a:r>
-              <a:rPr lang="en-US" altLang="en-US" sz="2600" dirty="0">
-                <a:solidFill>
-                  <a:schemeClr val="accent2"/>
-                </a:solidFill>
-                <a:latin typeface="Lucida Sans Typewriter" panose="020B0509030504030204" pitchFamily="49" charset="0"/>
-                <a:ea typeface="ＭＳ Ｐゴシック" panose="020B0600070205080204" pitchFamily="34" charset="-128"/>
-              </a:rPr>
-              <a:t>“““</a:t>
-            </a:r>
-            <a:r>
-              <a:rPr lang="en-US" altLang="en-US" sz="2600" dirty="0" err="1">
-                <a:solidFill>
-                  <a:schemeClr val="accent2"/>
-                </a:solidFill>
-                <a:latin typeface="Lucida Sans Typewriter" panose="020B0509030504030204" pitchFamily="49" charset="0"/>
-                <a:ea typeface="ＭＳ Ｐゴシック" panose="020B0600070205080204" pitchFamily="34" charset="-128"/>
-              </a:rPr>
-              <a:t>a‘b“c</a:t>
-            </a:r>
-            <a:r>
-              <a:rPr lang="en-US" altLang="en-US" sz="2600" dirty="0">
-                <a:solidFill>
-                  <a:schemeClr val="accent2"/>
-                </a:solidFill>
-                <a:latin typeface="Lucida Sans Typewriter" panose="020B0509030504030204" pitchFamily="49" charset="0"/>
-                <a:ea typeface="ＭＳ Ｐゴシック" panose="020B0600070205080204" pitchFamily="34" charset="-128"/>
-              </a:rPr>
-              <a:t>”””</a:t>
             </a:r>
           </a:p>
         </p:txBody>
@@ -9562,7 +9552,7 @@
         <p:spPr/>
         <p:txBody>
           <a:bodyPr>
-            <a:normAutofit fontScale="85000" lnSpcReduction="20000"/>
+            <a:normAutofit/>
           </a:bodyPr>
           <a:lstStyle/>
           <a:p>
@@ -9572,72 +9562,95 @@
               </a:spcAft>
             </a:pPr>
             <a:r>
+              <a:rPr lang="en-US" altLang="en-US" dirty="0">
+                <a:ea typeface="ＭＳ Ｐゴシック" panose="020B0600070205080204" pitchFamily="34" charset="-128"/>
+              </a:rPr>
+              <a:t>You create a </a:t>
+            </a:r>
+            <a:r>
               <a:rPr lang="en-US" altLang="en-US" i="1" dirty="0">
                 <a:ea typeface="ＭＳ Ｐゴシック" panose="020B0600070205080204" pitchFamily="34" charset="-128"/>
               </a:rPr>
-              <a:t>Binding a variable</a:t>
+              <a:t>name</a:t>
             </a:r>
             <a:r>
               <a:rPr lang="en-US" altLang="en-US" dirty="0">
                 <a:ea typeface="ＭＳ Ｐゴシック" panose="020B0600070205080204" pitchFamily="34" charset="-128"/>
               </a:rPr>
-              <a:t> in Python means setting a </a:t>
-            </a:r>
-            <a:r>
-              <a:rPr lang="en-US" altLang="en-US" i="1" dirty="0">
-                <a:solidFill>
-                  <a:schemeClr val="accent2"/>
-                </a:solidFill>
-                <a:ea typeface="ＭＳ Ｐゴシック" panose="020B0600070205080204" pitchFamily="34" charset="-128"/>
-              </a:rPr>
+              <a:t> the first time it appears on the left side of an assignment expression:    </a:t>
+            </a:r>
+            <a:br>
+              <a:rPr lang="en-US" altLang="en-US" dirty="0">
+                <a:ea typeface="ＭＳ Ｐゴシック" panose="020B0600070205080204" pitchFamily="34" charset="-128"/>
+              </a:rPr>
+            </a:br>
+            <a:r>
+              <a:rPr lang="en-US" altLang="en-US" sz="2000" dirty="0">
+                <a:solidFill>
+                  <a:schemeClr val="accent2"/>
+                </a:solidFill>
+                <a:latin typeface="Lucida Sans Typewriter" panose="020B0509030504030204" pitchFamily="49" charset="0"/>
+                <a:ea typeface="ＭＳ Ｐゴシック" panose="020B0600070205080204" pitchFamily="34" charset="-128"/>
+              </a:rPr>
+              <a:t>	x = 3</a:t>
+            </a:r>
+          </a:p>
+          <a:p>
+            <a:pPr lvl="0"/>
+            <a:r>
+              <a:rPr lang="en-US" dirty="0"/>
+              <a:t>We set a </a:t>
+            </a:r>
+            <a:r>
+              <a:rPr lang="en-US" i="1" dirty="0"/>
               <a:t>name</a:t>
             </a:r>
             <a:r>
-              <a:rPr lang="en-US" altLang="en-US" dirty="0">
-                <a:ea typeface="ＭＳ Ｐゴシック" panose="020B0600070205080204" pitchFamily="34" charset="-128"/>
-              </a:rPr>
+              <a:rPr lang="en-US" dirty="0"/>
               <a:t> to hold a </a:t>
             </a:r>
             <a:r>
-              <a:rPr lang="en-US" altLang="en-US" i="1" dirty="0">
-                <a:solidFill>
-                  <a:schemeClr val="accent2"/>
-                </a:solidFill>
-                <a:ea typeface="ＭＳ Ｐゴシック" panose="020B0600070205080204" pitchFamily="34" charset="-128"/>
-              </a:rPr>
+              <a:rPr lang="en-US" i="1" dirty="0"/>
               <a:t>reference</a:t>
             </a:r>
             <a:r>
-              <a:rPr lang="en-US" altLang="en-US" dirty="0">
-                <a:ea typeface="ＭＳ Ｐゴシック" panose="020B0600070205080204" pitchFamily="34" charset="-128"/>
-              </a:rPr>
+              <a:rPr lang="en-US" dirty="0"/>
               <a:t> to some </a:t>
             </a:r>
             <a:r>
-              <a:rPr lang="en-US" altLang="en-US" i="1" dirty="0">
-                <a:solidFill>
-                  <a:schemeClr val="accent2"/>
-                </a:solidFill>
-                <a:ea typeface="ＭＳ Ｐゴシック" panose="020B0600070205080204" pitchFamily="34" charset="-128"/>
-              </a:rPr>
+              <a:rPr lang="en-US" i="1" dirty="0"/>
               <a:t>object</a:t>
             </a:r>
-            <a:endParaRPr lang="en-US" altLang="en-US" dirty="0">
+            <a:endParaRPr lang="en-US" dirty="0"/>
+          </a:p>
+          <a:p>
+            <a:pPr lvl="1"/>
+            <a:r>
+              <a:rPr lang="en-US" i="1" dirty="0"/>
+              <a:t>Assignment creates references, not copies</a:t>
+            </a:r>
+            <a:endParaRPr lang="en-US" dirty="0"/>
+          </a:p>
+          <a:p>
+            <a:pPr lvl="0"/>
+            <a:r>
+              <a:rPr lang="en-US" dirty="0"/>
+              <a:t>Names in Python do not have an intrinsic type,  objects have types</a:t>
+            </a:r>
+          </a:p>
+          <a:p>
+            <a:pPr lvl="1"/>
+            <a:r>
+              <a:rPr lang="en-US" dirty="0"/>
+              <a:t>Python determines the type of the reference automatically based on what data is assigned to it</a:t>
+            </a:r>
+            <a:endParaRPr lang="en-US" altLang="en-US" sz="2000" dirty="0">
+              <a:solidFill>
+                <a:schemeClr val="accent2"/>
+              </a:solidFill>
+              <a:latin typeface="Lucida Sans Typewriter" panose="020B0509030504030204" pitchFamily="49" charset="0"/>
               <a:ea typeface="ＭＳ Ｐゴシック" panose="020B0600070205080204" pitchFamily="34" charset="-128"/>
             </a:endParaRPr>
-          </a:p>
-          <a:p>
-            <a:pPr lvl="1">
-              <a:spcAft>
-                <a:spcPct val="15000"/>
-              </a:spcAft>
-            </a:pPr>
-            <a:r>
-              <a:rPr lang="en-US" altLang="en-US" i="1" dirty="0">
-                <a:ea typeface="ＭＳ Ｐゴシック" panose="020B0600070205080204" pitchFamily="34" charset="-128"/>
-              </a:rPr>
-              <a:t>Assignment creates references, not copies</a:t>
-            </a:r>
           </a:p>
           <a:p>
             <a:pPr>
@@ -9649,88 +9662,19 @@
               <a:rPr lang="en-US" altLang="en-US" dirty="0">
                 <a:ea typeface="ＭＳ Ｐゴシック" panose="020B0600070205080204" pitchFamily="34" charset="-128"/>
               </a:rPr>
-              <a:t>Names in Python do not have an intrinsic type,  objects have types</a:t>
-            </a:r>
-          </a:p>
-          <a:p>
-            <a:pPr lvl="1">
-              <a:spcAft>
-                <a:spcPct val="15000"/>
-              </a:spcAft>
-            </a:pPr>
+              <a:t>A reference is deleted via </a:t>
+            </a:r>
+            <a:r>
+              <a:rPr lang="en-US" altLang="en-US" i="1" dirty="0">
+                <a:ea typeface="ＭＳ Ｐゴシック" panose="020B0600070205080204" pitchFamily="34" charset="-128"/>
+              </a:rPr>
+              <a:t>garbage collection </a:t>
+            </a:r>
             <a:r>
               <a:rPr lang="en-US" altLang="en-US" dirty="0">
                 <a:ea typeface="ＭＳ Ｐゴシック" panose="020B0600070205080204" pitchFamily="34" charset="-128"/>
               </a:rPr>
-              <a:t>Python determines the type of the reference automatically based on what data is assigned to it</a:t>
-            </a:r>
-          </a:p>
-          <a:p>
-            <a:pPr>
-              <a:spcAft>
-                <a:spcPct val="15000"/>
-              </a:spcAft>
-            </a:pPr>
-            <a:r>
-              <a:rPr lang="en-US" altLang="en-US" dirty="0">
-                <a:ea typeface="ＭＳ Ｐゴシック" panose="020B0600070205080204" pitchFamily="34" charset="-128"/>
-              </a:rPr>
-              <a:t>You create a name the first time it appears on the left side of an assignment expression:    </a:t>
-            </a:r>
-            <a:br>
-              <a:rPr lang="en-US" altLang="en-US" dirty="0">
-                <a:ea typeface="ＭＳ Ｐゴシック" panose="020B0600070205080204" pitchFamily="34" charset="-128"/>
-              </a:rPr>
-            </a:br>
-            <a:r>
-              <a:rPr lang="en-US" altLang="en-US" sz="2000" dirty="0">
-                <a:solidFill>
-                  <a:schemeClr val="accent2"/>
-                </a:solidFill>
-                <a:latin typeface="Lucida Sans Typewriter" panose="020B0509030504030204" pitchFamily="49" charset="0"/>
-                <a:ea typeface="ＭＳ Ｐゴシック" panose="020B0600070205080204" pitchFamily="34" charset="-128"/>
-              </a:rPr>
-              <a:t>	x = 3</a:t>
-            </a:r>
-          </a:p>
-          <a:p>
-            <a:pPr>
-              <a:spcAft>
-                <a:spcPct val="15000"/>
-              </a:spcAft>
-            </a:pPr>
-            <a:r>
-              <a:rPr lang="en-US" altLang="en-US" dirty="0">
-                <a:ea typeface="ＭＳ Ｐゴシック" panose="020B0600070205080204" pitchFamily="34" charset="-128"/>
-              </a:rPr>
-              <a:t>A reference is deleted via garbage collection after any names bound to it have passed out of scope</a:t>
-            </a:r>
-          </a:p>
-          <a:p>
-            <a:pPr marL="236538" indent="-236538"/>
-            <a:r>
-              <a:rPr lang="en-US" altLang="en-US" sz="3200" dirty="0">
-                <a:ea typeface="ＭＳ Ｐゴシック" panose="020B0600070205080204" pitchFamily="34" charset="-128"/>
-              </a:rPr>
-              <a:t>Assignments can be chained</a:t>
-            </a:r>
-          </a:p>
-          <a:p>
-            <a:pPr marL="0" indent="0">
-              <a:spcAft>
-                <a:spcPct val="15000"/>
-              </a:spcAft>
-              <a:buNone/>
-            </a:pPr>
-            <a:r>
-              <a:rPr lang="en-US" altLang="en-US" sz="2000" dirty="0">
-                <a:solidFill>
-                  <a:schemeClr val="accent2"/>
-                </a:solidFill>
-                <a:latin typeface="Lucida Sans Typewriter" panose="020B0509030504030204" pitchFamily="49" charset="0"/>
-                <a:ea typeface="ＭＳ Ｐゴシック" panose="020B0600070205080204" pitchFamily="34" charset="-128"/>
-              </a:rPr>
-              <a:t>	a = b = x = 3  # Are these referring to the same location?</a:t>
+              <a:t>after any names bound to it have passed out of scope</a:t>
             </a:r>
           </a:p>
         </p:txBody>
@@ -10132,7 +10076,7 @@
         </p:spPr>
         <p:txBody>
           <a:bodyPr>
-            <a:normAutofit fontScale="32500" lnSpcReduction="20000"/>
+            <a:normAutofit fontScale="40000" lnSpcReduction="20000"/>
           </a:bodyPr>
           <a:lstStyle/>
           <a:p>
@@ -10231,60 +10175,6 @@
                 <a:ea typeface="ＭＳ Ｐゴシック" panose="020B0600070205080204" pitchFamily="34" charset="-128"/>
               </a:rPr>
               <a:t>11</a:t>
-            </a:r>
-          </a:p>
-          <a:p>
-            <a:pPr marL="0" indent="0">
-              <a:spcAft>
-                <a:spcPct val="15000"/>
-              </a:spcAft>
-              <a:buNone/>
-            </a:pPr>
-            <a:r>
-              <a:rPr lang="en-US" altLang="en-US" sz="3400" dirty="0">
-                <a:solidFill>
-                  <a:schemeClr val="accent2"/>
-                </a:solidFill>
-                <a:latin typeface="Lucida Sans Typewriter" panose="020B0509030504030204" pitchFamily="49" charset="0"/>
-                <a:ea typeface="ＭＳ Ｐゴシック" panose="020B0600070205080204" pitchFamily="34" charset="-128"/>
-              </a:rPr>
-              <a:t>&gt;&gt;&gt; y += 1</a:t>
-            </a:r>
-          </a:p>
-          <a:p>
-            <a:pPr marL="0" indent="0">
-              <a:spcAft>
-                <a:spcPct val="15000"/>
-              </a:spcAft>
-              <a:buNone/>
-            </a:pPr>
-            <a:r>
-              <a:rPr lang="en-US" altLang="en-US" sz="3400" dirty="0">
-                <a:solidFill>
-                  <a:schemeClr val="accent2"/>
-                </a:solidFill>
-                <a:latin typeface="Lucida Sans Typewriter" panose="020B0509030504030204" pitchFamily="49" charset="0"/>
-                <a:ea typeface="ＭＳ Ｐゴシック" panose="020B0600070205080204" pitchFamily="34" charset="-128"/>
-              </a:rPr>
-              <a:t>&gt;&gt;&gt; y</a:t>
-            </a:r>
-          </a:p>
-          <a:p>
-            <a:pPr marL="0" indent="0">
-              <a:spcAft>
-                <a:spcPct val="15000"/>
-              </a:spcAft>
-              <a:buNone/>
-            </a:pPr>
-            <a:r>
-              <a:rPr lang="en-US" altLang="en-US" sz="3400" dirty="0">
-                <a:solidFill>
-                  <a:schemeClr val="accent2"/>
-                </a:solidFill>
-                <a:latin typeface="Lucida Sans Typewriter" panose="020B0509030504030204" pitchFamily="49" charset="0"/>
-                <a:ea typeface="ＭＳ Ｐゴシック" panose="020B0600070205080204" pitchFamily="34" charset="-128"/>
-              </a:rPr>
-              <a:t>12</a:t>
             </a:r>
           </a:p>
           <a:p>
@@ -10450,12 +10340,12 @@
         <p:spPr>
           <a:xfrm>
             <a:off x="838200" y="1825625"/>
-            <a:ext cx="4774035" cy="4432562"/>
+            <a:ext cx="10515600" cy="4432562"/>
           </a:xfrm>
         </p:spPr>
         <p:txBody>
           <a:bodyPr>
-            <a:normAutofit fontScale="62500" lnSpcReduction="20000"/>
+            <a:normAutofit fontScale="70000" lnSpcReduction="20000"/>
           </a:bodyPr>
           <a:lstStyle/>
           <a:p>
@@ -10662,370 +10552,6 @@
                 <a:ea typeface="ＭＳ Ｐゴシック" panose="020B0600070205080204" pitchFamily="34" charset="-128"/>
               </a:rPr>
               <a:t>False</a:t>
-            </a:r>
-          </a:p>
-        </p:txBody>
-      </p:sp>
-      <p:sp>
-        <p:nvSpPr>
-          <p:cNvPr id="4" name="Content Placeholder 2">
-            <a:extLst>
-              <a:ext uri="{FF2B5EF4-FFF2-40B4-BE49-F238E27FC236}">
-                <a16:creationId xmlns:a16="http://schemas.microsoft.com/office/drawing/2014/main" id="{2FFE23C2-2578-4722-8B4D-D7ACDCAA5520}"/>
-              </a:ext>
-            </a:extLst>
-          </p:cNvPr>
-          <p:cNvSpPr txBox="1">
-            <a:spLocks/>
-          </p:cNvSpPr>
-          <p:nvPr/>
-        </p:nvSpPr>
-        <p:spPr>
-          <a:xfrm>
-            <a:off x="6096000" y="1810245"/>
-            <a:ext cx="5822659" cy="4432562"/>
-          </a:xfrm>
-          <a:prstGeom prst="rect">
-            <a:avLst/>
-          </a:prstGeom>
-        </p:spPr>
-        <p:txBody>
-          <a:bodyPr vert="horz" lIns="91440" tIns="45720" rIns="91440" bIns="45720" rtlCol="0">
-            <a:normAutofit/>
-          </a:bodyPr>
-          <a:lstStyle>
-            <a:lvl1pPr marL="228600" indent="-228600" algn="l" defTabSz="914400" rtl="0" eaLnBrk="1" latinLnBrk="0" hangingPunct="1">
-              <a:lnSpc>
-                <a:spcPct val="90000"/>
-              </a:lnSpc>
-              <a:spcBef>
-                <a:spcPts val="1000"/>
-              </a:spcBef>
-              <a:buFont typeface="Arial" panose="020B0604020202020204" pitchFamily="34" charset="0"/>
-              <a:buChar char="•"/>
-              <a:defRPr sz="2800" kern="1200">
-                <a:solidFill>
-                  <a:schemeClr val="tx1"/>
-                </a:solidFill>
-                <a:latin typeface="+mn-lt"/>
-                <a:ea typeface="+mn-ea"/>
-                <a:cs typeface="+mn-cs"/>
-              </a:defRPr>
-            </a:lvl1pPr>
-            <a:lvl2pPr marL="685800" indent="-228600" algn="l" defTabSz="914400" rtl="0" eaLnBrk="1" latinLnBrk="0" hangingPunct="1">
-              <a:lnSpc>
-                <a:spcPct val="90000"/>
-              </a:lnSpc>
-              <a:spcBef>
-                <a:spcPts val="500"/>
-              </a:spcBef>
-              <a:buFont typeface="Arial" panose="020B0604020202020204" pitchFamily="34" charset="0"/>
-              <a:buChar char="•"/>
-              <a:defRPr sz="2400" kern="1200">
-                <a:solidFill>
-                  <a:schemeClr val="tx1"/>
-                </a:solidFill>
-                <a:latin typeface="+mn-lt"/>
-                <a:ea typeface="+mn-ea"/>
-                <a:cs typeface="+mn-cs"/>
-              </a:defRPr>
-            </a:lvl2pPr>
-            <a:lvl3pPr marL="1143000" indent="-228600" algn="l" defTabSz="914400" rtl="0" eaLnBrk="1" latinLnBrk="0" hangingPunct="1">
-              <a:lnSpc>
-                <a:spcPct val="90000"/>
-              </a:lnSpc>
-              <a:spcBef>
-                <a:spcPts val="500"/>
-              </a:spcBef>
-              <a:buFont typeface="Arial" panose="020B0604020202020204" pitchFamily="34" charset="0"/>
-              <a:buChar char="•"/>
-              <a:defRPr sz="2000" kern="1200">
-                <a:solidFill>
-                  <a:schemeClr val="tx1"/>
-                </a:solidFill>
-                <a:latin typeface="+mn-lt"/>
-                <a:ea typeface="+mn-ea"/>
-                <a:cs typeface="+mn-cs"/>
-              </a:defRPr>
-            </a:lvl3pPr>
-            <a:lvl4pPr marL="1600200" indent="-228600" algn="l" defTabSz="914400" rtl="0" eaLnBrk="1" latinLnBrk="0" hangingPunct="1">
-              <a:lnSpc>
-                <a:spcPct val="90000"/>
-              </a:lnSpc>
-              <a:spcBef>
-                <a:spcPts val="500"/>
-              </a:spcBef>
-              <a:buFont typeface="Arial" panose="020B0604020202020204" pitchFamily="34" charset="0"/>
-              <a:buChar char="•"/>
-              <a:defRPr sz="1800" kern="1200">
-                <a:solidFill>
-                  <a:schemeClr val="tx1"/>
-                </a:solidFill>
-                <a:latin typeface="+mn-lt"/>
-                <a:ea typeface="+mn-ea"/>
-                <a:cs typeface="+mn-cs"/>
-              </a:defRPr>
-            </a:lvl4pPr>
-            <a:lvl5pPr marL="2057400" indent="-228600" algn="l" defTabSz="914400" rtl="0" eaLnBrk="1" latinLnBrk="0" hangingPunct="1">
-              <a:lnSpc>
-                <a:spcPct val="90000"/>
-              </a:lnSpc>
-              <a:spcBef>
-                <a:spcPts val="500"/>
-              </a:spcBef>
-              <a:buFont typeface="Arial" panose="020B0604020202020204" pitchFamily="34" charset="0"/>
-              <a:buChar char="•"/>
-              <a:defRPr sz="1800" kern="1200">
-                <a:solidFill>
-                  <a:schemeClr val="tx1"/>
-                </a:solidFill>
-                <a:latin typeface="+mn-lt"/>
-                <a:ea typeface="+mn-ea"/>
-                <a:cs typeface="+mn-cs"/>
-              </a:defRPr>
-            </a:lvl5pPr>
-            <a:lvl6pPr marL="2514600" indent="-228600" algn="l" defTabSz="914400" rtl="0" eaLnBrk="1" latinLnBrk="0" hangingPunct="1">
-              <a:lnSpc>
-                <a:spcPct val="90000"/>
-              </a:lnSpc>
-              <a:spcBef>
-                <a:spcPts val="500"/>
-              </a:spcBef>
-              <a:buFont typeface="Arial" panose="020B0604020202020204" pitchFamily="34" charset="0"/>
-              <a:buChar char="•"/>
-              <a:defRPr sz="1800" kern="1200">
-                <a:solidFill>
-                  <a:schemeClr val="tx1"/>
-                </a:solidFill>
-                <a:latin typeface="+mn-lt"/>
-                <a:ea typeface="+mn-ea"/>
-                <a:cs typeface="+mn-cs"/>
-              </a:defRPr>
-            </a:lvl6pPr>
-            <a:lvl7pPr marL="2971800" indent="-228600" algn="l" defTabSz="914400" rtl="0" eaLnBrk="1" latinLnBrk="0" hangingPunct="1">
-              <a:lnSpc>
-                <a:spcPct val="90000"/>
-              </a:lnSpc>
-              <a:spcBef>
-                <a:spcPts val="500"/>
-              </a:spcBef>
-              <a:buFont typeface="Arial" panose="020B0604020202020204" pitchFamily="34" charset="0"/>
-              <a:buChar char="•"/>
-              <a:defRPr sz="1800" kern="1200">
-                <a:solidFill>
-                  <a:schemeClr val="tx1"/>
-                </a:solidFill>
-                <a:latin typeface="+mn-lt"/>
-                <a:ea typeface="+mn-ea"/>
-                <a:cs typeface="+mn-cs"/>
-              </a:defRPr>
-            </a:lvl7pPr>
-            <a:lvl8pPr marL="3429000" indent="-228600" algn="l" defTabSz="914400" rtl="0" eaLnBrk="1" latinLnBrk="0" hangingPunct="1">
-              <a:lnSpc>
-                <a:spcPct val="90000"/>
-              </a:lnSpc>
-              <a:spcBef>
-                <a:spcPts val="500"/>
-              </a:spcBef>
-              <a:buFont typeface="Arial" panose="020B0604020202020204" pitchFamily="34" charset="0"/>
-              <a:buChar char="•"/>
-              <a:defRPr sz="1800" kern="1200">
-                <a:solidFill>
-                  <a:schemeClr val="tx1"/>
-                </a:solidFill>
-                <a:latin typeface="+mn-lt"/>
-                <a:ea typeface="+mn-ea"/>
-                <a:cs typeface="+mn-cs"/>
-              </a:defRPr>
-            </a:lvl8pPr>
-            <a:lvl9pPr marL="3886200" indent="-228600" algn="l" defTabSz="914400" rtl="0" eaLnBrk="1" latinLnBrk="0" hangingPunct="1">
-              <a:lnSpc>
-                <a:spcPct val="90000"/>
-              </a:lnSpc>
-              <a:spcBef>
-                <a:spcPts val="500"/>
-              </a:spcBef>
-              <a:buFont typeface="Arial" panose="020B0604020202020204" pitchFamily="34" charset="0"/>
-              <a:buChar char="•"/>
-              <a:defRPr sz="1800" kern="1200">
-                <a:solidFill>
-                  <a:schemeClr val="tx1"/>
-                </a:solidFill>
-                <a:latin typeface="+mn-lt"/>
-                <a:ea typeface="+mn-ea"/>
-                <a:cs typeface="+mn-cs"/>
-              </a:defRPr>
-            </a:lvl9pPr>
-          </a:lstStyle>
-          <a:p>
-            <a:pPr marL="0" indent="0">
-              <a:lnSpc>
-                <a:spcPct val="110000"/>
-              </a:lnSpc>
-              <a:buNone/>
-            </a:pPr>
-            <a:r>
-              <a:rPr lang="en-US" altLang="en-US" sz="2300" dirty="0">
-                <a:ea typeface="ＭＳ Ｐゴシック" panose="020B0600070205080204" pitchFamily="34" charset="-128"/>
-              </a:rPr>
-              <a:t>Consider this. Why did y not change?</a:t>
-            </a:r>
-          </a:p>
-          <a:p>
-            <a:pPr marL="0" indent="0">
-              <a:buFont typeface="Arial" panose="020B0604020202020204" pitchFamily="34" charset="0"/>
-              <a:buNone/>
-            </a:pPr>
-            <a:endParaRPr lang="en-US" altLang="en-US" sz="2400" dirty="0">
-              <a:solidFill>
-                <a:srgbClr val="660033"/>
-              </a:solidFill>
-              <a:latin typeface="Courier New" panose="02070309020205020404" pitchFamily="49" charset="0"/>
-              <a:ea typeface="ＭＳ Ｐゴシック" panose="020B0600070205080204" pitchFamily="34" charset="-128"/>
-            </a:endParaRPr>
-          </a:p>
-          <a:p>
-            <a:pPr marL="0" indent="0">
-              <a:spcAft>
-                <a:spcPct val="15000"/>
-              </a:spcAft>
-              <a:buNone/>
-            </a:pPr>
-            <a:r>
-              <a:rPr lang="en-US" altLang="en-US" sz="1300" dirty="0">
-                <a:solidFill>
-                  <a:schemeClr val="accent2"/>
-                </a:solidFill>
-                <a:latin typeface="Lucida Sans Typewriter" panose="020B0509030504030204" pitchFamily="49" charset="0"/>
-                <a:ea typeface="ＭＳ Ｐゴシック" panose="020B0600070205080204" pitchFamily="34" charset="-128"/>
-              </a:rPr>
-              <a:t>&gt;&gt;&gt; x = y = 1000</a:t>
-            </a:r>
-          </a:p>
-          <a:p>
-            <a:pPr marL="0" indent="0">
-              <a:spcAft>
-                <a:spcPct val="15000"/>
-              </a:spcAft>
-              <a:buNone/>
-            </a:pPr>
-            <a:r>
-              <a:rPr lang="en-US" altLang="en-US" sz="1300" dirty="0">
-                <a:solidFill>
-                  <a:schemeClr val="accent2"/>
-                </a:solidFill>
-                <a:latin typeface="Lucida Sans Typewriter" panose="020B0509030504030204" pitchFamily="49" charset="0"/>
-                <a:ea typeface="ＭＳ Ｐゴシック" panose="020B0600070205080204" pitchFamily="34" charset="-128"/>
-              </a:rPr>
-              <a:t>&gt;&gt;&gt; x is y</a:t>
-            </a:r>
-          </a:p>
-          <a:p>
-            <a:pPr marL="0" indent="0">
-              <a:spcAft>
-                <a:spcPct val="15000"/>
-              </a:spcAft>
-              <a:buNone/>
-            </a:pPr>
-            <a:r>
-              <a:rPr lang="en-US" altLang="en-US" sz="1300" dirty="0">
-                <a:solidFill>
-                  <a:schemeClr val="accent2"/>
-                </a:solidFill>
-                <a:latin typeface="Lucida Sans Typewriter" panose="020B0509030504030204" pitchFamily="49" charset="0"/>
-                <a:ea typeface="ＭＳ Ｐゴシック" panose="020B0600070205080204" pitchFamily="34" charset="-128"/>
-              </a:rPr>
-              <a:t>&gt;&gt;&gt; True</a:t>
-            </a:r>
-          </a:p>
-          <a:p>
-            <a:pPr marL="0" indent="0">
-              <a:spcAft>
-                <a:spcPct val="15000"/>
-              </a:spcAft>
-              <a:buNone/>
-            </a:pPr>
-            <a:r>
-              <a:rPr lang="en-US" altLang="en-US" sz="1300" dirty="0">
-                <a:solidFill>
-                  <a:schemeClr val="accent2"/>
-                </a:solidFill>
-                <a:latin typeface="Lucida Sans Typewriter" panose="020B0509030504030204" pitchFamily="49" charset="0"/>
-                <a:ea typeface="ＭＳ Ｐゴシック" panose="020B0600070205080204" pitchFamily="34" charset="-128"/>
-              </a:rPr>
-              <a:t>&gt;&gt;&gt; x = 2000</a:t>
-            </a:r>
-          </a:p>
-          <a:p>
-            <a:pPr marL="0" indent="0">
-              <a:spcAft>
-                <a:spcPct val="15000"/>
-              </a:spcAft>
-              <a:buNone/>
-            </a:pPr>
-            <a:r>
-              <a:rPr lang="en-US" altLang="en-US" sz="1300" dirty="0">
-                <a:solidFill>
-                  <a:schemeClr val="accent2"/>
-                </a:solidFill>
-                <a:latin typeface="Lucida Sans Typewriter" panose="020B0509030504030204" pitchFamily="49" charset="0"/>
-                <a:ea typeface="ＭＳ Ｐゴシック" panose="020B0600070205080204" pitchFamily="34" charset="-128"/>
-              </a:rPr>
-              <a:t>&gt;&gt;&gt; x</a:t>
-            </a:r>
-          </a:p>
-          <a:p>
-            <a:pPr marL="0" indent="0">
-              <a:spcAft>
-                <a:spcPct val="15000"/>
-              </a:spcAft>
-              <a:buNone/>
-            </a:pPr>
-            <a:r>
-              <a:rPr lang="en-US" altLang="en-US" sz="1300" dirty="0">
-                <a:solidFill>
-                  <a:schemeClr val="accent2"/>
-                </a:solidFill>
-                <a:latin typeface="Lucida Sans Typewriter" panose="020B0509030504030204" pitchFamily="49" charset="0"/>
-                <a:ea typeface="ＭＳ Ｐゴシック" panose="020B0600070205080204" pitchFamily="34" charset="-128"/>
-              </a:rPr>
-              <a:t>&gt;&gt;&gt; 2000</a:t>
-            </a:r>
-          </a:p>
-          <a:p>
-            <a:pPr marL="0" indent="0">
-              <a:spcAft>
-                <a:spcPct val="15000"/>
-              </a:spcAft>
-              <a:buNone/>
-            </a:pPr>
-            <a:r>
-              <a:rPr lang="en-US" altLang="en-US" sz="1300" dirty="0">
-                <a:solidFill>
-                  <a:schemeClr val="accent2"/>
-                </a:solidFill>
-                <a:latin typeface="Lucida Sans Typewriter" panose="020B0509030504030204" pitchFamily="49" charset="0"/>
-                <a:ea typeface="ＭＳ Ｐゴシック" panose="020B0600070205080204" pitchFamily="34" charset="-128"/>
-              </a:rPr>
-              <a:t>&gt;&gt;&gt; y</a:t>
-            </a:r>
-          </a:p>
-          <a:p>
-            <a:pPr marL="0" indent="0">
-              <a:spcAft>
-                <a:spcPct val="15000"/>
-              </a:spcAft>
-              <a:buNone/>
-            </a:pPr>
-            <a:r>
-              <a:rPr lang="en-US" altLang="en-US" sz="1300" dirty="0">
-                <a:solidFill>
-                  <a:schemeClr val="accent2"/>
-                </a:solidFill>
-                <a:latin typeface="Lucida Sans Typewriter" panose="020B0509030504030204" pitchFamily="49" charset="0"/>
-                <a:ea typeface="ＭＳ Ｐゴシック" panose="020B0600070205080204" pitchFamily="34" charset="-128"/>
-              </a:rPr>
-              <a:t>&gt;&gt;&gt; 1000</a:t>
             </a:r>
           </a:p>
         </p:txBody>
